--- a/Vortrag/Leiterplatte_als_Musikinstrument_Kirschner_Dilman.pptx
+++ b/Vortrag/Leiterplatte_als_Musikinstrument_Kirschner_Dilman.pptx
@@ -14,7 +14,7 @@
     <p:sldId id="257" r:id="rId5"/>
     <p:sldId id="258" r:id="rId6"/>
     <p:sldId id="259" r:id="rId7"/>
-    <p:sldId id="271" r:id="rId8"/>
+    <p:sldId id="272" r:id="rId8"/>
     <p:sldId id="260" r:id="rId9"/>
     <p:sldId id="269" r:id="rId10"/>
     <p:sldId id="264" r:id="rId11"/>
@@ -534,8 +534,8 @@
         </p:nvSpPr>
         <p:spPr>
           <a:xfrm>
-            <a:off x="898560" y="738360"/>
-            <a:ext cx="4927320" cy="3695400"/>
+            <a:off x="898525" y="738188"/>
+            <a:ext cx="4927600" cy="3695700"/>
           </a:xfrm>
           <a:prstGeom prst="rect">
             <a:avLst/>
@@ -743,8 +743,8 @@
         </p:nvSpPr>
         <p:spPr>
           <a:xfrm>
-            <a:off x="898560" y="738360"/>
-            <a:ext cx="4927320" cy="3695400"/>
+            <a:off x="898525" y="738188"/>
+            <a:ext cx="4927600" cy="3695700"/>
           </a:xfrm>
           <a:prstGeom prst="rect">
             <a:avLst/>
@@ -1497,7 +1497,7 @@
     </p:spTree>
     <p:extLst>
       <p:ext uri="{BB962C8B-B14F-4D97-AF65-F5344CB8AC3E}">
-        <p14:creationId xmlns:p14="http://schemas.microsoft.com/office/powerpoint/2010/main" val="545766972"/>
+        <p14:creationId xmlns:p14="http://schemas.microsoft.com/office/powerpoint/2010/main" val="1338498813"/>
       </p:ext>
     </p:extLst>
   </p:cSld>
@@ -10766,15 +10766,15 @@
               <a:buNone/>
             </a:pPr>
             <a:r>
-              <a:rPr lang="de-DE" sz="1800" b="1" strike="noStrike" spc="-1">
+              <a:rPr lang="de-DE" sz="2400" b="1" strike="noStrike" spc="-1" dirty="0">
                 <a:solidFill>
                   <a:srgbClr val="0046A0"/>
                 </a:solidFill>
                 <a:latin typeface="ArialMT"/>
               </a:rPr>
-              <a:t>Leiterplatte als Musikinstrument</a:t>
+              <a:t>Die Leiterplatte als Musikinstrument</a:t>
             </a:r>
-            <a:endParaRPr lang="en-US" sz="1800" b="0" strike="noStrike" spc="-1">
+            <a:endParaRPr lang="en-US" sz="2400" b="0" strike="noStrike" spc="-1" dirty="0">
               <a:solidFill>
                 <a:srgbClr val="000000"/>
               </a:solidFill>
@@ -10825,7 +10825,7 @@
               </a:tabLst>
             </a:pPr>
             <a:r>
-              <a:rPr lang="de-DE" sz="1800" b="1" strike="noStrike" spc="-1">
+              <a:rPr lang="de-DE" sz="1800" b="1" strike="noStrike" spc="-1" dirty="0">
                 <a:solidFill>
                   <a:srgbClr val="000000"/>
                 </a:solidFill>
@@ -10834,7 +10834,7 @@
               <a:t>von </a:t>
             </a:r>
             <a:r>
-              <a:rPr lang="de-DE" sz="1800" b="1" i="1" strike="noStrike" spc="-1">
+              <a:rPr lang="de-DE" sz="1800" b="1" i="1" strike="noStrike" spc="-1" dirty="0">
                 <a:solidFill>
                   <a:srgbClr val="000000"/>
                 </a:solidFill>
@@ -10842,7 +10842,59 @@
               </a:rPr>
               <a:t>Viktor Dilman</a:t>
             </a:r>
-            <a:endParaRPr lang="de-DE" sz="1800" b="0" strike="noStrike" spc="-1">
+          </a:p>
+          <a:p>
+            <a:pPr>
+              <a:lnSpc>
+                <a:spcPct val="100000"/>
+              </a:lnSpc>
+              <a:spcBef>
+                <a:spcPts val="901"/>
+              </a:spcBef>
+              <a:buNone/>
+              <a:tabLst>
+                <a:tab pos="0" algn="l"/>
+              </a:tabLst>
+            </a:pPr>
+            <a:r>
+              <a:rPr lang="de-DE" sz="1800" b="1" spc="-1" dirty="0">
+                <a:solidFill>
+                  <a:srgbClr val="000000"/>
+                </a:solidFill>
+                <a:latin typeface="Arial"/>
+              </a:rPr>
+              <a:t>und</a:t>
+            </a:r>
+            <a:r>
+              <a:rPr lang="de-DE" sz="1800" b="1" i="1" spc="-1" dirty="0">
+                <a:solidFill>
+                  <a:srgbClr val="000000"/>
+                </a:solidFill>
+                <a:latin typeface="Arial"/>
+              </a:rPr>
+              <a:t> Christoph Kirschner</a:t>
+            </a:r>
+            <a:endParaRPr lang="de-DE" sz="1800" b="1" i="1" strike="noStrike" spc="-1" dirty="0">
+              <a:solidFill>
+                <a:srgbClr val="000000"/>
+              </a:solidFill>
+              <a:latin typeface="Arial"/>
+            </a:endParaRPr>
+          </a:p>
+          <a:p>
+            <a:pPr>
+              <a:lnSpc>
+                <a:spcPct val="100000"/>
+              </a:lnSpc>
+              <a:spcBef>
+                <a:spcPts val="901"/>
+              </a:spcBef>
+              <a:buNone/>
+              <a:tabLst>
+                <a:tab pos="0" algn="l"/>
+              </a:tabLst>
+            </a:pPr>
+            <a:endParaRPr lang="de-DE" sz="1800" b="0" strike="noStrike" spc="-1" dirty="0">
               <a:latin typeface="Arial"/>
             </a:endParaRPr>
           </a:p>
@@ -11196,6 +11248,147 @@
           </a:ln>
         </p:spPr>
       </p:pic>
+      <p:sp>
+        <p:nvSpPr>
+          <p:cNvPr id="2" name="PlaceHolder 3">
+            <a:extLst>
+              <a:ext uri="{FF2B5EF4-FFF2-40B4-BE49-F238E27FC236}">
+                <a16:creationId xmlns:a16="http://schemas.microsoft.com/office/drawing/2014/main" id="{E96BEB76-7120-8552-BA05-2B4E29530E63}"/>
+              </a:ext>
+            </a:extLst>
+          </p:cNvPr>
+          <p:cNvSpPr txBox="1">
+            <a:spLocks/>
+          </p:cNvSpPr>
+          <p:nvPr/>
+        </p:nvSpPr>
+        <p:spPr>
+          <a:xfrm>
+            <a:off x="3534033" y="6381720"/>
+            <a:ext cx="3220249" cy="360000"/>
+          </a:xfrm>
+          <a:prstGeom prst="rect">
+            <a:avLst/>
+          </a:prstGeom>
+          <a:noFill/>
+          <a:ln w="9360">
+            <a:noFill/>
+          </a:ln>
+        </p:spPr>
+        <p:txBody>
+          <a:bodyPr lIns="0" tIns="0" rIns="0" bIns="0" numCol="1" spcCol="0" anchor="t">
+            <a:noAutofit/>
+          </a:bodyPr>
+          <a:lstStyle>
+            <a:defPPr>
+              <a:defRPr lang="de-DE"/>
+            </a:defPPr>
+            <a:lvl1pPr marL="0" algn="l" defTabSz="914400" rtl="0" eaLnBrk="1" latinLnBrk="0" hangingPunct="1">
+              <a:lnSpc>
+                <a:spcPct val="100000"/>
+              </a:lnSpc>
+              <a:buNone/>
+              <a:defRPr lang="de-DE" sz="1000" b="0" strike="noStrike" kern="1200" spc="-1">
+                <a:solidFill>
+                  <a:srgbClr val="000000"/>
+                </a:solidFill>
+                <a:latin typeface="Arial"/>
+                <a:ea typeface="+mn-ea"/>
+                <a:cs typeface="+mn-cs"/>
+              </a:defRPr>
+            </a:lvl1pPr>
+            <a:lvl2pPr marL="457200" algn="l" defTabSz="914400" rtl="0" eaLnBrk="1" latinLnBrk="0" hangingPunct="1">
+              <a:defRPr sz="1800" kern="1200">
+                <a:solidFill>
+                  <a:schemeClr val="tx1"/>
+                </a:solidFill>
+                <a:latin typeface="+mn-lt"/>
+                <a:ea typeface="+mn-ea"/>
+                <a:cs typeface="+mn-cs"/>
+              </a:defRPr>
+            </a:lvl2pPr>
+            <a:lvl3pPr marL="914400" algn="l" defTabSz="914400" rtl="0" eaLnBrk="1" latinLnBrk="0" hangingPunct="1">
+              <a:defRPr sz="1800" kern="1200">
+                <a:solidFill>
+                  <a:schemeClr val="tx1"/>
+                </a:solidFill>
+                <a:latin typeface="+mn-lt"/>
+                <a:ea typeface="+mn-ea"/>
+                <a:cs typeface="+mn-cs"/>
+              </a:defRPr>
+            </a:lvl3pPr>
+            <a:lvl4pPr marL="1371600" algn="l" defTabSz="914400" rtl="0" eaLnBrk="1" latinLnBrk="0" hangingPunct="1">
+              <a:defRPr sz="1800" kern="1200">
+                <a:solidFill>
+                  <a:schemeClr val="tx1"/>
+                </a:solidFill>
+                <a:latin typeface="+mn-lt"/>
+                <a:ea typeface="+mn-ea"/>
+                <a:cs typeface="+mn-cs"/>
+              </a:defRPr>
+            </a:lvl4pPr>
+            <a:lvl5pPr marL="1828800" algn="l" defTabSz="914400" rtl="0" eaLnBrk="1" latinLnBrk="0" hangingPunct="1">
+              <a:defRPr sz="1800" kern="1200">
+                <a:solidFill>
+                  <a:schemeClr val="tx1"/>
+                </a:solidFill>
+                <a:latin typeface="+mn-lt"/>
+                <a:ea typeface="+mn-ea"/>
+                <a:cs typeface="+mn-cs"/>
+              </a:defRPr>
+            </a:lvl5pPr>
+            <a:lvl6pPr marL="2286000" algn="l" defTabSz="914400" rtl="0" eaLnBrk="1" latinLnBrk="0" hangingPunct="1">
+              <a:defRPr sz="1800" kern="1200">
+                <a:solidFill>
+                  <a:schemeClr val="tx1"/>
+                </a:solidFill>
+                <a:latin typeface="+mn-lt"/>
+                <a:ea typeface="+mn-ea"/>
+                <a:cs typeface="+mn-cs"/>
+              </a:defRPr>
+            </a:lvl6pPr>
+            <a:lvl7pPr marL="2743200" algn="l" defTabSz="914400" rtl="0" eaLnBrk="1" latinLnBrk="0" hangingPunct="1">
+              <a:defRPr sz="1800" kern="1200">
+                <a:solidFill>
+                  <a:schemeClr val="tx1"/>
+                </a:solidFill>
+                <a:latin typeface="+mn-lt"/>
+                <a:ea typeface="+mn-ea"/>
+                <a:cs typeface="+mn-cs"/>
+              </a:defRPr>
+            </a:lvl7pPr>
+            <a:lvl8pPr marL="3200400" algn="l" defTabSz="914400" rtl="0" eaLnBrk="1" latinLnBrk="0" hangingPunct="1">
+              <a:defRPr sz="1800" kern="1200">
+                <a:solidFill>
+                  <a:schemeClr val="tx1"/>
+                </a:solidFill>
+                <a:latin typeface="+mn-lt"/>
+                <a:ea typeface="+mn-ea"/>
+                <a:cs typeface="+mn-cs"/>
+              </a:defRPr>
+            </a:lvl8pPr>
+            <a:lvl9pPr marL="3657600" algn="l" defTabSz="914400" rtl="0" eaLnBrk="1" latinLnBrk="0" hangingPunct="1">
+              <a:defRPr sz="1800" kern="1200">
+                <a:solidFill>
+                  <a:schemeClr val="tx1"/>
+                </a:solidFill>
+                <a:latin typeface="+mn-lt"/>
+                <a:ea typeface="+mn-ea"/>
+                <a:cs typeface="+mn-cs"/>
+              </a:defRPr>
+            </a:lvl9pPr>
+          </a:lstStyle>
+          <a:p>
+            <a:r>
+              <a:rPr lang="de-DE" dirty="0"/>
+              <a:t>Vortrag LPDES – Viktor Dilman, Christoph Kirschner</a:t>
+            </a:r>
+            <a:endParaRPr lang="de-DE" dirty="0">
+              <a:latin typeface="Times New Roman"/>
+            </a:endParaRPr>
+          </a:p>
+        </p:txBody>
+      </p:sp>
     </p:spTree>
   </p:cSld>
   <p:clrMapOvr>
@@ -11464,6 +11657,147 @@
           </a:p>
         </p:txBody>
       </p:sp>
+      <p:sp>
+        <p:nvSpPr>
+          <p:cNvPr id="3" name="PlaceHolder 3">
+            <a:extLst>
+              <a:ext uri="{FF2B5EF4-FFF2-40B4-BE49-F238E27FC236}">
+                <a16:creationId xmlns:a16="http://schemas.microsoft.com/office/drawing/2014/main" id="{82DEBE22-B664-1525-2C7A-FCEEDB595B5E}"/>
+              </a:ext>
+            </a:extLst>
+          </p:cNvPr>
+          <p:cNvSpPr txBox="1">
+            <a:spLocks/>
+          </p:cNvSpPr>
+          <p:nvPr/>
+        </p:nvSpPr>
+        <p:spPr>
+          <a:xfrm>
+            <a:off x="3534033" y="6381720"/>
+            <a:ext cx="3220249" cy="360000"/>
+          </a:xfrm>
+          <a:prstGeom prst="rect">
+            <a:avLst/>
+          </a:prstGeom>
+          <a:noFill/>
+          <a:ln w="9360">
+            <a:noFill/>
+          </a:ln>
+        </p:spPr>
+        <p:txBody>
+          <a:bodyPr lIns="0" tIns="0" rIns="0" bIns="0" numCol="1" spcCol="0" anchor="t">
+            <a:noAutofit/>
+          </a:bodyPr>
+          <a:lstStyle>
+            <a:defPPr>
+              <a:defRPr lang="de-DE"/>
+            </a:defPPr>
+            <a:lvl1pPr marL="0" algn="l" defTabSz="914400" rtl="0" eaLnBrk="1" latinLnBrk="0" hangingPunct="1">
+              <a:lnSpc>
+                <a:spcPct val="100000"/>
+              </a:lnSpc>
+              <a:buNone/>
+              <a:defRPr lang="de-DE" sz="1000" b="0" strike="noStrike" kern="1200" spc="-1">
+                <a:solidFill>
+                  <a:srgbClr val="000000"/>
+                </a:solidFill>
+                <a:latin typeface="Arial"/>
+                <a:ea typeface="+mn-ea"/>
+                <a:cs typeface="+mn-cs"/>
+              </a:defRPr>
+            </a:lvl1pPr>
+            <a:lvl2pPr marL="457200" algn="l" defTabSz="914400" rtl="0" eaLnBrk="1" latinLnBrk="0" hangingPunct="1">
+              <a:defRPr sz="1800" kern="1200">
+                <a:solidFill>
+                  <a:schemeClr val="tx1"/>
+                </a:solidFill>
+                <a:latin typeface="+mn-lt"/>
+                <a:ea typeface="+mn-ea"/>
+                <a:cs typeface="+mn-cs"/>
+              </a:defRPr>
+            </a:lvl2pPr>
+            <a:lvl3pPr marL="914400" algn="l" defTabSz="914400" rtl="0" eaLnBrk="1" latinLnBrk="0" hangingPunct="1">
+              <a:defRPr sz="1800" kern="1200">
+                <a:solidFill>
+                  <a:schemeClr val="tx1"/>
+                </a:solidFill>
+                <a:latin typeface="+mn-lt"/>
+                <a:ea typeface="+mn-ea"/>
+                <a:cs typeface="+mn-cs"/>
+              </a:defRPr>
+            </a:lvl3pPr>
+            <a:lvl4pPr marL="1371600" algn="l" defTabSz="914400" rtl="0" eaLnBrk="1" latinLnBrk="0" hangingPunct="1">
+              <a:defRPr sz="1800" kern="1200">
+                <a:solidFill>
+                  <a:schemeClr val="tx1"/>
+                </a:solidFill>
+                <a:latin typeface="+mn-lt"/>
+                <a:ea typeface="+mn-ea"/>
+                <a:cs typeface="+mn-cs"/>
+              </a:defRPr>
+            </a:lvl4pPr>
+            <a:lvl5pPr marL="1828800" algn="l" defTabSz="914400" rtl="0" eaLnBrk="1" latinLnBrk="0" hangingPunct="1">
+              <a:defRPr sz="1800" kern="1200">
+                <a:solidFill>
+                  <a:schemeClr val="tx1"/>
+                </a:solidFill>
+                <a:latin typeface="+mn-lt"/>
+                <a:ea typeface="+mn-ea"/>
+                <a:cs typeface="+mn-cs"/>
+              </a:defRPr>
+            </a:lvl5pPr>
+            <a:lvl6pPr marL="2286000" algn="l" defTabSz="914400" rtl="0" eaLnBrk="1" latinLnBrk="0" hangingPunct="1">
+              <a:defRPr sz="1800" kern="1200">
+                <a:solidFill>
+                  <a:schemeClr val="tx1"/>
+                </a:solidFill>
+                <a:latin typeface="+mn-lt"/>
+                <a:ea typeface="+mn-ea"/>
+                <a:cs typeface="+mn-cs"/>
+              </a:defRPr>
+            </a:lvl6pPr>
+            <a:lvl7pPr marL="2743200" algn="l" defTabSz="914400" rtl="0" eaLnBrk="1" latinLnBrk="0" hangingPunct="1">
+              <a:defRPr sz="1800" kern="1200">
+                <a:solidFill>
+                  <a:schemeClr val="tx1"/>
+                </a:solidFill>
+                <a:latin typeface="+mn-lt"/>
+                <a:ea typeface="+mn-ea"/>
+                <a:cs typeface="+mn-cs"/>
+              </a:defRPr>
+            </a:lvl7pPr>
+            <a:lvl8pPr marL="3200400" algn="l" defTabSz="914400" rtl="0" eaLnBrk="1" latinLnBrk="0" hangingPunct="1">
+              <a:defRPr sz="1800" kern="1200">
+                <a:solidFill>
+                  <a:schemeClr val="tx1"/>
+                </a:solidFill>
+                <a:latin typeface="+mn-lt"/>
+                <a:ea typeface="+mn-ea"/>
+                <a:cs typeface="+mn-cs"/>
+              </a:defRPr>
+            </a:lvl8pPr>
+            <a:lvl9pPr marL="3657600" algn="l" defTabSz="914400" rtl="0" eaLnBrk="1" latinLnBrk="0" hangingPunct="1">
+              <a:defRPr sz="1800" kern="1200">
+                <a:solidFill>
+                  <a:schemeClr val="tx1"/>
+                </a:solidFill>
+                <a:latin typeface="+mn-lt"/>
+                <a:ea typeface="+mn-ea"/>
+                <a:cs typeface="+mn-cs"/>
+              </a:defRPr>
+            </a:lvl9pPr>
+          </a:lstStyle>
+          <a:p>
+            <a:r>
+              <a:rPr lang="de-DE" dirty="0"/>
+              <a:t>Vortrag LPDES – Viktor Dilman, Christoph Kirschner</a:t>
+            </a:r>
+            <a:endParaRPr lang="de-DE" dirty="0">
+              <a:latin typeface="Times New Roman"/>
+            </a:endParaRPr>
+          </a:p>
+        </p:txBody>
+      </p:sp>
     </p:spTree>
   </p:cSld>
   <p:clrMapOvr>
@@ -11732,6 +12066,147 @@
           </a:p>
         </p:txBody>
       </p:sp>
+      <p:sp>
+        <p:nvSpPr>
+          <p:cNvPr id="2" name="PlaceHolder 3">
+            <a:extLst>
+              <a:ext uri="{FF2B5EF4-FFF2-40B4-BE49-F238E27FC236}">
+                <a16:creationId xmlns:a16="http://schemas.microsoft.com/office/drawing/2014/main" id="{0C886D1D-28AD-C933-2388-9562852B7215}"/>
+              </a:ext>
+            </a:extLst>
+          </p:cNvPr>
+          <p:cNvSpPr txBox="1">
+            <a:spLocks/>
+          </p:cNvSpPr>
+          <p:nvPr/>
+        </p:nvSpPr>
+        <p:spPr>
+          <a:xfrm>
+            <a:off x="3534033" y="6381720"/>
+            <a:ext cx="3220249" cy="360000"/>
+          </a:xfrm>
+          <a:prstGeom prst="rect">
+            <a:avLst/>
+          </a:prstGeom>
+          <a:noFill/>
+          <a:ln w="9360">
+            <a:noFill/>
+          </a:ln>
+        </p:spPr>
+        <p:txBody>
+          <a:bodyPr lIns="0" tIns="0" rIns="0" bIns="0" numCol="1" spcCol="0" anchor="t">
+            <a:noAutofit/>
+          </a:bodyPr>
+          <a:lstStyle>
+            <a:defPPr>
+              <a:defRPr lang="de-DE"/>
+            </a:defPPr>
+            <a:lvl1pPr marL="0" algn="l" defTabSz="914400" rtl="0" eaLnBrk="1" latinLnBrk="0" hangingPunct="1">
+              <a:lnSpc>
+                <a:spcPct val="100000"/>
+              </a:lnSpc>
+              <a:buNone/>
+              <a:defRPr lang="de-DE" sz="1000" b="0" strike="noStrike" kern="1200" spc="-1">
+                <a:solidFill>
+                  <a:srgbClr val="000000"/>
+                </a:solidFill>
+                <a:latin typeface="Arial"/>
+                <a:ea typeface="+mn-ea"/>
+                <a:cs typeface="+mn-cs"/>
+              </a:defRPr>
+            </a:lvl1pPr>
+            <a:lvl2pPr marL="457200" algn="l" defTabSz="914400" rtl="0" eaLnBrk="1" latinLnBrk="0" hangingPunct="1">
+              <a:defRPr sz="1800" kern="1200">
+                <a:solidFill>
+                  <a:schemeClr val="tx1"/>
+                </a:solidFill>
+                <a:latin typeface="+mn-lt"/>
+                <a:ea typeface="+mn-ea"/>
+                <a:cs typeface="+mn-cs"/>
+              </a:defRPr>
+            </a:lvl2pPr>
+            <a:lvl3pPr marL="914400" algn="l" defTabSz="914400" rtl="0" eaLnBrk="1" latinLnBrk="0" hangingPunct="1">
+              <a:defRPr sz="1800" kern="1200">
+                <a:solidFill>
+                  <a:schemeClr val="tx1"/>
+                </a:solidFill>
+                <a:latin typeface="+mn-lt"/>
+                <a:ea typeface="+mn-ea"/>
+                <a:cs typeface="+mn-cs"/>
+              </a:defRPr>
+            </a:lvl3pPr>
+            <a:lvl4pPr marL="1371600" algn="l" defTabSz="914400" rtl="0" eaLnBrk="1" latinLnBrk="0" hangingPunct="1">
+              <a:defRPr sz="1800" kern="1200">
+                <a:solidFill>
+                  <a:schemeClr val="tx1"/>
+                </a:solidFill>
+                <a:latin typeface="+mn-lt"/>
+                <a:ea typeface="+mn-ea"/>
+                <a:cs typeface="+mn-cs"/>
+              </a:defRPr>
+            </a:lvl4pPr>
+            <a:lvl5pPr marL="1828800" algn="l" defTabSz="914400" rtl="0" eaLnBrk="1" latinLnBrk="0" hangingPunct="1">
+              <a:defRPr sz="1800" kern="1200">
+                <a:solidFill>
+                  <a:schemeClr val="tx1"/>
+                </a:solidFill>
+                <a:latin typeface="+mn-lt"/>
+                <a:ea typeface="+mn-ea"/>
+                <a:cs typeface="+mn-cs"/>
+              </a:defRPr>
+            </a:lvl5pPr>
+            <a:lvl6pPr marL="2286000" algn="l" defTabSz="914400" rtl="0" eaLnBrk="1" latinLnBrk="0" hangingPunct="1">
+              <a:defRPr sz="1800" kern="1200">
+                <a:solidFill>
+                  <a:schemeClr val="tx1"/>
+                </a:solidFill>
+                <a:latin typeface="+mn-lt"/>
+                <a:ea typeface="+mn-ea"/>
+                <a:cs typeface="+mn-cs"/>
+              </a:defRPr>
+            </a:lvl6pPr>
+            <a:lvl7pPr marL="2743200" algn="l" defTabSz="914400" rtl="0" eaLnBrk="1" latinLnBrk="0" hangingPunct="1">
+              <a:defRPr sz="1800" kern="1200">
+                <a:solidFill>
+                  <a:schemeClr val="tx1"/>
+                </a:solidFill>
+                <a:latin typeface="+mn-lt"/>
+                <a:ea typeface="+mn-ea"/>
+                <a:cs typeface="+mn-cs"/>
+              </a:defRPr>
+            </a:lvl7pPr>
+            <a:lvl8pPr marL="3200400" algn="l" defTabSz="914400" rtl="0" eaLnBrk="1" latinLnBrk="0" hangingPunct="1">
+              <a:defRPr sz="1800" kern="1200">
+                <a:solidFill>
+                  <a:schemeClr val="tx1"/>
+                </a:solidFill>
+                <a:latin typeface="+mn-lt"/>
+                <a:ea typeface="+mn-ea"/>
+                <a:cs typeface="+mn-cs"/>
+              </a:defRPr>
+            </a:lvl8pPr>
+            <a:lvl9pPr marL="3657600" algn="l" defTabSz="914400" rtl="0" eaLnBrk="1" latinLnBrk="0" hangingPunct="1">
+              <a:defRPr sz="1800" kern="1200">
+                <a:solidFill>
+                  <a:schemeClr val="tx1"/>
+                </a:solidFill>
+                <a:latin typeface="+mn-lt"/>
+                <a:ea typeface="+mn-ea"/>
+                <a:cs typeface="+mn-cs"/>
+              </a:defRPr>
+            </a:lvl9pPr>
+          </a:lstStyle>
+          <a:p>
+            <a:r>
+              <a:rPr lang="de-DE" dirty="0"/>
+              <a:t>Vortrag LPDES – Viktor Dilman, Christoph Kirschner</a:t>
+            </a:r>
+            <a:endParaRPr lang="de-DE" dirty="0">
+              <a:latin typeface="Times New Roman"/>
+            </a:endParaRPr>
+          </a:p>
+        </p:txBody>
+      </p:sp>
     </p:spTree>
   </p:cSld>
   <p:clrMapOvr>
@@ -11852,15 +12327,44 @@
               </a:tabLst>
             </a:pPr>
             <a:r>
-              <a:rPr lang="de-DE" sz="1400" b="0" strike="noStrike" spc="-1">
+              <a:rPr lang="de-DE" sz="1400" b="0" strike="noStrike" spc="-1" dirty="0">
                 <a:solidFill>
                   <a:srgbClr val="000000"/>
                 </a:solidFill>
                 <a:latin typeface="Arial"/>
               </a:rPr>
-              <a:t>[1] Lindemann, U.: Handbuch Produktentwicklung. München: Carl Hanser Verlag, 2016 </a:t>
+              <a:t>[</a:t>
             </a:r>
-            <a:endParaRPr lang="en-US" sz="1400" b="0" strike="noStrike" spc="-1">
+            <a:r>
+              <a:rPr lang="de-DE" sz="1400" spc="-1" dirty="0">
+                <a:solidFill>
+                  <a:srgbClr val="000000"/>
+                </a:solidFill>
+                <a:latin typeface="Arial"/>
+              </a:rPr>
+              <a:t>1</a:t>
+            </a:r>
+            <a:r>
+              <a:rPr lang="de-DE" sz="1400" b="0" strike="noStrike" spc="-1" dirty="0">
+                <a:solidFill>
+                  <a:srgbClr val="000000"/>
+                </a:solidFill>
+                <a:latin typeface="Arial"/>
+              </a:rPr>
+              <a:t>] </a:t>
+            </a:r>
+            <a:r>
+              <a:rPr lang="de-DE" sz="1400" b="0" u="sng" strike="noStrike" spc="-1" dirty="0">
+                <a:solidFill>
+                  <a:srgbClr val="0046A0"/>
+                </a:solidFill>
+                <a:uFillTx/>
+                <a:latin typeface="Arial"/>
+                <a:hlinkClick r:id="rId3"/>
+              </a:rPr>
+              <a:t>https://www.ericasynths.lv/shop/diy-kits-1/mki-x-esedu-diy-system</a:t>
+            </a:r>
+            <a:endParaRPr lang="en-US" sz="1400" b="0" strike="noStrike" spc="-1" dirty="0">
               <a:solidFill>
                 <a:srgbClr val="000000"/>
               </a:solidFill>
@@ -11881,7 +12385,7 @@
               </a:tabLst>
             </a:pPr>
             <a:r>
-              <a:rPr lang="de-DE" sz="1400" b="0" strike="noStrike" spc="-1">
+              <a:rPr lang="de-DE" sz="1400" b="0" strike="noStrike" spc="-1" dirty="0">
                 <a:solidFill>
                   <a:srgbClr val="000000"/>
                 </a:solidFill>
@@ -11890,17 +12394,17 @@
               <a:t>[2] </a:t>
             </a:r>
             <a:r>
-              <a:rPr lang="de-DE" sz="1400" b="0" u="sng" strike="noStrike" spc="-1">
+              <a:rPr lang="de-DE" sz="1400" b="0" u="sng" strike="noStrike" spc="-1" dirty="0">
                 <a:solidFill>
                   <a:srgbClr val="0046A0"/>
                 </a:solidFill>
                 <a:uFillTx/>
                 <a:latin typeface="Arial"/>
-                <a:hlinkClick r:id="rId3"/>
+                <a:hlinkClick r:id="rId4"/>
               </a:rPr>
-              <a:t>https://www.ericasynths.lv/shop/diy-kits-1/mki-x-esedu-diy-system</a:t>
+              <a:t>https://www.ericasynths.lv/shop/diy-kits-1/edu-diy-vco/</a:t>
             </a:r>
-            <a:endParaRPr lang="en-US" sz="1400" b="0" strike="noStrike" spc="-1">
+            <a:endParaRPr lang="en-US" sz="1400" b="0" strike="noStrike" spc="-1" dirty="0">
               <a:solidFill>
                 <a:srgbClr val="000000"/>
               </a:solidFill>
@@ -11921,7 +12425,7 @@
               </a:tabLst>
             </a:pPr>
             <a:r>
-              <a:rPr lang="de-DE" sz="1400" b="0" strike="noStrike" spc="-1">
+              <a:rPr lang="de-DE" sz="1400" b="0" strike="noStrike" spc="-1" dirty="0">
                 <a:solidFill>
                   <a:srgbClr val="000000"/>
                 </a:solidFill>
@@ -11930,17 +12434,17 @@
               <a:t>[3] </a:t>
             </a:r>
             <a:r>
-              <a:rPr lang="de-DE" sz="1400" b="0" u="sng" strike="noStrike" spc="-1">
+              <a:rPr lang="de-DE" sz="1400" b="0" u="sng" strike="noStrike" spc="-1" dirty="0">
                 <a:solidFill>
                   <a:srgbClr val="0046A0"/>
                 </a:solidFill>
                 <a:uFillTx/>
                 <a:latin typeface="Arial"/>
-                <a:hlinkClick r:id="rId4"/>
+                <a:hlinkClick r:id="rId5"/>
               </a:rPr>
-              <a:t>https://www.ericasynths.lv/shop/diy-kits-1/edu-diy-vco/</a:t>
+              <a:t>https://www.ericasynths.lv/shop/diy-kits-1/edu-diy-mixer/</a:t>
             </a:r>
-            <a:endParaRPr lang="en-US" sz="1400" b="0" strike="noStrike" spc="-1">
+            <a:endParaRPr lang="en-US" sz="1400" b="0" strike="noStrike" spc="-1" dirty="0">
               <a:solidFill>
                 <a:srgbClr val="000000"/>
               </a:solidFill>
@@ -11960,47 +12464,7 @@
                 <a:tab pos="0" algn="l"/>
               </a:tabLst>
             </a:pPr>
-            <a:r>
-              <a:rPr lang="de-DE" sz="1400" b="0" strike="noStrike" spc="-1">
-                <a:solidFill>
-                  <a:srgbClr val="000000"/>
-                </a:solidFill>
-                <a:latin typeface="Arial"/>
-              </a:rPr>
-              <a:t>[4] </a:t>
-            </a:r>
-            <a:r>
-              <a:rPr lang="de-DE" sz="1400" b="0" u="sng" strike="noStrike" spc="-1">
-                <a:solidFill>
-                  <a:srgbClr val="0046A0"/>
-                </a:solidFill>
-                <a:uFillTx/>
-                <a:latin typeface="Arial"/>
-                <a:hlinkClick r:id="rId5"/>
-              </a:rPr>
-              <a:t>https://www.ericasynths.lv/shop/diy-kits-1/edu-diy-mixer/</a:t>
-            </a:r>
-            <a:endParaRPr lang="en-US" sz="1400" b="0" strike="noStrike" spc="-1">
-              <a:solidFill>
-                <a:srgbClr val="000000"/>
-              </a:solidFill>
-              <a:latin typeface="Arial"/>
-            </a:endParaRPr>
-          </a:p>
-          <a:p>
-            <a:pPr>
-              <a:lnSpc>
-                <a:spcPct val="100000"/>
-              </a:lnSpc>
-              <a:spcBef>
-                <a:spcPts val="700"/>
-              </a:spcBef>
-              <a:buNone/>
-              <a:tabLst>
-                <a:tab pos="0" algn="l"/>
-              </a:tabLst>
-            </a:pPr>
-            <a:endParaRPr lang="en-US" sz="1400" b="0" strike="noStrike" spc="-1">
+            <a:endParaRPr lang="en-US" sz="1400" b="0" strike="noStrike" spc="-1" dirty="0">
               <a:solidFill>
                 <a:srgbClr val="000000"/>
               </a:solidFill>
@@ -12159,6 +12623,147 @@
               <a:t>13</a:t>
             </a:fld>
             <a:endParaRPr lang="de-DE" sz="1000" b="0" strike="noStrike" spc="-1">
+              <a:latin typeface="Times New Roman"/>
+            </a:endParaRPr>
+          </a:p>
+        </p:txBody>
+      </p:sp>
+      <p:sp>
+        <p:nvSpPr>
+          <p:cNvPr id="2" name="PlaceHolder 3">
+            <a:extLst>
+              <a:ext uri="{FF2B5EF4-FFF2-40B4-BE49-F238E27FC236}">
+                <a16:creationId xmlns:a16="http://schemas.microsoft.com/office/drawing/2014/main" id="{C9E2EC94-1A63-F643-E930-965FF8BAD973}"/>
+              </a:ext>
+            </a:extLst>
+          </p:cNvPr>
+          <p:cNvSpPr txBox="1">
+            <a:spLocks/>
+          </p:cNvSpPr>
+          <p:nvPr/>
+        </p:nvSpPr>
+        <p:spPr>
+          <a:xfrm>
+            <a:off x="3534033" y="6381720"/>
+            <a:ext cx="3220249" cy="360000"/>
+          </a:xfrm>
+          <a:prstGeom prst="rect">
+            <a:avLst/>
+          </a:prstGeom>
+          <a:noFill/>
+          <a:ln w="9360">
+            <a:noFill/>
+          </a:ln>
+        </p:spPr>
+        <p:txBody>
+          <a:bodyPr lIns="0" tIns="0" rIns="0" bIns="0" numCol="1" spcCol="0" anchor="t">
+            <a:noAutofit/>
+          </a:bodyPr>
+          <a:lstStyle>
+            <a:defPPr>
+              <a:defRPr lang="de-DE"/>
+            </a:defPPr>
+            <a:lvl1pPr marL="0" algn="l" defTabSz="914400" rtl="0" eaLnBrk="1" latinLnBrk="0" hangingPunct="1">
+              <a:lnSpc>
+                <a:spcPct val="100000"/>
+              </a:lnSpc>
+              <a:buNone/>
+              <a:defRPr lang="de-DE" sz="1000" b="0" strike="noStrike" kern="1200" spc="-1">
+                <a:solidFill>
+                  <a:srgbClr val="000000"/>
+                </a:solidFill>
+                <a:latin typeface="Arial"/>
+                <a:ea typeface="+mn-ea"/>
+                <a:cs typeface="+mn-cs"/>
+              </a:defRPr>
+            </a:lvl1pPr>
+            <a:lvl2pPr marL="457200" algn="l" defTabSz="914400" rtl="0" eaLnBrk="1" latinLnBrk="0" hangingPunct="1">
+              <a:defRPr sz="1800" kern="1200">
+                <a:solidFill>
+                  <a:schemeClr val="tx1"/>
+                </a:solidFill>
+                <a:latin typeface="+mn-lt"/>
+                <a:ea typeface="+mn-ea"/>
+                <a:cs typeface="+mn-cs"/>
+              </a:defRPr>
+            </a:lvl2pPr>
+            <a:lvl3pPr marL="914400" algn="l" defTabSz="914400" rtl="0" eaLnBrk="1" latinLnBrk="0" hangingPunct="1">
+              <a:defRPr sz="1800" kern="1200">
+                <a:solidFill>
+                  <a:schemeClr val="tx1"/>
+                </a:solidFill>
+                <a:latin typeface="+mn-lt"/>
+                <a:ea typeface="+mn-ea"/>
+                <a:cs typeface="+mn-cs"/>
+              </a:defRPr>
+            </a:lvl3pPr>
+            <a:lvl4pPr marL="1371600" algn="l" defTabSz="914400" rtl="0" eaLnBrk="1" latinLnBrk="0" hangingPunct="1">
+              <a:defRPr sz="1800" kern="1200">
+                <a:solidFill>
+                  <a:schemeClr val="tx1"/>
+                </a:solidFill>
+                <a:latin typeface="+mn-lt"/>
+                <a:ea typeface="+mn-ea"/>
+                <a:cs typeface="+mn-cs"/>
+              </a:defRPr>
+            </a:lvl4pPr>
+            <a:lvl5pPr marL="1828800" algn="l" defTabSz="914400" rtl="0" eaLnBrk="1" latinLnBrk="0" hangingPunct="1">
+              <a:defRPr sz="1800" kern="1200">
+                <a:solidFill>
+                  <a:schemeClr val="tx1"/>
+                </a:solidFill>
+                <a:latin typeface="+mn-lt"/>
+                <a:ea typeface="+mn-ea"/>
+                <a:cs typeface="+mn-cs"/>
+              </a:defRPr>
+            </a:lvl5pPr>
+            <a:lvl6pPr marL="2286000" algn="l" defTabSz="914400" rtl="0" eaLnBrk="1" latinLnBrk="0" hangingPunct="1">
+              <a:defRPr sz="1800" kern="1200">
+                <a:solidFill>
+                  <a:schemeClr val="tx1"/>
+                </a:solidFill>
+                <a:latin typeface="+mn-lt"/>
+                <a:ea typeface="+mn-ea"/>
+                <a:cs typeface="+mn-cs"/>
+              </a:defRPr>
+            </a:lvl6pPr>
+            <a:lvl7pPr marL="2743200" algn="l" defTabSz="914400" rtl="0" eaLnBrk="1" latinLnBrk="0" hangingPunct="1">
+              <a:defRPr sz="1800" kern="1200">
+                <a:solidFill>
+                  <a:schemeClr val="tx1"/>
+                </a:solidFill>
+                <a:latin typeface="+mn-lt"/>
+                <a:ea typeface="+mn-ea"/>
+                <a:cs typeface="+mn-cs"/>
+              </a:defRPr>
+            </a:lvl7pPr>
+            <a:lvl8pPr marL="3200400" algn="l" defTabSz="914400" rtl="0" eaLnBrk="1" latinLnBrk="0" hangingPunct="1">
+              <a:defRPr sz="1800" kern="1200">
+                <a:solidFill>
+                  <a:schemeClr val="tx1"/>
+                </a:solidFill>
+                <a:latin typeface="+mn-lt"/>
+                <a:ea typeface="+mn-ea"/>
+                <a:cs typeface="+mn-cs"/>
+              </a:defRPr>
+            </a:lvl8pPr>
+            <a:lvl9pPr marL="3657600" algn="l" defTabSz="914400" rtl="0" eaLnBrk="1" latinLnBrk="0" hangingPunct="1">
+              <a:defRPr sz="1800" kern="1200">
+                <a:solidFill>
+                  <a:schemeClr val="tx1"/>
+                </a:solidFill>
+                <a:latin typeface="+mn-lt"/>
+                <a:ea typeface="+mn-ea"/>
+                <a:cs typeface="+mn-cs"/>
+              </a:defRPr>
+            </a:lvl9pPr>
+          </a:lstStyle>
+          <a:p>
+            <a:r>
+              <a:rPr lang="de-DE" dirty="0"/>
+              <a:t>Vortrag LPDES – Viktor Dilman, Christoph Kirschner</a:t>
+            </a:r>
+            <a:endParaRPr lang="de-DE" dirty="0">
               <a:latin typeface="Times New Roman"/>
             </a:endParaRPr>
           </a:p>
@@ -12443,6 +13048,147 @@
           </a:ln>
         </p:spPr>
       </p:pic>
+      <p:sp>
+        <p:nvSpPr>
+          <p:cNvPr id="2" name="PlaceHolder 3">
+            <a:extLst>
+              <a:ext uri="{FF2B5EF4-FFF2-40B4-BE49-F238E27FC236}">
+                <a16:creationId xmlns:a16="http://schemas.microsoft.com/office/drawing/2014/main" id="{B22E8AED-B8CB-79DC-DD3D-DC166A577FCE}"/>
+              </a:ext>
+            </a:extLst>
+          </p:cNvPr>
+          <p:cNvSpPr txBox="1">
+            <a:spLocks/>
+          </p:cNvSpPr>
+          <p:nvPr/>
+        </p:nvSpPr>
+        <p:spPr>
+          <a:xfrm>
+            <a:off x="3534033" y="6381720"/>
+            <a:ext cx="3220249" cy="360000"/>
+          </a:xfrm>
+          <a:prstGeom prst="rect">
+            <a:avLst/>
+          </a:prstGeom>
+          <a:noFill/>
+          <a:ln w="9360">
+            <a:noFill/>
+          </a:ln>
+        </p:spPr>
+        <p:txBody>
+          <a:bodyPr lIns="0" tIns="0" rIns="0" bIns="0" numCol="1" spcCol="0" anchor="t">
+            <a:noAutofit/>
+          </a:bodyPr>
+          <a:lstStyle>
+            <a:defPPr>
+              <a:defRPr lang="de-DE"/>
+            </a:defPPr>
+            <a:lvl1pPr marL="0" algn="l" defTabSz="914400" rtl="0" eaLnBrk="1" latinLnBrk="0" hangingPunct="1">
+              <a:lnSpc>
+                <a:spcPct val="100000"/>
+              </a:lnSpc>
+              <a:buNone/>
+              <a:defRPr lang="de-DE" sz="1000" b="0" strike="noStrike" kern="1200" spc="-1">
+                <a:solidFill>
+                  <a:srgbClr val="000000"/>
+                </a:solidFill>
+                <a:latin typeface="Arial"/>
+                <a:ea typeface="+mn-ea"/>
+                <a:cs typeface="+mn-cs"/>
+              </a:defRPr>
+            </a:lvl1pPr>
+            <a:lvl2pPr marL="457200" algn="l" defTabSz="914400" rtl="0" eaLnBrk="1" latinLnBrk="0" hangingPunct="1">
+              <a:defRPr sz="1800" kern="1200">
+                <a:solidFill>
+                  <a:schemeClr val="tx1"/>
+                </a:solidFill>
+                <a:latin typeface="+mn-lt"/>
+                <a:ea typeface="+mn-ea"/>
+                <a:cs typeface="+mn-cs"/>
+              </a:defRPr>
+            </a:lvl2pPr>
+            <a:lvl3pPr marL="914400" algn="l" defTabSz="914400" rtl="0" eaLnBrk="1" latinLnBrk="0" hangingPunct="1">
+              <a:defRPr sz="1800" kern="1200">
+                <a:solidFill>
+                  <a:schemeClr val="tx1"/>
+                </a:solidFill>
+                <a:latin typeface="+mn-lt"/>
+                <a:ea typeface="+mn-ea"/>
+                <a:cs typeface="+mn-cs"/>
+              </a:defRPr>
+            </a:lvl3pPr>
+            <a:lvl4pPr marL="1371600" algn="l" defTabSz="914400" rtl="0" eaLnBrk="1" latinLnBrk="0" hangingPunct="1">
+              <a:defRPr sz="1800" kern="1200">
+                <a:solidFill>
+                  <a:schemeClr val="tx1"/>
+                </a:solidFill>
+                <a:latin typeface="+mn-lt"/>
+                <a:ea typeface="+mn-ea"/>
+                <a:cs typeface="+mn-cs"/>
+              </a:defRPr>
+            </a:lvl4pPr>
+            <a:lvl5pPr marL="1828800" algn="l" defTabSz="914400" rtl="0" eaLnBrk="1" latinLnBrk="0" hangingPunct="1">
+              <a:defRPr sz="1800" kern="1200">
+                <a:solidFill>
+                  <a:schemeClr val="tx1"/>
+                </a:solidFill>
+                <a:latin typeface="+mn-lt"/>
+                <a:ea typeface="+mn-ea"/>
+                <a:cs typeface="+mn-cs"/>
+              </a:defRPr>
+            </a:lvl5pPr>
+            <a:lvl6pPr marL="2286000" algn="l" defTabSz="914400" rtl="0" eaLnBrk="1" latinLnBrk="0" hangingPunct="1">
+              <a:defRPr sz="1800" kern="1200">
+                <a:solidFill>
+                  <a:schemeClr val="tx1"/>
+                </a:solidFill>
+                <a:latin typeface="+mn-lt"/>
+                <a:ea typeface="+mn-ea"/>
+                <a:cs typeface="+mn-cs"/>
+              </a:defRPr>
+            </a:lvl6pPr>
+            <a:lvl7pPr marL="2743200" algn="l" defTabSz="914400" rtl="0" eaLnBrk="1" latinLnBrk="0" hangingPunct="1">
+              <a:defRPr sz="1800" kern="1200">
+                <a:solidFill>
+                  <a:schemeClr val="tx1"/>
+                </a:solidFill>
+                <a:latin typeface="+mn-lt"/>
+                <a:ea typeface="+mn-ea"/>
+                <a:cs typeface="+mn-cs"/>
+              </a:defRPr>
+            </a:lvl7pPr>
+            <a:lvl8pPr marL="3200400" algn="l" defTabSz="914400" rtl="0" eaLnBrk="1" latinLnBrk="0" hangingPunct="1">
+              <a:defRPr sz="1800" kern="1200">
+                <a:solidFill>
+                  <a:schemeClr val="tx1"/>
+                </a:solidFill>
+                <a:latin typeface="+mn-lt"/>
+                <a:ea typeface="+mn-ea"/>
+                <a:cs typeface="+mn-cs"/>
+              </a:defRPr>
+            </a:lvl8pPr>
+            <a:lvl9pPr marL="3657600" algn="l" defTabSz="914400" rtl="0" eaLnBrk="1" latinLnBrk="0" hangingPunct="1">
+              <a:defRPr sz="1800" kern="1200">
+                <a:solidFill>
+                  <a:schemeClr val="tx1"/>
+                </a:solidFill>
+                <a:latin typeface="+mn-lt"/>
+                <a:ea typeface="+mn-ea"/>
+                <a:cs typeface="+mn-cs"/>
+              </a:defRPr>
+            </a:lvl9pPr>
+          </a:lstStyle>
+          <a:p>
+            <a:r>
+              <a:rPr lang="de-DE" dirty="0"/>
+              <a:t>Vortrag LPDES – Viktor Dilman, Christoph Kirschner</a:t>
+            </a:r>
+            <a:endParaRPr lang="de-DE" dirty="0">
+              <a:latin typeface="Times New Roman"/>
+            </a:endParaRPr>
+          </a:p>
+        </p:txBody>
+      </p:sp>
     </p:spTree>
   </p:cSld>
   <p:clrMapOvr>
@@ -12564,7 +13310,7 @@
               <a:buAutoNum type="arabicPeriod"/>
             </a:pPr>
             <a:r>
-              <a:rPr lang="de-DE" sz="1800" b="0" strike="noStrike" spc="-1">
+              <a:rPr lang="de-DE" sz="1800" b="0" strike="noStrike" spc="-1" dirty="0">
                 <a:solidFill>
                   <a:srgbClr val="000000"/>
                 </a:solidFill>
@@ -12572,7 +13318,7 @@
               </a:rPr>
               <a:t>Projektvorstellung</a:t>
             </a:r>
-            <a:endParaRPr lang="en-US" sz="1800" b="0" strike="noStrike" spc="-1">
+            <a:endParaRPr lang="en-US" sz="1800" b="0" strike="noStrike" spc="-1" dirty="0">
               <a:solidFill>
                 <a:srgbClr val="000000"/>
               </a:solidFill>
@@ -12594,15 +13340,15 @@
               <a:buAutoNum type="arabicPeriod"/>
             </a:pPr>
             <a:r>
-              <a:rPr lang="de-DE" sz="1800" b="0" strike="noStrike" spc="-1">
+              <a:rPr lang="de-DE" sz="1800" spc="-1" dirty="0">
                 <a:solidFill>
                   <a:srgbClr val="000000"/>
                 </a:solidFill>
                 <a:latin typeface="Arial"/>
               </a:rPr>
-              <a:t>Grundlegende Prizipien</a:t>
+              <a:t>Module in der elektronischen Tonerzeugung</a:t>
             </a:r>
-            <a:endParaRPr lang="en-US" sz="1800" b="0" strike="noStrike" spc="-1">
+            <a:endParaRPr lang="en-US" sz="1800" b="0" strike="noStrike" spc="-1" dirty="0">
               <a:solidFill>
                 <a:srgbClr val="000000"/>
               </a:solidFill>
@@ -12624,7 +13370,7 @@
               <a:buAutoNum type="arabicPeriod"/>
             </a:pPr>
             <a:r>
-              <a:rPr lang="de-DE" sz="1800" b="0" strike="noStrike" spc="-1">
+              <a:rPr lang="de-DE" sz="1800" b="0" strike="noStrike" spc="-1" dirty="0">
                 <a:solidFill>
                   <a:srgbClr val="000000"/>
                 </a:solidFill>
@@ -12632,7 +13378,7 @@
               </a:rPr>
               <a:t>Oszillatorschaltung</a:t>
             </a:r>
-            <a:endParaRPr lang="en-US" sz="1800" b="0" strike="noStrike" spc="-1">
+            <a:endParaRPr lang="en-US" sz="1800" b="0" strike="noStrike" spc="-1" dirty="0">
               <a:solidFill>
                 <a:srgbClr val="000000"/>
               </a:solidFill>
@@ -12654,15 +13400,15 @@
               <a:buAutoNum type="arabicPeriod"/>
             </a:pPr>
             <a:r>
-              <a:rPr lang="de-DE" sz="1800" b="0" strike="noStrike" spc="-1">
+              <a:rPr lang="de-DE" sz="1800" b="0" strike="noStrike" spc="-1" dirty="0">
                 <a:solidFill>
                   <a:srgbClr val="000000"/>
                 </a:solidFill>
                 <a:latin typeface="Arial"/>
               </a:rPr>
-              <a:t>VCO/LFO</a:t>
+              <a:t>Vorgehen bis zur fertigen Leiterplatte</a:t>
             </a:r>
-            <a:endParaRPr lang="en-US" sz="1800" b="0" strike="noStrike" spc="-1">
+            <a:endParaRPr lang="en-US" sz="1800" b="0" strike="noStrike" spc="-1" dirty="0">
               <a:solidFill>
                 <a:srgbClr val="000000"/>
               </a:solidFill>
@@ -12682,7 +13428,7 @@
                 <a:tab pos="0" algn="l"/>
               </a:tabLst>
             </a:pPr>
-            <a:endParaRPr lang="en-US" sz="1800" b="0" strike="noStrike" spc="-1">
+            <a:endParaRPr lang="en-US" sz="1800" b="0" strike="noStrike" spc="-1" dirty="0">
               <a:solidFill>
                 <a:srgbClr val="000000"/>
               </a:solidFill>
@@ -12704,7 +13450,7 @@
         <p:spPr>
           <a:xfrm>
             <a:off x="252000" y="6381720"/>
-            <a:ext cx="7178400" cy="360000"/>
+            <a:ext cx="3220249" cy="360000"/>
           </a:xfrm>
           <a:prstGeom prst="rect">
             <a:avLst/>
@@ -12740,7 +13486,7 @@
               <a:buNone/>
             </a:pPr>
             <a:r>
-              <a:rPr lang="de-DE" sz="1000" b="0" strike="noStrike" spc="-1">
+              <a:rPr lang="de-DE" sz="1000" b="0" strike="noStrike" spc="-1" dirty="0">
                 <a:solidFill>
                   <a:srgbClr val="000000"/>
                 </a:solidFill>
@@ -12748,7 +13494,7 @@
               </a:rPr>
               <a:t>Technische Hochschule Nürnberg Georg Simon Ohm</a:t>
             </a:r>
-            <a:endParaRPr lang="de-DE" sz="1000" b="0" strike="noStrike" spc="-1">
+            <a:endParaRPr lang="de-DE" sz="1000" b="0" strike="noStrike" spc="-1" dirty="0">
               <a:latin typeface="Times New Roman"/>
             </a:endParaRPr>
           </a:p>
@@ -12760,7 +13506,7 @@
               <a:buNone/>
             </a:pPr>
             <a:r>
-              <a:rPr lang="de-DE" sz="1000" b="0" strike="noStrike" spc="-1">
+              <a:rPr lang="de-DE" sz="1000" b="0" strike="noStrike" spc="-1" dirty="0" err="1">
                 <a:solidFill>
                   <a:srgbClr val="0046A0"/>
                 </a:solidFill>
@@ -12768,7 +13514,7 @@
               </a:rPr>
               <a:t>www.th-nuernberg.de</a:t>
             </a:r>
-            <a:endParaRPr lang="de-DE" sz="1000" b="0" strike="noStrike" spc="-1">
+            <a:endParaRPr lang="de-DE" sz="1000" b="0" strike="noStrike" spc="-1" dirty="0">
               <a:latin typeface="Times New Roman"/>
             </a:endParaRPr>
           </a:p>
@@ -12841,6 +13587,147 @@
               <a:t>2</a:t>
             </a:fld>
             <a:endParaRPr lang="de-DE" sz="1000" b="0" strike="noStrike" spc="-1">
+              <a:latin typeface="Times New Roman"/>
+            </a:endParaRPr>
+          </a:p>
+        </p:txBody>
+      </p:sp>
+      <p:sp>
+        <p:nvSpPr>
+          <p:cNvPr id="2" name="PlaceHolder 3">
+            <a:extLst>
+              <a:ext uri="{FF2B5EF4-FFF2-40B4-BE49-F238E27FC236}">
+                <a16:creationId xmlns:a16="http://schemas.microsoft.com/office/drawing/2014/main" id="{EF98E1D0-0BD6-AB86-297D-1EEC1649906B}"/>
+              </a:ext>
+            </a:extLst>
+          </p:cNvPr>
+          <p:cNvSpPr txBox="1">
+            <a:spLocks/>
+          </p:cNvSpPr>
+          <p:nvPr/>
+        </p:nvSpPr>
+        <p:spPr>
+          <a:xfrm>
+            <a:off x="3534033" y="6381720"/>
+            <a:ext cx="3220249" cy="360000"/>
+          </a:xfrm>
+          <a:prstGeom prst="rect">
+            <a:avLst/>
+          </a:prstGeom>
+          <a:noFill/>
+          <a:ln w="9360">
+            <a:noFill/>
+          </a:ln>
+        </p:spPr>
+        <p:txBody>
+          <a:bodyPr lIns="0" tIns="0" rIns="0" bIns="0" numCol="1" spcCol="0" anchor="t">
+            <a:noAutofit/>
+          </a:bodyPr>
+          <a:lstStyle>
+            <a:defPPr>
+              <a:defRPr lang="de-DE"/>
+            </a:defPPr>
+            <a:lvl1pPr marL="0" algn="l" defTabSz="914400" rtl="0" eaLnBrk="1" latinLnBrk="0" hangingPunct="1">
+              <a:lnSpc>
+                <a:spcPct val="100000"/>
+              </a:lnSpc>
+              <a:buNone/>
+              <a:defRPr lang="de-DE" sz="1000" b="0" strike="noStrike" kern="1200" spc="-1">
+                <a:solidFill>
+                  <a:srgbClr val="000000"/>
+                </a:solidFill>
+                <a:latin typeface="Arial"/>
+                <a:ea typeface="+mn-ea"/>
+                <a:cs typeface="+mn-cs"/>
+              </a:defRPr>
+            </a:lvl1pPr>
+            <a:lvl2pPr marL="457200" algn="l" defTabSz="914400" rtl="0" eaLnBrk="1" latinLnBrk="0" hangingPunct="1">
+              <a:defRPr sz="1800" kern="1200">
+                <a:solidFill>
+                  <a:schemeClr val="tx1"/>
+                </a:solidFill>
+                <a:latin typeface="+mn-lt"/>
+                <a:ea typeface="+mn-ea"/>
+                <a:cs typeface="+mn-cs"/>
+              </a:defRPr>
+            </a:lvl2pPr>
+            <a:lvl3pPr marL="914400" algn="l" defTabSz="914400" rtl="0" eaLnBrk="1" latinLnBrk="0" hangingPunct="1">
+              <a:defRPr sz="1800" kern="1200">
+                <a:solidFill>
+                  <a:schemeClr val="tx1"/>
+                </a:solidFill>
+                <a:latin typeface="+mn-lt"/>
+                <a:ea typeface="+mn-ea"/>
+                <a:cs typeface="+mn-cs"/>
+              </a:defRPr>
+            </a:lvl3pPr>
+            <a:lvl4pPr marL="1371600" algn="l" defTabSz="914400" rtl="0" eaLnBrk="1" latinLnBrk="0" hangingPunct="1">
+              <a:defRPr sz="1800" kern="1200">
+                <a:solidFill>
+                  <a:schemeClr val="tx1"/>
+                </a:solidFill>
+                <a:latin typeface="+mn-lt"/>
+                <a:ea typeface="+mn-ea"/>
+                <a:cs typeface="+mn-cs"/>
+              </a:defRPr>
+            </a:lvl4pPr>
+            <a:lvl5pPr marL="1828800" algn="l" defTabSz="914400" rtl="0" eaLnBrk="1" latinLnBrk="0" hangingPunct="1">
+              <a:defRPr sz="1800" kern="1200">
+                <a:solidFill>
+                  <a:schemeClr val="tx1"/>
+                </a:solidFill>
+                <a:latin typeface="+mn-lt"/>
+                <a:ea typeface="+mn-ea"/>
+                <a:cs typeface="+mn-cs"/>
+              </a:defRPr>
+            </a:lvl5pPr>
+            <a:lvl6pPr marL="2286000" algn="l" defTabSz="914400" rtl="0" eaLnBrk="1" latinLnBrk="0" hangingPunct="1">
+              <a:defRPr sz="1800" kern="1200">
+                <a:solidFill>
+                  <a:schemeClr val="tx1"/>
+                </a:solidFill>
+                <a:latin typeface="+mn-lt"/>
+                <a:ea typeface="+mn-ea"/>
+                <a:cs typeface="+mn-cs"/>
+              </a:defRPr>
+            </a:lvl6pPr>
+            <a:lvl7pPr marL="2743200" algn="l" defTabSz="914400" rtl="0" eaLnBrk="1" latinLnBrk="0" hangingPunct="1">
+              <a:defRPr sz="1800" kern="1200">
+                <a:solidFill>
+                  <a:schemeClr val="tx1"/>
+                </a:solidFill>
+                <a:latin typeface="+mn-lt"/>
+                <a:ea typeface="+mn-ea"/>
+                <a:cs typeface="+mn-cs"/>
+              </a:defRPr>
+            </a:lvl7pPr>
+            <a:lvl8pPr marL="3200400" algn="l" defTabSz="914400" rtl="0" eaLnBrk="1" latinLnBrk="0" hangingPunct="1">
+              <a:defRPr sz="1800" kern="1200">
+                <a:solidFill>
+                  <a:schemeClr val="tx1"/>
+                </a:solidFill>
+                <a:latin typeface="+mn-lt"/>
+                <a:ea typeface="+mn-ea"/>
+                <a:cs typeface="+mn-cs"/>
+              </a:defRPr>
+            </a:lvl8pPr>
+            <a:lvl9pPr marL="3657600" algn="l" defTabSz="914400" rtl="0" eaLnBrk="1" latinLnBrk="0" hangingPunct="1">
+              <a:defRPr sz="1800" kern="1200">
+                <a:solidFill>
+                  <a:schemeClr val="tx1"/>
+                </a:solidFill>
+                <a:latin typeface="+mn-lt"/>
+                <a:ea typeface="+mn-ea"/>
+                <a:cs typeface="+mn-cs"/>
+              </a:defRPr>
+            </a:lvl9pPr>
+          </a:lstStyle>
+          <a:p>
+            <a:r>
+              <a:rPr lang="de-DE" dirty="0"/>
+              <a:t>Vortrag LPDES – Viktor Dilman, Christoph Kirschner</a:t>
+            </a:r>
+            <a:endParaRPr lang="de-DE" dirty="0">
               <a:latin typeface="Times New Roman"/>
             </a:endParaRPr>
           </a:p>
@@ -13232,7 +14119,7 @@
         <p:spPr>
           <a:xfrm>
             <a:off x="397800" y="5469480"/>
-            <a:ext cx="7920360" cy="257040"/>
+            <a:ext cx="7920360" cy="260156"/>
           </a:xfrm>
           <a:prstGeom prst="rect">
             <a:avLst/>
@@ -13267,16 +14154,157 @@
               <a:buNone/>
             </a:pPr>
             <a:r>
-              <a:rPr lang="de-DE" sz="1100" b="0" i="1" strike="noStrike" spc="-1">
+              <a:rPr lang="de-DE" sz="1100" b="0" i="1" strike="noStrike" spc="-1" dirty="0">
                 <a:solidFill>
                   <a:srgbClr val="000000"/>
                 </a:solidFill>
                 <a:latin typeface="Arial"/>
               </a:rPr>
-              <a:t>Abb. 1.: Beispielfoto eines modularen Synthesizers [2] </a:t>
+              <a:t>Abb. 1.: Beispielfoto eines modularen Synthesizers [1] </a:t>
             </a:r>
-            <a:endParaRPr lang="de-DE" sz="1100" b="0" strike="noStrike" spc="-1">
+            <a:endParaRPr lang="de-DE" sz="1100" b="0" strike="noStrike" spc="-1" dirty="0">
               <a:latin typeface="Arial"/>
+            </a:endParaRPr>
+          </a:p>
+        </p:txBody>
+      </p:sp>
+      <p:sp>
+        <p:nvSpPr>
+          <p:cNvPr id="2" name="PlaceHolder 3">
+            <a:extLst>
+              <a:ext uri="{FF2B5EF4-FFF2-40B4-BE49-F238E27FC236}">
+                <a16:creationId xmlns:a16="http://schemas.microsoft.com/office/drawing/2014/main" id="{56A95CB9-8216-5B74-FE90-7A77FC60F43E}"/>
+              </a:ext>
+            </a:extLst>
+          </p:cNvPr>
+          <p:cNvSpPr txBox="1">
+            <a:spLocks/>
+          </p:cNvSpPr>
+          <p:nvPr/>
+        </p:nvSpPr>
+        <p:spPr>
+          <a:xfrm>
+            <a:off x="3534033" y="6381720"/>
+            <a:ext cx="3220249" cy="360000"/>
+          </a:xfrm>
+          <a:prstGeom prst="rect">
+            <a:avLst/>
+          </a:prstGeom>
+          <a:noFill/>
+          <a:ln w="9360">
+            <a:noFill/>
+          </a:ln>
+        </p:spPr>
+        <p:txBody>
+          <a:bodyPr lIns="0" tIns="0" rIns="0" bIns="0" numCol="1" spcCol="0" anchor="t">
+            <a:noAutofit/>
+          </a:bodyPr>
+          <a:lstStyle>
+            <a:defPPr>
+              <a:defRPr lang="de-DE"/>
+            </a:defPPr>
+            <a:lvl1pPr marL="0" algn="l" defTabSz="914400" rtl="0" eaLnBrk="1" latinLnBrk="0" hangingPunct="1">
+              <a:lnSpc>
+                <a:spcPct val="100000"/>
+              </a:lnSpc>
+              <a:buNone/>
+              <a:defRPr lang="de-DE" sz="1000" b="0" strike="noStrike" kern="1200" spc="-1">
+                <a:solidFill>
+                  <a:srgbClr val="000000"/>
+                </a:solidFill>
+                <a:latin typeface="Arial"/>
+                <a:ea typeface="+mn-ea"/>
+                <a:cs typeface="+mn-cs"/>
+              </a:defRPr>
+            </a:lvl1pPr>
+            <a:lvl2pPr marL="457200" algn="l" defTabSz="914400" rtl="0" eaLnBrk="1" latinLnBrk="0" hangingPunct="1">
+              <a:defRPr sz="1800" kern="1200">
+                <a:solidFill>
+                  <a:schemeClr val="tx1"/>
+                </a:solidFill>
+                <a:latin typeface="+mn-lt"/>
+                <a:ea typeface="+mn-ea"/>
+                <a:cs typeface="+mn-cs"/>
+              </a:defRPr>
+            </a:lvl2pPr>
+            <a:lvl3pPr marL="914400" algn="l" defTabSz="914400" rtl="0" eaLnBrk="1" latinLnBrk="0" hangingPunct="1">
+              <a:defRPr sz="1800" kern="1200">
+                <a:solidFill>
+                  <a:schemeClr val="tx1"/>
+                </a:solidFill>
+                <a:latin typeface="+mn-lt"/>
+                <a:ea typeface="+mn-ea"/>
+                <a:cs typeface="+mn-cs"/>
+              </a:defRPr>
+            </a:lvl3pPr>
+            <a:lvl4pPr marL="1371600" algn="l" defTabSz="914400" rtl="0" eaLnBrk="1" latinLnBrk="0" hangingPunct="1">
+              <a:defRPr sz="1800" kern="1200">
+                <a:solidFill>
+                  <a:schemeClr val="tx1"/>
+                </a:solidFill>
+                <a:latin typeface="+mn-lt"/>
+                <a:ea typeface="+mn-ea"/>
+                <a:cs typeface="+mn-cs"/>
+              </a:defRPr>
+            </a:lvl4pPr>
+            <a:lvl5pPr marL="1828800" algn="l" defTabSz="914400" rtl="0" eaLnBrk="1" latinLnBrk="0" hangingPunct="1">
+              <a:defRPr sz="1800" kern="1200">
+                <a:solidFill>
+                  <a:schemeClr val="tx1"/>
+                </a:solidFill>
+                <a:latin typeface="+mn-lt"/>
+                <a:ea typeface="+mn-ea"/>
+                <a:cs typeface="+mn-cs"/>
+              </a:defRPr>
+            </a:lvl5pPr>
+            <a:lvl6pPr marL="2286000" algn="l" defTabSz="914400" rtl="0" eaLnBrk="1" latinLnBrk="0" hangingPunct="1">
+              <a:defRPr sz="1800" kern="1200">
+                <a:solidFill>
+                  <a:schemeClr val="tx1"/>
+                </a:solidFill>
+                <a:latin typeface="+mn-lt"/>
+                <a:ea typeface="+mn-ea"/>
+                <a:cs typeface="+mn-cs"/>
+              </a:defRPr>
+            </a:lvl6pPr>
+            <a:lvl7pPr marL="2743200" algn="l" defTabSz="914400" rtl="0" eaLnBrk="1" latinLnBrk="0" hangingPunct="1">
+              <a:defRPr sz="1800" kern="1200">
+                <a:solidFill>
+                  <a:schemeClr val="tx1"/>
+                </a:solidFill>
+                <a:latin typeface="+mn-lt"/>
+                <a:ea typeface="+mn-ea"/>
+                <a:cs typeface="+mn-cs"/>
+              </a:defRPr>
+            </a:lvl7pPr>
+            <a:lvl8pPr marL="3200400" algn="l" defTabSz="914400" rtl="0" eaLnBrk="1" latinLnBrk="0" hangingPunct="1">
+              <a:defRPr sz="1800" kern="1200">
+                <a:solidFill>
+                  <a:schemeClr val="tx1"/>
+                </a:solidFill>
+                <a:latin typeface="+mn-lt"/>
+                <a:ea typeface="+mn-ea"/>
+                <a:cs typeface="+mn-cs"/>
+              </a:defRPr>
+            </a:lvl8pPr>
+            <a:lvl9pPr marL="3657600" algn="l" defTabSz="914400" rtl="0" eaLnBrk="1" latinLnBrk="0" hangingPunct="1">
+              <a:defRPr sz="1800" kern="1200">
+                <a:solidFill>
+                  <a:schemeClr val="tx1"/>
+                </a:solidFill>
+                <a:latin typeface="+mn-lt"/>
+                <a:ea typeface="+mn-ea"/>
+                <a:cs typeface="+mn-cs"/>
+              </a:defRPr>
+            </a:lvl9pPr>
+          </a:lstStyle>
+          <a:p>
+            <a:r>
+              <a:rPr lang="de-DE" dirty="0"/>
+              <a:t>Vortrag LPDES – Viktor Dilman, Christoph Kirschner</a:t>
+            </a:r>
+            <a:endParaRPr lang="de-DE" dirty="0">
+              <a:latin typeface="Times New Roman"/>
             </a:endParaRPr>
           </a:p>
         </p:txBody>
@@ -13444,7 +14472,7 @@
               <a:buNone/>
             </a:pPr>
             <a:r>
-              <a:rPr lang="de-DE" sz="2400" b="1" strike="noStrike" spc="-1">
+              <a:rPr lang="de-DE" sz="2400" b="1" strike="noStrike" spc="-1" dirty="0">
                 <a:solidFill>
                   <a:srgbClr val="0046A0"/>
                 </a:solidFill>
@@ -13452,7 +14480,7 @@
               </a:rPr>
               <a:t>2. Produktarchitektur: Synthesizer</a:t>
             </a:r>
-            <a:endParaRPr lang="en-US" sz="2400" b="0" strike="noStrike" spc="-1">
+            <a:endParaRPr lang="en-US" sz="2400" b="0" strike="noStrike" spc="-1" dirty="0">
               <a:solidFill>
                 <a:srgbClr val="000000"/>
               </a:solidFill>
@@ -13838,7 +14866,7 @@
               <a:buNone/>
             </a:pPr>
             <a:r>
-              <a:rPr lang="de-DE" sz="1200" b="0" strike="noStrike" spc="-1">
+              <a:rPr lang="de-DE" sz="1200" b="0" strike="noStrike" spc="-1" dirty="0">
                 <a:solidFill>
                   <a:srgbClr val="000000"/>
                 </a:solidFill>
@@ -13846,7 +14874,7 @@
               </a:rPr>
               <a:t>Erzeugung von Signalen</a:t>
             </a:r>
-            <a:endParaRPr lang="de-DE" sz="1200" b="0" strike="noStrike" spc="-1">
+            <a:endParaRPr lang="de-DE" sz="1200" b="0" strike="noStrike" spc="-1" dirty="0">
               <a:latin typeface="Arial"/>
             </a:endParaRPr>
           </a:p>
@@ -13860,7 +14888,7 @@
         </p:nvSpPr>
         <p:spPr>
           <a:xfrm>
-            <a:off x="3212280" y="3975840"/>
+            <a:off x="3211920" y="3555570"/>
             <a:ext cx="974520" cy="272160"/>
           </a:xfrm>
           <a:prstGeom prst="rect">
@@ -13922,7 +14950,7 @@
         </p:nvSpPr>
         <p:spPr>
           <a:xfrm>
-            <a:off x="3235680" y="5594760"/>
+            <a:off x="3235680" y="5025417"/>
             <a:ext cx="963000" cy="272160"/>
           </a:xfrm>
           <a:prstGeom prst="rect">
@@ -14044,7 +15072,7 @@
         </p:nvSpPr>
         <p:spPr>
           <a:xfrm>
-            <a:off x="6101280" y="5509080"/>
+            <a:off x="6101280" y="4939065"/>
             <a:ext cx="1636920" cy="454680"/>
           </a:xfrm>
           <a:prstGeom prst="rect">
@@ -14104,8 +15132,68 @@
         </p:nvSpPr>
         <p:spPr>
           <a:xfrm>
-            <a:off x="6127560" y="5118480"/>
+            <a:off x="6127560" y="4548465"/>
             <a:ext cx="1636920" cy="272160"/>
+          </a:xfrm>
+          <a:prstGeom prst="rect">
+            <a:avLst/>
+          </a:prstGeom>
+          <a:noFill/>
+          <a:ln w="0">
+            <a:solidFill>
+              <a:srgbClr val="0046A0"/>
+            </a:solidFill>
+          </a:ln>
+        </p:spPr>
+        <p:style>
+          <a:lnRef idx="0">
+            <a:scrgbClr r="0" g="0" b="0"/>
+          </a:lnRef>
+          <a:fillRef idx="0">
+            <a:scrgbClr r="0" g="0" b="0"/>
+          </a:fillRef>
+          <a:effectRef idx="0">
+            <a:scrgbClr r="0" g="0" b="0"/>
+          </a:effectRef>
+          <a:fontRef idx="minor"/>
+        </p:style>
+        <p:txBody>
+          <a:bodyPr lIns="90000" tIns="45000" rIns="90000" bIns="45000" anchor="t">
+            <a:spAutoFit/>
+          </a:bodyPr>
+          <a:lstStyle/>
+          <a:p>
+            <a:pPr>
+              <a:lnSpc>
+                <a:spcPct val="100000"/>
+              </a:lnSpc>
+              <a:buNone/>
+            </a:pPr>
+            <a:r>
+              <a:rPr lang="de-DE" sz="1200" b="0" strike="noStrike" spc="-1" dirty="0">
+                <a:solidFill>
+                  <a:srgbClr val="000000"/>
+                </a:solidFill>
+                <a:latin typeface="Arial"/>
+              </a:rPr>
+              <a:t>Sequencer</a:t>
+            </a:r>
+            <a:endParaRPr lang="de-DE" sz="1200" b="0" strike="noStrike" spc="-1" dirty="0">
+              <a:latin typeface="Arial"/>
+            </a:endParaRPr>
+          </a:p>
+        </p:txBody>
+      </p:sp>
+      <p:sp>
+        <p:nvSpPr>
+          <p:cNvPr id="181" name="Textfeld 22"/>
+          <p:cNvSpPr/>
+          <p:nvPr/>
+        </p:nvSpPr>
+        <p:spPr>
+          <a:xfrm>
+            <a:off x="6114600" y="3517065"/>
+            <a:ext cx="1636920" cy="454680"/>
           </a:xfrm>
           <a:prstGeom prst="rect">
             <a:avLst/>
@@ -14148,7 +15236,7 @@
                 </a:solidFill>
                 <a:latin typeface="Arial"/>
               </a:rPr>
-              <a:t>Sequencer</a:t>
+              <a:t>VCF (Voltage Controlled Filter) </a:t>
             </a:r>
             <a:endParaRPr lang="de-DE" sz="1200" b="0" strike="noStrike" spc="-1">
               <a:latin typeface="Arial"/>
@@ -14158,19 +15246,21 @@
       </p:sp>
       <p:sp>
         <p:nvSpPr>
-          <p:cNvPr id="181" name="Textfeld 22"/>
+          <p:cNvPr id="182" name="Textfeld 24"/>
           <p:cNvSpPr/>
           <p:nvPr/>
         </p:nvSpPr>
         <p:spPr>
           <a:xfrm>
-            <a:off x="6114600" y="4087080"/>
-            <a:ext cx="1636920" cy="454680"/>
-          </a:xfrm>
-          <a:prstGeom prst="rect">
-            <a:avLst/>
-          </a:prstGeom>
-          <a:noFill/>
+            <a:off x="4411440" y="3407265"/>
+            <a:ext cx="1533960" cy="272160"/>
+          </a:xfrm>
+          <a:prstGeom prst="rect">
+            <a:avLst/>
+          </a:prstGeom>
+          <a:solidFill>
+            <a:srgbClr val="B3C5CB"/>
+          </a:solidFill>
           <a:ln w="0">
             <a:solidFill>
               <a:srgbClr val="0046A0"/>
@@ -14208,7 +15298,7 @@
                 </a:solidFill>
                 <a:latin typeface="Arial"/>
               </a:rPr>
-              <a:t>VCF (Voltage Controlled Filter) </a:t>
+              <a:t>Hochpassfilter</a:t>
             </a:r>
             <a:endParaRPr lang="de-DE" sz="1200" b="0" strike="noStrike" spc="-1">
               <a:latin typeface="Arial"/>
@@ -14218,14 +15308,14 @@
       </p:sp>
       <p:sp>
         <p:nvSpPr>
-          <p:cNvPr id="182" name="Textfeld 24"/>
+          <p:cNvPr id="183" name="Textfeld 25"/>
           <p:cNvSpPr/>
           <p:nvPr/>
         </p:nvSpPr>
         <p:spPr>
           <a:xfrm>
-            <a:off x="4411440" y="3977280"/>
-            <a:ext cx="1533960" cy="272160"/>
+            <a:off x="4411440" y="3806505"/>
+            <a:ext cx="1542960" cy="272160"/>
           </a:xfrm>
           <a:prstGeom prst="rect">
             <a:avLst/>
@@ -14270,7 +15360,7 @@
                 </a:solidFill>
                 <a:latin typeface="Arial"/>
               </a:rPr>
-              <a:t>Hochpassfilter</a:t>
+              <a:t>Tiefpassfilter</a:t>
             </a:r>
             <a:endParaRPr lang="de-DE" sz="1200" b="0" strike="noStrike" spc="-1">
               <a:latin typeface="Arial"/>
@@ -14280,14 +15370,14 @@
       </p:sp>
       <p:sp>
         <p:nvSpPr>
-          <p:cNvPr id="183" name="Textfeld 25"/>
+          <p:cNvPr id="184" name="Textfeld 30"/>
           <p:cNvSpPr/>
           <p:nvPr/>
         </p:nvSpPr>
         <p:spPr>
           <a:xfrm>
-            <a:off x="4411440" y="4376520"/>
-            <a:ext cx="1542960" cy="272160"/>
+            <a:off x="3235680" y="2421000"/>
+            <a:ext cx="963000" cy="272160"/>
           </a:xfrm>
           <a:prstGeom prst="rect">
             <a:avLst/>
@@ -14332,7 +15422,7 @@
                 </a:solidFill>
                 <a:latin typeface="Arial"/>
               </a:rPr>
-              <a:t>Tiefpassfilter</a:t>
+              <a:t>Rechteck</a:t>
             </a:r>
             <a:endParaRPr lang="de-DE" sz="1200" b="0" strike="noStrike" spc="-1">
               <a:latin typeface="Arial"/>
@@ -14342,14 +15432,76 @@
       </p:sp>
       <p:sp>
         <p:nvSpPr>
-          <p:cNvPr id="184" name="Textfeld 30"/>
+          <p:cNvPr id="185" name="Textfeld 32"/>
           <p:cNvSpPr/>
           <p:nvPr/>
         </p:nvSpPr>
         <p:spPr>
           <a:xfrm>
-            <a:off x="3235680" y="2421000"/>
-            <a:ext cx="963000" cy="272160"/>
+            <a:off x="3235680" y="2061000"/>
+            <a:ext cx="974520" cy="272160"/>
+          </a:xfrm>
+          <a:prstGeom prst="rect">
+            <a:avLst/>
+          </a:prstGeom>
+          <a:solidFill>
+            <a:srgbClr val="B3C5CB"/>
+          </a:solidFill>
+          <a:ln w="0">
+            <a:solidFill>
+              <a:srgbClr val="0046A0"/>
+            </a:solidFill>
+          </a:ln>
+        </p:spPr>
+        <p:style>
+          <a:lnRef idx="0">
+            <a:scrgbClr r="0" g="0" b="0"/>
+          </a:lnRef>
+          <a:fillRef idx="0">
+            <a:scrgbClr r="0" g="0" b="0"/>
+          </a:fillRef>
+          <a:effectRef idx="0">
+            <a:scrgbClr r="0" g="0" b="0"/>
+          </a:effectRef>
+          <a:fontRef idx="minor"/>
+        </p:style>
+        <p:txBody>
+          <a:bodyPr lIns="90000" tIns="45000" rIns="90000" bIns="45000" anchor="t">
+            <a:spAutoFit/>
+          </a:bodyPr>
+          <a:lstStyle/>
+          <a:p>
+            <a:pPr>
+              <a:lnSpc>
+                <a:spcPct val="100000"/>
+              </a:lnSpc>
+              <a:buNone/>
+            </a:pPr>
+            <a:r>
+              <a:rPr lang="de-DE" sz="1200" b="0" strike="noStrike" spc="-1" dirty="0">
+                <a:solidFill>
+                  <a:srgbClr val="000000"/>
+                </a:solidFill>
+                <a:latin typeface="Arial"/>
+              </a:rPr>
+              <a:t>Sägezahn</a:t>
+            </a:r>
+            <a:endParaRPr lang="de-DE" sz="1200" b="0" strike="noStrike" spc="-1" dirty="0">
+              <a:latin typeface="Arial"/>
+            </a:endParaRPr>
+          </a:p>
+        </p:txBody>
+      </p:sp>
+      <p:sp>
+        <p:nvSpPr>
+          <p:cNvPr id="186" name="Textfeld 35"/>
+          <p:cNvSpPr/>
+          <p:nvPr/>
+        </p:nvSpPr>
+        <p:spPr>
+          <a:xfrm>
+            <a:off x="4420440" y="2421000"/>
+            <a:ext cx="1534680" cy="272160"/>
           </a:xfrm>
           <a:prstGeom prst="rect">
             <a:avLst/>
@@ -14394,7 +15546,7 @@
                 </a:solidFill>
                 <a:latin typeface="Arial"/>
               </a:rPr>
-              <a:t>Rechteck</a:t>
+              <a:t>Rechteckgenerator</a:t>
             </a:r>
             <a:endParaRPr lang="de-DE" sz="1200" b="0" strike="noStrike" spc="-1">
               <a:latin typeface="Arial"/>
@@ -14404,14 +15556,14 @@
       </p:sp>
       <p:sp>
         <p:nvSpPr>
-          <p:cNvPr id="185" name="Textfeld 32"/>
+          <p:cNvPr id="187" name="Textfeld 36"/>
           <p:cNvSpPr/>
           <p:nvPr/>
         </p:nvSpPr>
         <p:spPr>
           <a:xfrm>
-            <a:off x="3235680" y="2061000"/>
-            <a:ext cx="974520" cy="272160"/>
+            <a:off x="4411440" y="2055600"/>
+            <a:ext cx="1533960" cy="272160"/>
           </a:xfrm>
           <a:prstGeom prst="rect">
             <a:avLst/>
@@ -14456,7 +15608,7 @@
                 </a:solidFill>
                 <a:latin typeface="Arial"/>
               </a:rPr>
-              <a:t>Sägezahn</a:t>
+              <a:t>Sägezahngenerator</a:t>
             </a:r>
             <a:endParaRPr lang="de-DE" sz="1200" b="0" strike="noStrike" spc="-1">
               <a:latin typeface="Arial"/>
@@ -14466,21 +15618,19 @@
       </p:sp>
       <p:sp>
         <p:nvSpPr>
-          <p:cNvPr id="186" name="Textfeld 35"/>
+          <p:cNvPr id="188" name="Textfeld 41"/>
           <p:cNvSpPr/>
           <p:nvPr/>
         </p:nvSpPr>
         <p:spPr>
           <a:xfrm>
-            <a:off x="4420440" y="2421000"/>
-            <a:ext cx="1534680" cy="272160"/>
-          </a:xfrm>
-          <a:prstGeom prst="rect">
-            <a:avLst/>
-          </a:prstGeom>
-          <a:solidFill>
-            <a:srgbClr val="B3C5CB"/>
-          </a:solidFill>
+            <a:off x="1580400" y="3447360"/>
+            <a:ext cx="1374480" cy="454680"/>
+          </a:xfrm>
+          <a:prstGeom prst="rect">
+            <a:avLst/>
+          </a:prstGeom>
+          <a:noFill/>
           <a:ln w="0">
             <a:solidFill>
               <a:srgbClr val="0046A0"/>
@@ -14518,7 +15668,7 @@
                 </a:solidFill>
                 <a:latin typeface="Arial"/>
               </a:rPr>
-              <a:t>Rechteckgenerator</a:t>
+              <a:t>Veränderung von Klangparametern</a:t>
             </a:r>
             <a:endParaRPr lang="de-DE" sz="1200" b="0" strike="noStrike" spc="-1">
               <a:latin typeface="Arial"/>
@@ -14528,14 +15678,14 @@
       </p:sp>
       <p:sp>
         <p:nvSpPr>
-          <p:cNvPr id="187" name="Textfeld 36"/>
+          <p:cNvPr id="189" name="Textfeld 42"/>
           <p:cNvSpPr/>
           <p:nvPr/>
         </p:nvSpPr>
         <p:spPr>
           <a:xfrm>
-            <a:off x="4411440" y="2055600"/>
-            <a:ext cx="1533960" cy="272160"/>
+            <a:off x="4420440" y="4152105"/>
+            <a:ext cx="1542960" cy="272160"/>
           </a:xfrm>
           <a:prstGeom prst="rect">
             <a:avLst/>
@@ -14580,7 +15730,7 @@
                 </a:solidFill>
                 <a:latin typeface="Arial"/>
               </a:rPr>
-              <a:t>Sägezahngenerator</a:t>
+              <a:t>Mischer</a:t>
             </a:r>
             <a:endParaRPr lang="de-DE" sz="1200" b="0" strike="noStrike" spc="-1">
               <a:latin typeface="Arial"/>
@@ -14590,14 +15740,14 @@
       </p:sp>
       <p:sp>
         <p:nvSpPr>
-          <p:cNvPr id="188" name="Textfeld 41"/>
+          <p:cNvPr id="190" name="Textfeld 43"/>
           <p:cNvSpPr/>
           <p:nvPr/>
         </p:nvSpPr>
         <p:spPr>
           <a:xfrm>
-            <a:off x="1580400" y="3447360"/>
-            <a:ext cx="1374480" cy="454680"/>
+            <a:off x="6127560" y="4148145"/>
+            <a:ext cx="1649520" cy="272160"/>
           </a:xfrm>
           <a:prstGeom prst="rect">
             <a:avLst/>
@@ -14640,7 +15790,7 @@
                 </a:solidFill>
                 <a:latin typeface="Arial"/>
               </a:rPr>
-              <a:t>Veränderung von Klangparametern</a:t>
+              <a:t>Audio Mixer</a:t>
             </a:r>
             <a:endParaRPr lang="de-DE" sz="1200" b="0" strike="noStrike" spc="-1">
               <a:latin typeface="Arial"/>
@@ -14650,21 +15800,19 @@
       </p:sp>
       <p:sp>
         <p:nvSpPr>
-          <p:cNvPr id="189" name="Textfeld 42"/>
+          <p:cNvPr id="191" name="Textfeld 44"/>
           <p:cNvSpPr/>
           <p:nvPr/>
         </p:nvSpPr>
         <p:spPr>
           <a:xfrm>
-            <a:off x="4420440" y="4722120"/>
-            <a:ext cx="1542960" cy="272160"/>
-          </a:xfrm>
-          <a:prstGeom prst="rect">
-            <a:avLst/>
-          </a:prstGeom>
-          <a:solidFill>
-            <a:srgbClr val="B3C5CB"/>
-          </a:solidFill>
+            <a:off x="1625200" y="4696835"/>
+            <a:ext cx="1359720" cy="454680"/>
+          </a:xfrm>
+          <a:prstGeom prst="rect">
+            <a:avLst/>
+          </a:prstGeom>
+          <a:noFill/>
           <a:ln w="0">
             <a:solidFill>
               <a:srgbClr val="0046A0"/>
@@ -14702,7 +15850,7 @@
                 </a:solidFill>
                 <a:latin typeface="Arial"/>
               </a:rPr>
-              <a:t>Mischer</a:t>
+              <a:t>Steuerung von Modulen </a:t>
             </a:r>
             <a:endParaRPr lang="de-DE" sz="1200" b="0" strike="noStrike" spc="-1">
               <a:latin typeface="Arial"/>
@@ -14712,19 +15860,21 @@
       </p:sp>
       <p:sp>
         <p:nvSpPr>
-          <p:cNvPr id="190" name="Textfeld 43"/>
+          <p:cNvPr id="192" name="Textfeld 50"/>
           <p:cNvSpPr/>
           <p:nvPr/>
         </p:nvSpPr>
         <p:spPr>
           <a:xfrm>
-            <a:off x="6127560" y="4718160"/>
-            <a:ext cx="1649520" cy="272160"/>
-          </a:xfrm>
-          <a:prstGeom prst="rect">
-            <a:avLst/>
-          </a:prstGeom>
-          <a:noFill/>
+            <a:off x="4398840" y="5030817"/>
+            <a:ext cx="1533960" cy="272160"/>
+          </a:xfrm>
+          <a:prstGeom prst="rect">
+            <a:avLst/>
+          </a:prstGeom>
+          <a:solidFill>
+            <a:srgbClr val="B3C5CB"/>
+          </a:solidFill>
           <a:ln w="0">
             <a:solidFill>
               <a:srgbClr val="0046A0"/>
@@ -14762,7 +15912,7 @@
                 </a:solidFill>
                 <a:latin typeface="Arial"/>
               </a:rPr>
-              <a:t>Audio Mixer</a:t>
+              <a:t>Oszillator</a:t>
             </a:r>
             <a:endParaRPr lang="de-DE" sz="1200" b="0" strike="noStrike" spc="-1">
               <a:latin typeface="Arial"/>
@@ -14772,19 +15922,21 @@
       </p:sp>
       <p:sp>
         <p:nvSpPr>
-          <p:cNvPr id="191" name="Textfeld 44"/>
+          <p:cNvPr id="193" name="Textfeld 51"/>
           <p:cNvSpPr/>
           <p:nvPr/>
         </p:nvSpPr>
         <p:spPr>
           <a:xfrm>
-            <a:off x="1634040" y="5220000"/>
-            <a:ext cx="1359720" cy="454680"/>
-          </a:xfrm>
-          <a:prstGeom prst="rect">
-            <a:avLst/>
-          </a:prstGeom>
-          <a:noFill/>
+            <a:off x="3225240" y="4552737"/>
+            <a:ext cx="972000" cy="272160"/>
+          </a:xfrm>
+          <a:prstGeom prst="rect">
+            <a:avLst/>
+          </a:prstGeom>
+          <a:solidFill>
+            <a:srgbClr val="B3C5CB"/>
+          </a:solidFill>
           <a:ln w="0">
             <a:solidFill>
               <a:srgbClr val="0046A0"/>
@@ -14804,7 +15956,7 @@
           <a:fontRef idx="minor"/>
         </p:style>
         <p:txBody>
-          <a:bodyPr lIns="90000" tIns="45000" rIns="90000" bIns="45000" anchor="t">
+          <a:bodyPr wrap="none" lIns="90000" tIns="45000" rIns="90000" bIns="45000" anchor="t">
             <a:spAutoFit/>
           </a:bodyPr>
           <a:lstStyle/>
@@ -14822,7 +15974,7 @@
                 </a:solidFill>
                 <a:latin typeface="Arial"/>
               </a:rPr>
-              <a:t>Steuerung von Modulen </a:t>
+              <a:t>Sequenziell</a:t>
             </a:r>
             <a:endParaRPr lang="de-DE" sz="1200" b="0" strike="noStrike" spc="-1">
               <a:latin typeface="Arial"/>
@@ -14832,14 +15984,14 @@
       </p:sp>
       <p:sp>
         <p:nvSpPr>
-          <p:cNvPr id="192" name="Textfeld 50"/>
+          <p:cNvPr id="194" name="Textfeld 54"/>
           <p:cNvSpPr/>
           <p:nvPr/>
         </p:nvSpPr>
         <p:spPr>
           <a:xfrm>
-            <a:off x="4398840" y="5600160"/>
-            <a:ext cx="1533960" cy="272160"/>
+            <a:off x="4399920" y="4547697"/>
+            <a:ext cx="1551960" cy="272160"/>
           </a:xfrm>
           <a:prstGeom prst="rect">
             <a:avLst/>
@@ -14884,7 +16036,7 @@
                 </a:solidFill>
                 <a:latin typeface="Arial"/>
               </a:rPr>
-              <a:t>Oszillator</a:t>
+              <a:t>Zähler</a:t>
             </a:r>
             <a:endParaRPr lang="de-DE" sz="1200" b="0" strike="noStrike" spc="-1">
               <a:latin typeface="Arial"/>
@@ -14894,21 +16046,734 @@
       </p:sp>
       <p:sp>
         <p:nvSpPr>
-          <p:cNvPr id="193" name="Textfeld 51"/>
+          <p:cNvPr id="195" name="Gerade Verbindung 58"/>
           <p:cNvSpPr/>
           <p:nvPr/>
         </p:nvSpPr>
         <p:spPr>
           <a:xfrm>
-            <a:off x="3225240" y="5122080"/>
-            <a:ext cx="972000" cy="272160"/>
-          </a:xfrm>
-          <a:prstGeom prst="rect">
-            <a:avLst/>
-          </a:prstGeom>
-          <a:solidFill>
-            <a:srgbClr val="B3C5CB"/>
-          </a:solidFill>
+            <a:off x="4316040" y="1150920"/>
+            <a:ext cx="11880" cy="4951080"/>
+          </a:xfrm>
+          <a:prstGeom prst="line">
+            <a:avLst/>
+          </a:prstGeom>
+          <a:ln w="9525">
+            <a:solidFill>
+              <a:srgbClr val="FF0000"/>
+            </a:solidFill>
+            <a:prstDash val="sysDash"/>
+            <a:round/>
+          </a:ln>
+        </p:spPr>
+        <p:style>
+          <a:lnRef idx="0">
+            <a:scrgbClr r="0" g="0" b="0"/>
+          </a:lnRef>
+          <a:fillRef idx="0">
+            <a:scrgbClr r="0" g="0" b="0"/>
+          </a:fillRef>
+          <a:effectRef idx="0">
+            <a:scrgbClr r="0" g="0" b="0"/>
+          </a:effectRef>
+          <a:fontRef idx="minor"/>
+        </p:style>
+      </p:sp>
+      <p:sp>
+        <p:nvSpPr>
+          <p:cNvPr id="196" name="Gerade Verbindung 68"/>
+          <p:cNvSpPr/>
+          <p:nvPr/>
+        </p:nvSpPr>
+        <p:spPr>
+          <a:xfrm flipV="1">
+            <a:off x="1337760" y="2386080"/>
+            <a:ext cx="276480" cy="1291680"/>
+          </a:xfrm>
+          <a:prstGeom prst="line">
+            <a:avLst/>
+          </a:prstGeom>
+          <a:ln w="9525">
+            <a:solidFill>
+              <a:srgbClr val="000000"/>
+            </a:solidFill>
+            <a:round/>
+          </a:ln>
+        </p:spPr>
+        <p:style>
+          <a:lnRef idx="0">
+            <a:scrgbClr r="0" g="0" b="0"/>
+          </a:lnRef>
+          <a:fillRef idx="0">
+            <a:scrgbClr r="0" g="0" b="0"/>
+          </a:fillRef>
+          <a:effectRef idx="0">
+            <a:scrgbClr r="0" g="0" b="0"/>
+          </a:effectRef>
+          <a:fontRef idx="minor"/>
+        </p:style>
+      </p:sp>
+      <p:sp>
+        <p:nvSpPr>
+          <p:cNvPr id="197" name="Gerade Verbindung 70"/>
+          <p:cNvSpPr/>
+          <p:nvPr/>
+        </p:nvSpPr>
+        <p:spPr>
+          <a:xfrm>
+            <a:off x="1337760" y="3677760"/>
+            <a:ext cx="242640" cy="0"/>
+          </a:xfrm>
+          <a:prstGeom prst="line">
+            <a:avLst/>
+          </a:prstGeom>
+          <a:ln w="9525">
+            <a:solidFill>
+              <a:srgbClr val="000000"/>
+            </a:solidFill>
+            <a:round/>
+          </a:ln>
+        </p:spPr>
+        <p:style>
+          <a:lnRef idx="0">
+            <a:scrgbClr r="0" g="0" b="0"/>
+          </a:lnRef>
+          <a:fillRef idx="0">
+            <a:scrgbClr r="0" g="0" b="0"/>
+          </a:fillRef>
+          <a:effectRef idx="0">
+            <a:scrgbClr r="0" g="0" b="0"/>
+          </a:effectRef>
+          <a:fontRef idx="minor"/>
+        </p:style>
+      </p:sp>
+      <p:sp>
+        <p:nvSpPr>
+          <p:cNvPr id="198" name="Gerade Verbindung 71"/>
+          <p:cNvSpPr/>
+          <p:nvPr/>
+        </p:nvSpPr>
+        <p:spPr>
+          <a:xfrm>
+            <a:off x="1337760" y="3677760"/>
+            <a:ext cx="285640" cy="1240475"/>
+          </a:xfrm>
+          <a:prstGeom prst="line">
+            <a:avLst/>
+          </a:prstGeom>
+          <a:ln w="9525">
+            <a:solidFill>
+              <a:srgbClr val="000000"/>
+            </a:solidFill>
+            <a:round/>
+          </a:ln>
+        </p:spPr>
+        <p:style>
+          <a:lnRef idx="0">
+            <a:scrgbClr r="0" g="0" b="0"/>
+          </a:lnRef>
+          <a:fillRef idx="0">
+            <a:scrgbClr r="0" g="0" b="0"/>
+          </a:fillRef>
+          <a:effectRef idx="0">
+            <a:scrgbClr r="0" g="0" b="0"/>
+          </a:effectRef>
+          <a:fontRef idx="minor"/>
+        </p:style>
+      </p:sp>
+      <p:sp>
+        <p:nvSpPr>
+          <p:cNvPr id="199" name="Gerade Verbindung 80"/>
+          <p:cNvSpPr/>
+          <p:nvPr/>
+        </p:nvSpPr>
+        <p:spPr>
+          <a:xfrm flipV="1">
+            <a:off x="2986560" y="2199240"/>
+            <a:ext cx="249120" cy="186840"/>
+          </a:xfrm>
+          <a:prstGeom prst="line">
+            <a:avLst/>
+          </a:prstGeom>
+          <a:ln w="9525">
+            <a:solidFill>
+              <a:srgbClr val="000000"/>
+            </a:solidFill>
+            <a:round/>
+          </a:ln>
+        </p:spPr>
+        <p:style>
+          <a:lnRef idx="0">
+            <a:scrgbClr r="0" g="0" b="0"/>
+          </a:lnRef>
+          <a:fillRef idx="0">
+            <a:scrgbClr r="0" g="0" b="0"/>
+          </a:fillRef>
+          <a:effectRef idx="0">
+            <a:scrgbClr r="0" g="0" b="0"/>
+          </a:effectRef>
+          <a:fontRef idx="minor"/>
+        </p:style>
+      </p:sp>
+      <p:sp>
+        <p:nvSpPr>
+          <p:cNvPr id="200" name="Gerade Verbindung 83"/>
+          <p:cNvSpPr/>
+          <p:nvPr/>
+        </p:nvSpPr>
+        <p:spPr>
+          <a:xfrm>
+            <a:off x="2986560" y="2386080"/>
+            <a:ext cx="249120" cy="173160"/>
+          </a:xfrm>
+          <a:prstGeom prst="line">
+            <a:avLst/>
+          </a:prstGeom>
+          <a:ln w="9525">
+            <a:solidFill>
+              <a:srgbClr val="000000"/>
+            </a:solidFill>
+            <a:round/>
+          </a:ln>
+        </p:spPr>
+        <p:style>
+          <a:lnRef idx="0">
+            <a:scrgbClr r="0" g="0" b="0"/>
+          </a:lnRef>
+          <a:fillRef idx="0">
+            <a:scrgbClr r="0" g="0" b="0"/>
+          </a:fillRef>
+          <a:effectRef idx="0">
+            <a:scrgbClr r="0" g="0" b="0"/>
+          </a:effectRef>
+          <a:fontRef idx="minor"/>
+        </p:style>
+      </p:sp>
+      <p:sp>
+        <p:nvSpPr>
+          <p:cNvPr id="201" name="Gerade Verbindung 89"/>
+          <p:cNvSpPr/>
+          <p:nvPr/>
+        </p:nvSpPr>
+        <p:spPr>
+          <a:xfrm>
+            <a:off x="2955240" y="3677760"/>
+            <a:ext cx="266400" cy="2880"/>
+          </a:xfrm>
+          <a:prstGeom prst="line">
+            <a:avLst/>
+          </a:prstGeom>
+          <a:ln w="9525">
+            <a:solidFill>
+              <a:srgbClr val="000000"/>
+            </a:solidFill>
+            <a:round/>
+          </a:ln>
+        </p:spPr>
+        <p:style>
+          <a:lnRef idx="0">
+            <a:scrgbClr r="0" g="0" b="0"/>
+          </a:lnRef>
+          <a:fillRef idx="0">
+            <a:scrgbClr r="0" g="0" b="0"/>
+          </a:fillRef>
+          <a:effectRef idx="0">
+            <a:scrgbClr r="0" g="0" b="0"/>
+          </a:effectRef>
+          <a:fontRef idx="minor"/>
+        </p:style>
+      </p:sp>
+      <p:sp>
+        <p:nvSpPr>
+          <p:cNvPr id="202" name="Gerade Verbindung 95"/>
+          <p:cNvSpPr/>
+          <p:nvPr/>
+        </p:nvSpPr>
+        <p:spPr>
+          <a:xfrm>
+            <a:off x="2993760" y="4908417"/>
+            <a:ext cx="241920" cy="255600"/>
+          </a:xfrm>
+          <a:prstGeom prst="line">
+            <a:avLst/>
+          </a:prstGeom>
+          <a:ln w="9525">
+            <a:solidFill>
+              <a:srgbClr val="000000"/>
+            </a:solidFill>
+            <a:round/>
+          </a:ln>
+        </p:spPr>
+        <p:style>
+          <a:lnRef idx="0">
+            <a:scrgbClr r="0" g="0" b="0"/>
+          </a:lnRef>
+          <a:fillRef idx="0">
+            <a:scrgbClr r="0" g="0" b="0"/>
+          </a:fillRef>
+          <a:effectRef idx="0">
+            <a:scrgbClr r="0" g="0" b="0"/>
+          </a:effectRef>
+          <a:fontRef idx="minor"/>
+        </p:style>
+      </p:sp>
+      <p:sp>
+        <p:nvSpPr>
+          <p:cNvPr id="203" name="Gerade Verbindung 99"/>
+          <p:cNvSpPr/>
+          <p:nvPr/>
+        </p:nvSpPr>
+        <p:spPr>
+          <a:xfrm flipV="1">
+            <a:off x="2993760" y="4690977"/>
+            <a:ext cx="230400" cy="217440"/>
+          </a:xfrm>
+          <a:prstGeom prst="line">
+            <a:avLst/>
+          </a:prstGeom>
+          <a:ln w="9525">
+            <a:solidFill>
+              <a:srgbClr val="000000"/>
+            </a:solidFill>
+            <a:round/>
+          </a:ln>
+        </p:spPr>
+        <p:style>
+          <a:lnRef idx="0">
+            <a:scrgbClr r="0" g="0" b="0"/>
+          </a:lnRef>
+          <a:fillRef idx="0">
+            <a:scrgbClr r="0" g="0" b="0"/>
+          </a:fillRef>
+          <a:effectRef idx="0">
+            <a:scrgbClr r="0" g="0" b="0"/>
+          </a:effectRef>
+          <a:fontRef idx="minor"/>
+        </p:style>
+      </p:sp>
+      <p:sp>
+        <p:nvSpPr>
+          <p:cNvPr id="204" name="Gerade Verbindung 108"/>
+          <p:cNvSpPr/>
+          <p:nvPr/>
+        </p:nvSpPr>
+        <p:spPr>
+          <a:xfrm>
+            <a:off x="5945400" y="2193840"/>
+            <a:ext cx="203400" cy="169920"/>
+          </a:xfrm>
+          <a:prstGeom prst="line">
+            <a:avLst/>
+          </a:prstGeom>
+          <a:ln w="9525">
+            <a:solidFill>
+              <a:srgbClr val="000000"/>
+            </a:solidFill>
+            <a:round/>
+          </a:ln>
+        </p:spPr>
+        <p:style>
+          <a:lnRef idx="0">
+            <a:scrgbClr r="0" g="0" b="0"/>
+          </a:lnRef>
+          <a:fillRef idx="0">
+            <a:scrgbClr r="0" g="0" b="0"/>
+          </a:fillRef>
+          <a:effectRef idx="0">
+            <a:scrgbClr r="0" g="0" b="0"/>
+          </a:effectRef>
+          <a:fontRef idx="minor"/>
+        </p:style>
+      </p:sp>
+      <p:sp>
+        <p:nvSpPr>
+          <p:cNvPr id="205" name="Gerade Verbindung 111"/>
+          <p:cNvSpPr/>
+          <p:nvPr/>
+        </p:nvSpPr>
+        <p:spPr>
+          <a:xfrm flipV="1">
+            <a:off x="5955120" y="2363760"/>
+            <a:ext cx="193680" cy="195480"/>
+          </a:xfrm>
+          <a:prstGeom prst="line">
+            <a:avLst/>
+          </a:prstGeom>
+          <a:ln w="9525">
+            <a:solidFill>
+              <a:srgbClr val="000000"/>
+            </a:solidFill>
+            <a:round/>
+          </a:ln>
+        </p:spPr>
+        <p:style>
+          <a:lnRef idx="0">
+            <a:scrgbClr r="0" g="0" b="0"/>
+          </a:lnRef>
+          <a:fillRef idx="0">
+            <a:scrgbClr r="0" g="0" b="0"/>
+          </a:fillRef>
+          <a:effectRef idx="0">
+            <a:scrgbClr r="0" g="0" b="0"/>
+          </a:effectRef>
+          <a:fontRef idx="minor"/>
+        </p:style>
+      </p:sp>
+      <p:sp>
+        <p:nvSpPr>
+          <p:cNvPr id="206" name="Gerade Verbindung 117"/>
+          <p:cNvSpPr/>
+          <p:nvPr/>
+        </p:nvSpPr>
+        <p:spPr>
+          <a:xfrm>
+            <a:off x="5945400" y="3545505"/>
+            <a:ext cx="169200" cy="201960"/>
+          </a:xfrm>
+          <a:prstGeom prst="line">
+            <a:avLst/>
+          </a:prstGeom>
+          <a:ln w="9525">
+            <a:solidFill>
+              <a:srgbClr val="000000"/>
+            </a:solidFill>
+            <a:round/>
+          </a:ln>
+        </p:spPr>
+        <p:style>
+          <a:lnRef idx="0">
+            <a:scrgbClr r="0" g="0" b="0"/>
+          </a:lnRef>
+          <a:fillRef idx="0">
+            <a:scrgbClr r="0" g="0" b="0"/>
+          </a:fillRef>
+          <a:effectRef idx="0">
+            <a:scrgbClr r="0" g="0" b="0"/>
+          </a:effectRef>
+          <a:fontRef idx="minor"/>
+        </p:style>
+      </p:sp>
+      <p:sp>
+        <p:nvSpPr>
+          <p:cNvPr id="207" name="Gerade Verbindung 120"/>
+          <p:cNvSpPr/>
+          <p:nvPr/>
+        </p:nvSpPr>
+        <p:spPr>
+          <a:xfrm flipV="1">
+            <a:off x="5954400" y="3747465"/>
+            <a:ext cx="160200" cy="197280"/>
+          </a:xfrm>
+          <a:prstGeom prst="line">
+            <a:avLst/>
+          </a:prstGeom>
+          <a:ln w="9525">
+            <a:solidFill>
+              <a:srgbClr val="000000"/>
+            </a:solidFill>
+            <a:round/>
+          </a:ln>
+        </p:spPr>
+        <p:style>
+          <a:lnRef idx="0">
+            <a:scrgbClr r="0" g="0" b="0"/>
+          </a:lnRef>
+          <a:fillRef idx="0">
+            <a:scrgbClr r="0" g="0" b="0"/>
+          </a:fillRef>
+          <a:effectRef idx="0">
+            <a:scrgbClr r="0" g="0" b="0"/>
+          </a:effectRef>
+          <a:fontRef idx="minor"/>
+        </p:style>
+      </p:sp>
+      <p:sp>
+        <p:nvSpPr>
+          <p:cNvPr id="208" name="Gerade Verbindung 123"/>
+          <p:cNvSpPr/>
+          <p:nvPr/>
+        </p:nvSpPr>
+        <p:spPr>
+          <a:xfrm flipV="1">
+            <a:off x="5963400" y="4289625"/>
+            <a:ext cx="163800" cy="720"/>
+          </a:xfrm>
+          <a:prstGeom prst="line">
+            <a:avLst/>
+          </a:prstGeom>
+          <a:ln w="9525">
+            <a:solidFill>
+              <a:srgbClr val="000000"/>
+            </a:solidFill>
+            <a:round/>
+          </a:ln>
+        </p:spPr>
+        <p:style>
+          <a:lnRef idx="0">
+            <a:scrgbClr r="0" g="0" b="0"/>
+          </a:lnRef>
+          <a:fillRef idx="0">
+            <a:scrgbClr r="0" g="0" b="0"/>
+          </a:fillRef>
+          <a:effectRef idx="0">
+            <a:scrgbClr r="0" g="0" b="0"/>
+          </a:effectRef>
+          <a:fontRef idx="minor"/>
+        </p:style>
+      </p:sp>
+      <p:sp>
+        <p:nvSpPr>
+          <p:cNvPr id="209" name="Gerade Verbindung 126"/>
+          <p:cNvSpPr/>
+          <p:nvPr/>
+        </p:nvSpPr>
+        <p:spPr>
+          <a:xfrm>
+            <a:off x="5952240" y="4685625"/>
+            <a:ext cx="174960" cy="1080"/>
+          </a:xfrm>
+          <a:prstGeom prst="line">
+            <a:avLst/>
+          </a:prstGeom>
+          <a:ln w="9525">
+            <a:solidFill>
+              <a:srgbClr val="000000"/>
+            </a:solidFill>
+            <a:round/>
+          </a:ln>
+        </p:spPr>
+        <p:style>
+          <a:lnRef idx="0">
+            <a:scrgbClr r="0" g="0" b="0"/>
+          </a:lnRef>
+          <a:fillRef idx="0">
+            <a:scrgbClr r="0" g="0" b="0"/>
+          </a:fillRef>
+          <a:effectRef idx="0">
+            <a:scrgbClr r="0" g="0" b="0"/>
+          </a:effectRef>
+          <a:fontRef idx="minor"/>
+        </p:style>
+      </p:sp>
+      <p:sp>
+        <p:nvSpPr>
+          <p:cNvPr id="210" name="Gerade Verbindung 129"/>
+          <p:cNvSpPr/>
+          <p:nvPr/>
+        </p:nvSpPr>
+        <p:spPr>
+          <a:xfrm flipV="1">
+            <a:off x="5942160" y="5157048"/>
+            <a:ext cx="158760" cy="6969"/>
+          </a:xfrm>
+          <a:prstGeom prst="line">
+            <a:avLst/>
+          </a:prstGeom>
+          <a:ln w="9525">
+            <a:solidFill>
+              <a:srgbClr val="000000"/>
+            </a:solidFill>
+            <a:round/>
+          </a:ln>
+        </p:spPr>
+        <p:style>
+          <a:lnRef idx="0">
+            <a:scrgbClr r="0" g="0" b="0"/>
+          </a:lnRef>
+          <a:fillRef idx="0">
+            <a:scrgbClr r="0" g="0" b="0"/>
+          </a:fillRef>
+          <a:effectRef idx="0">
+            <a:scrgbClr r="0" g="0" b="0"/>
+          </a:effectRef>
+          <a:fontRef idx="minor"/>
+        </p:style>
+      </p:sp>
+      <p:sp>
+        <p:nvSpPr>
+          <p:cNvPr id="211" name="Gerade Verbindung 132"/>
+          <p:cNvSpPr/>
+          <p:nvPr/>
+        </p:nvSpPr>
+        <p:spPr>
+          <a:xfrm>
+            <a:off x="4199040" y="5164017"/>
+            <a:ext cx="199800" cy="5400"/>
+          </a:xfrm>
+          <a:prstGeom prst="line">
+            <a:avLst/>
+          </a:prstGeom>
+          <a:ln w="9525">
+            <a:solidFill>
+              <a:srgbClr val="000000"/>
+            </a:solidFill>
+            <a:round/>
+          </a:ln>
+        </p:spPr>
+        <p:style>
+          <a:lnRef idx="0">
+            <a:scrgbClr r="0" g="0" b="0"/>
+          </a:lnRef>
+          <a:fillRef idx="0">
+            <a:scrgbClr r="0" g="0" b="0"/>
+          </a:fillRef>
+          <a:effectRef idx="0">
+            <a:scrgbClr r="0" g="0" b="0"/>
+          </a:effectRef>
+          <a:fontRef idx="minor"/>
+        </p:style>
+      </p:sp>
+      <p:sp>
+        <p:nvSpPr>
+          <p:cNvPr id="212" name="Gerade Verbindung 135"/>
+          <p:cNvSpPr/>
+          <p:nvPr/>
+        </p:nvSpPr>
+        <p:spPr>
+          <a:xfrm flipV="1">
+            <a:off x="4199040" y="4686297"/>
+            <a:ext cx="200880" cy="4680"/>
+          </a:xfrm>
+          <a:prstGeom prst="line">
+            <a:avLst/>
+          </a:prstGeom>
+          <a:ln w="9525">
+            <a:solidFill>
+              <a:srgbClr val="000000"/>
+            </a:solidFill>
+            <a:round/>
+          </a:ln>
+        </p:spPr>
+        <p:style>
+          <a:lnRef idx="0">
+            <a:scrgbClr r="0" g="0" b="0"/>
+          </a:lnRef>
+          <a:fillRef idx="0">
+            <a:scrgbClr r="0" g="0" b="0"/>
+          </a:fillRef>
+          <a:effectRef idx="0">
+            <a:scrgbClr r="0" g="0" b="0"/>
+          </a:effectRef>
+          <a:fontRef idx="minor"/>
+        </p:style>
+      </p:sp>
+      <p:sp>
+        <p:nvSpPr>
+          <p:cNvPr id="213" name="Gerade Verbindung 141"/>
+          <p:cNvSpPr/>
+          <p:nvPr/>
+        </p:nvSpPr>
+        <p:spPr>
+          <a:xfrm>
+            <a:off x="4204440" y="3713535"/>
+            <a:ext cx="194400" cy="221625"/>
+          </a:xfrm>
+          <a:prstGeom prst="line">
+            <a:avLst/>
+          </a:prstGeom>
+          <a:ln w="9525">
+            <a:solidFill>
+              <a:srgbClr val="000000"/>
+            </a:solidFill>
+            <a:round/>
+          </a:ln>
+        </p:spPr>
+        <p:style>
+          <a:lnRef idx="0">
+            <a:scrgbClr r="0" g="0" b="0"/>
+          </a:lnRef>
+          <a:fillRef idx="0">
+            <a:scrgbClr r="0" g="0" b="0"/>
+          </a:fillRef>
+          <a:effectRef idx="0">
+            <a:scrgbClr r="0" g="0" b="0"/>
+          </a:effectRef>
+          <a:fontRef idx="minor"/>
+        </p:style>
+      </p:sp>
+      <p:sp>
+        <p:nvSpPr>
+          <p:cNvPr id="215" name="Gerade Verbindung 150"/>
+          <p:cNvSpPr/>
+          <p:nvPr/>
+        </p:nvSpPr>
+        <p:spPr>
+          <a:xfrm>
+            <a:off x="4199040" y="2559240"/>
+            <a:ext cx="221040" cy="360"/>
+          </a:xfrm>
+          <a:prstGeom prst="line">
+            <a:avLst/>
+          </a:prstGeom>
+          <a:ln w="9525">
+            <a:solidFill>
+              <a:srgbClr val="000000"/>
+            </a:solidFill>
+            <a:round/>
+          </a:ln>
+        </p:spPr>
+        <p:style>
+          <a:lnRef idx="0">
+            <a:scrgbClr r="0" g="0" b="0"/>
+          </a:lnRef>
+          <a:fillRef idx="0">
+            <a:scrgbClr r="0" g="0" b="0"/>
+          </a:fillRef>
+          <a:effectRef idx="0">
+            <a:scrgbClr r="0" g="0" b="0"/>
+          </a:effectRef>
+          <a:fontRef idx="minor"/>
+        </p:style>
+      </p:sp>
+      <p:sp>
+        <p:nvSpPr>
+          <p:cNvPr id="216" name="Gerade Verbindung 153"/>
+          <p:cNvSpPr/>
+          <p:nvPr/>
+        </p:nvSpPr>
+        <p:spPr>
+          <a:xfrm flipV="1">
+            <a:off x="4210560" y="2193840"/>
+            <a:ext cx="200520" cy="5400"/>
+          </a:xfrm>
+          <a:prstGeom prst="line">
+            <a:avLst/>
+          </a:prstGeom>
+          <a:ln w="9525">
+            <a:solidFill>
+              <a:srgbClr val="000000"/>
+            </a:solidFill>
+            <a:round/>
+          </a:ln>
+        </p:spPr>
+        <p:style>
+          <a:lnRef idx="0">
+            <a:scrgbClr r="0" g="0" b="0"/>
+          </a:lnRef>
+          <a:fillRef idx="0">
+            <a:scrgbClr r="0" g="0" b="0"/>
+          </a:fillRef>
+          <a:effectRef idx="0">
+            <a:scrgbClr r="0" g="0" b="0"/>
+          </a:effectRef>
+          <a:fontRef idx="minor"/>
+        </p:style>
+      </p:sp>
+      <p:sp>
+        <p:nvSpPr>
+          <p:cNvPr id="217" name="Textfeld 299"/>
+          <p:cNvSpPr/>
+          <p:nvPr/>
+        </p:nvSpPr>
+        <p:spPr>
+          <a:xfrm>
+            <a:off x="8036280" y="3889440"/>
+            <a:ext cx="994680" cy="272160"/>
+          </a:xfrm>
+          <a:prstGeom prst="rect">
+            <a:avLst/>
+          </a:prstGeom>
+          <a:noFill/>
           <a:ln w="0">
             <a:solidFill>
               <a:srgbClr val="0046A0"/>
@@ -14928,7 +16793,7 @@
           <a:fontRef idx="minor"/>
         </p:style>
         <p:txBody>
-          <a:bodyPr wrap="none" lIns="90000" tIns="45000" rIns="90000" bIns="45000" anchor="t">
+          <a:bodyPr lIns="90000" tIns="45000" rIns="90000" bIns="45000" anchor="t">
             <a:spAutoFit/>
           </a:bodyPr>
           <a:lstStyle/>
@@ -14946,7 +16811,7 @@
                 </a:solidFill>
                 <a:latin typeface="Arial"/>
               </a:rPr>
-              <a:t>Sequenziell</a:t>
+              <a:t>Synthesizer</a:t>
             </a:r>
             <a:endParaRPr lang="de-DE" sz="1200" b="0" strike="noStrike" spc="-1">
               <a:latin typeface="Arial"/>
@@ -14956,14 +16821,218 @@
       </p:sp>
       <p:sp>
         <p:nvSpPr>
-          <p:cNvPr id="194" name="Textfeld 54"/>
+          <p:cNvPr id="218" name="Gerade Verbindung 300"/>
           <p:cNvSpPr/>
           <p:nvPr/>
         </p:nvSpPr>
         <p:spPr>
-          <a:xfrm>
-            <a:off x="4399920" y="5117040"/>
-            <a:ext cx="1551960" cy="272160"/>
+          <a:xfrm flipH="1" flipV="1">
+            <a:off x="7756200" y="2363760"/>
+            <a:ext cx="279720" cy="1663920"/>
+          </a:xfrm>
+          <a:prstGeom prst="line">
+            <a:avLst/>
+          </a:prstGeom>
+          <a:ln w="9525">
+            <a:solidFill>
+              <a:srgbClr val="000000"/>
+            </a:solidFill>
+            <a:round/>
+          </a:ln>
+        </p:spPr>
+        <p:style>
+          <a:lnRef idx="0">
+            <a:scrgbClr r="0" g="0" b="0"/>
+          </a:lnRef>
+          <a:fillRef idx="0">
+            <a:scrgbClr r="0" g="0" b="0"/>
+          </a:fillRef>
+          <a:effectRef idx="0">
+            <a:scrgbClr r="0" g="0" b="0"/>
+          </a:effectRef>
+          <a:fontRef idx="minor"/>
+        </p:style>
+      </p:sp>
+      <p:sp>
+        <p:nvSpPr>
+          <p:cNvPr id="219" name="Gerade Verbindung 306"/>
+          <p:cNvSpPr/>
+          <p:nvPr/>
+        </p:nvSpPr>
+        <p:spPr>
+          <a:xfrm flipH="1" flipV="1">
+            <a:off x="7764480" y="3755520"/>
+            <a:ext cx="271440" cy="272160"/>
+          </a:xfrm>
+          <a:prstGeom prst="line">
+            <a:avLst/>
+          </a:prstGeom>
+          <a:ln w="9525">
+            <a:solidFill>
+              <a:srgbClr val="000000"/>
+            </a:solidFill>
+            <a:round/>
+          </a:ln>
+        </p:spPr>
+        <p:style>
+          <a:lnRef idx="0">
+            <a:scrgbClr r="0" g="0" b="0"/>
+          </a:lnRef>
+          <a:fillRef idx="0">
+            <a:scrgbClr r="0" g="0" b="0"/>
+          </a:fillRef>
+          <a:effectRef idx="0">
+            <a:scrgbClr r="0" g="0" b="0"/>
+          </a:effectRef>
+          <a:fontRef idx="minor"/>
+        </p:style>
+      </p:sp>
+      <p:sp>
+        <p:nvSpPr>
+          <p:cNvPr id="220" name="Gerade Verbindung 309"/>
+          <p:cNvSpPr/>
+          <p:nvPr/>
+        </p:nvSpPr>
+        <p:spPr>
+          <a:xfrm flipH="1">
+            <a:off x="7777080" y="4027680"/>
+            <a:ext cx="258840" cy="254385"/>
+          </a:xfrm>
+          <a:prstGeom prst="line">
+            <a:avLst/>
+          </a:prstGeom>
+          <a:ln w="9525">
+            <a:solidFill>
+              <a:srgbClr val="000000"/>
+            </a:solidFill>
+            <a:round/>
+          </a:ln>
+        </p:spPr>
+        <p:style>
+          <a:lnRef idx="0">
+            <a:scrgbClr r="0" g="0" b="0"/>
+          </a:lnRef>
+          <a:fillRef idx="0">
+            <a:scrgbClr r="0" g="0" b="0"/>
+          </a:fillRef>
+          <a:effectRef idx="0">
+            <a:scrgbClr r="0" g="0" b="0"/>
+          </a:effectRef>
+          <a:fontRef idx="minor"/>
+        </p:style>
+      </p:sp>
+      <p:sp>
+        <p:nvSpPr>
+          <p:cNvPr id="221" name="Gerade Verbindung 312"/>
+          <p:cNvSpPr/>
+          <p:nvPr/>
+        </p:nvSpPr>
+        <p:spPr>
+          <a:xfrm flipH="1">
+            <a:off x="7772760" y="4027680"/>
+            <a:ext cx="263160" cy="657000"/>
+          </a:xfrm>
+          <a:prstGeom prst="line">
+            <a:avLst/>
+          </a:prstGeom>
+          <a:ln w="9525">
+            <a:solidFill>
+              <a:srgbClr val="000000"/>
+            </a:solidFill>
+            <a:round/>
+          </a:ln>
+        </p:spPr>
+        <p:style>
+          <a:lnRef idx="0">
+            <a:scrgbClr r="0" g="0" b="0"/>
+          </a:lnRef>
+          <a:fillRef idx="0">
+            <a:scrgbClr r="0" g="0" b="0"/>
+          </a:fillRef>
+          <a:effectRef idx="0">
+            <a:scrgbClr r="0" g="0" b="0"/>
+          </a:effectRef>
+          <a:fontRef idx="minor"/>
+        </p:style>
+      </p:sp>
+      <p:sp>
+        <p:nvSpPr>
+          <p:cNvPr id="222" name="Gerade Verbindung 315"/>
+          <p:cNvSpPr/>
+          <p:nvPr/>
+        </p:nvSpPr>
+        <p:spPr>
+          <a:xfrm flipH="1">
+            <a:off x="7765560" y="4027680"/>
+            <a:ext cx="270360" cy="1192320"/>
+          </a:xfrm>
+          <a:prstGeom prst="line">
+            <a:avLst/>
+          </a:prstGeom>
+          <a:ln w="9525">
+            <a:solidFill>
+              <a:srgbClr val="000000"/>
+            </a:solidFill>
+            <a:round/>
+          </a:ln>
+        </p:spPr>
+        <p:style>
+          <a:lnRef idx="0">
+            <a:scrgbClr r="0" g="0" b="0"/>
+          </a:lnRef>
+          <a:fillRef idx="0">
+            <a:scrgbClr r="0" g="0" b="0"/>
+          </a:fillRef>
+          <a:effectRef idx="0">
+            <a:scrgbClr r="0" g="0" b="0"/>
+          </a:effectRef>
+          <a:fontRef idx="minor"/>
+        </p:style>
+      </p:sp>
+      <p:sp>
+        <p:nvSpPr>
+          <p:cNvPr id="223" name="Gerade Verbindung 352"/>
+          <p:cNvSpPr/>
+          <p:nvPr/>
+        </p:nvSpPr>
+        <p:spPr>
+          <a:xfrm>
+            <a:off x="4204080" y="3737880"/>
+            <a:ext cx="202680" cy="516735"/>
+          </a:xfrm>
+          <a:prstGeom prst="line">
+            <a:avLst/>
+          </a:prstGeom>
+          <a:ln w="9525">
+            <a:solidFill>
+              <a:srgbClr val="000000"/>
+            </a:solidFill>
+            <a:round/>
+          </a:ln>
+        </p:spPr>
+        <p:style>
+          <a:lnRef idx="0">
+            <a:scrgbClr r="0" g="0" b="0"/>
+          </a:lnRef>
+          <a:fillRef idx="0">
+            <a:scrgbClr r="0" g="0" b="0"/>
+          </a:fillRef>
+          <a:effectRef idx="0">
+            <a:scrgbClr r="0" g="0" b="0"/>
+          </a:effectRef>
+          <a:fontRef idx="minor"/>
+        </p:style>
+      </p:sp>
+      <p:sp>
+        <p:nvSpPr>
+          <p:cNvPr id="232" name="Textfeld 134"/>
+          <p:cNvSpPr/>
+          <p:nvPr/>
+        </p:nvSpPr>
+        <p:spPr>
+          <a:xfrm>
+            <a:off x="3221640" y="2882160"/>
+            <a:ext cx="974520" cy="272160"/>
           </a:xfrm>
           <a:prstGeom prst="rect">
             <a:avLst/>
@@ -14971,6 +17040,162 @@
           <a:solidFill>
             <a:srgbClr val="B3C5CB"/>
           </a:solidFill>
+          <a:ln w="0">
+            <a:solidFill>
+              <a:srgbClr val="0046A0"/>
+            </a:solidFill>
+          </a:ln>
+        </p:spPr>
+        <p:style>
+          <a:lnRef idx="0">
+            <a:scrgbClr r="0" g="0" b="0"/>
+          </a:lnRef>
+          <a:fillRef idx="0">
+            <a:scrgbClr r="0" g="0" b="0"/>
+          </a:fillRef>
+          <a:effectRef idx="0">
+            <a:scrgbClr r="0" g="0" b="0"/>
+          </a:effectRef>
+          <a:fontRef idx="minor"/>
+        </p:style>
+        <p:txBody>
+          <a:bodyPr lIns="90000" tIns="45000" rIns="90000" bIns="45000" anchor="t">
+            <a:spAutoFit/>
+          </a:bodyPr>
+          <a:lstStyle/>
+          <a:p>
+            <a:pPr>
+              <a:lnSpc>
+                <a:spcPct val="100000"/>
+              </a:lnSpc>
+              <a:buNone/>
+            </a:pPr>
+            <a:r>
+              <a:rPr lang="de-DE" sz="1200" b="0" strike="noStrike" spc="-1" dirty="0">
+                <a:solidFill>
+                  <a:srgbClr val="000000"/>
+                </a:solidFill>
+                <a:latin typeface="Arial"/>
+              </a:rPr>
+              <a:t>Lautstärke</a:t>
+            </a:r>
+            <a:endParaRPr lang="de-DE" sz="1200" b="0" strike="noStrike" spc="-1" dirty="0">
+              <a:latin typeface="Arial"/>
+            </a:endParaRPr>
+          </a:p>
+        </p:txBody>
+      </p:sp>
+      <p:sp>
+        <p:nvSpPr>
+          <p:cNvPr id="233" name="Textfeld 136"/>
+          <p:cNvSpPr/>
+          <p:nvPr/>
+        </p:nvSpPr>
+        <p:spPr>
+          <a:xfrm>
+            <a:off x="4411440" y="2882160"/>
+            <a:ext cx="1531800" cy="272160"/>
+          </a:xfrm>
+          <a:prstGeom prst="rect">
+            <a:avLst/>
+          </a:prstGeom>
+          <a:solidFill>
+            <a:srgbClr val="B3C5CB"/>
+          </a:solidFill>
+          <a:ln w="0">
+            <a:solidFill>
+              <a:srgbClr val="0046A0"/>
+            </a:solidFill>
+          </a:ln>
+        </p:spPr>
+        <p:style>
+          <a:lnRef idx="0">
+            <a:scrgbClr r="0" g="0" b="0"/>
+          </a:lnRef>
+          <a:fillRef idx="0">
+            <a:scrgbClr r="0" g="0" b="0"/>
+          </a:fillRef>
+          <a:effectRef idx="0">
+            <a:scrgbClr r="0" g="0" b="0"/>
+          </a:effectRef>
+          <a:fontRef idx="minor"/>
+        </p:style>
+        <p:txBody>
+          <a:bodyPr lIns="90000" tIns="45000" rIns="90000" bIns="45000" anchor="t">
+            <a:spAutoFit/>
+          </a:bodyPr>
+          <a:lstStyle/>
+          <a:p>
+            <a:pPr>
+              <a:lnSpc>
+                <a:spcPct val="100000"/>
+              </a:lnSpc>
+              <a:buNone/>
+            </a:pPr>
+            <a:r>
+              <a:rPr lang="de-DE" sz="1200" b="0" strike="noStrike" spc="-1" dirty="0">
+                <a:solidFill>
+                  <a:srgbClr val="000000"/>
+                </a:solidFill>
+                <a:latin typeface="Arial"/>
+              </a:rPr>
+              <a:t>Verstärker</a:t>
+            </a:r>
+            <a:endParaRPr lang="de-DE" sz="1200" b="0" strike="noStrike" spc="-1" dirty="0">
+              <a:latin typeface="Arial"/>
+            </a:endParaRPr>
+          </a:p>
+        </p:txBody>
+      </p:sp>
+      <p:sp>
+        <p:nvSpPr>
+          <p:cNvPr id="234" name="Gerade Verbindung 137"/>
+          <p:cNvSpPr/>
+          <p:nvPr/>
+        </p:nvSpPr>
+        <p:spPr>
+          <a:xfrm>
+            <a:off x="4196520" y="3020400"/>
+            <a:ext cx="214560" cy="360"/>
+          </a:xfrm>
+          <a:prstGeom prst="line">
+            <a:avLst/>
+          </a:prstGeom>
+          <a:ln w="9525">
+            <a:solidFill>
+              <a:srgbClr val="000000"/>
+            </a:solidFill>
+            <a:round/>
+          </a:ln>
+        </p:spPr>
+        <p:style>
+          <a:lnRef idx="0">
+            <a:scrgbClr r="0" g="0" b="0"/>
+          </a:lnRef>
+          <a:fillRef idx="0">
+            <a:scrgbClr r="0" g="0" b="0"/>
+          </a:fillRef>
+          <a:effectRef idx="0">
+            <a:scrgbClr r="0" g="0" b="0"/>
+          </a:effectRef>
+          <a:fontRef idx="minor"/>
+        </p:style>
+      </p:sp>
+      <p:sp>
+        <p:nvSpPr>
+          <p:cNvPr id="235" name="Textfeld 143"/>
+          <p:cNvSpPr/>
+          <p:nvPr/>
+        </p:nvSpPr>
+        <p:spPr>
+          <a:xfrm>
+            <a:off x="6125760" y="2790000"/>
+            <a:ext cx="1612440" cy="454680"/>
+          </a:xfrm>
+          <a:prstGeom prst="rect">
+            <a:avLst/>
+          </a:prstGeom>
+          <a:noFill/>
           <a:ln w="0">
             <a:solidFill>
               <a:srgbClr val="0046A0"/>
@@ -15008,7 +17233,7 @@
                 </a:solidFill>
                 <a:latin typeface="Arial"/>
               </a:rPr>
-              <a:t>Zähler</a:t>
+              <a:t>VCA (Voltage Controlled Amplifier)</a:t>
             </a:r>
             <a:endParaRPr lang="de-DE" sz="1200" b="0" strike="noStrike" spc="-1">
               <a:latin typeface="Arial"/>
@@ -15018,49 +17243,14 @@
       </p:sp>
       <p:sp>
         <p:nvSpPr>
-          <p:cNvPr id="195" name="Gerade Verbindung 58"/>
+          <p:cNvPr id="236" name="Gerade Verbindung 145"/>
           <p:cNvSpPr/>
           <p:nvPr/>
         </p:nvSpPr>
         <p:spPr>
           <a:xfrm>
-            <a:off x="4316040" y="1150920"/>
-            <a:ext cx="11880" cy="4951080"/>
-          </a:xfrm>
-          <a:prstGeom prst="line">
-            <a:avLst/>
-          </a:prstGeom>
-          <a:ln w="9525">
-            <a:solidFill>
-              <a:srgbClr val="FF0000"/>
-            </a:solidFill>
-            <a:prstDash val="sysDash"/>
-            <a:round/>
-          </a:ln>
-        </p:spPr>
-        <p:style>
-          <a:lnRef idx="0">
-            <a:scrgbClr r="0" g="0" b="0"/>
-          </a:lnRef>
-          <a:fillRef idx="0">
-            <a:scrgbClr r="0" g="0" b="0"/>
-          </a:fillRef>
-          <a:effectRef idx="0">
-            <a:scrgbClr r="0" g="0" b="0"/>
-          </a:effectRef>
-          <a:fontRef idx="minor"/>
-        </p:style>
-      </p:sp>
-      <p:sp>
-        <p:nvSpPr>
-          <p:cNvPr id="196" name="Gerade Verbindung 68"/>
-          <p:cNvSpPr/>
-          <p:nvPr/>
-        </p:nvSpPr>
-        <p:spPr>
-          <a:xfrm flipV="1">
-            <a:off x="1337760" y="2386080"/>
-            <a:ext cx="276480" cy="1291680"/>
+            <a:off x="5943240" y="3020400"/>
+            <a:ext cx="182160" cy="360"/>
           </a:xfrm>
           <a:prstGeom prst="line">
             <a:avLst/>
@@ -15084,17 +17274,24 @@
           </a:effectRef>
           <a:fontRef idx="minor"/>
         </p:style>
-      </p:sp>
-      <p:sp>
-        <p:nvSpPr>
-          <p:cNvPr id="197" name="Gerade Verbindung 70"/>
+        <p:txBody>
+          <a:bodyPr/>
+          <a:lstStyle/>
+          <a:p>
+            <a:endParaRPr lang="de-DE" dirty="0"/>
+          </a:p>
+        </p:txBody>
+      </p:sp>
+      <p:sp>
+        <p:nvSpPr>
+          <p:cNvPr id="237" name="Gerade Verbindung 164"/>
           <p:cNvSpPr/>
           <p:nvPr/>
         </p:nvSpPr>
         <p:spPr>
-          <a:xfrm>
-            <a:off x="1337760" y="3677760"/>
-            <a:ext cx="242640" cy="0"/>
+          <a:xfrm flipH="1" flipV="1">
+            <a:off x="7738200" y="3020760"/>
+            <a:ext cx="297720" cy="1006920"/>
           </a:xfrm>
           <a:prstGeom prst="line">
             <a:avLst/>
@@ -15121,14 +17318,14 @@
       </p:sp>
       <p:sp>
         <p:nvSpPr>
-          <p:cNvPr id="198" name="Gerade Verbindung 71"/>
+          <p:cNvPr id="238" name="Gerade Verbindung 180"/>
           <p:cNvSpPr/>
           <p:nvPr/>
         </p:nvSpPr>
         <p:spPr>
-          <a:xfrm>
-            <a:off x="1337760" y="3677760"/>
-            <a:ext cx="295920" cy="1773000"/>
+          <a:xfrm flipV="1">
+            <a:off x="2955240" y="3020400"/>
+            <a:ext cx="266400" cy="657360"/>
           </a:xfrm>
           <a:prstGeom prst="line">
             <a:avLst/>
@@ -15155,14 +17352,14 @@
       </p:sp>
       <p:sp>
         <p:nvSpPr>
-          <p:cNvPr id="199" name="Gerade Verbindung 80"/>
+          <p:cNvPr id="239" name="Gerade Verbindung 287"/>
           <p:cNvSpPr/>
           <p:nvPr/>
         </p:nvSpPr>
         <p:spPr>
           <a:xfrm flipV="1">
-            <a:off x="2986560" y="2199240"/>
-            <a:ext cx="249120" cy="186840"/>
+            <a:off x="4204440" y="3535560"/>
+            <a:ext cx="214560" cy="171360"/>
           </a:xfrm>
           <a:prstGeom prst="line">
             <a:avLst/>
@@ -15189,1409 +17386,144 @@
       </p:sp>
       <p:sp>
         <p:nvSpPr>
-          <p:cNvPr id="200" name="Gerade Verbindung 83"/>
-          <p:cNvSpPr/>
+          <p:cNvPr id="2" name="PlaceHolder 3">
+            <a:extLst>
+              <a:ext uri="{FF2B5EF4-FFF2-40B4-BE49-F238E27FC236}">
+                <a16:creationId xmlns:a16="http://schemas.microsoft.com/office/drawing/2014/main" id="{3E1924B5-2941-E1CC-39C0-F563C01B78B0}"/>
+              </a:ext>
+            </a:extLst>
+          </p:cNvPr>
+          <p:cNvSpPr txBox="1">
+            <a:spLocks/>
+          </p:cNvSpPr>
           <p:nvPr/>
         </p:nvSpPr>
         <p:spPr>
           <a:xfrm>
-            <a:off x="2986560" y="2386080"/>
-            <a:ext cx="249120" cy="173160"/>
-          </a:xfrm>
-          <a:prstGeom prst="line">
-            <a:avLst/>
-          </a:prstGeom>
-          <a:ln w="9525">
-            <a:solidFill>
-              <a:srgbClr val="000000"/>
-            </a:solidFill>
-            <a:round/>
-          </a:ln>
-        </p:spPr>
-        <p:style>
-          <a:lnRef idx="0">
-            <a:scrgbClr r="0" g="0" b="0"/>
-          </a:lnRef>
-          <a:fillRef idx="0">
-            <a:scrgbClr r="0" g="0" b="0"/>
-          </a:fillRef>
-          <a:effectRef idx="0">
-            <a:scrgbClr r="0" g="0" b="0"/>
-          </a:effectRef>
-          <a:fontRef idx="minor"/>
-        </p:style>
-      </p:sp>
-      <p:sp>
-        <p:nvSpPr>
-          <p:cNvPr id="201" name="Gerade Verbindung 89"/>
-          <p:cNvSpPr/>
-          <p:nvPr/>
-        </p:nvSpPr>
-        <p:spPr>
-          <a:xfrm>
-            <a:off x="2955240" y="3677760"/>
-            <a:ext cx="256680" cy="436680"/>
-          </a:xfrm>
-          <a:prstGeom prst="line">
-            <a:avLst/>
-          </a:prstGeom>
-          <a:ln w="9525">
-            <a:solidFill>
-              <a:srgbClr val="000000"/>
-            </a:solidFill>
-            <a:round/>
-          </a:ln>
-        </p:spPr>
-        <p:style>
-          <a:lnRef idx="0">
-            <a:scrgbClr r="0" g="0" b="0"/>
-          </a:lnRef>
-          <a:fillRef idx="0">
-            <a:scrgbClr r="0" g="0" b="0"/>
-          </a:fillRef>
-          <a:effectRef idx="0">
-            <a:scrgbClr r="0" g="0" b="0"/>
-          </a:effectRef>
-          <a:fontRef idx="minor"/>
-        </p:style>
-      </p:sp>
-      <p:sp>
-        <p:nvSpPr>
-          <p:cNvPr id="202" name="Gerade Verbindung 95"/>
-          <p:cNvSpPr/>
-          <p:nvPr/>
-        </p:nvSpPr>
-        <p:spPr>
-          <a:xfrm>
-            <a:off x="2993760" y="5477760"/>
-            <a:ext cx="241920" cy="255600"/>
-          </a:xfrm>
-          <a:prstGeom prst="line">
-            <a:avLst/>
-          </a:prstGeom>
-          <a:ln w="9525">
-            <a:solidFill>
-              <a:srgbClr val="000000"/>
-            </a:solidFill>
-            <a:round/>
-          </a:ln>
-        </p:spPr>
-        <p:style>
-          <a:lnRef idx="0">
-            <a:scrgbClr r="0" g="0" b="0"/>
-          </a:lnRef>
-          <a:fillRef idx="0">
-            <a:scrgbClr r="0" g="0" b="0"/>
-          </a:fillRef>
-          <a:effectRef idx="0">
-            <a:scrgbClr r="0" g="0" b="0"/>
-          </a:effectRef>
-          <a:fontRef idx="minor"/>
-        </p:style>
-      </p:sp>
-      <p:sp>
-        <p:nvSpPr>
-          <p:cNvPr id="203" name="Gerade Verbindung 99"/>
-          <p:cNvSpPr/>
-          <p:nvPr/>
-        </p:nvSpPr>
-        <p:spPr>
-          <a:xfrm flipV="1">
-            <a:off x="2993760" y="5260320"/>
-            <a:ext cx="230400" cy="217440"/>
-          </a:xfrm>
-          <a:prstGeom prst="line">
-            <a:avLst/>
-          </a:prstGeom>
-          <a:ln w="9525">
-            <a:solidFill>
-              <a:srgbClr val="000000"/>
-            </a:solidFill>
-            <a:round/>
-          </a:ln>
-        </p:spPr>
-        <p:style>
-          <a:lnRef idx="0">
-            <a:scrgbClr r="0" g="0" b="0"/>
-          </a:lnRef>
-          <a:fillRef idx="0">
-            <a:scrgbClr r="0" g="0" b="0"/>
-          </a:fillRef>
-          <a:effectRef idx="0">
-            <a:scrgbClr r="0" g="0" b="0"/>
-          </a:effectRef>
-          <a:fontRef idx="minor"/>
-        </p:style>
-      </p:sp>
-      <p:sp>
-        <p:nvSpPr>
-          <p:cNvPr id="204" name="Gerade Verbindung 108"/>
-          <p:cNvSpPr/>
-          <p:nvPr/>
-        </p:nvSpPr>
-        <p:spPr>
-          <a:xfrm>
-            <a:off x="5945400" y="2193840"/>
-            <a:ext cx="203400" cy="169920"/>
-          </a:xfrm>
-          <a:prstGeom prst="line">
-            <a:avLst/>
-          </a:prstGeom>
-          <a:ln w="9525">
-            <a:solidFill>
-              <a:srgbClr val="000000"/>
-            </a:solidFill>
-            <a:round/>
-          </a:ln>
-        </p:spPr>
-        <p:style>
-          <a:lnRef idx="0">
-            <a:scrgbClr r="0" g="0" b="0"/>
-          </a:lnRef>
-          <a:fillRef idx="0">
-            <a:scrgbClr r="0" g="0" b="0"/>
-          </a:fillRef>
-          <a:effectRef idx="0">
-            <a:scrgbClr r="0" g="0" b="0"/>
-          </a:effectRef>
-          <a:fontRef idx="minor"/>
-        </p:style>
-      </p:sp>
-      <p:sp>
-        <p:nvSpPr>
-          <p:cNvPr id="205" name="Gerade Verbindung 111"/>
-          <p:cNvSpPr/>
-          <p:nvPr/>
-        </p:nvSpPr>
-        <p:spPr>
-          <a:xfrm flipV="1">
-            <a:off x="5955120" y="2363760"/>
-            <a:ext cx="193680" cy="195480"/>
-          </a:xfrm>
-          <a:prstGeom prst="line">
-            <a:avLst/>
-          </a:prstGeom>
-          <a:ln w="9525">
-            <a:solidFill>
-              <a:srgbClr val="000000"/>
-            </a:solidFill>
-            <a:round/>
-          </a:ln>
-        </p:spPr>
-        <p:style>
-          <a:lnRef idx="0">
-            <a:scrgbClr r="0" g="0" b="0"/>
-          </a:lnRef>
-          <a:fillRef idx="0">
-            <a:scrgbClr r="0" g="0" b="0"/>
-          </a:fillRef>
-          <a:effectRef idx="0">
-            <a:scrgbClr r="0" g="0" b="0"/>
-          </a:effectRef>
-          <a:fontRef idx="minor"/>
-        </p:style>
-      </p:sp>
-      <p:sp>
-        <p:nvSpPr>
-          <p:cNvPr id="206" name="Gerade Verbindung 117"/>
-          <p:cNvSpPr/>
-          <p:nvPr/>
-        </p:nvSpPr>
-        <p:spPr>
-          <a:xfrm>
-            <a:off x="5945400" y="4115520"/>
-            <a:ext cx="169200" cy="201960"/>
-          </a:xfrm>
-          <a:prstGeom prst="line">
-            <a:avLst/>
-          </a:prstGeom>
-          <a:ln w="9525">
-            <a:solidFill>
-              <a:srgbClr val="000000"/>
-            </a:solidFill>
-            <a:round/>
-          </a:ln>
-        </p:spPr>
-        <p:style>
-          <a:lnRef idx="0">
-            <a:scrgbClr r="0" g="0" b="0"/>
-          </a:lnRef>
-          <a:fillRef idx="0">
-            <a:scrgbClr r="0" g="0" b="0"/>
-          </a:fillRef>
-          <a:effectRef idx="0">
-            <a:scrgbClr r="0" g="0" b="0"/>
-          </a:effectRef>
-          <a:fontRef idx="minor"/>
-        </p:style>
-      </p:sp>
-      <p:sp>
-        <p:nvSpPr>
-          <p:cNvPr id="207" name="Gerade Verbindung 120"/>
-          <p:cNvSpPr/>
-          <p:nvPr/>
-        </p:nvSpPr>
-        <p:spPr>
-          <a:xfrm flipV="1">
-            <a:off x="5954400" y="4317480"/>
-            <a:ext cx="160200" cy="197280"/>
-          </a:xfrm>
-          <a:prstGeom prst="line">
-            <a:avLst/>
-          </a:prstGeom>
-          <a:ln w="9525">
-            <a:solidFill>
-              <a:srgbClr val="000000"/>
-            </a:solidFill>
-            <a:round/>
-          </a:ln>
-        </p:spPr>
-        <p:style>
-          <a:lnRef idx="0">
-            <a:scrgbClr r="0" g="0" b="0"/>
-          </a:lnRef>
-          <a:fillRef idx="0">
-            <a:scrgbClr r="0" g="0" b="0"/>
-          </a:fillRef>
-          <a:effectRef idx="0">
-            <a:scrgbClr r="0" g="0" b="0"/>
-          </a:effectRef>
-          <a:fontRef idx="minor"/>
-        </p:style>
-      </p:sp>
-      <p:sp>
-        <p:nvSpPr>
-          <p:cNvPr id="208" name="Gerade Verbindung 123"/>
-          <p:cNvSpPr/>
-          <p:nvPr/>
-        </p:nvSpPr>
-        <p:spPr>
-          <a:xfrm flipV="1">
-            <a:off x="5963400" y="4859640"/>
-            <a:ext cx="163800" cy="720"/>
-          </a:xfrm>
-          <a:prstGeom prst="line">
-            <a:avLst/>
-          </a:prstGeom>
-          <a:ln w="9525">
-            <a:solidFill>
-              <a:srgbClr val="000000"/>
-            </a:solidFill>
-            <a:round/>
-          </a:ln>
-        </p:spPr>
-        <p:style>
-          <a:lnRef idx="0">
-            <a:scrgbClr r="0" g="0" b="0"/>
-          </a:lnRef>
-          <a:fillRef idx="0">
-            <a:scrgbClr r="0" g="0" b="0"/>
-          </a:fillRef>
-          <a:effectRef idx="0">
-            <a:scrgbClr r="0" g="0" b="0"/>
-          </a:effectRef>
-          <a:fontRef idx="minor"/>
-        </p:style>
-      </p:sp>
-      <p:sp>
-        <p:nvSpPr>
-          <p:cNvPr id="209" name="Gerade Verbindung 126"/>
-          <p:cNvSpPr/>
-          <p:nvPr/>
-        </p:nvSpPr>
-        <p:spPr>
-          <a:xfrm>
-            <a:off x="5952240" y="5255640"/>
-            <a:ext cx="174960" cy="1080"/>
-          </a:xfrm>
-          <a:prstGeom prst="line">
-            <a:avLst/>
-          </a:prstGeom>
-          <a:ln w="9525">
-            <a:solidFill>
-              <a:srgbClr val="000000"/>
-            </a:solidFill>
-            <a:round/>
-          </a:ln>
-        </p:spPr>
-        <p:style>
-          <a:lnRef idx="0">
-            <a:scrgbClr r="0" g="0" b="0"/>
-          </a:lnRef>
-          <a:fillRef idx="0">
-            <a:scrgbClr r="0" g="0" b="0"/>
-          </a:fillRef>
-          <a:effectRef idx="0">
-            <a:scrgbClr r="0" g="0" b="0"/>
-          </a:effectRef>
-          <a:fontRef idx="minor"/>
-        </p:style>
-      </p:sp>
-      <p:sp>
-        <p:nvSpPr>
-          <p:cNvPr id="210" name="Gerade Verbindung 129"/>
-          <p:cNvSpPr/>
-          <p:nvPr/>
-        </p:nvSpPr>
-        <p:spPr>
-          <a:xfrm>
-            <a:off x="5933160" y="5738760"/>
-            <a:ext cx="167760" cy="720"/>
-          </a:xfrm>
-          <a:prstGeom prst="line">
-            <a:avLst/>
-          </a:prstGeom>
-          <a:ln w="9525">
-            <a:solidFill>
-              <a:srgbClr val="000000"/>
-            </a:solidFill>
-            <a:round/>
-          </a:ln>
-        </p:spPr>
-        <p:style>
-          <a:lnRef idx="0">
-            <a:scrgbClr r="0" g="0" b="0"/>
-          </a:lnRef>
-          <a:fillRef idx="0">
-            <a:scrgbClr r="0" g="0" b="0"/>
-          </a:fillRef>
-          <a:effectRef idx="0">
-            <a:scrgbClr r="0" g="0" b="0"/>
-          </a:effectRef>
-          <a:fontRef idx="minor"/>
-        </p:style>
-      </p:sp>
-      <p:sp>
-        <p:nvSpPr>
-          <p:cNvPr id="211" name="Gerade Verbindung 132"/>
-          <p:cNvSpPr/>
-          <p:nvPr/>
-        </p:nvSpPr>
-        <p:spPr>
-          <a:xfrm>
-            <a:off x="4199040" y="5733360"/>
-            <a:ext cx="199800" cy="5400"/>
-          </a:xfrm>
-          <a:prstGeom prst="line">
-            <a:avLst/>
-          </a:prstGeom>
-          <a:ln w="9525">
-            <a:solidFill>
-              <a:srgbClr val="000000"/>
-            </a:solidFill>
-            <a:round/>
-          </a:ln>
-        </p:spPr>
-        <p:style>
-          <a:lnRef idx="0">
-            <a:scrgbClr r="0" g="0" b="0"/>
-          </a:lnRef>
-          <a:fillRef idx="0">
-            <a:scrgbClr r="0" g="0" b="0"/>
-          </a:fillRef>
-          <a:effectRef idx="0">
-            <a:scrgbClr r="0" g="0" b="0"/>
-          </a:effectRef>
-          <a:fontRef idx="minor"/>
-        </p:style>
-      </p:sp>
-      <p:sp>
-        <p:nvSpPr>
-          <p:cNvPr id="212" name="Gerade Verbindung 135"/>
-          <p:cNvSpPr/>
-          <p:nvPr/>
-        </p:nvSpPr>
-        <p:spPr>
-          <a:xfrm flipV="1">
-            <a:off x="4199040" y="5255640"/>
-            <a:ext cx="200880" cy="4680"/>
-          </a:xfrm>
-          <a:prstGeom prst="line">
-            <a:avLst/>
-          </a:prstGeom>
-          <a:ln w="9525">
-            <a:solidFill>
-              <a:srgbClr val="000000"/>
-            </a:solidFill>
-            <a:round/>
-          </a:ln>
-        </p:spPr>
-        <p:style>
-          <a:lnRef idx="0">
-            <a:scrgbClr r="0" g="0" b="0"/>
-          </a:lnRef>
-          <a:fillRef idx="0">
-            <a:scrgbClr r="0" g="0" b="0"/>
-          </a:fillRef>
-          <a:effectRef idx="0">
-            <a:scrgbClr r="0" g="0" b="0"/>
-          </a:effectRef>
-          <a:fontRef idx="minor"/>
-        </p:style>
-      </p:sp>
-      <p:sp>
-        <p:nvSpPr>
-          <p:cNvPr id="213" name="Gerade Verbindung 141"/>
-          <p:cNvSpPr/>
-          <p:nvPr/>
-        </p:nvSpPr>
-        <p:spPr>
-          <a:xfrm>
-            <a:off x="4186800" y="4114440"/>
-            <a:ext cx="224280" cy="1080"/>
-          </a:xfrm>
-          <a:prstGeom prst="line">
-            <a:avLst/>
-          </a:prstGeom>
-          <a:ln w="9525">
-            <a:solidFill>
-              <a:srgbClr val="000000"/>
-            </a:solidFill>
-            <a:round/>
-          </a:ln>
-        </p:spPr>
-        <p:style>
-          <a:lnRef idx="0">
-            <a:scrgbClr r="0" g="0" b="0"/>
-          </a:lnRef>
-          <a:fillRef idx="0">
-            <a:scrgbClr r="0" g="0" b="0"/>
-          </a:fillRef>
-          <a:effectRef idx="0">
-            <a:scrgbClr r="0" g="0" b="0"/>
-          </a:effectRef>
-          <a:fontRef idx="minor"/>
-        </p:style>
-      </p:sp>
-      <p:sp>
-        <p:nvSpPr>
-          <p:cNvPr id="214" name="Gerade Verbindung 144"/>
-          <p:cNvSpPr/>
-          <p:nvPr/>
-        </p:nvSpPr>
-        <p:spPr>
-          <a:xfrm>
-            <a:off x="4186800" y="4114440"/>
-            <a:ext cx="224280" cy="400320"/>
-          </a:xfrm>
-          <a:prstGeom prst="line">
-            <a:avLst/>
-          </a:prstGeom>
-          <a:ln w="9525">
-            <a:solidFill>
-              <a:srgbClr val="000000"/>
-            </a:solidFill>
-            <a:round/>
-          </a:ln>
-        </p:spPr>
-        <p:style>
-          <a:lnRef idx="0">
-            <a:scrgbClr r="0" g="0" b="0"/>
-          </a:lnRef>
-          <a:fillRef idx="0">
-            <a:scrgbClr r="0" g="0" b="0"/>
-          </a:fillRef>
-          <a:effectRef idx="0">
-            <a:scrgbClr r="0" g="0" b="0"/>
-          </a:effectRef>
-          <a:fontRef idx="minor"/>
-        </p:style>
-      </p:sp>
-      <p:sp>
-        <p:nvSpPr>
-          <p:cNvPr id="215" name="Gerade Verbindung 150"/>
-          <p:cNvSpPr/>
-          <p:nvPr/>
-        </p:nvSpPr>
-        <p:spPr>
-          <a:xfrm>
-            <a:off x="4199040" y="2559240"/>
-            <a:ext cx="221040" cy="360"/>
-          </a:xfrm>
-          <a:prstGeom prst="line">
-            <a:avLst/>
-          </a:prstGeom>
-          <a:ln w="9525">
-            <a:solidFill>
-              <a:srgbClr val="000000"/>
-            </a:solidFill>
-            <a:round/>
-          </a:ln>
-        </p:spPr>
-        <p:style>
-          <a:lnRef idx="0">
-            <a:scrgbClr r="0" g="0" b="0"/>
-          </a:lnRef>
-          <a:fillRef idx="0">
-            <a:scrgbClr r="0" g="0" b="0"/>
-          </a:fillRef>
-          <a:effectRef idx="0">
-            <a:scrgbClr r="0" g="0" b="0"/>
-          </a:effectRef>
-          <a:fontRef idx="minor"/>
-        </p:style>
-      </p:sp>
-      <p:sp>
-        <p:nvSpPr>
-          <p:cNvPr id="216" name="Gerade Verbindung 153"/>
-          <p:cNvSpPr/>
-          <p:nvPr/>
-        </p:nvSpPr>
-        <p:spPr>
-          <a:xfrm flipV="1">
-            <a:off x="4210560" y="2193840"/>
-            <a:ext cx="200520" cy="5400"/>
-          </a:xfrm>
-          <a:prstGeom prst="line">
-            <a:avLst/>
-          </a:prstGeom>
-          <a:ln w="9525">
-            <a:solidFill>
-              <a:srgbClr val="000000"/>
-            </a:solidFill>
-            <a:round/>
-          </a:ln>
-        </p:spPr>
-        <p:style>
-          <a:lnRef idx="0">
-            <a:scrgbClr r="0" g="0" b="0"/>
-          </a:lnRef>
-          <a:fillRef idx="0">
-            <a:scrgbClr r="0" g="0" b="0"/>
-          </a:fillRef>
-          <a:effectRef idx="0">
-            <a:scrgbClr r="0" g="0" b="0"/>
-          </a:effectRef>
-          <a:fontRef idx="minor"/>
-        </p:style>
-      </p:sp>
-      <p:sp>
-        <p:nvSpPr>
-          <p:cNvPr id="217" name="Textfeld 299"/>
-          <p:cNvSpPr/>
-          <p:nvPr/>
-        </p:nvSpPr>
-        <p:spPr>
-          <a:xfrm>
-            <a:off x="8036280" y="3889440"/>
-            <a:ext cx="994680" cy="272160"/>
+            <a:off x="3534033" y="6381720"/>
+            <a:ext cx="3220249" cy="360000"/>
           </a:xfrm>
           <a:prstGeom prst="rect">
             <a:avLst/>
           </a:prstGeom>
           <a:noFill/>
-          <a:ln w="0">
-            <a:solidFill>
-              <a:srgbClr val="0046A0"/>
-            </a:solidFill>
-          </a:ln>
-        </p:spPr>
-        <p:style>
-          <a:lnRef idx="0">
-            <a:scrgbClr r="0" g="0" b="0"/>
-          </a:lnRef>
-          <a:fillRef idx="0">
-            <a:scrgbClr r="0" g="0" b="0"/>
-          </a:fillRef>
-          <a:effectRef idx="0">
-            <a:scrgbClr r="0" g="0" b="0"/>
-          </a:effectRef>
-          <a:fontRef idx="minor"/>
-        </p:style>
-        <p:txBody>
-          <a:bodyPr lIns="90000" tIns="45000" rIns="90000" bIns="45000" anchor="t">
-            <a:spAutoFit/>
-          </a:bodyPr>
-          <a:lstStyle/>
-          <a:p>
-            <a:pPr>
+          <a:ln w="9360">
+            <a:noFill/>
+          </a:ln>
+        </p:spPr>
+        <p:txBody>
+          <a:bodyPr lIns="0" tIns="0" rIns="0" bIns="0" numCol="1" spcCol="0" anchor="t">
+            <a:noAutofit/>
+          </a:bodyPr>
+          <a:lstStyle>
+            <a:defPPr>
+              <a:defRPr lang="de-DE"/>
+            </a:defPPr>
+            <a:lvl1pPr marL="0" algn="l" defTabSz="914400" rtl="0" eaLnBrk="1" latinLnBrk="0" hangingPunct="1">
               <a:lnSpc>
                 <a:spcPct val="100000"/>
               </a:lnSpc>
               <a:buNone/>
-            </a:pPr>
+              <a:defRPr lang="de-DE" sz="1000" b="0" strike="noStrike" kern="1200" spc="-1">
+                <a:solidFill>
+                  <a:srgbClr val="000000"/>
+                </a:solidFill>
+                <a:latin typeface="Arial"/>
+                <a:ea typeface="+mn-ea"/>
+                <a:cs typeface="+mn-cs"/>
+              </a:defRPr>
+            </a:lvl1pPr>
+            <a:lvl2pPr marL="457200" algn="l" defTabSz="914400" rtl="0" eaLnBrk="1" latinLnBrk="0" hangingPunct="1">
+              <a:defRPr sz="1800" kern="1200">
+                <a:solidFill>
+                  <a:schemeClr val="tx1"/>
+                </a:solidFill>
+                <a:latin typeface="+mn-lt"/>
+                <a:ea typeface="+mn-ea"/>
+                <a:cs typeface="+mn-cs"/>
+              </a:defRPr>
+            </a:lvl2pPr>
+            <a:lvl3pPr marL="914400" algn="l" defTabSz="914400" rtl="0" eaLnBrk="1" latinLnBrk="0" hangingPunct="1">
+              <a:defRPr sz="1800" kern="1200">
+                <a:solidFill>
+                  <a:schemeClr val="tx1"/>
+                </a:solidFill>
+                <a:latin typeface="+mn-lt"/>
+                <a:ea typeface="+mn-ea"/>
+                <a:cs typeface="+mn-cs"/>
+              </a:defRPr>
+            </a:lvl3pPr>
+            <a:lvl4pPr marL="1371600" algn="l" defTabSz="914400" rtl="0" eaLnBrk="1" latinLnBrk="0" hangingPunct="1">
+              <a:defRPr sz="1800" kern="1200">
+                <a:solidFill>
+                  <a:schemeClr val="tx1"/>
+                </a:solidFill>
+                <a:latin typeface="+mn-lt"/>
+                <a:ea typeface="+mn-ea"/>
+                <a:cs typeface="+mn-cs"/>
+              </a:defRPr>
+            </a:lvl4pPr>
+            <a:lvl5pPr marL="1828800" algn="l" defTabSz="914400" rtl="0" eaLnBrk="1" latinLnBrk="0" hangingPunct="1">
+              <a:defRPr sz="1800" kern="1200">
+                <a:solidFill>
+                  <a:schemeClr val="tx1"/>
+                </a:solidFill>
+                <a:latin typeface="+mn-lt"/>
+                <a:ea typeface="+mn-ea"/>
+                <a:cs typeface="+mn-cs"/>
+              </a:defRPr>
+            </a:lvl5pPr>
+            <a:lvl6pPr marL="2286000" algn="l" defTabSz="914400" rtl="0" eaLnBrk="1" latinLnBrk="0" hangingPunct="1">
+              <a:defRPr sz="1800" kern="1200">
+                <a:solidFill>
+                  <a:schemeClr val="tx1"/>
+                </a:solidFill>
+                <a:latin typeface="+mn-lt"/>
+                <a:ea typeface="+mn-ea"/>
+                <a:cs typeface="+mn-cs"/>
+              </a:defRPr>
+            </a:lvl6pPr>
+            <a:lvl7pPr marL="2743200" algn="l" defTabSz="914400" rtl="0" eaLnBrk="1" latinLnBrk="0" hangingPunct="1">
+              <a:defRPr sz="1800" kern="1200">
+                <a:solidFill>
+                  <a:schemeClr val="tx1"/>
+                </a:solidFill>
+                <a:latin typeface="+mn-lt"/>
+                <a:ea typeface="+mn-ea"/>
+                <a:cs typeface="+mn-cs"/>
+              </a:defRPr>
+            </a:lvl7pPr>
+            <a:lvl8pPr marL="3200400" algn="l" defTabSz="914400" rtl="0" eaLnBrk="1" latinLnBrk="0" hangingPunct="1">
+              <a:defRPr sz="1800" kern="1200">
+                <a:solidFill>
+                  <a:schemeClr val="tx1"/>
+                </a:solidFill>
+                <a:latin typeface="+mn-lt"/>
+                <a:ea typeface="+mn-ea"/>
+                <a:cs typeface="+mn-cs"/>
+              </a:defRPr>
+            </a:lvl8pPr>
+            <a:lvl9pPr marL="3657600" algn="l" defTabSz="914400" rtl="0" eaLnBrk="1" latinLnBrk="0" hangingPunct="1">
+              <a:defRPr sz="1800" kern="1200">
+                <a:solidFill>
+                  <a:schemeClr val="tx1"/>
+                </a:solidFill>
+                <a:latin typeface="+mn-lt"/>
+                <a:ea typeface="+mn-ea"/>
+                <a:cs typeface="+mn-cs"/>
+              </a:defRPr>
+            </a:lvl9pPr>
+          </a:lstStyle>
+          <a:p>
             <a:r>
-              <a:rPr lang="de-DE" sz="1200" b="0" strike="noStrike" spc="-1">
-                <a:solidFill>
-                  <a:srgbClr val="000000"/>
-                </a:solidFill>
-                <a:latin typeface="Arial"/>
-              </a:rPr>
-              <a:t>Synthesizer</a:t>
+              <a:rPr lang="de-DE" dirty="0"/>
+              <a:t>Vortrag LPDES – Viktor Dilman, Christoph Kirschner</a:t>
             </a:r>
-            <a:endParaRPr lang="de-DE" sz="1200" b="0" strike="noStrike" spc="-1">
-              <a:latin typeface="Arial"/>
-            </a:endParaRPr>
-          </a:p>
-        </p:txBody>
-      </p:sp>
-      <p:sp>
-        <p:nvSpPr>
-          <p:cNvPr id="218" name="Gerade Verbindung 300"/>
-          <p:cNvSpPr/>
-          <p:nvPr/>
-        </p:nvSpPr>
-        <p:spPr>
-          <a:xfrm flipH="1" flipV="1">
-            <a:off x="7756200" y="2363760"/>
-            <a:ext cx="279720" cy="1663920"/>
-          </a:xfrm>
-          <a:prstGeom prst="line">
-            <a:avLst/>
-          </a:prstGeom>
-          <a:ln w="9525">
-            <a:solidFill>
-              <a:srgbClr val="000000"/>
-            </a:solidFill>
-            <a:round/>
-          </a:ln>
-        </p:spPr>
-        <p:style>
-          <a:lnRef idx="0">
-            <a:scrgbClr r="0" g="0" b="0"/>
-          </a:lnRef>
-          <a:fillRef idx="0">
-            <a:scrgbClr r="0" g="0" b="0"/>
-          </a:fillRef>
-          <a:effectRef idx="0">
-            <a:scrgbClr r="0" g="0" b="0"/>
-          </a:effectRef>
-          <a:fontRef idx="minor"/>
-        </p:style>
-      </p:sp>
-      <p:sp>
-        <p:nvSpPr>
-          <p:cNvPr id="219" name="Gerade Verbindung 306"/>
-          <p:cNvSpPr/>
-          <p:nvPr/>
-        </p:nvSpPr>
-        <p:spPr>
-          <a:xfrm flipH="1">
-            <a:off x="7751880" y="4027680"/>
-            <a:ext cx="284040" cy="289800"/>
-          </a:xfrm>
-          <a:prstGeom prst="line">
-            <a:avLst/>
-          </a:prstGeom>
-          <a:ln w="9525">
-            <a:solidFill>
-              <a:srgbClr val="000000"/>
-            </a:solidFill>
-            <a:round/>
-          </a:ln>
-        </p:spPr>
-        <p:style>
-          <a:lnRef idx="0">
-            <a:scrgbClr r="0" g="0" b="0"/>
-          </a:lnRef>
-          <a:fillRef idx="0">
-            <a:scrgbClr r="0" g="0" b="0"/>
-          </a:fillRef>
-          <a:effectRef idx="0">
-            <a:scrgbClr r="0" g="0" b="0"/>
-          </a:effectRef>
-          <a:fontRef idx="minor"/>
-        </p:style>
-      </p:sp>
-      <p:sp>
-        <p:nvSpPr>
-          <p:cNvPr id="220" name="Gerade Verbindung 309"/>
-          <p:cNvSpPr/>
-          <p:nvPr/>
-        </p:nvSpPr>
-        <p:spPr>
-          <a:xfrm flipH="1">
-            <a:off x="7777440" y="4027680"/>
-            <a:ext cx="258480" cy="831960"/>
-          </a:xfrm>
-          <a:prstGeom prst="line">
-            <a:avLst/>
-          </a:prstGeom>
-          <a:ln w="9525">
-            <a:solidFill>
-              <a:srgbClr val="000000"/>
-            </a:solidFill>
-            <a:round/>
-          </a:ln>
-        </p:spPr>
-        <p:style>
-          <a:lnRef idx="0">
-            <a:scrgbClr r="0" g="0" b="0"/>
-          </a:lnRef>
-          <a:fillRef idx="0">
-            <a:scrgbClr r="0" g="0" b="0"/>
-          </a:fillRef>
-          <a:effectRef idx="0">
-            <a:scrgbClr r="0" g="0" b="0"/>
-          </a:effectRef>
-          <a:fontRef idx="minor"/>
-        </p:style>
-      </p:sp>
-      <p:sp>
-        <p:nvSpPr>
-          <p:cNvPr id="221" name="Gerade Verbindung 312"/>
-          <p:cNvSpPr/>
-          <p:nvPr/>
-        </p:nvSpPr>
-        <p:spPr>
-          <a:xfrm flipH="1">
-            <a:off x="7764480" y="4027680"/>
-            <a:ext cx="271440" cy="1229040"/>
-          </a:xfrm>
-          <a:prstGeom prst="line">
-            <a:avLst/>
-          </a:prstGeom>
-          <a:ln w="9525">
-            <a:solidFill>
-              <a:srgbClr val="000000"/>
-            </a:solidFill>
-            <a:round/>
-          </a:ln>
-        </p:spPr>
-        <p:style>
-          <a:lnRef idx="0">
-            <a:scrgbClr r="0" g="0" b="0"/>
-          </a:lnRef>
-          <a:fillRef idx="0">
-            <a:scrgbClr r="0" g="0" b="0"/>
-          </a:fillRef>
-          <a:effectRef idx="0">
-            <a:scrgbClr r="0" g="0" b="0"/>
-          </a:effectRef>
-          <a:fontRef idx="minor"/>
-        </p:style>
-      </p:sp>
-      <p:sp>
-        <p:nvSpPr>
-          <p:cNvPr id="222" name="Gerade Verbindung 315"/>
-          <p:cNvSpPr/>
-          <p:nvPr/>
-        </p:nvSpPr>
-        <p:spPr>
-          <a:xfrm flipH="1">
-            <a:off x="7738200" y="4027680"/>
-            <a:ext cx="297720" cy="1711800"/>
-          </a:xfrm>
-          <a:prstGeom prst="line">
-            <a:avLst/>
-          </a:prstGeom>
-          <a:ln w="9525">
-            <a:solidFill>
-              <a:srgbClr val="000000"/>
-            </a:solidFill>
-            <a:round/>
-          </a:ln>
-        </p:spPr>
-        <p:style>
-          <a:lnRef idx="0">
-            <a:scrgbClr r="0" g="0" b="0"/>
-          </a:lnRef>
-          <a:fillRef idx="0">
-            <a:scrgbClr r="0" g="0" b="0"/>
-          </a:fillRef>
-          <a:effectRef idx="0">
-            <a:scrgbClr r="0" g="0" b="0"/>
-          </a:effectRef>
-          <a:fontRef idx="minor"/>
-        </p:style>
-      </p:sp>
-      <p:sp>
-        <p:nvSpPr>
-          <p:cNvPr id="223" name="Gerade Verbindung 352"/>
-          <p:cNvSpPr/>
-          <p:nvPr/>
-        </p:nvSpPr>
-        <p:spPr>
-          <a:xfrm>
-            <a:off x="4186800" y="4114440"/>
-            <a:ext cx="233280" cy="745920"/>
-          </a:xfrm>
-          <a:prstGeom prst="line">
-            <a:avLst/>
-          </a:prstGeom>
-          <a:ln w="9525">
-            <a:solidFill>
-              <a:srgbClr val="000000"/>
-            </a:solidFill>
-            <a:round/>
-          </a:ln>
-        </p:spPr>
-        <p:style>
-          <a:lnRef idx="0">
-            <a:scrgbClr r="0" g="0" b="0"/>
-          </a:lnRef>
-          <a:fillRef idx="0">
-            <a:scrgbClr r="0" g="0" b="0"/>
-          </a:fillRef>
-          <a:effectRef idx="0">
-            <a:scrgbClr r="0" g="0" b="0"/>
-          </a:effectRef>
-          <a:fontRef idx="minor"/>
-        </p:style>
-      </p:sp>
-      <p:sp>
-        <p:nvSpPr>
-          <p:cNvPr id="228" name="Textfeld 76"/>
-          <p:cNvSpPr/>
-          <p:nvPr/>
-        </p:nvSpPr>
-        <p:spPr>
-          <a:xfrm>
-            <a:off x="4402080" y="3539520"/>
-            <a:ext cx="1561320" cy="272160"/>
-          </a:xfrm>
-          <a:prstGeom prst="rect">
-            <a:avLst/>
-          </a:prstGeom>
-          <a:solidFill>
-            <a:srgbClr val="B3C5CB"/>
-          </a:solidFill>
-          <a:ln w="0">
-            <a:solidFill>
-              <a:srgbClr val="0046A0"/>
-            </a:solidFill>
-          </a:ln>
-        </p:spPr>
-        <p:style>
-          <a:lnRef idx="0">
-            <a:scrgbClr r="0" g="0" b="0"/>
-          </a:lnRef>
-          <a:fillRef idx="0">
-            <a:scrgbClr r="0" g="0" b="0"/>
-          </a:fillRef>
-          <a:effectRef idx="0">
-            <a:scrgbClr r="0" g="0" b="0"/>
-          </a:effectRef>
-          <a:fontRef idx="minor"/>
-        </p:style>
-        <p:txBody>
-          <a:bodyPr lIns="90000" tIns="45000" rIns="90000" bIns="45000" anchor="t">
-            <a:spAutoFit/>
-          </a:bodyPr>
-          <a:lstStyle/>
-          <a:p>
-            <a:pPr>
-              <a:lnSpc>
-                <a:spcPct val="100000"/>
-              </a:lnSpc>
-              <a:buNone/>
-            </a:pPr>
-            <a:r>
-              <a:rPr lang="de-DE" sz="1200" b="0" strike="noStrike" spc="-1">
-                <a:solidFill>
-                  <a:srgbClr val="000000"/>
-                </a:solidFill>
-                <a:latin typeface="Arial"/>
-              </a:rPr>
-              <a:t>Hüllkurvengenerator</a:t>
-            </a:r>
-            <a:endParaRPr lang="de-DE" sz="1200" b="0" strike="noStrike" spc="-1">
-              <a:latin typeface="Arial"/>
-            </a:endParaRPr>
-          </a:p>
-        </p:txBody>
-      </p:sp>
-      <p:sp>
-        <p:nvSpPr>
-          <p:cNvPr id="229" name="Textfeld 96"/>
-          <p:cNvSpPr/>
-          <p:nvPr/>
-        </p:nvSpPr>
-        <p:spPr>
-          <a:xfrm>
-            <a:off x="6102720" y="3355560"/>
-            <a:ext cx="1648800" cy="637200"/>
-          </a:xfrm>
-          <a:prstGeom prst="rect">
-            <a:avLst/>
-          </a:prstGeom>
-          <a:noFill/>
-          <a:ln w="0">
-            <a:solidFill>
-              <a:srgbClr val="0046A0"/>
-            </a:solidFill>
-          </a:ln>
-        </p:spPr>
-        <p:style>
-          <a:lnRef idx="0">
-            <a:scrgbClr r="0" g="0" b="0"/>
-          </a:lnRef>
-          <a:fillRef idx="0">
-            <a:scrgbClr r="0" g="0" b="0"/>
-          </a:fillRef>
-          <a:effectRef idx="0">
-            <a:scrgbClr r="0" g="0" b="0"/>
-          </a:effectRef>
-          <a:fontRef idx="minor"/>
-        </p:style>
-        <p:txBody>
-          <a:bodyPr lIns="90000" tIns="45000" rIns="90000" bIns="45000" anchor="t">
-            <a:spAutoFit/>
-          </a:bodyPr>
-          <a:lstStyle/>
-          <a:p>
-            <a:pPr>
-              <a:lnSpc>
-                <a:spcPct val="100000"/>
-              </a:lnSpc>
-              <a:buNone/>
-            </a:pPr>
-            <a:r>
-              <a:rPr lang="de-DE" sz="1200" b="0" strike="noStrike" spc="-1">
-                <a:solidFill>
-                  <a:srgbClr val="000000"/>
-                </a:solidFill>
-                <a:latin typeface="Arial"/>
-              </a:rPr>
-              <a:t>ADSR </a:t>
-            </a:r>
-            <a:endParaRPr lang="de-DE" sz="1200" b="0" strike="noStrike" spc="-1">
-              <a:latin typeface="Arial"/>
-            </a:endParaRPr>
-          </a:p>
-          <a:p>
-            <a:pPr>
-              <a:lnSpc>
-                <a:spcPct val="100000"/>
-              </a:lnSpc>
-              <a:buNone/>
-            </a:pPr>
-            <a:r>
-              <a:rPr lang="de-DE" sz="1200" b="0" strike="noStrike" spc="-1">
-                <a:solidFill>
-                  <a:srgbClr val="000000"/>
-                </a:solidFill>
-                <a:latin typeface="Arial"/>
-              </a:rPr>
-              <a:t>(Attack, Decay, Sustain, Release)</a:t>
-            </a:r>
-            <a:endParaRPr lang="de-DE" sz="1200" b="0" strike="noStrike" spc="-1">
-              <a:latin typeface="Arial"/>
-            </a:endParaRPr>
-          </a:p>
-        </p:txBody>
-      </p:sp>
-      <p:sp>
-        <p:nvSpPr>
-          <p:cNvPr id="230" name="Gerade Verbindung 97"/>
-          <p:cNvSpPr/>
-          <p:nvPr/>
-        </p:nvSpPr>
-        <p:spPr>
-          <a:xfrm>
-            <a:off x="5963760" y="3677760"/>
-            <a:ext cx="138960" cy="720"/>
-          </a:xfrm>
-          <a:prstGeom prst="line">
-            <a:avLst/>
-          </a:prstGeom>
-          <a:ln w="9525">
-            <a:solidFill>
-              <a:srgbClr val="000000"/>
-            </a:solidFill>
-            <a:round/>
-          </a:ln>
-        </p:spPr>
-        <p:style>
-          <a:lnRef idx="0">
-            <a:scrgbClr r="0" g="0" b="0"/>
-          </a:lnRef>
-          <a:fillRef idx="0">
-            <a:scrgbClr r="0" g="0" b="0"/>
-          </a:fillRef>
-          <a:effectRef idx="0">
-            <a:scrgbClr r="0" g="0" b="0"/>
-          </a:effectRef>
-          <a:fontRef idx="minor"/>
-        </p:style>
-      </p:sp>
-      <p:sp>
-        <p:nvSpPr>
-          <p:cNvPr id="231" name="Gerade Verbindung 104"/>
-          <p:cNvSpPr/>
-          <p:nvPr/>
-        </p:nvSpPr>
-        <p:spPr>
-          <a:xfrm flipH="1" flipV="1">
-            <a:off x="7751880" y="3678480"/>
-            <a:ext cx="284040" cy="349200"/>
-          </a:xfrm>
-          <a:prstGeom prst="line">
-            <a:avLst/>
-          </a:prstGeom>
-          <a:ln w="9525">
-            <a:solidFill>
-              <a:srgbClr val="000000"/>
-            </a:solidFill>
-            <a:round/>
-          </a:ln>
-        </p:spPr>
-        <p:style>
-          <a:lnRef idx="0">
-            <a:scrgbClr r="0" g="0" b="0"/>
-          </a:lnRef>
-          <a:fillRef idx="0">
-            <a:scrgbClr r="0" g="0" b="0"/>
-          </a:fillRef>
-          <a:effectRef idx="0">
-            <a:scrgbClr r="0" g="0" b="0"/>
-          </a:effectRef>
-          <a:fontRef idx="minor"/>
-        </p:style>
-      </p:sp>
-      <p:sp>
-        <p:nvSpPr>
-          <p:cNvPr id="232" name="Textfeld 134"/>
-          <p:cNvSpPr/>
-          <p:nvPr/>
-        </p:nvSpPr>
-        <p:spPr>
-          <a:xfrm>
-            <a:off x="3221640" y="2882160"/>
-            <a:ext cx="974520" cy="272160"/>
-          </a:xfrm>
-          <a:prstGeom prst="rect">
-            <a:avLst/>
-          </a:prstGeom>
-          <a:solidFill>
-            <a:srgbClr val="B3C5CB"/>
-          </a:solidFill>
-          <a:ln w="0">
-            <a:solidFill>
-              <a:srgbClr val="0046A0"/>
-            </a:solidFill>
-          </a:ln>
-        </p:spPr>
-        <p:style>
-          <a:lnRef idx="0">
-            <a:scrgbClr r="0" g="0" b="0"/>
-          </a:lnRef>
-          <a:fillRef idx="0">
-            <a:scrgbClr r="0" g="0" b="0"/>
-          </a:fillRef>
-          <a:effectRef idx="0">
-            <a:scrgbClr r="0" g="0" b="0"/>
-          </a:effectRef>
-          <a:fontRef idx="minor"/>
-        </p:style>
-        <p:txBody>
-          <a:bodyPr lIns="90000" tIns="45000" rIns="90000" bIns="45000" anchor="t">
-            <a:spAutoFit/>
-          </a:bodyPr>
-          <a:lstStyle/>
-          <a:p>
-            <a:pPr>
-              <a:lnSpc>
-                <a:spcPct val="100000"/>
-              </a:lnSpc>
-              <a:buNone/>
-            </a:pPr>
-            <a:r>
-              <a:rPr lang="de-DE" sz="1200" b="0" strike="noStrike" spc="-1">
-                <a:solidFill>
-                  <a:srgbClr val="000000"/>
-                </a:solidFill>
-                <a:latin typeface="Arial"/>
-              </a:rPr>
-              <a:t>Lautstärke</a:t>
-            </a:r>
-            <a:endParaRPr lang="de-DE" sz="1200" b="0" strike="noStrike" spc="-1">
-              <a:latin typeface="Arial"/>
-            </a:endParaRPr>
-          </a:p>
-        </p:txBody>
-      </p:sp>
-      <p:sp>
-        <p:nvSpPr>
-          <p:cNvPr id="233" name="Textfeld 136"/>
-          <p:cNvSpPr/>
-          <p:nvPr/>
-        </p:nvSpPr>
-        <p:spPr>
-          <a:xfrm>
-            <a:off x="4411440" y="2882160"/>
-            <a:ext cx="1531800" cy="272160"/>
-          </a:xfrm>
-          <a:prstGeom prst="rect">
-            <a:avLst/>
-          </a:prstGeom>
-          <a:solidFill>
-            <a:srgbClr val="B3C5CB"/>
-          </a:solidFill>
-          <a:ln w="0">
-            <a:solidFill>
-              <a:srgbClr val="0046A0"/>
-            </a:solidFill>
-          </a:ln>
-        </p:spPr>
-        <p:style>
-          <a:lnRef idx="0">
-            <a:scrgbClr r="0" g="0" b="0"/>
-          </a:lnRef>
-          <a:fillRef idx="0">
-            <a:scrgbClr r="0" g="0" b="0"/>
-          </a:fillRef>
-          <a:effectRef idx="0">
-            <a:scrgbClr r="0" g="0" b="0"/>
-          </a:effectRef>
-          <a:fontRef idx="minor"/>
-        </p:style>
-        <p:txBody>
-          <a:bodyPr lIns="90000" tIns="45000" rIns="90000" bIns="45000" anchor="t">
-            <a:spAutoFit/>
-          </a:bodyPr>
-          <a:lstStyle/>
-          <a:p>
-            <a:pPr>
-              <a:lnSpc>
-                <a:spcPct val="100000"/>
-              </a:lnSpc>
-              <a:buNone/>
-            </a:pPr>
-            <a:r>
-              <a:rPr lang="de-DE" sz="1200" b="0" strike="noStrike" spc="-1">
-                <a:solidFill>
-                  <a:srgbClr val="000000"/>
-                </a:solidFill>
-                <a:latin typeface="Arial"/>
-              </a:rPr>
-              <a:t>Verstärker</a:t>
-            </a:r>
-            <a:endParaRPr lang="de-DE" sz="1200" b="0" strike="noStrike" spc="-1">
-              <a:latin typeface="Arial"/>
-            </a:endParaRPr>
-          </a:p>
-        </p:txBody>
-      </p:sp>
-      <p:sp>
-        <p:nvSpPr>
-          <p:cNvPr id="234" name="Gerade Verbindung 137"/>
-          <p:cNvSpPr/>
-          <p:nvPr/>
-        </p:nvSpPr>
-        <p:spPr>
-          <a:xfrm>
-            <a:off x="4196520" y="3020400"/>
-            <a:ext cx="214560" cy="360"/>
-          </a:xfrm>
-          <a:prstGeom prst="line">
-            <a:avLst/>
-          </a:prstGeom>
-          <a:ln w="9525">
-            <a:solidFill>
-              <a:srgbClr val="000000"/>
-            </a:solidFill>
-            <a:round/>
-          </a:ln>
-        </p:spPr>
-        <p:style>
-          <a:lnRef idx="0">
-            <a:scrgbClr r="0" g="0" b="0"/>
-          </a:lnRef>
-          <a:fillRef idx="0">
-            <a:scrgbClr r="0" g="0" b="0"/>
-          </a:fillRef>
-          <a:effectRef idx="0">
-            <a:scrgbClr r="0" g="0" b="0"/>
-          </a:effectRef>
-          <a:fontRef idx="minor"/>
-        </p:style>
-      </p:sp>
-      <p:sp>
-        <p:nvSpPr>
-          <p:cNvPr id="235" name="Textfeld 143"/>
-          <p:cNvSpPr/>
-          <p:nvPr/>
-        </p:nvSpPr>
-        <p:spPr>
-          <a:xfrm>
-            <a:off x="6125760" y="2790000"/>
-            <a:ext cx="1612440" cy="454680"/>
-          </a:xfrm>
-          <a:prstGeom prst="rect">
-            <a:avLst/>
-          </a:prstGeom>
-          <a:noFill/>
-          <a:ln w="0">
-            <a:solidFill>
-              <a:srgbClr val="0046A0"/>
-            </a:solidFill>
-          </a:ln>
-        </p:spPr>
-        <p:style>
-          <a:lnRef idx="0">
-            <a:scrgbClr r="0" g="0" b="0"/>
-          </a:lnRef>
-          <a:fillRef idx="0">
-            <a:scrgbClr r="0" g="0" b="0"/>
-          </a:fillRef>
-          <a:effectRef idx="0">
-            <a:scrgbClr r="0" g="0" b="0"/>
-          </a:effectRef>
-          <a:fontRef idx="minor"/>
-        </p:style>
-        <p:txBody>
-          <a:bodyPr lIns="90000" tIns="45000" rIns="90000" bIns="45000" anchor="t">
-            <a:spAutoFit/>
-          </a:bodyPr>
-          <a:lstStyle/>
-          <a:p>
-            <a:pPr>
-              <a:lnSpc>
-                <a:spcPct val="100000"/>
-              </a:lnSpc>
-              <a:buNone/>
-            </a:pPr>
-            <a:r>
-              <a:rPr lang="de-DE" sz="1200" b="0" strike="noStrike" spc="-1">
-                <a:solidFill>
-                  <a:srgbClr val="000000"/>
-                </a:solidFill>
-                <a:latin typeface="Arial"/>
-              </a:rPr>
-              <a:t>VCA (Voltage Controlled Amplifier)</a:t>
-            </a:r>
-            <a:endParaRPr lang="de-DE" sz="1200" b="0" strike="noStrike" spc="-1">
-              <a:latin typeface="Arial"/>
-            </a:endParaRPr>
-          </a:p>
-        </p:txBody>
-      </p:sp>
-      <p:sp>
-        <p:nvSpPr>
-          <p:cNvPr id="236" name="Gerade Verbindung 145"/>
-          <p:cNvSpPr/>
-          <p:nvPr/>
-        </p:nvSpPr>
-        <p:spPr>
-          <a:xfrm>
-            <a:off x="5943240" y="3020400"/>
-            <a:ext cx="182160" cy="360"/>
-          </a:xfrm>
-          <a:prstGeom prst="line">
-            <a:avLst/>
-          </a:prstGeom>
-          <a:ln w="9525">
-            <a:solidFill>
-              <a:srgbClr val="000000"/>
-            </a:solidFill>
-            <a:round/>
-          </a:ln>
-        </p:spPr>
-        <p:style>
-          <a:lnRef idx="0">
-            <a:scrgbClr r="0" g="0" b="0"/>
-          </a:lnRef>
-          <a:fillRef idx="0">
-            <a:scrgbClr r="0" g="0" b="0"/>
-          </a:fillRef>
-          <a:effectRef idx="0">
-            <a:scrgbClr r="0" g="0" b="0"/>
-          </a:effectRef>
-          <a:fontRef idx="minor"/>
-        </p:style>
-      </p:sp>
-      <p:sp>
-        <p:nvSpPr>
-          <p:cNvPr id="237" name="Gerade Verbindung 164"/>
-          <p:cNvSpPr/>
-          <p:nvPr/>
-        </p:nvSpPr>
-        <p:spPr>
-          <a:xfrm flipH="1" flipV="1">
-            <a:off x="7738200" y="3020760"/>
-            <a:ext cx="297720" cy="1006920"/>
-          </a:xfrm>
-          <a:prstGeom prst="line">
-            <a:avLst/>
-          </a:prstGeom>
-          <a:ln w="9525">
-            <a:solidFill>
-              <a:srgbClr val="000000"/>
-            </a:solidFill>
-            <a:round/>
-          </a:ln>
-        </p:spPr>
-        <p:style>
-          <a:lnRef idx="0">
-            <a:scrgbClr r="0" g="0" b="0"/>
-          </a:lnRef>
-          <a:fillRef idx="0">
-            <a:scrgbClr r="0" g="0" b="0"/>
-          </a:fillRef>
-          <a:effectRef idx="0">
-            <a:scrgbClr r="0" g="0" b="0"/>
-          </a:effectRef>
-          <a:fontRef idx="minor"/>
-        </p:style>
-      </p:sp>
-      <p:sp>
-        <p:nvSpPr>
-          <p:cNvPr id="238" name="Gerade Verbindung 180"/>
-          <p:cNvSpPr/>
-          <p:nvPr/>
-        </p:nvSpPr>
-        <p:spPr>
-          <a:xfrm flipV="1">
-            <a:off x="2955240" y="3020400"/>
-            <a:ext cx="266400" cy="657360"/>
-          </a:xfrm>
-          <a:prstGeom prst="line">
-            <a:avLst/>
-          </a:prstGeom>
-          <a:ln w="9525">
-            <a:solidFill>
-              <a:srgbClr val="000000"/>
-            </a:solidFill>
-            <a:round/>
-          </a:ln>
-        </p:spPr>
-        <p:style>
-          <a:lnRef idx="0">
-            <a:scrgbClr r="0" g="0" b="0"/>
-          </a:lnRef>
-          <a:fillRef idx="0">
-            <a:scrgbClr r="0" g="0" b="0"/>
-          </a:fillRef>
-          <a:effectRef idx="0">
-            <a:scrgbClr r="0" g="0" b="0"/>
-          </a:effectRef>
-          <a:fontRef idx="minor"/>
-        </p:style>
-      </p:sp>
-      <p:sp>
-        <p:nvSpPr>
-          <p:cNvPr id="239" name="Gerade Verbindung 287"/>
-          <p:cNvSpPr/>
-          <p:nvPr/>
-        </p:nvSpPr>
-        <p:spPr>
-          <a:xfrm flipV="1">
-            <a:off x="4186800" y="3677760"/>
-            <a:ext cx="215280" cy="436680"/>
-          </a:xfrm>
-          <a:prstGeom prst="line">
-            <a:avLst/>
-          </a:prstGeom>
-          <a:ln w="9525">
-            <a:solidFill>
-              <a:srgbClr val="000000"/>
-            </a:solidFill>
-            <a:round/>
-          </a:ln>
-        </p:spPr>
-        <p:style>
-          <a:lnRef idx="0">
-            <a:scrgbClr r="0" g="0" b="0"/>
-          </a:lnRef>
-          <a:fillRef idx="0">
-            <a:scrgbClr r="0" g="0" b="0"/>
-          </a:fillRef>
-          <a:effectRef idx="0">
-            <a:scrgbClr r="0" g="0" b="0"/>
-          </a:effectRef>
-          <a:fontRef idx="minor"/>
-        </p:style>
+            <a:endParaRPr lang="de-DE" dirty="0">
+              <a:latin typeface="Times New Roman"/>
+            </a:endParaRPr>
+          </a:p>
+        </p:txBody>
       </p:sp>
     </p:spTree>
   </p:cSld>
@@ -16776,7 +17708,7 @@
                                           </p:stCondLst>
                                         </p:cTn>
                                         <p:tgtEl>
-                                          <p:spTgt spid="213"/>
+                                          <p:spTgt spid="178"/>
                                         </p:tgtEl>
                                         <p:attrNameLst>
                                           <p:attrName>style.visibility</p:attrName>
@@ -16803,7 +17735,34 @@
                                           </p:stCondLst>
                                         </p:cTn>
                                         <p:tgtEl>
-                                          <p:spTgt spid="182"/>
+                                          <p:spTgt spid="204"/>
+                                        </p:tgtEl>
+                                        <p:attrNameLst>
+                                          <p:attrName>style.visibility</p:attrName>
+                                        </p:attrNameLst>
+                                      </p:cBhvr>
+                                      <p:to>
+                                        <p:strVal val="visible"/>
+                                      </p:to>
+                                    </p:set>
+                                  </p:childTnLst>
+                                </p:cTn>
+                              </p:par>
+                              <p:par>
+                                <p:cTn id="21" presetID="1" presetClass="entr" fill="hold" nodeType="withEffect">
+                                  <p:stCondLst>
+                                    <p:cond delay="0"/>
+                                  </p:stCondLst>
+                                  <p:childTnLst>
+                                    <p:set>
+                                      <p:cBhvr>
+                                        <p:cTn id="22" dur="1" fill="hold">
+                                          <p:stCondLst>
+                                            <p:cond delay="0"/>
+                                          </p:stCondLst>
+                                        </p:cTn>
+                                        <p:tgtEl>
+                                          <p:spTgt spid="205"/>
                                         </p:tgtEl>
                                         <p:attrNameLst>
                                           <p:attrName>style.visibility</p:attrName>
@@ -16823,32 +17782,32 @@
                     </p:cTn>
                   </p:par>
                   <p:par>
-                    <p:cTn id="21" fill="hold">
+                    <p:cTn id="23" fill="hold">
                       <p:stCondLst>
                         <p:cond delay="indefinite"/>
                       </p:stCondLst>
                       <p:childTnLst>
                         <p:par>
-                          <p:cTn id="22" fill="hold">
+                          <p:cTn id="24" fill="hold">
                             <p:stCondLst>
                               <p:cond delay="0"/>
                             </p:stCondLst>
                             <p:childTnLst>
                               <p:par>
-                                <p:cTn id="23" presetID="1" presetClass="entr" fill="hold" nodeType="clickEffect">
+                                <p:cTn id="25" presetID="1" presetClass="entr" fill="hold" nodeType="clickEffect">
                                   <p:stCondLst>
                                     <p:cond delay="0"/>
                                   </p:stCondLst>
                                   <p:childTnLst>
                                     <p:set>
                                       <p:cBhvr>
-                                        <p:cTn id="24" dur="1" fill="hold">
+                                        <p:cTn id="26" dur="1" fill="hold">
                                           <p:stCondLst>
                                             <p:cond delay="0"/>
                                           </p:stCondLst>
                                         </p:cTn>
                                         <p:tgtEl>
-                                          <p:spTgt spid="214"/>
+                                          <p:spTgt spid="234"/>
                                         </p:tgtEl>
                                         <p:attrNameLst>
                                           <p:attrName>style.visibility</p:attrName>
@@ -16862,20 +17821,20 @@
                                 </p:cTn>
                               </p:par>
                               <p:par>
-                                <p:cTn id="25" presetID="1" presetClass="entr" fill="hold" nodeType="withEffect">
+                                <p:cTn id="27" presetID="1" presetClass="entr" presetSubtype="0" fill="hold" grpId="0" nodeType="withEffect">
                                   <p:stCondLst>
                                     <p:cond delay="0"/>
                                   </p:stCondLst>
                                   <p:childTnLst>
                                     <p:set>
                                       <p:cBhvr>
-                                        <p:cTn id="26" dur="1" fill="hold">
+                                        <p:cTn id="28" dur="1" fill="hold">
                                           <p:stCondLst>
                                             <p:cond delay="0"/>
                                           </p:stCondLst>
                                         </p:cTn>
                                         <p:tgtEl>
-                                          <p:spTgt spid="183"/>
+                                          <p:spTgt spid="233"/>
                                         </p:tgtEl>
                                         <p:attrNameLst>
                                           <p:attrName>style.visibility</p:attrName>
@@ -16895,32 +17854,32 @@
                     </p:cTn>
                   </p:par>
                   <p:par>
-                    <p:cTn id="27" fill="hold">
+                    <p:cTn id="29" fill="hold">
                       <p:stCondLst>
                         <p:cond delay="indefinite"/>
                       </p:stCondLst>
                       <p:childTnLst>
                         <p:par>
-                          <p:cTn id="28" fill="hold">
+                          <p:cTn id="30" fill="hold">
                             <p:stCondLst>
                               <p:cond delay="0"/>
                             </p:stCondLst>
                             <p:childTnLst>
                               <p:par>
-                                <p:cTn id="29" presetID="1" presetClass="entr" fill="hold" nodeType="clickEffect">
+                                <p:cTn id="31" presetID="1" presetClass="entr" fill="hold" nodeType="clickEffect">
                                   <p:stCondLst>
                                     <p:cond delay="0"/>
                                   </p:stCondLst>
                                   <p:childTnLst>
                                     <p:set>
                                       <p:cBhvr>
-                                        <p:cTn id="30" dur="1" fill="hold">
+                                        <p:cTn id="32" dur="1" fill="hold">
                                           <p:stCondLst>
                                             <p:cond delay="0"/>
                                           </p:stCondLst>
                                         </p:cTn>
                                         <p:tgtEl>
-                                          <p:spTgt spid="223"/>
+                                          <p:spTgt spid="235"/>
                                         </p:tgtEl>
                                         <p:attrNameLst>
                                           <p:attrName>style.visibility</p:attrName>
@@ -16934,20 +17893,20 @@
                                 </p:cTn>
                               </p:par>
                               <p:par>
-                                <p:cTn id="31" presetID="1" presetClass="entr" fill="hold" nodeType="withEffect">
+                                <p:cTn id="33" presetID="1" presetClass="entr" presetSubtype="0" fill="hold" grpId="0" nodeType="withEffect">
                                   <p:stCondLst>
                                     <p:cond delay="0"/>
                                   </p:stCondLst>
                                   <p:childTnLst>
                                     <p:set>
                                       <p:cBhvr>
-                                        <p:cTn id="32" dur="1" fill="hold">
+                                        <p:cTn id="34" dur="1" fill="hold">
                                           <p:stCondLst>
                                             <p:cond delay="0"/>
                                           </p:stCondLst>
                                         </p:cTn>
                                         <p:tgtEl>
-                                          <p:spTgt spid="189"/>
+                                          <p:spTgt spid="236"/>
                                         </p:tgtEl>
                                         <p:attrNameLst>
                                           <p:attrName>style.visibility</p:attrName>
@@ -16967,32 +17926,32 @@
                     </p:cTn>
                   </p:par>
                   <p:par>
-                    <p:cTn id="33" fill="hold">
+                    <p:cTn id="35" fill="hold">
                       <p:stCondLst>
                         <p:cond delay="indefinite"/>
                       </p:stCondLst>
                       <p:childTnLst>
                         <p:par>
-                          <p:cTn id="34" fill="hold">
+                          <p:cTn id="36" fill="hold">
                             <p:stCondLst>
                               <p:cond delay="0"/>
                             </p:stCondLst>
                             <p:childTnLst>
                               <p:par>
-                                <p:cTn id="35" presetID="1" presetClass="entr" fill="hold" nodeType="clickEffect">
+                                <p:cTn id="37" presetID="1" presetClass="entr" fill="hold" nodeType="clickEffect">
                                   <p:stCondLst>
                                     <p:cond delay="0"/>
                                   </p:stCondLst>
                                   <p:childTnLst>
                                     <p:set>
                                       <p:cBhvr>
-                                        <p:cTn id="36" dur="1" fill="hold">
+                                        <p:cTn id="38" dur="1" fill="hold">
                                           <p:stCondLst>
                                             <p:cond delay="0"/>
                                           </p:stCondLst>
                                         </p:cTn>
                                         <p:tgtEl>
-                                          <p:spTgt spid="212"/>
+                                          <p:spTgt spid="213"/>
                                         </p:tgtEl>
                                         <p:attrNameLst>
                                           <p:attrName>style.visibility</p:attrName>
@@ -17006,20 +17965,20 @@
                                 </p:cTn>
                               </p:par>
                               <p:par>
-                                <p:cTn id="37" presetID="1" presetClass="entr" fill="hold" nodeType="withEffect">
+                                <p:cTn id="39" presetID="1" presetClass="entr" fill="hold" nodeType="withEffect">
                                   <p:stCondLst>
                                     <p:cond delay="0"/>
                                   </p:stCondLst>
                                   <p:childTnLst>
                                     <p:set>
                                       <p:cBhvr>
-                                        <p:cTn id="38" dur="1" fill="hold">
+                                        <p:cTn id="40" dur="1" fill="hold">
                                           <p:stCondLst>
                                             <p:cond delay="0"/>
                                           </p:stCondLst>
                                         </p:cTn>
                                         <p:tgtEl>
-                                          <p:spTgt spid="194"/>
+                                          <p:spTgt spid="182"/>
                                         </p:tgtEl>
                                         <p:attrNameLst>
                                           <p:attrName>style.visibility</p:attrName>
@@ -17032,26 +17991,8 @@
                                   </p:childTnLst>
                                 </p:cTn>
                               </p:par>
-                            </p:childTnLst>
-                          </p:cTn>
-                        </p:par>
-                      </p:childTnLst>
-                    </p:cTn>
-                  </p:par>
-                  <p:par>
-                    <p:cTn id="39" fill="hold">
-                      <p:stCondLst>
-                        <p:cond delay="indefinite"/>
-                      </p:stCondLst>
-                      <p:childTnLst>
-                        <p:par>
-                          <p:cTn id="40" fill="hold">
-                            <p:stCondLst>
-                              <p:cond delay="0"/>
-                            </p:stCondLst>
-                            <p:childTnLst>
                               <p:par>
-                                <p:cTn id="41" presetID="1" presetClass="entr" fill="hold" nodeType="clickEffect">
+                                <p:cTn id="41" presetID="1" presetClass="entr" fill="hold" nodeType="withEffect">
                                   <p:stCondLst>
                                     <p:cond delay="0"/>
                                   </p:stCondLst>
@@ -17064,7 +18005,7 @@
                                           </p:stCondLst>
                                         </p:cTn>
                                         <p:tgtEl>
-                                          <p:spTgt spid="211"/>
+                                          <p:spTgt spid="239"/>
                                         </p:tgtEl>
                                         <p:attrNameLst>
                                           <p:attrName>style.visibility</p:attrName>
@@ -17091,7 +18032,7 @@
                                           </p:stCondLst>
                                         </p:cTn>
                                         <p:tgtEl>
-                                          <p:spTgt spid="192"/>
+                                          <p:spTgt spid="183"/>
                                         </p:tgtEl>
                                         <p:attrNameLst>
                                           <p:attrName>style.visibility</p:attrName>
@@ -17104,35 +18045,26 @@
                                   </p:childTnLst>
                                 </p:cTn>
                               </p:par>
+                            </p:childTnLst>
+                          </p:cTn>
+                        </p:par>
+                      </p:childTnLst>
+                    </p:cTn>
+                  </p:par>
+                  <p:par>
+                    <p:cTn id="45" fill="hold">
+                      <p:stCondLst>
+                        <p:cond delay="indefinite"/>
+                      </p:stCondLst>
+                      <p:childTnLst>
+                        <p:par>
+                          <p:cTn id="46" fill="hold">
+                            <p:stCondLst>
+                              <p:cond delay="0"/>
+                            </p:stCondLst>
+                            <p:childTnLst>
                               <p:par>
-                                <p:cTn id="45" presetID="1" presetClass="entr" fill="hold" nodeType="withEffect">
-                                  <p:stCondLst>
-                                    <p:cond delay="0"/>
-                                  </p:stCondLst>
-                                  <p:childTnLst>
-                                    <p:set>
-                                      <p:cBhvr>
-                                        <p:cTn id="46" dur="1" fill="hold">
-                                          <p:stCondLst>
-                                            <p:cond delay="0"/>
-                                          </p:stCondLst>
-                                        </p:cTn>
-                                        <p:tgtEl>
-                                          <p:spTgt spid="205"/>
-                                        </p:tgtEl>
-                                        <p:attrNameLst>
-                                          <p:attrName>style.visibility</p:attrName>
-                                        </p:attrNameLst>
-                                      </p:cBhvr>
-                                      <p:to>
-                                        <p:strVal val="visible"/>
-                                      </p:to>
-                                    </p:set>
-                                  </p:childTnLst>
-                                </p:cTn>
-                              </p:par>
-                              <p:par>
-                                <p:cTn id="47" presetID="1" presetClass="entr" fill="hold" nodeType="withEffect">
+                                <p:cTn id="47" presetID="1" presetClass="entr" fill="hold" nodeType="clickEffect">
                                   <p:stCondLst>
                                     <p:cond delay="0"/>
                                   </p:stCondLst>
@@ -17145,7 +18077,7 @@
                                           </p:stCondLst>
                                         </p:cTn>
                                         <p:tgtEl>
-                                          <p:spTgt spid="204"/>
+                                          <p:spTgt spid="181"/>
                                         </p:tgtEl>
                                         <p:attrNameLst>
                                           <p:attrName>style.visibility</p:attrName>
@@ -17172,7 +18104,34 @@
                                           </p:stCondLst>
                                         </p:cTn>
                                         <p:tgtEl>
-                                          <p:spTgt spid="178"/>
+                                          <p:spTgt spid="206"/>
+                                        </p:tgtEl>
+                                        <p:attrNameLst>
+                                          <p:attrName>style.visibility</p:attrName>
+                                        </p:attrNameLst>
+                                      </p:cBhvr>
+                                      <p:to>
+                                        <p:strVal val="visible"/>
+                                      </p:to>
+                                    </p:set>
+                                  </p:childTnLst>
+                                </p:cTn>
+                              </p:par>
+                              <p:par>
+                                <p:cTn id="51" presetID="1" presetClass="entr" fill="hold" nodeType="withEffect">
+                                  <p:stCondLst>
+                                    <p:cond delay="0"/>
+                                  </p:stCondLst>
+                                  <p:childTnLst>
+                                    <p:set>
+                                      <p:cBhvr>
+                                        <p:cTn id="52" dur="1" fill="hold">
+                                          <p:stCondLst>
+                                            <p:cond delay="0"/>
+                                          </p:stCondLst>
+                                        </p:cTn>
+                                        <p:tgtEl>
+                                          <p:spTgt spid="207"/>
                                         </p:tgtEl>
                                         <p:attrNameLst>
                                           <p:attrName>style.visibility</p:attrName>
@@ -17192,46 +18151,19 @@
                     </p:cTn>
                   </p:par>
                   <p:par>
-                    <p:cTn id="51" fill="hold">
+                    <p:cTn id="53" fill="hold">
                       <p:stCondLst>
                         <p:cond delay="indefinite"/>
                       </p:stCondLst>
                       <p:childTnLst>
                         <p:par>
-                          <p:cTn id="52" fill="hold">
+                          <p:cTn id="54" fill="hold">
                             <p:stCondLst>
                               <p:cond delay="0"/>
                             </p:stCondLst>
                             <p:childTnLst>
                               <p:par>
-                                <p:cTn id="53" presetID="1" presetClass="entr" fill="hold" nodeType="clickEffect">
-                                  <p:stCondLst>
-                                    <p:cond delay="0"/>
-                                  </p:stCondLst>
-                                  <p:childTnLst>
-                                    <p:set>
-                                      <p:cBhvr>
-                                        <p:cTn id="54" dur="1" fill="hold">
-                                          <p:stCondLst>
-                                            <p:cond delay="0"/>
-                                          </p:stCondLst>
-                                        </p:cTn>
-                                        <p:tgtEl>
-                                          <p:spTgt spid="206"/>
-                                        </p:tgtEl>
-                                        <p:attrNameLst>
-                                          <p:attrName>style.visibility</p:attrName>
-                                        </p:attrNameLst>
-                                      </p:cBhvr>
-                                      <p:to>
-                                        <p:strVal val="visible"/>
-                                      </p:to>
-                                    </p:set>
-                                  </p:childTnLst>
-                                </p:cTn>
-                              </p:par>
-                              <p:par>
-                                <p:cTn id="55" presetID="1" presetClass="entr" fill="hold" nodeType="withEffect">
+                                <p:cTn id="55" presetID="1" presetClass="entr" fill="hold" nodeType="clickEffect">
                                   <p:stCondLst>
                                     <p:cond delay="0"/>
                                   </p:stCondLst>
@@ -17244,7 +18176,7 @@
                                           </p:stCondLst>
                                         </p:cTn>
                                         <p:tgtEl>
-                                          <p:spTgt spid="207"/>
+                                          <p:spTgt spid="189"/>
                                         </p:tgtEl>
                                         <p:attrNameLst>
                                           <p:attrName>style.visibility</p:attrName>
@@ -17271,7 +18203,7 @@
                                           </p:stCondLst>
                                         </p:cTn>
                                         <p:tgtEl>
-                                          <p:spTgt spid="181"/>
+                                          <p:spTgt spid="223"/>
                                         </p:tgtEl>
                                         <p:attrNameLst>
                                           <p:attrName>style.visibility</p:attrName>
@@ -17388,7 +18320,7 @@
                                           </p:stCondLst>
                                         </p:cTn>
                                         <p:tgtEl>
-                                          <p:spTgt spid="209"/>
+                                          <p:spTgt spid="212"/>
                                         </p:tgtEl>
                                         <p:attrNameLst>
                                           <p:attrName>style.visibility</p:attrName>
@@ -17415,7 +18347,7 @@
                                           </p:stCondLst>
                                         </p:cTn>
                                         <p:tgtEl>
-                                          <p:spTgt spid="180"/>
+                                          <p:spTgt spid="194"/>
                                         </p:tgtEl>
                                         <p:attrNameLst>
                                           <p:attrName>style.visibility</p:attrName>
@@ -17460,7 +18392,7 @@
                                           </p:stCondLst>
                                         </p:cTn>
                                         <p:tgtEl>
-                                          <p:spTgt spid="210"/>
+                                          <p:spTgt spid="209"/>
                                         </p:tgtEl>
                                         <p:attrNameLst>
                                           <p:attrName>style.visibility</p:attrName>
@@ -17487,7 +18419,7 @@
                                           </p:stCondLst>
                                         </p:cTn>
                                         <p:tgtEl>
-                                          <p:spTgt spid="179"/>
+                                          <p:spTgt spid="180"/>
                                         </p:tgtEl>
                                         <p:attrNameLst>
                                           <p:attrName>style.visibility</p:attrName>
@@ -17532,7 +18464,7 @@
                                           </p:stCondLst>
                                         </p:cTn>
                                         <p:tgtEl>
-                                          <p:spTgt spid="218"/>
+                                          <p:spTgt spid="211"/>
                                         </p:tgtEl>
                                         <p:attrNameLst>
                                           <p:attrName>style.visibility</p:attrName>
@@ -17559,7 +18491,7 @@
                                           </p:stCondLst>
                                         </p:cTn>
                                         <p:tgtEl>
-                                          <p:spTgt spid="221"/>
+                                          <p:spTgt spid="192"/>
                                         </p:tgtEl>
                                         <p:attrNameLst>
                                           <p:attrName>style.visibility</p:attrName>
@@ -17572,35 +18504,26 @@
                                   </p:childTnLst>
                                 </p:cTn>
                               </p:par>
+                            </p:childTnLst>
+                          </p:cTn>
+                        </p:par>
+                      </p:childTnLst>
+                    </p:cTn>
+                  </p:par>
+                  <p:par>
+                    <p:cTn id="83" fill="hold">
+                      <p:stCondLst>
+                        <p:cond delay="indefinite"/>
+                      </p:stCondLst>
+                      <p:childTnLst>
+                        <p:par>
+                          <p:cTn id="84" fill="hold">
+                            <p:stCondLst>
+                              <p:cond delay="0"/>
+                            </p:stCondLst>
+                            <p:childTnLst>
                               <p:par>
-                                <p:cTn id="83" presetID="1" presetClass="entr" fill="hold" nodeType="withEffect">
-                                  <p:stCondLst>
-                                    <p:cond delay="0"/>
-                                  </p:stCondLst>
-                                  <p:childTnLst>
-                                    <p:set>
-                                      <p:cBhvr>
-                                        <p:cTn id="84" dur="1" fill="hold">
-                                          <p:stCondLst>
-                                            <p:cond delay="0"/>
-                                          </p:stCondLst>
-                                        </p:cTn>
-                                        <p:tgtEl>
-                                          <p:spTgt spid="220"/>
-                                        </p:tgtEl>
-                                        <p:attrNameLst>
-                                          <p:attrName>style.visibility</p:attrName>
-                                        </p:attrNameLst>
-                                      </p:cBhvr>
-                                      <p:to>
-                                        <p:strVal val="visible"/>
-                                      </p:to>
-                                    </p:set>
-                                  </p:childTnLst>
-                                </p:cTn>
-                              </p:par>
-                              <p:par>
-                                <p:cTn id="85" presetID="1" presetClass="entr" fill="hold" nodeType="withEffect">
+                                <p:cTn id="85" presetID="1" presetClass="entr" fill="hold" nodeType="clickEffect">
                                   <p:stCondLst>
                                     <p:cond delay="0"/>
                                   </p:stCondLst>
@@ -17613,7 +18536,7 @@
                                           </p:stCondLst>
                                         </p:cTn>
                                         <p:tgtEl>
-                                          <p:spTgt spid="219"/>
+                                          <p:spTgt spid="210"/>
                                         </p:tgtEl>
                                         <p:attrNameLst>
                                           <p:attrName>style.visibility</p:attrName>
@@ -17640,7 +18563,7 @@
                                           </p:stCondLst>
                                         </p:cTn>
                                         <p:tgtEl>
-                                          <p:spTgt spid="222"/>
+                                          <p:spTgt spid="179"/>
                                         </p:tgtEl>
                                         <p:attrNameLst>
                                           <p:attrName>style.visibility</p:attrName>
@@ -17653,35 +18576,26 @@
                                   </p:childTnLst>
                                 </p:cTn>
                               </p:par>
+                            </p:childTnLst>
+                          </p:cTn>
+                        </p:par>
+                      </p:childTnLst>
+                    </p:cTn>
+                  </p:par>
+                  <p:par>
+                    <p:cTn id="89" fill="hold">
+                      <p:stCondLst>
+                        <p:cond delay="indefinite"/>
+                      </p:stCondLst>
+                      <p:childTnLst>
+                        <p:par>
+                          <p:cTn id="90" fill="hold">
+                            <p:stCondLst>
+                              <p:cond delay="0"/>
+                            </p:stCondLst>
+                            <p:childTnLst>
                               <p:par>
-                                <p:cTn id="89" presetID="1" presetClass="entr" fill="hold" nodeType="withEffect">
-                                  <p:stCondLst>
-                                    <p:cond delay="0"/>
-                                  </p:stCondLst>
-                                  <p:childTnLst>
-                                    <p:set>
-                                      <p:cBhvr>
-                                        <p:cTn id="90" dur="1" fill="hold">
-                                          <p:stCondLst>
-                                            <p:cond delay="0"/>
-                                          </p:stCondLst>
-                                        </p:cTn>
-                                        <p:tgtEl>
-                                          <p:spTgt spid="217"/>
-                                        </p:tgtEl>
-                                        <p:attrNameLst>
-                                          <p:attrName>style.visibility</p:attrName>
-                                        </p:attrNameLst>
-                                      </p:cBhvr>
-                                      <p:to>
-                                        <p:strVal val="visible"/>
-                                      </p:to>
-                                    </p:set>
-                                  </p:childTnLst>
-                                </p:cTn>
-                              </p:par>
-                              <p:par>
-                                <p:cTn id="91" presetID="1" presetClass="entr" fill="hold" nodeType="withEffect">
+                                <p:cTn id="91" presetID="1" presetClass="entr" fill="hold" nodeType="clickEffect">
                                   <p:stCondLst>
                                     <p:cond delay="0"/>
                                   </p:stCondLst>
@@ -17694,7 +18608,7 @@
                                           </p:stCondLst>
                                         </p:cTn>
                                         <p:tgtEl>
-                                          <p:spTgt spid="228"/>
+                                          <p:spTgt spid="218"/>
                                         </p:tgtEl>
                                         <p:attrNameLst>
                                           <p:attrName>style.visibility</p:attrName>
@@ -17721,7 +18635,7 @@
                                           </p:stCondLst>
                                         </p:cTn>
                                         <p:tgtEl>
-                                          <p:spTgt spid="229"/>
+                                          <p:spTgt spid="221"/>
                                         </p:tgtEl>
                                         <p:attrNameLst>
                                           <p:attrName>style.visibility</p:attrName>
@@ -17748,7 +18662,7 @@
                                           </p:stCondLst>
                                         </p:cTn>
                                         <p:tgtEl>
-                                          <p:spTgt spid="230"/>
+                                          <p:spTgt spid="220"/>
                                         </p:tgtEl>
                                         <p:attrNameLst>
                                           <p:attrName>style.visibility</p:attrName>
@@ -17761,26 +18675,35 @@
                                   </p:childTnLst>
                                 </p:cTn>
                               </p:par>
-                            </p:childTnLst>
-                          </p:cTn>
-                        </p:par>
-                      </p:childTnLst>
-                    </p:cTn>
-                  </p:par>
-                  <p:par>
-                    <p:cTn id="97" fill="hold">
-                      <p:stCondLst>
-                        <p:cond delay="indefinite"/>
-                      </p:stCondLst>
-                      <p:childTnLst>
-                        <p:par>
-                          <p:cTn id="98" fill="hold">
-                            <p:stCondLst>
-                              <p:cond delay="0"/>
-                            </p:stCondLst>
-                            <p:childTnLst>
                               <p:par>
-                                <p:cTn id="99" presetID="1" presetClass="entr" fill="hold" nodeType="clickEffect">
+                                <p:cTn id="97" presetID="1" presetClass="entr" fill="hold" nodeType="withEffect">
+                                  <p:stCondLst>
+                                    <p:cond delay="0"/>
+                                  </p:stCondLst>
+                                  <p:childTnLst>
+                                    <p:set>
+                                      <p:cBhvr>
+                                        <p:cTn id="98" dur="1" fill="hold">
+                                          <p:stCondLst>
+                                            <p:cond delay="0"/>
+                                          </p:stCondLst>
+                                        </p:cTn>
+                                        <p:tgtEl>
+                                          <p:spTgt spid="219"/>
+                                        </p:tgtEl>
+                                        <p:attrNameLst>
+                                          <p:attrName>style.visibility</p:attrName>
+                                        </p:attrNameLst>
+                                      </p:cBhvr>
+                                      <p:to>
+                                        <p:strVal val="visible"/>
+                                      </p:to>
+                                    </p:set>
+                                  </p:childTnLst>
+                                </p:cTn>
+                              </p:par>
+                              <p:par>
+                                <p:cTn id="99" presetID="1" presetClass="entr" fill="hold" nodeType="withEffect">
                                   <p:stCondLst>
                                     <p:cond delay="0"/>
                                   </p:stCondLst>
@@ -17793,7 +18716,7 @@
                                           </p:stCondLst>
                                         </p:cTn>
                                         <p:tgtEl>
-                                          <p:spTgt spid="231"/>
+                                          <p:spTgt spid="222"/>
                                         </p:tgtEl>
                                         <p:attrNameLst>
                                           <p:attrName>style.visibility</p:attrName>
@@ -17820,6 +18743,33 @@
                                           </p:stCondLst>
                                         </p:cTn>
                                         <p:tgtEl>
+                                          <p:spTgt spid="217"/>
+                                        </p:tgtEl>
+                                        <p:attrNameLst>
+                                          <p:attrName>style.visibility</p:attrName>
+                                        </p:attrNameLst>
+                                      </p:cBhvr>
+                                      <p:to>
+                                        <p:strVal val="visible"/>
+                                      </p:to>
+                                    </p:set>
+                                  </p:childTnLst>
+                                </p:cTn>
+                              </p:par>
+                              <p:par>
+                                <p:cTn id="103" presetID="1" presetClass="entr" fill="hold" nodeType="withEffect">
+                                  <p:stCondLst>
+                                    <p:cond delay="0"/>
+                                  </p:stCondLst>
+                                  <p:childTnLst>
+                                    <p:set>
+                                      <p:cBhvr>
+                                        <p:cTn id="104" dur="1" fill="hold">
+                                          <p:stCondLst>
+                                            <p:cond delay="0"/>
+                                          </p:stCondLst>
+                                        </p:cTn>
+                                        <p:tgtEl>
                                           <p:spTgt spid="233"/>
                                         </p:tgtEl>
                                         <p:attrNameLst>
@@ -17833,26 +18783,8 @@
                                   </p:childTnLst>
                                 </p:cTn>
                               </p:par>
-                            </p:childTnLst>
-                          </p:cTn>
-                        </p:par>
-                      </p:childTnLst>
-                    </p:cTn>
-                  </p:par>
-                  <p:par>
-                    <p:cTn id="103" fill="hold">
-                      <p:stCondLst>
-                        <p:cond delay="indefinite"/>
-                      </p:stCondLst>
-                      <p:childTnLst>
-                        <p:par>
-                          <p:cTn id="104" fill="hold">
-                            <p:stCondLst>
-                              <p:cond delay="0"/>
-                            </p:stCondLst>
-                            <p:childTnLst>
                               <p:par>
-                                <p:cTn id="105" presetID="1" presetClass="entr" fill="hold" nodeType="clickEffect">
+                                <p:cTn id="105" presetID="1" presetClass="entr" fill="hold" nodeType="withEffect">
                                   <p:stCondLst>
                                     <p:cond delay="0"/>
                                   </p:stCondLst>
@@ -17865,151 +18797,7 @@
                                           </p:stCondLst>
                                         </p:cTn>
                                         <p:tgtEl>
-                                          <p:spTgt spid="234"/>
-                                        </p:tgtEl>
-                                        <p:attrNameLst>
-                                          <p:attrName>style.visibility</p:attrName>
-                                        </p:attrNameLst>
-                                      </p:cBhvr>
-                                      <p:to>
-                                        <p:strVal val="visible"/>
-                                      </p:to>
-                                    </p:set>
-                                  </p:childTnLst>
-                                </p:cTn>
-                              </p:par>
-                              <p:par>
-                                <p:cTn id="107" presetID="1" presetClass="entr" fill="hold" nodeType="withEffect">
-                                  <p:stCondLst>
-                                    <p:cond delay="0"/>
-                                  </p:stCondLst>
-                                  <p:childTnLst>
-                                    <p:set>
-                                      <p:cBhvr>
-                                        <p:cTn id="108" dur="1" fill="hold">
-                                          <p:stCondLst>
-                                            <p:cond delay="0"/>
-                                          </p:stCondLst>
-                                        </p:cTn>
-                                        <p:tgtEl>
-                                          <p:spTgt spid="235"/>
-                                        </p:tgtEl>
-                                        <p:attrNameLst>
-                                          <p:attrName>style.visibility</p:attrName>
-                                        </p:attrNameLst>
-                                      </p:cBhvr>
-                                      <p:to>
-                                        <p:strVal val="visible"/>
-                                      </p:to>
-                                    </p:set>
-                                  </p:childTnLst>
-                                </p:cTn>
-                              </p:par>
-                              <p:par>
-                                <p:cTn id="109" presetID="1" presetClass="entr" fill="hold" nodeType="withEffect">
-                                  <p:stCondLst>
-                                    <p:cond delay="0"/>
-                                  </p:stCondLst>
-                                  <p:childTnLst>
-                                    <p:set>
-                                      <p:cBhvr>
-                                        <p:cTn id="110" dur="1" fill="hold">
-                                          <p:stCondLst>
-                                            <p:cond delay="0"/>
-                                          </p:stCondLst>
-                                        </p:cTn>
-                                        <p:tgtEl>
-                                          <p:spTgt spid="236"/>
-                                        </p:tgtEl>
-                                        <p:attrNameLst>
-                                          <p:attrName>style.visibility</p:attrName>
-                                        </p:attrNameLst>
-                                      </p:cBhvr>
-                                      <p:to>
-                                        <p:strVal val="visible"/>
-                                      </p:to>
-                                    </p:set>
-                                  </p:childTnLst>
-                                </p:cTn>
-                              </p:par>
-                            </p:childTnLst>
-                          </p:cTn>
-                        </p:par>
-                      </p:childTnLst>
-                    </p:cTn>
-                  </p:par>
-                  <p:par>
-                    <p:cTn id="111" fill="hold">
-                      <p:stCondLst>
-                        <p:cond delay="indefinite"/>
-                      </p:stCondLst>
-                      <p:childTnLst>
-                        <p:par>
-                          <p:cTn id="112" fill="hold">
-                            <p:stCondLst>
-                              <p:cond delay="0"/>
-                            </p:stCondLst>
-                            <p:childTnLst>
-                              <p:par>
-                                <p:cTn id="113" presetID="1" presetClass="entr" fill="hold" nodeType="clickEffect">
-                                  <p:stCondLst>
-                                    <p:cond delay="0"/>
-                                  </p:stCondLst>
-                                  <p:childTnLst>
-                                    <p:set>
-                                      <p:cBhvr>
-                                        <p:cTn id="114" dur="1" fill="hold">
-                                          <p:stCondLst>
-                                            <p:cond delay="0"/>
-                                          </p:stCondLst>
-                                        </p:cTn>
-                                        <p:tgtEl>
                                           <p:spTgt spid="237"/>
-                                        </p:tgtEl>
-                                        <p:attrNameLst>
-                                          <p:attrName>style.visibility</p:attrName>
-                                        </p:attrNameLst>
-                                      </p:cBhvr>
-                                      <p:to>
-                                        <p:strVal val="visible"/>
-                                      </p:to>
-                                    </p:set>
-                                  </p:childTnLst>
-                                </p:cTn>
-                              </p:par>
-                            </p:childTnLst>
-                          </p:cTn>
-                        </p:par>
-                      </p:childTnLst>
-                    </p:cTn>
-                  </p:par>
-                  <p:par>
-                    <p:cTn id="115" fill="hold">
-                      <p:stCondLst>
-                        <p:cond delay="indefinite"/>
-                      </p:stCondLst>
-                      <p:childTnLst>
-                        <p:par>
-                          <p:cTn id="116" fill="hold">
-                            <p:stCondLst>
-                              <p:cond delay="0"/>
-                            </p:stCondLst>
-                            <p:childTnLst>
-                              <p:par>
-                                <p:cTn id="117" presetID="1" presetClass="entr" fill="hold" nodeType="clickEffect">
-                                  <p:stCondLst>
-                                    <p:cond delay="0"/>
-                                  </p:stCondLst>
-                                  <p:childTnLst>
-                                    <p:set>
-                                      <p:cBhvr>
-                                        <p:cTn id="118" dur="1" fill="hold">
-                                          <p:stCondLst>
-                                            <p:cond delay="0"/>
-                                          </p:stCondLst>
-                                        </p:cTn>
-                                        <p:tgtEl>
-                                          <p:spTgt spid="239"/>
                                         </p:tgtEl>
                                         <p:attrNameLst>
                                           <p:attrName>style.visibility</p:attrName>
@@ -18049,6 +18837,10 @@
         </p:cTn>
       </p:par>
     </p:tnLst>
+    <p:bldLst>
+      <p:bldP spid="233" grpId="0" animBg="1"/>
+      <p:bldP spid="236" grpId="0" animBg="1"/>
+    </p:bldLst>
   </p:timing>
 </p:sld>
 </file>
@@ -18106,15 +18898,15 @@
               <a:buNone/>
             </a:pPr>
             <a:r>
-              <a:rPr lang="de-DE" sz="2400" b="1" strike="noStrike" spc="-1">
+              <a:rPr lang="de-DE" sz="2400" b="1" strike="noStrike" spc="-1" dirty="0">
                 <a:solidFill>
                   <a:srgbClr val="0046A0"/>
                 </a:solidFill>
                 <a:latin typeface="Arial"/>
               </a:rPr>
-              <a:t>2. Produktarchitektur: Synthesizer</a:t>
+              <a:t>2. Exemplarischer Aufbau: Synthesizer</a:t>
             </a:r>
-            <a:endParaRPr lang="en-US" sz="2400" b="0" strike="noStrike" spc="-1">
+            <a:endParaRPr lang="en-US" sz="2400" b="0" strike="noStrike" spc="-1" dirty="0">
               <a:solidFill>
                 <a:srgbClr val="000000"/>
               </a:solidFill>
@@ -18278,45 +19070,1444 @@
           </a:p>
         </p:txBody>
       </p:sp>
-      <p:sp>
-        <p:nvSpPr>
-          <p:cNvPr id="2" name="Textfeld 1">
+      <p:grpSp>
+        <p:nvGrpSpPr>
+          <p:cNvPr id="13" name="Gruppieren 12">
             <a:extLst>
               <a:ext uri="{FF2B5EF4-FFF2-40B4-BE49-F238E27FC236}">
-                <a16:creationId xmlns:a16="http://schemas.microsoft.com/office/drawing/2014/main" id="{DC1596B1-0B0D-3EBE-6865-015A98B8E797}"/>
+                <a16:creationId xmlns:a16="http://schemas.microsoft.com/office/drawing/2014/main" id="{D5255880-66B3-9589-65BB-F73DAB52E485}"/>
               </a:ext>
             </a:extLst>
           </p:cNvPr>
-          <p:cNvSpPr txBox="1"/>
+          <p:cNvGrpSpPr/>
           <p:nvPr/>
-        </p:nvSpPr>
-        <p:spPr>
-          <a:xfrm>
-            <a:off x="2884868" y="3202948"/>
-            <a:ext cx="3570273" cy="369332"/>
+        </p:nvGrpSpPr>
+        <p:grpSpPr>
+          <a:xfrm>
+            <a:off x="519229" y="2875910"/>
+            <a:ext cx="1158659" cy="624859"/>
+            <a:chOff x="1082401" y="3652280"/>
+            <a:chExt cx="1158659" cy="624859"/>
+          </a:xfrm>
+        </p:grpSpPr>
+        <p:sp>
+          <p:nvSpPr>
+            <p:cNvPr id="2" name="Textfeld 5">
+              <a:extLst>
+                <a:ext uri="{FF2B5EF4-FFF2-40B4-BE49-F238E27FC236}">
+                  <a16:creationId xmlns:a16="http://schemas.microsoft.com/office/drawing/2014/main" id="{7F3456EB-4D1F-BC8A-0F50-B1377278E0AE}"/>
+                </a:ext>
+              </a:extLst>
+            </p:cNvPr>
+            <p:cNvSpPr/>
+            <p:nvPr/>
+          </p:nvSpPr>
+          <p:spPr>
+            <a:xfrm>
+              <a:off x="1082401" y="3652280"/>
+              <a:ext cx="1158659" cy="624859"/>
+            </a:xfrm>
+            <a:prstGeom prst="rect">
+              <a:avLst/>
+            </a:prstGeom>
+            <a:noFill/>
+            <a:ln w="0">
+              <a:noFill/>
+            </a:ln>
+          </p:spPr>
+          <p:style>
+            <a:lnRef idx="0">
+              <a:scrgbClr r="0" g="0" b="0"/>
+            </a:lnRef>
+            <a:fillRef idx="0">
+              <a:scrgbClr r="0" g="0" b="0"/>
+            </a:fillRef>
+            <a:effectRef idx="0">
+              <a:scrgbClr r="0" g="0" b="0"/>
+            </a:effectRef>
+            <a:fontRef idx="minor"/>
+          </p:style>
+          <p:txBody>
+            <a:bodyPr wrap="square" lIns="72000" tIns="45000" rIns="90000" bIns="45000" anchor="ctr" anchorCtr="0">
+              <a:noAutofit/>
+            </a:bodyPr>
+            <a:lstStyle/>
+            <a:p>
+              <a:pPr algn="ctr">
+                <a:lnSpc>
+                  <a:spcPct val="100000"/>
+                </a:lnSpc>
+                <a:buNone/>
+              </a:pPr>
+              <a:r>
+                <a:rPr lang="de-DE" sz="1600" b="0" strike="noStrike" spc="-1" dirty="0">
+                  <a:latin typeface="Arial"/>
+                </a:rPr>
+                <a:t>Sequencer</a:t>
+              </a:r>
+            </a:p>
+          </p:txBody>
+        </p:sp>
+        <p:sp>
+          <p:nvSpPr>
+            <p:cNvPr id="10" name="Rechteck 9">
+              <a:extLst>
+                <a:ext uri="{FF2B5EF4-FFF2-40B4-BE49-F238E27FC236}">
+                  <a16:creationId xmlns:a16="http://schemas.microsoft.com/office/drawing/2014/main" id="{41C3612B-C5DD-942F-5C5B-6487105FC577}"/>
+                </a:ext>
+              </a:extLst>
+            </p:cNvPr>
+            <p:cNvSpPr/>
+            <p:nvPr/>
+          </p:nvSpPr>
+          <p:spPr>
+            <a:xfrm>
+              <a:off x="1093515" y="3652280"/>
+              <a:ext cx="1147545" cy="624859"/>
+            </a:xfrm>
+            <a:prstGeom prst="rect">
+              <a:avLst/>
+            </a:prstGeom>
+            <a:noFill/>
+            <a:ln>
+              <a:solidFill>
+                <a:srgbClr val="0046A1"/>
+              </a:solidFill>
+            </a:ln>
+          </p:spPr>
+          <p:style>
+            <a:lnRef idx="2">
+              <a:schemeClr val="accent6"/>
+            </a:lnRef>
+            <a:fillRef idx="1">
+              <a:schemeClr val="lt1"/>
+            </a:fillRef>
+            <a:effectRef idx="0">
+              <a:schemeClr val="accent6"/>
+            </a:effectRef>
+            <a:fontRef idx="minor">
+              <a:schemeClr val="dk1"/>
+            </a:fontRef>
+          </p:style>
+          <p:txBody>
+            <a:bodyPr rtlCol="0" anchor="ctr"/>
+            <a:lstStyle/>
+            <a:p>
+              <a:pPr algn="ctr"/>
+              <a:endParaRPr lang="de-DE" sz="2400"/>
+            </a:p>
+          </p:txBody>
+        </p:sp>
+      </p:grpSp>
+      <p:sp>
+        <p:nvSpPr>
+          <p:cNvPr id="11" name="PlaceHolder 3">
+            <a:extLst>
+              <a:ext uri="{FF2B5EF4-FFF2-40B4-BE49-F238E27FC236}">
+                <a16:creationId xmlns:a16="http://schemas.microsoft.com/office/drawing/2014/main" id="{09178B97-F2CF-04CD-5999-2E48D1E5776C}"/>
+              </a:ext>
+            </a:extLst>
+          </p:cNvPr>
+          <p:cNvSpPr txBox="1">
+            <a:spLocks/>
+          </p:cNvSpPr>
+          <p:nvPr/>
+        </p:nvSpPr>
+        <p:spPr>
+          <a:xfrm>
+            <a:off x="3534033" y="6381720"/>
+            <a:ext cx="3220249" cy="360000"/>
           </a:xfrm>
           <a:prstGeom prst="rect">
             <a:avLst/>
           </a:prstGeom>
           <a:noFill/>
-        </p:spPr>
-        <p:txBody>
-          <a:bodyPr wrap="none" rtlCol="0">
-            <a:spAutoFit/>
-          </a:bodyPr>
-          <a:lstStyle/>
+          <a:ln w="9360">
+            <a:noFill/>
+          </a:ln>
+        </p:spPr>
+        <p:txBody>
+          <a:bodyPr lIns="0" tIns="0" rIns="0" bIns="0" numCol="1" spcCol="0" anchor="t">
+            <a:noAutofit/>
+          </a:bodyPr>
+          <a:lstStyle>
+            <a:defPPr>
+              <a:defRPr lang="de-DE"/>
+            </a:defPPr>
+            <a:lvl1pPr marL="0" algn="l" defTabSz="914400" rtl="0" eaLnBrk="1" latinLnBrk="0" hangingPunct="1">
+              <a:lnSpc>
+                <a:spcPct val="100000"/>
+              </a:lnSpc>
+              <a:buNone/>
+              <a:defRPr lang="de-DE" sz="1000" b="0" strike="noStrike" kern="1200" spc="-1">
+                <a:solidFill>
+                  <a:srgbClr val="000000"/>
+                </a:solidFill>
+                <a:latin typeface="Arial"/>
+                <a:ea typeface="+mn-ea"/>
+                <a:cs typeface="+mn-cs"/>
+              </a:defRPr>
+            </a:lvl1pPr>
+            <a:lvl2pPr marL="457200" algn="l" defTabSz="914400" rtl="0" eaLnBrk="1" latinLnBrk="0" hangingPunct="1">
+              <a:defRPr sz="1800" kern="1200">
+                <a:solidFill>
+                  <a:schemeClr val="tx1"/>
+                </a:solidFill>
+                <a:latin typeface="+mn-lt"/>
+                <a:ea typeface="+mn-ea"/>
+                <a:cs typeface="+mn-cs"/>
+              </a:defRPr>
+            </a:lvl2pPr>
+            <a:lvl3pPr marL="914400" algn="l" defTabSz="914400" rtl="0" eaLnBrk="1" latinLnBrk="0" hangingPunct="1">
+              <a:defRPr sz="1800" kern="1200">
+                <a:solidFill>
+                  <a:schemeClr val="tx1"/>
+                </a:solidFill>
+                <a:latin typeface="+mn-lt"/>
+                <a:ea typeface="+mn-ea"/>
+                <a:cs typeface="+mn-cs"/>
+              </a:defRPr>
+            </a:lvl3pPr>
+            <a:lvl4pPr marL="1371600" algn="l" defTabSz="914400" rtl="0" eaLnBrk="1" latinLnBrk="0" hangingPunct="1">
+              <a:defRPr sz="1800" kern="1200">
+                <a:solidFill>
+                  <a:schemeClr val="tx1"/>
+                </a:solidFill>
+                <a:latin typeface="+mn-lt"/>
+                <a:ea typeface="+mn-ea"/>
+                <a:cs typeface="+mn-cs"/>
+              </a:defRPr>
+            </a:lvl4pPr>
+            <a:lvl5pPr marL="1828800" algn="l" defTabSz="914400" rtl="0" eaLnBrk="1" latinLnBrk="0" hangingPunct="1">
+              <a:defRPr sz="1800" kern="1200">
+                <a:solidFill>
+                  <a:schemeClr val="tx1"/>
+                </a:solidFill>
+                <a:latin typeface="+mn-lt"/>
+                <a:ea typeface="+mn-ea"/>
+                <a:cs typeface="+mn-cs"/>
+              </a:defRPr>
+            </a:lvl5pPr>
+            <a:lvl6pPr marL="2286000" algn="l" defTabSz="914400" rtl="0" eaLnBrk="1" latinLnBrk="0" hangingPunct="1">
+              <a:defRPr sz="1800" kern="1200">
+                <a:solidFill>
+                  <a:schemeClr val="tx1"/>
+                </a:solidFill>
+                <a:latin typeface="+mn-lt"/>
+                <a:ea typeface="+mn-ea"/>
+                <a:cs typeface="+mn-cs"/>
+              </a:defRPr>
+            </a:lvl6pPr>
+            <a:lvl7pPr marL="2743200" algn="l" defTabSz="914400" rtl="0" eaLnBrk="1" latinLnBrk="0" hangingPunct="1">
+              <a:defRPr sz="1800" kern="1200">
+                <a:solidFill>
+                  <a:schemeClr val="tx1"/>
+                </a:solidFill>
+                <a:latin typeface="+mn-lt"/>
+                <a:ea typeface="+mn-ea"/>
+                <a:cs typeface="+mn-cs"/>
+              </a:defRPr>
+            </a:lvl7pPr>
+            <a:lvl8pPr marL="3200400" algn="l" defTabSz="914400" rtl="0" eaLnBrk="1" latinLnBrk="0" hangingPunct="1">
+              <a:defRPr sz="1800" kern="1200">
+                <a:solidFill>
+                  <a:schemeClr val="tx1"/>
+                </a:solidFill>
+                <a:latin typeface="+mn-lt"/>
+                <a:ea typeface="+mn-ea"/>
+                <a:cs typeface="+mn-cs"/>
+              </a:defRPr>
+            </a:lvl8pPr>
+            <a:lvl9pPr marL="3657600" algn="l" defTabSz="914400" rtl="0" eaLnBrk="1" latinLnBrk="0" hangingPunct="1">
+              <a:defRPr sz="1800" kern="1200">
+                <a:solidFill>
+                  <a:schemeClr val="tx1"/>
+                </a:solidFill>
+                <a:latin typeface="+mn-lt"/>
+                <a:ea typeface="+mn-ea"/>
+                <a:cs typeface="+mn-cs"/>
+              </a:defRPr>
+            </a:lvl9pPr>
+          </a:lstStyle>
           <a:p>
             <a:r>
               <a:rPr lang="de-DE" dirty="0"/>
-              <a:t>Blockstruktur Aufbau Synthesizer</a:t>
+              <a:t>Vortrag LPDES – Viktor Dilman, Christoph Kirschner</a:t>
             </a:r>
-          </a:p>
-        </p:txBody>
-      </p:sp>
+            <a:endParaRPr lang="de-DE" dirty="0">
+              <a:latin typeface="Times New Roman"/>
+            </a:endParaRPr>
+          </a:p>
+        </p:txBody>
+      </p:sp>
+      <p:grpSp>
+        <p:nvGrpSpPr>
+          <p:cNvPr id="15" name="Gruppieren 14">
+            <a:extLst>
+              <a:ext uri="{FF2B5EF4-FFF2-40B4-BE49-F238E27FC236}">
+                <a16:creationId xmlns:a16="http://schemas.microsoft.com/office/drawing/2014/main" id="{44DB0B88-5254-31FF-736A-D8591B63ED34}"/>
+              </a:ext>
+            </a:extLst>
+          </p:cNvPr>
+          <p:cNvGrpSpPr/>
+          <p:nvPr/>
+        </p:nvGrpSpPr>
+        <p:grpSpPr>
+          <a:xfrm>
+            <a:off x="2092983" y="2875909"/>
+            <a:ext cx="1158659" cy="624859"/>
+            <a:chOff x="1082401" y="3652280"/>
+            <a:chExt cx="1158659" cy="624859"/>
+          </a:xfrm>
+        </p:grpSpPr>
+        <p:sp>
+          <p:nvSpPr>
+            <p:cNvPr id="16" name="Textfeld 5">
+              <a:extLst>
+                <a:ext uri="{FF2B5EF4-FFF2-40B4-BE49-F238E27FC236}">
+                  <a16:creationId xmlns:a16="http://schemas.microsoft.com/office/drawing/2014/main" id="{2B26078C-D31E-2123-DEB4-633DA6AC411D}"/>
+                </a:ext>
+              </a:extLst>
+            </p:cNvPr>
+            <p:cNvSpPr/>
+            <p:nvPr/>
+          </p:nvSpPr>
+          <p:spPr>
+            <a:xfrm>
+              <a:off x="1082401" y="3652280"/>
+              <a:ext cx="1158659" cy="624859"/>
+            </a:xfrm>
+            <a:prstGeom prst="rect">
+              <a:avLst/>
+            </a:prstGeom>
+            <a:noFill/>
+            <a:ln w="0">
+              <a:noFill/>
+            </a:ln>
+          </p:spPr>
+          <p:style>
+            <a:lnRef idx="0">
+              <a:scrgbClr r="0" g="0" b="0"/>
+            </a:lnRef>
+            <a:fillRef idx="0">
+              <a:scrgbClr r="0" g="0" b="0"/>
+            </a:fillRef>
+            <a:effectRef idx="0">
+              <a:scrgbClr r="0" g="0" b="0"/>
+            </a:effectRef>
+            <a:fontRef idx="minor"/>
+          </p:style>
+          <p:txBody>
+            <a:bodyPr wrap="square" lIns="72000" tIns="45000" rIns="90000" bIns="45000" anchor="ctr" anchorCtr="0">
+              <a:noAutofit/>
+            </a:bodyPr>
+            <a:lstStyle/>
+            <a:p>
+              <a:pPr algn="ctr">
+                <a:lnSpc>
+                  <a:spcPct val="100000"/>
+                </a:lnSpc>
+                <a:buNone/>
+              </a:pPr>
+              <a:r>
+                <a:rPr lang="de-DE" sz="1600" b="0" strike="noStrike" spc="-1" dirty="0">
+                  <a:latin typeface="Arial"/>
+                </a:rPr>
+                <a:t>VCO</a:t>
+              </a:r>
+            </a:p>
+          </p:txBody>
+        </p:sp>
+        <p:sp>
+          <p:nvSpPr>
+            <p:cNvPr id="17" name="Rechteck 16">
+              <a:extLst>
+                <a:ext uri="{FF2B5EF4-FFF2-40B4-BE49-F238E27FC236}">
+                  <a16:creationId xmlns:a16="http://schemas.microsoft.com/office/drawing/2014/main" id="{1FDDD93E-F3E9-2E43-EE29-7A7553042F4E}"/>
+                </a:ext>
+              </a:extLst>
+            </p:cNvPr>
+            <p:cNvSpPr/>
+            <p:nvPr/>
+          </p:nvSpPr>
+          <p:spPr>
+            <a:xfrm>
+              <a:off x="1093515" y="3652280"/>
+              <a:ext cx="1147545" cy="624859"/>
+            </a:xfrm>
+            <a:prstGeom prst="rect">
+              <a:avLst/>
+            </a:prstGeom>
+            <a:noFill/>
+            <a:ln>
+              <a:solidFill>
+                <a:srgbClr val="0046A1"/>
+              </a:solidFill>
+            </a:ln>
+          </p:spPr>
+          <p:style>
+            <a:lnRef idx="2">
+              <a:schemeClr val="accent6"/>
+            </a:lnRef>
+            <a:fillRef idx="1">
+              <a:schemeClr val="lt1"/>
+            </a:fillRef>
+            <a:effectRef idx="0">
+              <a:schemeClr val="accent6"/>
+            </a:effectRef>
+            <a:fontRef idx="minor">
+              <a:schemeClr val="dk1"/>
+            </a:fontRef>
+          </p:style>
+          <p:txBody>
+            <a:bodyPr rtlCol="0" anchor="ctr"/>
+            <a:lstStyle/>
+            <a:p>
+              <a:pPr algn="ctr"/>
+              <a:endParaRPr lang="de-DE" sz="2400"/>
+            </a:p>
+          </p:txBody>
+        </p:sp>
+      </p:grpSp>
+      <p:grpSp>
+        <p:nvGrpSpPr>
+          <p:cNvPr id="18" name="Gruppieren 17">
+            <a:extLst>
+              <a:ext uri="{FF2B5EF4-FFF2-40B4-BE49-F238E27FC236}">
+                <a16:creationId xmlns:a16="http://schemas.microsoft.com/office/drawing/2014/main" id="{6AF63525-676A-FB34-03EB-E62F7AEE1FE1}"/>
+              </a:ext>
+            </a:extLst>
+          </p:cNvPr>
+          <p:cNvGrpSpPr/>
+          <p:nvPr/>
+        </p:nvGrpSpPr>
+        <p:grpSpPr>
+          <a:xfrm>
+            <a:off x="3666737" y="2875909"/>
+            <a:ext cx="1158659" cy="624859"/>
+            <a:chOff x="1082401" y="3652280"/>
+            <a:chExt cx="1158659" cy="624859"/>
+          </a:xfrm>
+        </p:grpSpPr>
+        <p:sp>
+          <p:nvSpPr>
+            <p:cNvPr id="19" name="Textfeld 5">
+              <a:extLst>
+                <a:ext uri="{FF2B5EF4-FFF2-40B4-BE49-F238E27FC236}">
+                  <a16:creationId xmlns:a16="http://schemas.microsoft.com/office/drawing/2014/main" id="{BBF11CE9-93AF-1320-526B-D2DDF32AB7D0}"/>
+                </a:ext>
+              </a:extLst>
+            </p:cNvPr>
+            <p:cNvSpPr/>
+            <p:nvPr/>
+          </p:nvSpPr>
+          <p:spPr>
+            <a:xfrm>
+              <a:off x="1082401" y="3652280"/>
+              <a:ext cx="1158659" cy="624859"/>
+            </a:xfrm>
+            <a:prstGeom prst="rect">
+              <a:avLst/>
+            </a:prstGeom>
+            <a:noFill/>
+            <a:ln w="0">
+              <a:noFill/>
+            </a:ln>
+          </p:spPr>
+          <p:style>
+            <a:lnRef idx="0">
+              <a:scrgbClr r="0" g="0" b="0"/>
+            </a:lnRef>
+            <a:fillRef idx="0">
+              <a:scrgbClr r="0" g="0" b="0"/>
+            </a:fillRef>
+            <a:effectRef idx="0">
+              <a:scrgbClr r="0" g="0" b="0"/>
+            </a:effectRef>
+            <a:fontRef idx="minor"/>
+          </p:style>
+          <p:txBody>
+            <a:bodyPr wrap="square" lIns="72000" tIns="45000" rIns="90000" bIns="45000" anchor="ctr" anchorCtr="0">
+              <a:noAutofit/>
+            </a:bodyPr>
+            <a:lstStyle/>
+            <a:p>
+              <a:pPr algn="ctr">
+                <a:lnSpc>
+                  <a:spcPct val="100000"/>
+                </a:lnSpc>
+                <a:buNone/>
+              </a:pPr>
+              <a:r>
+                <a:rPr lang="de-DE" sz="1600" b="0" strike="noStrike" spc="-1" dirty="0">
+                  <a:latin typeface="Arial"/>
+                </a:rPr>
+                <a:t>VCF</a:t>
+              </a:r>
+            </a:p>
+          </p:txBody>
+        </p:sp>
+        <p:sp>
+          <p:nvSpPr>
+            <p:cNvPr id="20" name="Rechteck 19">
+              <a:extLst>
+                <a:ext uri="{FF2B5EF4-FFF2-40B4-BE49-F238E27FC236}">
+                  <a16:creationId xmlns:a16="http://schemas.microsoft.com/office/drawing/2014/main" id="{66005DD6-AD03-E62A-0D22-6D53A3442A83}"/>
+                </a:ext>
+              </a:extLst>
+            </p:cNvPr>
+            <p:cNvSpPr/>
+            <p:nvPr/>
+          </p:nvSpPr>
+          <p:spPr>
+            <a:xfrm>
+              <a:off x="1093515" y="3652280"/>
+              <a:ext cx="1147545" cy="624859"/>
+            </a:xfrm>
+            <a:prstGeom prst="rect">
+              <a:avLst/>
+            </a:prstGeom>
+            <a:noFill/>
+            <a:ln>
+              <a:solidFill>
+                <a:srgbClr val="0046A1"/>
+              </a:solidFill>
+            </a:ln>
+          </p:spPr>
+          <p:style>
+            <a:lnRef idx="2">
+              <a:schemeClr val="accent6"/>
+            </a:lnRef>
+            <a:fillRef idx="1">
+              <a:schemeClr val="lt1"/>
+            </a:fillRef>
+            <a:effectRef idx="0">
+              <a:schemeClr val="accent6"/>
+            </a:effectRef>
+            <a:fontRef idx="minor">
+              <a:schemeClr val="dk1"/>
+            </a:fontRef>
+          </p:style>
+          <p:txBody>
+            <a:bodyPr rtlCol="0" anchor="ctr"/>
+            <a:lstStyle/>
+            <a:p>
+              <a:pPr algn="ctr"/>
+              <a:endParaRPr lang="de-DE" sz="2400"/>
+            </a:p>
+          </p:txBody>
+        </p:sp>
+      </p:grpSp>
+      <p:grpSp>
+        <p:nvGrpSpPr>
+          <p:cNvPr id="21" name="Gruppieren 20">
+            <a:extLst>
+              <a:ext uri="{FF2B5EF4-FFF2-40B4-BE49-F238E27FC236}">
+                <a16:creationId xmlns:a16="http://schemas.microsoft.com/office/drawing/2014/main" id="{55F43436-88C9-15D4-766B-60DAE6C92C68}"/>
+              </a:ext>
+            </a:extLst>
+          </p:cNvPr>
+          <p:cNvGrpSpPr/>
+          <p:nvPr/>
+        </p:nvGrpSpPr>
+        <p:grpSpPr>
+          <a:xfrm>
+            <a:off x="5206480" y="2875908"/>
+            <a:ext cx="1158659" cy="624859"/>
+            <a:chOff x="1082401" y="3652280"/>
+            <a:chExt cx="1158659" cy="624859"/>
+          </a:xfrm>
+        </p:grpSpPr>
+        <p:sp>
+          <p:nvSpPr>
+            <p:cNvPr id="22" name="Textfeld 5">
+              <a:extLst>
+                <a:ext uri="{FF2B5EF4-FFF2-40B4-BE49-F238E27FC236}">
+                  <a16:creationId xmlns:a16="http://schemas.microsoft.com/office/drawing/2014/main" id="{26AE7734-D262-B3DC-1C0D-6EA584C8D7D7}"/>
+                </a:ext>
+              </a:extLst>
+            </p:cNvPr>
+            <p:cNvSpPr/>
+            <p:nvPr/>
+          </p:nvSpPr>
+          <p:spPr>
+            <a:xfrm>
+              <a:off x="1082401" y="3652280"/>
+              <a:ext cx="1158659" cy="624859"/>
+            </a:xfrm>
+            <a:prstGeom prst="rect">
+              <a:avLst/>
+            </a:prstGeom>
+            <a:noFill/>
+            <a:ln w="0">
+              <a:noFill/>
+            </a:ln>
+          </p:spPr>
+          <p:style>
+            <a:lnRef idx="0">
+              <a:scrgbClr r="0" g="0" b="0"/>
+            </a:lnRef>
+            <a:fillRef idx="0">
+              <a:scrgbClr r="0" g="0" b="0"/>
+            </a:fillRef>
+            <a:effectRef idx="0">
+              <a:scrgbClr r="0" g="0" b="0"/>
+            </a:effectRef>
+            <a:fontRef idx="minor"/>
+          </p:style>
+          <p:txBody>
+            <a:bodyPr wrap="square" lIns="72000" tIns="45000" rIns="90000" bIns="45000" anchor="ctr" anchorCtr="0">
+              <a:noAutofit/>
+            </a:bodyPr>
+            <a:lstStyle/>
+            <a:p>
+              <a:pPr algn="ctr">
+                <a:lnSpc>
+                  <a:spcPct val="100000"/>
+                </a:lnSpc>
+                <a:buNone/>
+              </a:pPr>
+              <a:r>
+                <a:rPr lang="de-DE" sz="1600" b="0" strike="noStrike" spc="-1" dirty="0">
+                  <a:latin typeface="Arial"/>
+                </a:rPr>
+                <a:t>VCA</a:t>
+              </a:r>
+            </a:p>
+          </p:txBody>
+        </p:sp>
+        <p:sp>
+          <p:nvSpPr>
+            <p:cNvPr id="23" name="Rechteck 22">
+              <a:extLst>
+                <a:ext uri="{FF2B5EF4-FFF2-40B4-BE49-F238E27FC236}">
+                  <a16:creationId xmlns:a16="http://schemas.microsoft.com/office/drawing/2014/main" id="{B723999B-5BBB-B9AA-4EA5-1D4D478100EE}"/>
+                </a:ext>
+              </a:extLst>
+            </p:cNvPr>
+            <p:cNvSpPr/>
+            <p:nvPr/>
+          </p:nvSpPr>
+          <p:spPr>
+            <a:xfrm>
+              <a:off x="1093515" y="3652280"/>
+              <a:ext cx="1147545" cy="624859"/>
+            </a:xfrm>
+            <a:prstGeom prst="rect">
+              <a:avLst/>
+            </a:prstGeom>
+            <a:noFill/>
+            <a:ln>
+              <a:solidFill>
+                <a:srgbClr val="0046A1"/>
+              </a:solidFill>
+            </a:ln>
+          </p:spPr>
+          <p:style>
+            <a:lnRef idx="2">
+              <a:schemeClr val="accent6"/>
+            </a:lnRef>
+            <a:fillRef idx="1">
+              <a:schemeClr val="lt1"/>
+            </a:fillRef>
+            <a:effectRef idx="0">
+              <a:schemeClr val="accent6"/>
+            </a:effectRef>
+            <a:fontRef idx="minor">
+              <a:schemeClr val="dk1"/>
+            </a:fontRef>
+          </p:style>
+          <p:txBody>
+            <a:bodyPr rtlCol="0" anchor="ctr"/>
+            <a:lstStyle/>
+            <a:p>
+              <a:pPr algn="ctr"/>
+              <a:endParaRPr lang="de-DE" sz="2400"/>
+            </a:p>
+          </p:txBody>
+        </p:sp>
+      </p:grpSp>
+      <p:grpSp>
+        <p:nvGrpSpPr>
+          <p:cNvPr id="25" name="Gruppieren 24">
+            <a:extLst>
+              <a:ext uri="{FF2B5EF4-FFF2-40B4-BE49-F238E27FC236}">
+                <a16:creationId xmlns:a16="http://schemas.microsoft.com/office/drawing/2014/main" id="{0C0A7C86-8ED1-C1E7-60F1-526DC3A86B83}"/>
+              </a:ext>
+            </a:extLst>
+          </p:cNvPr>
+          <p:cNvGrpSpPr/>
+          <p:nvPr/>
+        </p:nvGrpSpPr>
+        <p:grpSpPr>
+          <a:xfrm>
+            <a:off x="6777523" y="2875908"/>
+            <a:ext cx="1760971" cy="624859"/>
+            <a:chOff x="1082401" y="3652280"/>
+            <a:chExt cx="1401279" cy="624859"/>
+          </a:xfrm>
+        </p:grpSpPr>
+        <p:sp>
+          <p:nvSpPr>
+            <p:cNvPr id="26" name="Textfeld 5">
+              <a:extLst>
+                <a:ext uri="{FF2B5EF4-FFF2-40B4-BE49-F238E27FC236}">
+                  <a16:creationId xmlns:a16="http://schemas.microsoft.com/office/drawing/2014/main" id="{CF694745-3F67-EC22-2522-DE75D98C38B3}"/>
+                </a:ext>
+              </a:extLst>
+            </p:cNvPr>
+            <p:cNvSpPr/>
+            <p:nvPr/>
+          </p:nvSpPr>
+          <p:spPr>
+            <a:xfrm>
+              <a:off x="1082401" y="3652280"/>
+              <a:ext cx="1390166" cy="624859"/>
+            </a:xfrm>
+            <a:prstGeom prst="rect">
+              <a:avLst/>
+            </a:prstGeom>
+            <a:noFill/>
+            <a:ln w="0">
+              <a:noFill/>
+            </a:ln>
+          </p:spPr>
+          <p:style>
+            <a:lnRef idx="0">
+              <a:scrgbClr r="0" g="0" b="0"/>
+            </a:lnRef>
+            <a:fillRef idx="0">
+              <a:scrgbClr r="0" g="0" b="0"/>
+            </a:fillRef>
+            <a:effectRef idx="0">
+              <a:scrgbClr r="0" g="0" b="0"/>
+            </a:effectRef>
+            <a:fontRef idx="minor"/>
+          </p:style>
+          <p:txBody>
+            <a:bodyPr wrap="square" lIns="72000" tIns="45000" rIns="90000" bIns="45000" anchor="ctr" anchorCtr="0">
+              <a:noAutofit/>
+            </a:bodyPr>
+            <a:lstStyle/>
+            <a:p>
+              <a:pPr algn="ctr">
+                <a:lnSpc>
+                  <a:spcPct val="100000"/>
+                </a:lnSpc>
+                <a:buNone/>
+              </a:pPr>
+              <a:r>
+                <a:rPr lang="de-DE" sz="1600" b="0" strike="noStrike" spc="-1" dirty="0">
+                  <a:latin typeface="Arial"/>
+                </a:rPr>
+                <a:t>Lautsprecher</a:t>
+              </a:r>
+              <a:endParaRPr lang="de-DE" sz="1200" b="0" strike="noStrike" spc="-1" dirty="0">
+                <a:latin typeface="Arial"/>
+              </a:endParaRPr>
+            </a:p>
+          </p:txBody>
+        </p:sp>
+        <p:sp>
+          <p:nvSpPr>
+            <p:cNvPr id="27" name="Rechteck 26">
+              <a:extLst>
+                <a:ext uri="{FF2B5EF4-FFF2-40B4-BE49-F238E27FC236}">
+                  <a16:creationId xmlns:a16="http://schemas.microsoft.com/office/drawing/2014/main" id="{1F821617-4C09-406B-ECFC-F9F795B89BF8}"/>
+                </a:ext>
+              </a:extLst>
+            </p:cNvPr>
+            <p:cNvSpPr/>
+            <p:nvPr/>
+          </p:nvSpPr>
+          <p:spPr>
+            <a:xfrm>
+              <a:off x="1093514" y="3652280"/>
+              <a:ext cx="1390166" cy="624859"/>
+            </a:xfrm>
+            <a:prstGeom prst="rect">
+              <a:avLst/>
+            </a:prstGeom>
+            <a:noFill/>
+            <a:ln>
+              <a:solidFill>
+                <a:srgbClr val="0046A1"/>
+              </a:solidFill>
+            </a:ln>
+          </p:spPr>
+          <p:style>
+            <a:lnRef idx="2">
+              <a:schemeClr val="accent6"/>
+            </a:lnRef>
+            <a:fillRef idx="1">
+              <a:schemeClr val="lt1"/>
+            </a:fillRef>
+            <a:effectRef idx="0">
+              <a:schemeClr val="accent6"/>
+            </a:effectRef>
+            <a:fontRef idx="minor">
+              <a:schemeClr val="dk1"/>
+            </a:fontRef>
+          </p:style>
+          <p:txBody>
+            <a:bodyPr rtlCol="0" anchor="ctr"/>
+            <a:lstStyle/>
+            <a:p>
+              <a:pPr algn="ctr"/>
+              <a:endParaRPr lang="de-DE"/>
+            </a:p>
+          </p:txBody>
+        </p:sp>
+      </p:grpSp>
+      <p:grpSp>
+        <p:nvGrpSpPr>
+          <p:cNvPr id="28" name="Gruppieren 27">
+            <a:extLst>
+              <a:ext uri="{FF2B5EF4-FFF2-40B4-BE49-F238E27FC236}">
+                <a16:creationId xmlns:a16="http://schemas.microsoft.com/office/drawing/2014/main" id="{672794EF-C41A-578F-4AB1-723A33788785}"/>
+              </a:ext>
+            </a:extLst>
+          </p:cNvPr>
+          <p:cNvGrpSpPr/>
+          <p:nvPr/>
+        </p:nvGrpSpPr>
+        <p:grpSpPr>
+          <a:xfrm>
+            <a:off x="4419593" y="4247102"/>
+            <a:ext cx="1158659" cy="624859"/>
+            <a:chOff x="1082401" y="3652280"/>
+            <a:chExt cx="1158659" cy="624859"/>
+          </a:xfrm>
+        </p:grpSpPr>
+        <p:sp>
+          <p:nvSpPr>
+            <p:cNvPr id="29" name="Textfeld 5">
+              <a:extLst>
+                <a:ext uri="{FF2B5EF4-FFF2-40B4-BE49-F238E27FC236}">
+                  <a16:creationId xmlns:a16="http://schemas.microsoft.com/office/drawing/2014/main" id="{BAC41917-7CFC-C6FA-8D7C-25E8150F1669}"/>
+                </a:ext>
+              </a:extLst>
+            </p:cNvPr>
+            <p:cNvSpPr/>
+            <p:nvPr/>
+          </p:nvSpPr>
+          <p:spPr>
+            <a:xfrm>
+              <a:off x="1082401" y="3652280"/>
+              <a:ext cx="1158659" cy="624859"/>
+            </a:xfrm>
+            <a:prstGeom prst="rect">
+              <a:avLst/>
+            </a:prstGeom>
+            <a:noFill/>
+            <a:ln w="0">
+              <a:noFill/>
+            </a:ln>
+          </p:spPr>
+          <p:style>
+            <a:lnRef idx="0">
+              <a:scrgbClr r="0" g="0" b="0"/>
+            </a:lnRef>
+            <a:fillRef idx="0">
+              <a:scrgbClr r="0" g="0" b="0"/>
+            </a:fillRef>
+            <a:effectRef idx="0">
+              <a:scrgbClr r="0" g="0" b="0"/>
+            </a:effectRef>
+            <a:fontRef idx="minor"/>
+          </p:style>
+          <p:txBody>
+            <a:bodyPr wrap="square" lIns="72000" tIns="45000" rIns="90000" bIns="45000" anchor="ctr" anchorCtr="0">
+              <a:noAutofit/>
+            </a:bodyPr>
+            <a:lstStyle/>
+            <a:p>
+              <a:pPr algn="ctr">
+                <a:lnSpc>
+                  <a:spcPct val="100000"/>
+                </a:lnSpc>
+                <a:buNone/>
+              </a:pPr>
+              <a:r>
+                <a:rPr lang="de-DE" sz="1600" spc="-1" dirty="0">
+                  <a:latin typeface="Arial"/>
+                </a:rPr>
+                <a:t>LFO</a:t>
+              </a:r>
+              <a:endParaRPr lang="de-DE" sz="1600" b="0" strike="noStrike" spc="-1" dirty="0">
+                <a:latin typeface="Arial"/>
+              </a:endParaRPr>
+            </a:p>
+          </p:txBody>
+        </p:sp>
+        <p:sp>
+          <p:nvSpPr>
+            <p:cNvPr id="30" name="Rechteck 29">
+              <a:extLst>
+                <a:ext uri="{FF2B5EF4-FFF2-40B4-BE49-F238E27FC236}">
+                  <a16:creationId xmlns:a16="http://schemas.microsoft.com/office/drawing/2014/main" id="{EEC94E33-F189-0674-BF24-C352A5F38702}"/>
+                </a:ext>
+              </a:extLst>
+            </p:cNvPr>
+            <p:cNvSpPr/>
+            <p:nvPr/>
+          </p:nvSpPr>
+          <p:spPr>
+            <a:xfrm>
+              <a:off x="1093515" y="3652280"/>
+              <a:ext cx="1147545" cy="624859"/>
+            </a:xfrm>
+            <a:prstGeom prst="rect">
+              <a:avLst/>
+            </a:prstGeom>
+            <a:noFill/>
+            <a:ln>
+              <a:solidFill>
+                <a:srgbClr val="0046A1"/>
+              </a:solidFill>
+            </a:ln>
+          </p:spPr>
+          <p:style>
+            <a:lnRef idx="2">
+              <a:schemeClr val="accent6"/>
+            </a:lnRef>
+            <a:fillRef idx="1">
+              <a:schemeClr val="lt1"/>
+            </a:fillRef>
+            <a:effectRef idx="0">
+              <a:schemeClr val="accent6"/>
+            </a:effectRef>
+            <a:fontRef idx="minor">
+              <a:schemeClr val="dk1"/>
+            </a:fontRef>
+          </p:style>
+          <p:txBody>
+            <a:bodyPr rtlCol="0" anchor="ctr"/>
+            <a:lstStyle/>
+            <a:p>
+              <a:pPr algn="ctr"/>
+              <a:endParaRPr lang="de-DE" sz="2400"/>
+            </a:p>
+          </p:txBody>
+        </p:sp>
+      </p:grpSp>
+      <p:cxnSp>
+        <p:nvCxnSpPr>
+          <p:cNvPr id="38" name="Gerade Verbindung mit Pfeil 37">
+            <a:extLst>
+              <a:ext uri="{FF2B5EF4-FFF2-40B4-BE49-F238E27FC236}">
+                <a16:creationId xmlns:a16="http://schemas.microsoft.com/office/drawing/2014/main" id="{F61C6152-DE38-0697-EEAA-36E0C5558613}"/>
+              </a:ext>
+            </a:extLst>
+          </p:cNvPr>
+          <p:cNvCxnSpPr>
+            <a:cxnSpLocks/>
+            <a:stCxn id="10" idx="3"/>
+            <a:endCxn id="17" idx="1"/>
+          </p:cNvCxnSpPr>
+          <p:nvPr/>
+        </p:nvCxnSpPr>
+        <p:spPr>
+          <a:xfrm flipV="1">
+            <a:off x="1677888" y="3188339"/>
+            <a:ext cx="426209" cy="1"/>
+          </a:xfrm>
+          <a:prstGeom prst="straightConnector1">
+            <a:avLst/>
+          </a:prstGeom>
+          <a:ln>
+            <a:solidFill>
+              <a:srgbClr val="0046A1"/>
+            </a:solidFill>
+            <a:tailEnd type="triangle"/>
+          </a:ln>
+        </p:spPr>
+        <p:style>
+          <a:lnRef idx="1">
+            <a:schemeClr val="accent2"/>
+          </a:lnRef>
+          <a:fillRef idx="0">
+            <a:schemeClr val="accent2"/>
+          </a:fillRef>
+          <a:effectRef idx="0">
+            <a:schemeClr val="accent2"/>
+          </a:effectRef>
+          <a:fontRef idx="minor">
+            <a:schemeClr val="tx1"/>
+          </a:fontRef>
+        </p:style>
+      </p:cxnSp>
+      <p:cxnSp>
+        <p:nvCxnSpPr>
+          <p:cNvPr id="41" name="Gerade Verbindung mit Pfeil 40">
+            <a:extLst>
+              <a:ext uri="{FF2B5EF4-FFF2-40B4-BE49-F238E27FC236}">
+                <a16:creationId xmlns:a16="http://schemas.microsoft.com/office/drawing/2014/main" id="{E3B5728D-C1D7-8DCC-004A-D4DE1149FCC9}"/>
+              </a:ext>
+            </a:extLst>
+          </p:cNvPr>
+          <p:cNvCxnSpPr>
+            <a:cxnSpLocks/>
+          </p:cNvCxnSpPr>
+          <p:nvPr/>
+        </p:nvCxnSpPr>
+        <p:spPr>
+          <a:xfrm flipV="1">
+            <a:off x="3267294" y="3205877"/>
+            <a:ext cx="426209" cy="1"/>
+          </a:xfrm>
+          <a:prstGeom prst="straightConnector1">
+            <a:avLst/>
+          </a:prstGeom>
+          <a:ln>
+            <a:solidFill>
+              <a:srgbClr val="0046A1"/>
+            </a:solidFill>
+            <a:tailEnd type="triangle"/>
+          </a:ln>
+        </p:spPr>
+        <p:style>
+          <a:lnRef idx="1">
+            <a:schemeClr val="accent2"/>
+          </a:lnRef>
+          <a:fillRef idx="0">
+            <a:schemeClr val="accent2"/>
+          </a:fillRef>
+          <a:effectRef idx="0">
+            <a:schemeClr val="accent2"/>
+          </a:effectRef>
+          <a:fontRef idx="minor">
+            <a:schemeClr val="tx1"/>
+          </a:fontRef>
+        </p:style>
+      </p:cxnSp>
+      <p:cxnSp>
+        <p:nvCxnSpPr>
+          <p:cNvPr id="42" name="Gerade Verbindung mit Pfeil 41">
+            <a:extLst>
+              <a:ext uri="{FF2B5EF4-FFF2-40B4-BE49-F238E27FC236}">
+                <a16:creationId xmlns:a16="http://schemas.microsoft.com/office/drawing/2014/main" id="{BFF4E3C9-CC99-533A-6ED5-3C3BA9510822}"/>
+              </a:ext>
+            </a:extLst>
+          </p:cNvPr>
+          <p:cNvCxnSpPr>
+            <a:cxnSpLocks/>
+          </p:cNvCxnSpPr>
+          <p:nvPr/>
+        </p:nvCxnSpPr>
+        <p:spPr>
+          <a:xfrm flipV="1">
+            <a:off x="4818485" y="3205877"/>
+            <a:ext cx="426209" cy="1"/>
+          </a:xfrm>
+          <a:prstGeom prst="straightConnector1">
+            <a:avLst/>
+          </a:prstGeom>
+          <a:ln>
+            <a:solidFill>
+              <a:srgbClr val="0046A1"/>
+            </a:solidFill>
+            <a:tailEnd type="triangle"/>
+          </a:ln>
+        </p:spPr>
+        <p:style>
+          <a:lnRef idx="1">
+            <a:schemeClr val="accent2"/>
+          </a:lnRef>
+          <a:fillRef idx="0">
+            <a:schemeClr val="accent2"/>
+          </a:fillRef>
+          <a:effectRef idx="0">
+            <a:schemeClr val="accent2"/>
+          </a:effectRef>
+          <a:fontRef idx="minor">
+            <a:schemeClr val="tx1"/>
+          </a:fontRef>
+        </p:style>
+      </p:cxnSp>
+      <p:cxnSp>
+        <p:nvCxnSpPr>
+          <p:cNvPr id="43" name="Gerade Verbindung mit Pfeil 42">
+            <a:extLst>
+              <a:ext uri="{FF2B5EF4-FFF2-40B4-BE49-F238E27FC236}">
+                <a16:creationId xmlns:a16="http://schemas.microsoft.com/office/drawing/2014/main" id="{CA2A4AD8-F90E-21D9-8DFE-F17349198D95}"/>
+              </a:ext>
+            </a:extLst>
+          </p:cNvPr>
+          <p:cNvCxnSpPr>
+            <a:cxnSpLocks/>
+          </p:cNvCxnSpPr>
+          <p:nvPr/>
+        </p:nvCxnSpPr>
+        <p:spPr>
+          <a:xfrm flipV="1">
+            <a:off x="6351315" y="3188337"/>
+            <a:ext cx="426209" cy="1"/>
+          </a:xfrm>
+          <a:prstGeom prst="straightConnector1">
+            <a:avLst/>
+          </a:prstGeom>
+          <a:ln>
+            <a:solidFill>
+              <a:srgbClr val="0046A1"/>
+            </a:solidFill>
+            <a:tailEnd type="triangle"/>
+          </a:ln>
+        </p:spPr>
+        <p:style>
+          <a:lnRef idx="1">
+            <a:schemeClr val="accent2"/>
+          </a:lnRef>
+          <a:fillRef idx="0">
+            <a:schemeClr val="accent2"/>
+          </a:fillRef>
+          <a:effectRef idx="0">
+            <a:schemeClr val="accent2"/>
+          </a:effectRef>
+          <a:fontRef idx="minor">
+            <a:schemeClr val="tx1"/>
+          </a:fontRef>
+        </p:style>
+      </p:cxnSp>
+      <p:pic>
+        <p:nvPicPr>
+          <p:cNvPr id="44" name="Grafik 11" descr="Notenschrift mit einfarbiger Füllung">
+            <a:extLst>
+              <a:ext uri="{FF2B5EF4-FFF2-40B4-BE49-F238E27FC236}">
+                <a16:creationId xmlns:a16="http://schemas.microsoft.com/office/drawing/2014/main" id="{22CA6692-6D27-8CD7-DF43-5C2AEB18E2B1}"/>
+              </a:ext>
+            </a:extLst>
+          </p:cNvPr>
+          <p:cNvPicPr/>
+          <p:nvPr/>
+        </p:nvPicPr>
+        <p:blipFill>
+          <a:blip r:embed="rId3"/>
+          <a:stretch/>
+        </p:blipFill>
+        <p:spPr>
+          <a:xfrm>
+            <a:off x="6960282" y="1826185"/>
+            <a:ext cx="1298981" cy="1362152"/>
+          </a:xfrm>
+          <a:prstGeom prst="rect">
+            <a:avLst/>
+          </a:prstGeom>
+          <a:ln w="0">
+            <a:noFill/>
+          </a:ln>
+        </p:spPr>
+      </p:pic>
+      <p:grpSp>
+        <p:nvGrpSpPr>
+          <p:cNvPr id="131" name="Gruppieren 130">
+            <a:extLst>
+              <a:ext uri="{FF2B5EF4-FFF2-40B4-BE49-F238E27FC236}">
+                <a16:creationId xmlns:a16="http://schemas.microsoft.com/office/drawing/2014/main" id="{F7F0752A-C3D3-D9A5-AEAB-380A9A6EEBA9}"/>
+              </a:ext>
+            </a:extLst>
+          </p:cNvPr>
+          <p:cNvGrpSpPr/>
+          <p:nvPr/>
+        </p:nvGrpSpPr>
+        <p:grpSpPr>
+          <a:xfrm>
+            <a:off x="4251624" y="3500767"/>
+            <a:ext cx="1539743" cy="746335"/>
+            <a:chOff x="4251624" y="3500767"/>
+            <a:chExt cx="1539743" cy="746335"/>
+          </a:xfrm>
+        </p:grpSpPr>
+        <p:cxnSp>
+          <p:nvCxnSpPr>
+            <p:cNvPr id="32" name="Gerade Verbindung mit Pfeil 31">
+              <a:extLst>
+                <a:ext uri="{FF2B5EF4-FFF2-40B4-BE49-F238E27FC236}">
+                  <a16:creationId xmlns:a16="http://schemas.microsoft.com/office/drawing/2014/main" id="{978EBBBC-1C9C-7921-17F6-FF985DF32F75}"/>
+                </a:ext>
+              </a:extLst>
+            </p:cNvPr>
+            <p:cNvCxnSpPr>
+              <a:cxnSpLocks/>
+              <a:endCxn id="20" idx="2"/>
+            </p:cNvCxnSpPr>
+            <p:nvPr/>
+          </p:nvCxnSpPr>
+          <p:spPr>
+            <a:xfrm flipV="1">
+              <a:off x="4251624" y="3500768"/>
+              <a:ext cx="0" cy="384657"/>
+            </a:xfrm>
+            <a:prstGeom prst="straightConnector1">
+              <a:avLst/>
+            </a:prstGeom>
+            <a:ln>
+              <a:solidFill>
+                <a:srgbClr val="0046A1"/>
+              </a:solidFill>
+              <a:tailEnd type="triangle"/>
+            </a:ln>
+          </p:spPr>
+          <p:style>
+            <a:lnRef idx="1">
+              <a:schemeClr val="accent2"/>
+            </a:lnRef>
+            <a:fillRef idx="0">
+              <a:schemeClr val="accent2"/>
+            </a:fillRef>
+            <a:effectRef idx="0">
+              <a:schemeClr val="accent2"/>
+            </a:effectRef>
+            <a:fontRef idx="minor">
+              <a:schemeClr val="tx1"/>
+            </a:fontRef>
+          </p:style>
+        </p:cxnSp>
+        <p:cxnSp>
+          <p:nvCxnSpPr>
+            <p:cNvPr id="33" name="Gerade Verbindung mit Pfeil 32">
+              <a:extLst>
+                <a:ext uri="{FF2B5EF4-FFF2-40B4-BE49-F238E27FC236}">
+                  <a16:creationId xmlns:a16="http://schemas.microsoft.com/office/drawing/2014/main" id="{2F9AC69F-ADFE-C7DB-A3B9-5091A1583F3C}"/>
+                </a:ext>
+              </a:extLst>
+            </p:cNvPr>
+            <p:cNvCxnSpPr>
+              <a:cxnSpLocks/>
+              <a:endCxn id="23" idx="2"/>
+            </p:cNvCxnSpPr>
+            <p:nvPr/>
+          </p:nvCxnSpPr>
+          <p:spPr>
+            <a:xfrm flipV="1">
+              <a:off x="5791367" y="3500767"/>
+              <a:ext cx="0" cy="384658"/>
+            </a:xfrm>
+            <a:prstGeom prst="straightConnector1">
+              <a:avLst/>
+            </a:prstGeom>
+            <a:ln>
+              <a:solidFill>
+                <a:srgbClr val="0046A1"/>
+              </a:solidFill>
+              <a:tailEnd type="triangle"/>
+            </a:ln>
+          </p:spPr>
+          <p:style>
+            <a:lnRef idx="1">
+              <a:schemeClr val="accent2"/>
+            </a:lnRef>
+            <a:fillRef idx="0">
+              <a:schemeClr val="accent2"/>
+            </a:fillRef>
+            <a:effectRef idx="0">
+              <a:schemeClr val="accent2"/>
+            </a:effectRef>
+            <a:fontRef idx="minor">
+              <a:schemeClr val="tx1"/>
+            </a:fontRef>
+          </p:style>
+        </p:cxnSp>
+        <p:cxnSp>
+          <p:nvCxnSpPr>
+            <p:cNvPr id="47" name="Gerade Verbindung 46">
+              <a:extLst>
+                <a:ext uri="{FF2B5EF4-FFF2-40B4-BE49-F238E27FC236}">
+                  <a16:creationId xmlns:a16="http://schemas.microsoft.com/office/drawing/2014/main" id="{8D58946C-B9EA-92DB-3391-4CF33EF87D8D}"/>
+                </a:ext>
+              </a:extLst>
+            </p:cNvPr>
+            <p:cNvCxnSpPr/>
+            <p:nvPr/>
+          </p:nvCxnSpPr>
+          <p:spPr>
+            <a:xfrm>
+              <a:off x="4251624" y="3885425"/>
+              <a:ext cx="1539743" cy="0"/>
+            </a:xfrm>
+            <a:prstGeom prst="line">
+              <a:avLst/>
+            </a:prstGeom>
+            <a:ln>
+              <a:solidFill>
+                <a:srgbClr val="0046A1"/>
+              </a:solidFill>
+            </a:ln>
+          </p:spPr>
+          <p:style>
+            <a:lnRef idx="1">
+              <a:schemeClr val="accent1"/>
+            </a:lnRef>
+            <a:fillRef idx="0">
+              <a:schemeClr val="accent1"/>
+            </a:fillRef>
+            <a:effectRef idx="0">
+              <a:schemeClr val="accent1"/>
+            </a:effectRef>
+            <a:fontRef idx="minor">
+              <a:schemeClr val="tx1"/>
+            </a:fontRef>
+          </p:style>
+        </p:cxnSp>
+        <p:cxnSp>
+          <p:nvCxnSpPr>
+            <p:cNvPr id="48" name="Gerade Verbindung 47">
+              <a:extLst>
+                <a:ext uri="{FF2B5EF4-FFF2-40B4-BE49-F238E27FC236}">
+                  <a16:creationId xmlns:a16="http://schemas.microsoft.com/office/drawing/2014/main" id="{C3745274-DF42-B644-872D-8B32A7A6ACE6}"/>
+                </a:ext>
+              </a:extLst>
+            </p:cNvPr>
+            <p:cNvCxnSpPr>
+              <a:cxnSpLocks/>
+              <a:endCxn id="30" idx="0"/>
+            </p:cNvCxnSpPr>
+            <p:nvPr/>
+          </p:nvCxnSpPr>
+          <p:spPr>
+            <a:xfrm>
+              <a:off x="5004480" y="3885425"/>
+              <a:ext cx="0" cy="361677"/>
+            </a:xfrm>
+            <a:prstGeom prst="line">
+              <a:avLst/>
+            </a:prstGeom>
+            <a:ln>
+              <a:solidFill>
+                <a:srgbClr val="0046A1"/>
+              </a:solidFill>
+            </a:ln>
+          </p:spPr>
+          <p:style>
+            <a:lnRef idx="1">
+              <a:schemeClr val="accent1"/>
+            </a:lnRef>
+            <a:fillRef idx="0">
+              <a:schemeClr val="accent1"/>
+            </a:fillRef>
+            <a:effectRef idx="0">
+              <a:schemeClr val="accent1"/>
+            </a:effectRef>
+            <a:fontRef idx="minor">
+              <a:schemeClr val="tx1"/>
+            </a:fontRef>
+          </p:style>
+        </p:cxnSp>
+      </p:grpSp>
+      <p:grpSp>
+        <p:nvGrpSpPr>
+          <p:cNvPr id="130" name="Gruppieren 129">
+            <a:extLst>
+              <a:ext uri="{FF2B5EF4-FFF2-40B4-BE49-F238E27FC236}">
+                <a16:creationId xmlns:a16="http://schemas.microsoft.com/office/drawing/2014/main" id="{B5BEA786-8F1C-9238-02F0-ACB19533E7FB}"/>
+              </a:ext>
+            </a:extLst>
+          </p:cNvPr>
+          <p:cNvGrpSpPr/>
+          <p:nvPr/>
+        </p:nvGrpSpPr>
+        <p:grpSpPr>
+          <a:xfrm>
+            <a:off x="2672312" y="3505784"/>
+            <a:ext cx="1747281" cy="1053747"/>
+            <a:chOff x="2672312" y="3505784"/>
+            <a:chExt cx="1747281" cy="1053747"/>
+          </a:xfrm>
+        </p:grpSpPr>
+        <p:cxnSp>
+          <p:nvCxnSpPr>
+            <p:cNvPr id="62" name="Gerade Verbindung mit Pfeil 61">
+              <a:extLst>
+                <a:ext uri="{FF2B5EF4-FFF2-40B4-BE49-F238E27FC236}">
+                  <a16:creationId xmlns:a16="http://schemas.microsoft.com/office/drawing/2014/main" id="{BDF02B52-264D-1106-7B76-52FDCB3560A1}"/>
+                </a:ext>
+              </a:extLst>
+            </p:cNvPr>
+            <p:cNvCxnSpPr>
+              <a:cxnSpLocks/>
+            </p:cNvCxnSpPr>
+            <p:nvPr/>
+          </p:nvCxnSpPr>
+          <p:spPr>
+            <a:xfrm flipV="1">
+              <a:off x="2677056" y="3505784"/>
+              <a:ext cx="0" cy="1053747"/>
+            </a:xfrm>
+            <a:prstGeom prst="straightConnector1">
+              <a:avLst/>
+            </a:prstGeom>
+            <a:ln>
+              <a:solidFill>
+                <a:srgbClr val="0046A1"/>
+              </a:solidFill>
+              <a:prstDash val="dash"/>
+              <a:tailEnd type="triangle"/>
+            </a:ln>
+          </p:spPr>
+          <p:style>
+            <a:lnRef idx="1">
+              <a:schemeClr val="accent2"/>
+            </a:lnRef>
+            <a:fillRef idx="0">
+              <a:schemeClr val="accent2"/>
+            </a:fillRef>
+            <a:effectRef idx="0">
+              <a:schemeClr val="accent2"/>
+            </a:effectRef>
+            <a:fontRef idx="minor">
+              <a:schemeClr val="tx1"/>
+            </a:fontRef>
+          </p:style>
+        </p:cxnSp>
+        <p:cxnSp>
+          <p:nvCxnSpPr>
+            <p:cNvPr id="63" name="Gerade Verbindung 62">
+              <a:extLst>
+                <a:ext uri="{FF2B5EF4-FFF2-40B4-BE49-F238E27FC236}">
+                  <a16:creationId xmlns:a16="http://schemas.microsoft.com/office/drawing/2014/main" id="{36A383D2-C69B-3548-D841-5DE41CEFC11C}"/>
+                </a:ext>
+              </a:extLst>
+            </p:cNvPr>
+            <p:cNvCxnSpPr>
+              <a:cxnSpLocks/>
+            </p:cNvCxnSpPr>
+            <p:nvPr/>
+          </p:nvCxnSpPr>
+          <p:spPr>
+            <a:xfrm>
+              <a:off x="2672312" y="4559531"/>
+              <a:ext cx="1747281" cy="0"/>
+            </a:xfrm>
+            <a:prstGeom prst="line">
+              <a:avLst/>
+            </a:prstGeom>
+            <a:ln>
+              <a:solidFill>
+                <a:srgbClr val="0046A1"/>
+              </a:solidFill>
+              <a:prstDash val="dash"/>
+            </a:ln>
+          </p:spPr>
+          <p:style>
+            <a:lnRef idx="1">
+              <a:schemeClr val="accent1"/>
+            </a:lnRef>
+            <a:fillRef idx="0">
+              <a:schemeClr val="accent1"/>
+            </a:fillRef>
+            <a:effectRef idx="0">
+              <a:schemeClr val="accent1"/>
+            </a:effectRef>
+            <a:fontRef idx="minor">
+              <a:schemeClr val="tx1"/>
+            </a:fontRef>
+          </p:style>
+        </p:cxnSp>
+      </p:grpSp>
     </p:spTree>
     <p:extLst>
       <p:ext uri="{BB962C8B-B14F-4D97-AF65-F5344CB8AC3E}">
-        <p14:creationId xmlns:p14="http://schemas.microsoft.com/office/powerpoint/2010/main" val="1221674027"/>
+        <p14:creationId xmlns:p14="http://schemas.microsoft.com/office/powerpoint/2010/main" val="498207431"/>
       </p:ext>
     </p:extLst>
   </p:cSld>
@@ -18574,6 +20765,147 @@
           </a:ln>
         </p:spPr>
       </p:pic>
+      <p:sp>
+        <p:nvSpPr>
+          <p:cNvPr id="2" name="PlaceHolder 3">
+            <a:extLst>
+              <a:ext uri="{FF2B5EF4-FFF2-40B4-BE49-F238E27FC236}">
+                <a16:creationId xmlns:a16="http://schemas.microsoft.com/office/drawing/2014/main" id="{2B2BBDA9-96CE-7E96-EBF6-9714BDA0602E}"/>
+              </a:ext>
+            </a:extLst>
+          </p:cNvPr>
+          <p:cNvSpPr txBox="1">
+            <a:spLocks/>
+          </p:cNvSpPr>
+          <p:nvPr/>
+        </p:nvSpPr>
+        <p:spPr>
+          <a:xfrm>
+            <a:off x="3534033" y="6381720"/>
+            <a:ext cx="3220249" cy="360000"/>
+          </a:xfrm>
+          <a:prstGeom prst="rect">
+            <a:avLst/>
+          </a:prstGeom>
+          <a:noFill/>
+          <a:ln w="9360">
+            <a:noFill/>
+          </a:ln>
+        </p:spPr>
+        <p:txBody>
+          <a:bodyPr lIns="0" tIns="0" rIns="0" bIns="0" numCol="1" spcCol="0" anchor="t">
+            <a:noAutofit/>
+          </a:bodyPr>
+          <a:lstStyle>
+            <a:defPPr>
+              <a:defRPr lang="de-DE"/>
+            </a:defPPr>
+            <a:lvl1pPr marL="0" algn="l" defTabSz="914400" rtl="0" eaLnBrk="1" latinLnBrk="0" hangingPunct="1">
+              <a:lnSpc>
+                <a:spcPct val="100000"/>
+              </a:lnSpc>
+              <a:buNone/>
+              <a:defRPr lang="de-DE" sz="1000" b="0" strike="noStrike" kern="1200" spc="-1">
+                <a:solidFill>
+                  <a:srgbClr val="000000"/>
+                </a:solidFill>
+                <a:latin typeface="Arial"/>
+                <a:ea typeface="+mn-ea"/>
+                <a:cs typeface="+mn-cs"/>
+              </a:defRPr>
+            </a:lvl1pPr>
+            <a:lvl2pPr marL="457200" algn="l" defTabSz="914400" rtl="0" eaLnBrk="1" latinLnBrk="0" hangingPunct="1">
+              <a:defRPr sz="1800" kern="1200">
+                <a:solidFill>
+                  <a:schemeClr val="tx1"/>
+                </a:solidFill>
+                <a:latin typeface="+mn-lt"/>
+                <a:ea typeface="+mn-ea"/>
+                <a:cs typeface="+mn-cs"/>
+              </a:defRPr>
+            </a:lvl2pPr>
+            <a:lvl3pPr marL="914400" algn="l" defTabSz="914400" rtl="0" eaLnBrk="1" latinLnBrk="0" hangingPunct="1">
+              <a:defRPr sz="1800" kern="1200">
+                <a:solidFill>
+                  <a:schemeClr val="tx1"/>
+                </a:solidFill>
+                <a:latin typeface="+mn-lt"/>
+                <a:ea typeface="+mn-ea"/>
+                <a:cs typeface="+mn-cs"/>
+              </a:defRPr>
+            </a:lvl3pPr>
+            <a:lvl4pPr marL="1371600" algn="l" defTabSz="914400" rtl="0" eaLnBrk="1" latinLnBrk="0" hangingPunct="1">
+              <a:defRPr sz="1800" kern="1200">
+                <a:solidFill>
+                  <a:schemeClr val="tx1"/>
+                </a:solidFill>
+                <a:latin typeface="+mn-lt"/>
+                <a:ea typeface="+mn-ea"/>
+                <a:cs typeface="+mn-cs"/>
+              </a:defRPr>
+            </a:lvl4pPr>
+            <a:lvl5pPr marL="1828800" algn="l" defTabSz="914400" rtl="0" eaLnBrk="1" latinLnBrk="0" hangingPunct="1">
+              <a:defRPr sz="1800" kern="1200">
+                <a:solidFill>
+                  <a:schemeClr val="tx1"/>
+                </a:solidFill>
+                <a:latin typeface="+mn-lt"/>
+                <a:ea typeface="+mn-ea"/>
+                <a:cs typeface="+mn-cs"/>
+              </a:defRPr>
+            </a:lvl5pPr>
+            <a:lvl6pPr marL="2286000" algn="l" defTabSz="914400" rtl="0" eaLnBrk="1" latinLnBrk="0" hangingPunct="1">
+              <a:defRPr sz="1800" kern="1200">
+                <a:solidFill>
+                  <a:schemeClr val="tx1"/>
+                </a:solidFill>
+                <a:latin typeface="+mn-lt"/>
+                <a:ea typeface="+mn-ea"/>
+                <a:cs typeface="+mn-cs"/>
+              </a:defRPr>
+            </a:lvl6pPr>
+            <a:lvl7pPr marL="2743200" algn="l" defTabSz="914400" rtl="0" eaLnBrk="1" latinLnBrk="0" hangingPunct="1">
+              <a:defRPr sz="1800" kern="1200">
+                <a:solidFill>
+                  <a:schemeClr val="tx1"/>
+                </a:solidFill>
+                <a:latin typeface="+mn-lt"/>
+                <a:ea typeface="+mn-ea"/>
+                <a:cs typeface="+mn-cs"/>
+              </a:defRPr>
+            </a:lvl7pPr>
+            <a:lvl8pPr marL="3200400" algn="l" defTabSz="914400" rtl="0" eaLnBrk="1" latinLnBrk="0" hangingPunct="1">
+              <a:defRPr sz="1800" kern="1200">
+                <a:solidFill>
+                  <a:schemeClr val="tx1"/>
+                </a:solidFill>
+                <a:latin typeface="+mn-lt"/>
+                <a:ea typeface="+mn-ea"/>
+                <a:cs typeface="+mn-cs"/>
+              </a:defRPr>
+            </a:lvl8pPr>
+            <a:lvl9pPr marL="3657600" algn="l" defTabSz="914400" rtl="0" eaLnBrk="1" latinLnBrk="0" hangingPunct="1">
+              <a:defRPr sz="1800" kern="1200">
+                <a:solidFill>
+                  <a:schemeClr val="tx1"/>
+                </a:solidFill>
+                <a:latin typeface="+mn-lt"/>
+                <a:ea typeface="+mn-ea"/>
+                <a:cs typeface="+mn-cs"/>
+              </a:defRPr>
+            </a:lvl9pPr>
+          </a:lstStyle>
+          <a:p>
+            <a:r>
+              <a:rPr lang="de-DE" dirty="0"/>
+              <a:t>Vortrag LPDES – Viktor Dilman, Christoph Kirschner</a:t>
+            </a:r>
+            <a:endParaRPr lang="de-DE" dirty="0">
+              <a:latin typeface="Times New Roman"/>
+            </a:endParaRPr>
+          </a:p>
+        </p:txBody>
+      </p:sp>
     </p:spTree>
   </p:cSld>
   <p:clrMapOvr>
@@ -18839,6 +21171,147 @@
               <a:rPr lang="de-DE" dirty="0"/>
               <a:t>Layout Fusion</a:t>
             </a:r>
+          </a:p>
+        </p:txBody>
+      </p:sp>
+      <p:sp>
+        <p:nvSpPr>
+          <p:cNvPr id="3" name="PlaceHolder 3">
+            <a:extLst>
+              <a:ext uri="{FF2B5EF4-FFF2-40B4-BE49-F238E27FC236}">
+                <a16:creationId xmlns:a16="http://schemas.microsoft.com/office/drawing/2014/main" id="{C643BCD3-98C8-BA48-8CB0-43D35E794CF2}"/>
+              </a:ext>
+            </a:extLst>
+          </p:cNvPr>
+          <p:cNvSpPr txBox="1">
+            <a:spLocks/>
+          </p:cNvSpPr>
+          <p:nvPr/>
+        </p:nvSpPr>
+        <p:spPr>
+          <a:xfrm>
+            <a:off x="3534033" y="6381720"/>
+            <a:ext cx="3220249" cy="360000"/>
+          </a:xfrm>
+          <a:prstGeom prst="rect">
+            <a:avLst/>
+          </a:prstGeom>
+          <a:noFill/>
+          <a:ln w="9360">
+            <a:noFill/>
+          </a:ln>
+        </p:spPr>
+        <p:txBody>
+          <a:bodyPr lIns="0" tIns="0" rIns="0" bIns="0" numCol="1" spcCol="0" anchor="t">
+            <a:noAutofit/>
+          </a:bodyPr>
+          <a:lstStyle>
+            <a:defPPr>
+              <a:defRPr lang="de-DE"/>
+            </a:defPPr>
+            <a:lvl1pPr marL="0" algn="l" defTabSz="914400" rtl="0" eaLnBrk="1" latinLnBrk="0" hangingPunct="1">
+              <a:lnSpc>
+                <a:spcPct val="100000"/>
+              </a:lnSpc>
+              <a:buNone/>
+              <a:defRPr lang="de-DE" sz="1000" b="0" strike="noStrike" kern="1200" spc="-1">
+                <a:solidFill>
+                  <a:srgbClr val="000000"/>
+                </a:solidFill>
+                <a:latin typeface="Arial"/>
+                <a:ea typeface="+mn-ea"/>
+                <a:cs typeface="+mn-cs"/>
+              </a:defRPr>
+            </a:lvl1pPr>
+            <a:lvl2pPr marL="457200" algn="l" defTabSz="914400" rtl="0" eaLnBrk="1" latinLnBrk="0" hangingPunct="1">
+              <a:defRPr sz="1800" kern="1200">
+                <a:solidFill>
+                  <a:schemeClr val="tx1"/>
+                </a:solidFill>
+                <a:latin typeface="+mn-lt"/>
+                <a:ea typeface="+mn-ea"/>
+                <a:cs typeface="+mn-cs"/>
+              </a:defRPr>
+            </a:lvl2pPr>
+            <a:lvl3pPr marL="914400" algn="l" defTabSz="914400" rtl="0" eaLnBrk="1" latinLnBrk="0" hangingPunct="1">
+              <a:defRPr sz="1800" kern="1200">
+                <a:solidFill>
+                  <a:schemeClr val="tx1"/>
+                </a:solidFill>
+                <a:latin typeface="+mn-lt"/>
+                <a:ea typeface="+mn-ea"/>
+                <a:cs typeface="+mn-cs"/>
+              </a:defRPr>
+            </a:lvl3pPr>
+            <a:lvl4pPr marL="1371600" algn="l" defTabSz="914400" rtl="0" eaLnBrk="1" latinLnBrk="0" hangingPunct="1">
+              <a:defRPr sz="1800" kern="1200">
+                <a:solidFill>
+                  <a:schemeClr val="tx1"/>
+                </a:solidFill>
+                <a:latin typeface="+mn-lt"/>
+                <a:ea typeface="+mn-ea"/>
+                <a:cs typeface="+mn-cs"/>
+              </a:defRPr>
+            </a:lvl4pPr>
+            <a:lvl5pPr marL="1828800" algn="l" defTabSz="914400" rtl="0" eaLnBrk="1" latinLnBrk="0" hangingPunct="1">
+              <a:defRPr sz="1800" kern="1200">
+                <a:solidFill>
+                  <a:schemeClr val="tx1"/>
+                </a:solidFill>
+                <a:latin typeface="+mn-lt"/>
+                <a:ea typeface="+mn-ea"/>
+                <a:cs typeface="+mn-cs"/>
+              </a:defRPr>
+            </a:lvl5pPr>
+            <a:lvl6pPr marL="2286000" algn="l" defTabSz="914400" rtl="0" eaLnBrk="1" latinLnBrk="0" hangingPunct="1">
+              <a:defRPr sz="1800" kern="1200">
+                <a:solidFill>
+                  <a:schemeClr val="tx1"/>
+                </a:solidFill>
+                <a:latin typeface="+mn-lt"/>
+                <a:ea typeface="+mn-ea"/>
+                <a:cs typeface="+mn-cs"/>
+              </a:defRPr>
+            </a:lvl6pPr>
+            <a:lvl7pPr marL="2743200" algn="l" defTabSz="914400" rtl="0" eaLnBrk="1" latinLnBrk="0" hangingPunct="1">
+              <a:defRPr sz="1800" kern="1200">
+                <a:solidFill>
+                  <a:schemeClr val="tx1"/>
+                </a:solidFill>
+                <a:latin typeface="+mn-lt"/>
+                <a:ea typeface="+mn-ea"/>
+                <a:cs typeface="+mn-cs"/>
+              </a:defRPr>
+            </a:lvl7pPr>
+            <a:lvl8pPr marL="3200400" algn="l" defTabSz="914400" rtl="0" eaLnBrk="1" latinLnBrk="0" hangingPunct="1">
+              <a:defRPr sz="1800" kern="1200">
+                <a:solidFill>
+                  <a:schemeClr val="tx1"/>
+                </a:solidFill>
+                <a:latin typeface="+mn-lt"/>
+                <a:ea typeface="+mn-ea"/>
+                <a:cs typeface="+mn-cs"/>
+              </a:defRPr>
+            </a:lvl8pPr>
+            <a:lvl9pPr marL="3657600" algn="l" defTabSz="914400" rtl="0" eaLnBrk="1" latinLnBrk="0" hangingPunct="1">
+              <a:defRPr sz="1800" kern="1200">
+                <a:solidFill>
+                  <a:schemeClr val="tx1"/>
+                </a:solidFill>
+                <a:latin typeface="+mn-lt"/>
+                <a:ea typeface="+mn-ea"/>
+                <a:cs typeface="+mn-cs"/>
+              </a:defRPr>
+            </a:lvl9pPr>
+          </a:lstStyle>
+          <a:p>
+            <a:r>
+              <a:rPr lang="de-DE" dirty="0"/>
+              <a:t>Vortrag LPDES – Viktor Dilman, Christoph Kirschner</a:t>
+            </a:r>
+            <a:endParaRPr lang="de-DE" dirty="0">
+              <a:latin typeface="Times New Roman"/>
+            </a:endParaRPr>
           </a:p>
         </p:txBody>
       </p:sp>
@@ -19128,6 +21601,147 @@
           </a:ln>
         </p:spPr>
       </p:pic>
+      <p:sp>
+        <p:nvSpPr>
+          <p:cNvPr id="2" name="PlaceHolder 3">
+            <a:extLst>
+              <a:ext uri="{FF2B5EF4-FFF2-40B4-BE49-F238E27FC236}">
+                <a16:creationId xmlns:a16="http://schemas.microsoft.com/office/drawing/2014/main" id="{A0F15FFA-1505-2B5B-D6E4-5C0B2BC5F5E4}"/>
+              </a:ext>
+            </a:extLst>
+          </p:cNvPr>
+          <p:cNvSpPr txBox="1">
+            <a:spLocks/>
+          </p:cNvSpPr>
+          <p:nvPr/>
+        </p:nvSpPr>
+        <p:spPr>
+          <a:xfrm>
+            <a:off x="3534033" y="6381720"/>
+            <a:ext cx="3220249" cy="360000"/>
+          </a:xfrm>
+          <a:prstGeom prst="rect">
+            <a:avLst/>
+          </a:prstGeom>
+          <a:noFill/>
+          <a:ln w="9360">
+            <a:noFill/>
+          </a:ln>
+        </p:spPr>
+        <p:txBody>
+          <a:bodyPr lIns="0" tIns="0" rIns="0" bIns="0" numCol="1" spcCol="0" anchor="t">
+            <a:noAutofit/>
+          </a:bodyPr>
+          <a:lstStyle>
+            <a:defPPr>
+              <a:defRPr lang="de-DE"/>
+            </a:defPPr>
+            <a:lvl1pPr marL="0" algn="l" defTabSz="914400" rtl="0" eaLnBrk="1" latinLnBrk="0" hangingPunct="1">
+              <a:lnSpc>
+                <a:spcPct val="100000"/>
+              </a:lnSpc>
+              <a:buNone/>
+              <a:defRPr lang="de-DE" sz="1000" b="0" strike="noStrike" kern="1200" spc="-1">
+                <a:solidFill>
+                  <a:srgbClr val="000000"/>
+                </a:solidFill>
+                <a:latin typeface="Arial"/>
+                <a:ea typeface="+mn-ea"/>
+                <a:cs typeface="+mn-cs"/>
+              </a:defRPr>
+            </a:lvl1pPr>
+            <a:lvl2pPr marL="457200" algn="l" defTabSz="914400" rtl="0" eaLnBrk="1" latinLnBrk="0" hangingPunct="1">
+              <a:defRPr sz="1800" kern="1200">
+                <a:solidFill>
+                  <a:schemeClr val="tx1"/>
+                </a:solidFill>
+                <a:latin typeface="+mn-lt"/>
+                <a:ea typeface="+mn-ea"/>
+                <a:cs typeface="+mn-cs"/>
+              </a:defRPr>
+            </a:lvl2pPr>
+            <a:lvl3pPr marL="914400" algn="l" defTabSz="914400" rtl="0" eaLnBrk="1" latinLnBrk="0" hangingPunct="1">
+              <a:defRPr sz="1800" kern="1200">
+                <a:solidFill>
+                  <a:schemeClr val="tx1"/>
+                </a:solidFill>
+                <a:latin typeface="+mn-lt"/>
+                <a:ea typeface="+mn-ea"/>
+                <a:cs typeface="+mn-cs"/>
+              </a:defRPr>
+            </a:lvl3pPr>
+            <a:lvl4pPr marL="1371600" algn="l" defTabSz="914400" rtl="0" eaLnBrk="1" latinLnBrk="0" hangingPunct="1">
+              <a:defRPr sz="1800" kern="1200">
+                <a:solidFill>
+                  <a:schemeClr val="tx1"/>
+                </a:solidFill>
+                <a:latin typeface="+mn-lt"/>
+                <a:ea typeface="+mn-ea"/>
+                <a:cs typeface="+mn-cs"/>
+              </a:defRPr>
+            </a:lvl4pPr>
+            <a:lvl5pPr marL="1828800" algn="l" defTabSz="914400" rtl="0" eaLnBrk="1" latinLnBrk="0" hangingPunct="1">
+              <a:defRPr sz="1800" kern="1200">
+                <a:solidFill>
+                  <a:schemeClr val="tx1"/>
+                </a:solidFill>
+                <a:latin typeface="+mn-lt"/>
+                <a:ea typeface="+mn-ea"/>
+                <a:cs typeface="+mn-cs"/>
+              </a:defRPr>
+            </a:lvl5pPr>
+            <a:lvl6pPr marL="2286000" algn="l" defTabSz="914400" rtl="0" eaLnBrk="1" latinLnBrk="0" hangingPunct="1">
+              <a:defRPr sz="1800" kern="1200">
+                <a:solidFill>
+                  <a:schemeClr val="tx1"/>
+                </a:solidFill>
+                <a:latin typeface="+mn-lt"/>
+                <a:ea typeface="+mn-ea"/>
+                <a:cs typeface="+mn-cs"/>
+              </a:defRPr>
+            </a:lvl6pPr>
+            <a:lvl7pPr marL="2743200" algn="l" defTabSz="914400" rtl="0" eaLnBrk="1" latinLnBrk="0" hangingPunct="1">
+              <a:defRPr sz="1800" kern="1200">
+                <a:solidFill>
+                  <a:schemeClr val="tx1"/>
+                </a:solidFill>
+                <a:latin typeface="+mn-lt"/>
+                <a:ea typeface="+mn-ea"/>
+                <a:cs typeface="+mn-cs"/>
+              </a:defRPr>
+            </a:lvl7pPr>
+            <a:lvl8pPr marL="3200400" algn="l" defTabSz="914400" rtl="0" eaLnBrk="1" latinLnBrk="0" hangingPunct="1">
+              <a:defRPr sz="1800" kern="1200">
+                <a:solidFill>
+                  <a:schemeClr val="tx1"/>
+                </a:solidFill>
+                <a:latin typeface="+mn-lt"/>
+                <a:ea typeface="+mn-ea"/>
+                <a:cs typeface="+mn-cs"/>
+              </a:defRPr>
+            </a:lvl8pPr>
+            <a:lvl9pPr marL="3657600" algn="l" defTabSz="914400" rtl="0" eaLnBrk="1" latinLnBrk="0" hangingPunct="1">
+              <a:defRPr sz="1800" kern="1200">
+                <a:solidFill>
+                  <a:schemeClr val="tx1"/>
+                </a:solidFill>
+                <a:latin typeface="+mn-lt"/>
+                <a:ea typeface="+mn-ea"/>
+                <a:cs typeface="+mn-cs"/>
+              </a:defRPr>
+            </a:lvl9pPr>
+          </a:lstStyle>
+          <a:p>
+            <a:r>
+              <a:rPr lang="de-DE" dirty="0"/>
+              <a:t>Vortrag LPDES – Viktor Dilman, Christoph Kirschner</a:t>
+            </a:r>
+            <a:endParaRPr lang="de-DE" dirty="0">
+              <a:latin typeface="Times New Roman"/>
+            </a:endParaRPr>
+          </a:p>
+        </p:txBody>
+      </p:sp>
     </p:spTree>
   </p:cSld>
   <p:clrMapOvr>
@@ -19393,6 +22007,147 @@
               <a:rPr lang="de-DE" dirty="0"/>
               <a:t>Frontplatten design in Fusion</a:t>
             </a:r>
+          </a:p>
+        </p:txBody>
+      </p:sp>
+      <p:sp>
+        <p:nvSpPr>
+          <p:cNvPr id="3" name="PlaceHolder 3">
+            <a:extLst>
+              <a:ext uri="{FF2B5EF4-FFF2-40B4-BE49-F238E27FC236}">
+                <a16:creationId xmlns:a16="http://schemas.microsoft.com/office/drawing/2014/main" id="{BA5AF1FA-5195-B4A8-776F-E464CF74B12F}"/>
+              </a:ext>
+            </a:extLst>
+          </p:cNvPr>
+          <p:cNvSpPr txBox="1">
+            <a:spLocks/>
+          </p:cNvSpPr>
+          <p:nvPr/>
+        </p:nvSpPr>
+        <p:spPr>
+          <a:xfrm>
+            <a:off x="3534033" y="6381720"/>
+            <a:ext cx="3220249" cy="360000"/>
+          </a:xfrm>
+          <a:prstGeom prst="rect">
+            <a:avLst/>
+          </a:prstGeom>
+          <a:noFill/>
+          <a:ln w="9360">
+            <a:noFill/>
+          </a:ln>
+        </p:spPr>
+        <p:txBody>
+          <a:bodyPr lIns="0" tIns="0" rIns="0" bIns="0" numCol="1" spcCol="0" anchor="t">
+            <a:noAutofit/>
+          </a:bodyPr>
+          <a:lstStyle>
+            <a:defPPr>
+              <a:defRPr lang="de-DE"/>
+            </a:defPPr>
+            <a:lvl1pPr marL="0" algn="l" defTabSz="914400" rtl="0" eaLnBrk="1" latinLnBrk="0" hangingPunct="1">
+              <a:lnSpc>
+                <a:spcPct val="100000"/>
+              </a:lnSpc>
+              <a:buNone/>
+              <a:defRPr lang="de-DE" sz="1000" b="0" strike="noStrike" kern="1200" spc="-1">
+                <a:solidFill>
+                  <a:srgbClr val="000000"/>
+                </a:solidFill>
+                <a:latin typeface="Arial"/>
+                <a:ea typeface="+mn-ea"/>
+                <a:cs typeface="+mn-cs"/>
+              </a:defRPr>
+            </a:lvl1pPr>
+            <a:lvl2pPr marL="457200" algn="l" defTabSz="914400" rtl="0" eaLnBrk="1" latinLnBrk="0" hangingPunct="1">
+              <a:defRPr sz="1800" kern="1200">
+                <a:solidFill>
+                  <a:schemeClr val="tx1"/>
+                </a:solidFill>
+                <a:latin typeface="+mn-lt"/>
+                <a:ea typeface="+mn-ea"/>
+                <a:cs typeface="+mn-cs"/>
+              </a:defRPr>
+            </a:lvl2pPr>
+            <a:lvl3pPr marL="914400" algn="l" defTabSz="914400" rtl="0" eaLnBrk="1" latinLnBrk="0" hangingPunct="1">
+              <a:defRPr sz="1800" kern="1200">
+                <a:solidFill>
+                  <a:schemeClr val="tx1"/>
+                </a:solidFill>
+                <a:latin typeface="+mn-lt"/>
+                <a:ea typeface="+mn-ea"/>
+                <a:cs typeface="+mn-cs"/>
+              </a:defRPr>
+            </a:lvl3pPr>
+            <a:lvl4pPr marL="1371600" algn="l" defTabSz="914400" rtl="0" eaLnBrk="1" latinLnBrk="0" hangingPunct="1">
+              <a:defRPr sz="1800" kern="1200">
+                <a:solidFill>
+                  <a:schemeClr val="tx1"/>
+                </a:solidFill>
+                <a:latin typeface="+mn-lt"/>
+                <a:ea typeface="+mn-ea"/>
+                <a:cs typeface="+mn-cs"/>
+              </a:defRPr>
+            </a:lvl4pPr>
+            <a:lvl5pPr marL="1828800" algn="l" defTabSz="914400" rtl="0" eaLnBrk="1" latinLnBrk="0" hangingPunct="1">
+              <a:defRPr sz="1800" kern="1200">
+                <a:solidFill>
+                  <a:schemeClr val="tx1"/>
+                </a:solidFill>
+                <a:latin typeface="+mn-lt"/>
+                <a:ea typeface="+mn-ea"/>
+                <a:cs typeface="+mn-cs"/>
+              </a:defRPr>
+            </a:lvl5pPr>
+            <a:lvl6pPr marL="2286000" algn="l" defTabSz="914400" rtl="0" eaLnBrk="1" latinLnBrk="0" hangingPunct="1">
+              <a:defRPr sz="1800" kern="1200">
+                <a:solidFill>
+                  <a:schemeClr val="tx1"/>
+                </a:solidFill>
+                <a:latin typeface="+mn-lt"/>
+                <a:ea typeface="+mn-ea"/>
+                <a:cs typeface="+mn-cs"/>
+              </a:defRPr>
+            </a:lvl6pPr>
+            <a:lvl7pPr marL="2743200" algn="l" defTabSz="914400" rtl="0" eaLnBrk="1" latinLnBrk="0" hangingPunct="1">
+              <a:defRPr sz="1800" kern="1200">
+                <a:solidFill>
+                  <a:schemeClr val="tx1"/>
+                </a:solidFill>
+                <a:latin typeface="+mn-lt"/>
+                <a:ea typeface="+mn-ea"/>
+                <a:cs typeface="+mn-cs"/>
+              </a:defRPr>
+            </a:lvl7pPr>
+            <a:lvl8pPr marL="3200400" algn="l" defTabSz="914400" rtl="0" eaLnBrk="1" latinLnBrk="0" hangingPunct="1">
+              <a:defRPr sz="1800" kern="1200">
+                <a:solidFill>
+                  <a:schemeClr val="tx1"/>
+                </a:solidFill>
+                <a:latin typeface="+mn-lt"/>
+                <a:ea typeface="+mn-ea"/>
+                <a:cs typeface="+mn-cs"/>
+              </a:defRPr>
+            </a:lvl8pPr>
+            <a:lvl9pPr marL="3657600" algn="l" defTabSz="914400" rtl="0" eaLnBrk="1" latinLnBrk="0" hangingPunct="1">
+              <a:defRPr sz="1800" kern="1200">
+                <a:solidFill>
+                  <a:schemeClr val="tx1"/>
+                </a:solidFill>
+                <a:latin typeface="+mn-lt"/>
+                <a:ea typeface="+mn-ea"/>
+                <a:cs typeface="+mn-cs"/>
+              </a:defRPr>
+            </a:lvl9pPr>
+          </a:lstStyle>
+          <a:p>
+            <a:r>
+              <a:rPr lang="de-DE" dirty="0"/>
+              <a:t>Vortrag LPDES – Viktor Dilman, Christoph Kirschner</a:t>
+            </a:r>
+            <a:endParaRPr lang="de-DE" dirty="0">
+              <a:latin typeface="Times New Roman"/>
+            </a:endParaRPr>
           </a:p>
         </p:txBody>
       </p:sp>

--- a/Vortrag/Leiterplatte_als_Musikinstrument_Kirschner_Dilman.pptx
+++ b/Vortrag/Leiterplatte_als_Musikinstrument_Kirschner_Dilman.pptx
@@ -7,7 +7,7 @@
     <p:sldMasterId id="2147483674" r:id="rId3"/>
   </p:sldMasterIdLst>
   <p:notesMasterIdLst>
-    <p:notesMasterId r:id="rId18"/>
+    <p:notesMasterId r:id="rId20"/>
   </p:notesMasterIdLst>
   <p:sldIdLst>
     <p:sldId id="256" r:id="rId4"/>
@@ -18,12 +18,14 @@
     <p:sldId id="260" r:id="rId9"/>
     <p:sldId id="269" r:id="rId10"/>
     <p:sldId id="264" r:id="rId11"/>
-    <p:sldId id="270" r:id="rId12"/>
-    <p:sldId id="265" r:id="rId13"/>
-    <p:sldId id="261" r:id="rId14"/>
-    <p:sldId id="266" r:id="rId15"/>
-    <p:sldId id="267" r:id="rId16"/>
-    <p:sldId id="268" r:id="rId17"/>
+    <p:sldId id="274" r:id="rId12"/>
+    <p:sldId id="270" r:id="rId13"/>
+    <p:sldId id="265" r:id="rId14"/>
+    <p:sldId id="261" r:id="rId15"/>
+    <p:sldId id="273" r:id="rId16"/>
+    <p:sldId id="266" r:id="rId17"/>
+    <p:sldId id="267" r:id="rId18"/>
+    <p:sldId id="268" r:id="rId19"/>
   </p:sldIdLst>
   <p:sldSz cx="9144000" cy="6858000" type="screen4x3"/>
   <p:notesSz cx="6723063" cy="9852025"/>
@@ -122,6 +124,11 @@
       </a:defRPr>
     </a:lvl9pPr>
   </p:defaultTextStyle>
+  <p:extLst>
+    <p:ext uri="{EFAFB233-063F-42B5-8137-9DF3F51BA10A}">
+      <p15:sldGuideLst xmlns:p15="http://schemas.microsoft.com/office/powerpoint/2012/main"/>
+    </p:ext>
+  </p:extLst>
 </p:presentation>
 </file>
 
@@ -1688,7 +1695,7 @@
               <a:rPr lang="en-US" sz="1400" b="0" strike="noStrike" spc="-1">
                 <a:latin typeface="Times New Roman"/>
               </a:rPr>
-              <a:t>12</a:t>
+              <a:t>14</a:t>
             </a:fld>
             <a:endParaRPr lang="de-DE" sz="1400" b="0" strike="noStrike" spc="-1">
               <a:latin typeface="Times New Roman"/>
@@ -1885,7 +1892,7 @@
               <a:rPr lang="en-US" sz="1400" b="0" strike="noStrike" spc="-1">
                 <a:latin typeface="Times New Roman"/>
               </a:rPr>
-              <a:t>13</a:t>
+              <a:t>15</a:t>
             </a:fld>
             <a:endParaRPr lang="de-DE" sz="1400" b="0" strike="noStrike" spc="-1">
               <a:latin typeface="Times New Roman"/>
@@ -10996,7 +11003,7 @@
       </p:grpSpPr>
       <p:sp>
         <p:nvSpPr>
-          <p:cNvPr id="260" name="PlaceHolder 1"/>
+          <p:cNvPr id="255" name="PlaceHolder 1"/>
           <p:cNvSpPr>
             <a:spLocks noGrp="1"/>
           </p:cNvSpPr>
@@ -11036,7 +11043,7 @@
                 </a:solidFill>
                 <a:latin typeface="Arial"/>
               </a:rPr>
-              <a:t>3.2  Rapid-Prototyping mit Fusion360</a:t>
+              <a:t>3.1  Rapid-Prototyping mit Fusion360</a:t>
             </a:r>
             <a:endParaRPr lang="en-US" sz="2400" b="0" strike="noStrike" spc="-1">
               <a:solidFill>
@@ -11049,12 +11056,12 @@
       </p:sp>
       <p:sp>
         <p:nvSpPr>
-          <p:cNvPr id="261" name="PlaceHolder 2"/>
+          <p:cNvPr id="256" name="PlaceHolder 2"/>
           <p:cNvSpPr>
             <a:spLocks noGrp="1"/>
           </p:cNvSpPr>
           <p:nvPr>
-            <p:ph type="ftr" idx="24"/>
+            <p:ph type="ftr" idx="22"/>
           </p:nvPr>
         </p:nvSpPr>
         <p:spPr>
@@ -11132,12 +11139,12 @@
       </p:sp>
       <p:sp>
         <p:nvSpPr>
-          <p:cNvPr id="262" name="PlaceHolder 3"/>
+          <p:cNvPr id="257" name="PlaceHolder 3"/>
           <p:cNvSpPr>
             <a:spLocks noGrp="1"/>
           </p:cNvSpPr>
           <p:nvPr>
-            <p:ph type="sldNum" idx="25"/>
+            <p:ph type="sldNum" idx="23"/>
           </p:nvPr>
         </p:nvSpPr>
         <p:spPr>
@@ -11187,7 +11194,7 @@
               </a:rPr>
               <a:t>Seite </a:t>
             </a:r>
-            <a:fld id="{BEE8871C-E824-4352-8106-BEACB8B541CC}" type="slidenum">
+            <a:fld id="{C86FE10B-0797-4BD6-BCC6-466EC7817F68}" type="slidenum">
               <a:rPr lang="de-DE" sz="1000" b="0" strike="noStrike" spc="-1">
                 <a:solidFill>
                   <a:srgbClr val="000000"/>
@@ -11202,58 +11209,47 @@
           </a:p>
         </p:txBody>
       </p:sp>
-      <p:pic>
-        <p:nvPicPr>
-          <p:cNvPr id="263" name="Grafik 262"/>
-          <p:cNvPicPr/>
-          <p:nvPr/>
-        </p:nvPicPr>
-        <p:blipFill>
-          <a:blip r:embed="rId2"/>
-          <a:stretch/>
-        </p:blipFill>
-        <p:spPr>
-          <a:xfrm>
-            <a:off x="525600" y="1074240"/>
-            <a:ext cx="4276080" cy="3203280"/>
-          </a:xfrm>
-          <a:prstGeom prst="rect">
-            <a:avLst/>
-          </a:prstGeom>
-          <a:ln w="0">
-            <a:noFill/>
-          </a:ln>
-        </p:spPr>
-      </p:pic>
-      <p:pic>
-        <p:nvPicPr>
-          <p:cNvPr id="264" name="Grafik 263"/>
-          <p:cNvPicPr/>
-          <p:nvPr/>
-        </p:nvPicPr>
-        <p:blipFill>
-          <a:blip r:embed="rId3"/>
-          <a:stretch/>
-        </p:blipFill>
-        <p:spPr>
-          <a:xfrm>
-            <a:off x="4754880" y="2445840"/>
-            <a:ext cx="3794760" cy="3203640"/>
-          </a:xfrm>
-          <a:prstGeom prst="rect">
-            <a:avLst/>
-          </a:prstGeom>
-          <a:ln w="0">
-            <a:noFill/>
-          </a:ln>
-        </p:spPr>
-      </p:pic>
-      <p:sp>
-        <p:nvSpPr>
-          <p:cNvPr id="2" name="PlaceHolder 3">
+      <p:sp>
+        <p:nvSpPr>
+          <p:cNvPr id="2" name="Textfeld 1">
             <a:extLst>
               <a:ext uri="{FF2B5EF4-FFF2-40B4-BE49-F238E27FC236}">
-                <a16:creationId xmlns:a16="http://schemas.microsoft.com/office/drawing/2014/main" id="{E96BEB76-7120-8552-BA05-2B4E29530E63}"/>
+                <a16:creationId xmlns:a16="http://schemas.microsoft.com/office/drawing/2014/main" id="{C6AAF646-EACA-FCD0-3CEA-3ED4434A7CC8}"/>
+              </a:ext>
+            </a:extLst>
+          </p:cNvPr>
+          <p:cNvSpPr txBox="1"/>
+          <p:nvPr/>
+        </p:nvSpPr>
+        <p:spPr>
+          <a:xfrm>
+            <a:off x="2805193" y="2572719"/>
+            <a:ext cx="3159839" cy="369332"/>
+          </a:xfrm>
+          <a:prstGeom prst="rect">
+            <a:avLst/>
+          </a:prstGeom>
+          <a:noFill/>
+        </p:spPr>
+        <p:txBody>
+          <a:bodyPr wrap="none" rtlCol="0">
+            <a:spAutoFit/>
+          </a:bodyPr>
+          <a:lstStyle/>
+          <a:p>
+            <a:r>
+              <a:rPr lang="de-DE" dirty="0"/>
+              <a:t>Frontplatten design in Fusion</a:t>
+            </a:r>
+          </a:p>
+        </p:txBody>
+      </p:sp>
+      <p:sp>
+        <p:nvSpPr>
+          <p:cNvPr id="3" name="PlaceHolder 3">
+            <a:extLst>
+              <a:ext uri="{FF2B5EF4-FFF2-40B4-BE49-F238E27FC236}">
+                <a16:creationId xmlns:a16="http://schemas.microsoft.com/office/drawing/2014/main" id="{BA5AF1FA-5195-B4A8-776F-E464CF74B12F}"/>
               </a:ext>
             </a:extLst>
           </p:cNvPr>
@@ -11390,6 +11386,11 @@
         </p:txBody>
       </p:sp>
     </p:spTree>
+    <p:extLst>
+      <p:ext uri="{BB962C8B-B14F-4D97-AF65-F5344CB8AC3E}">
+        <p14:creationId xmlns:p14="http://schemas.microsoft.com/office/powerpoint/2010/main" val="958541465"/>
+      </p:ext>
+    </p:extLst>
   </p:cSld>
   <p:clrMapOvr>
     <a:masterClrMapping/>
@@ -11416,7 +11417,7 @@
       </p:grpSpPr>
       <p:sp>
         <p:nvSpPr>
-          <p:cNvPr id="244" name="PlaceHolder 1"/>
+          <p:cNvPr id="260" name="PlaceHolder 1"/>
           <p:cNvSpPr>
             <a:spLocks noGrp="1"/>
           </p:cNvSpPr>
@@ -11456,7 +11457,7 @@
                 </a:solidFill>
                 <a:latin typeface="Arial"/>
               </a:rPr>
-              <a:t>4.2  Low Frequency Oszillator</a:t>
+              <a:t>3.2  Rapid-Prototyping mit Fusion360</a:t>
             </a:r>
             <a:endParaRPr lang="en-US" sz="2400" b="0" strike="noStrike" spc="-1">
               <a:solidFill>
@@ -11469,12 +11470,12 @@
       </p:sp>
       <p:sp>
         <p:nvSpPr>
-          <p:cNvPr id="245" name="PlaceHolder 2"/>
+          <p:cNvPr id="261" name="PlaceHolder 2"/>
           <p:cNvSpPr>
             <a:spLocks noGrp="1"/>
           </p:cNvSpPr>
           <p:nvPr>
-            <p:ph type="ftr" idx="16"/>
+            <p:ph type="ftr" idx="24"/>
           </p:nvPr>
         </p:nvSpPr>
         <p:spPr>
@@ -11552,12 +11553,12 @@
       </p:sp>
       <p:sp>
         <p:nvSpPr>
-          <p:cNvPr id="246" name="PlaceHolder 3"/>
+          <p:cNvPr id="262" name="PlaceHolder 3"/>
           <p:cNvSpPr>
             <a:spLocks noGrp="1"/>
           </p:cNvSpPr>
           <p:nvPr>
-            <p:ph type="sldNum" idx="17"/>
+            <p:ph type="sldNum" idx="25"/>
           </p:nvPr>
         </p:nvSpPr>
         <p:spPr>
@@ -11607,7 +11608,7 @@
               </a:rPr>
               <a:t>Seite </a:t>
             </a:r>
-            <a:fld id="{71BFB0C5-C5F1-4390-B270-4094115838A4}" type="slidenum">
+            <a:fld id="{BEE8871C-E824-4352-8106-BEACB8B541CC}" type="slidenum">
               <a:rPr lang="de-DE" sz="1000" b="0" strike="noStrike" spc="-1">
                 <a:solidFill>
                   <a:srgbClr val="000000"/>
@@ -11622,47 +11623,58 @@
           </a:p>
         </p:txBody>
       </p:sp>
-      <p:sp>
-        <p:nvSpPr>
-          <p:cNvPr id="2" name="Textfeld 1">
+      <p:pic>
+        <p:nvPicPr>
+          <p:cNvPr id="263" name="Grafik 262"/>
+          <p:cNvPicPr/>
+          <p:nvPr/>
+        </p:nvPicPr>
+        <p:blipFill>
+          <a:blip r:embed="rId2"/>
+          <a:stretch/>
+        </p:blipFill>
+        <p:spPr>
+          <a:xfrm>
+            <a:off x="525600" y="1074240"/>
+            <a:ext cx="4276080" cy="3203280"/>
+          </a:xfrm>
+          <a:prstGeom prst="rect">
+            <a:avLst/>
+          </a:prstGeom>
+          <a:ln w="0">
+            <a:noFill/>
+          </a:ln>
+        </p:spPr>
+      </p:pic>
+      <p:pic>
+        <p:nvPicPr>
+          <p:cNvPr id="264" name="Grafik 263"/>
+          <p:cNvPicPr/>
+          <p:nvPr/>
+        </p:nvPicPr>
+        <p:blipFill>
+          <a:blip r:embed="rId3"/>
+          <a:stretch/>
+        </p:blipFill>
+        <p:spPr>
+          <a:xfrm>
+            <a:off x="4754880" y="2445840"/>
+            <a:ext cx="3794760" cy="3203640"/>
+          </a:xfrm>
+          <a:prstGeom prst="rect">
+            <a:avLst/>
+          </a:prstGeom>
+          <a:ln w="0">
+            <a:noFill/>
+          </a:ln>
+        </p:spPr>
+      </p:pic>
+      <p:sp>
+        <p:nvSpPr>
+          <p:cNvPr id="2" name="PlaceHolder 3">
             <a:extLst>
               <a:ext uri="{FF2B5EF4-FFF2-40B4-BE49-F238E27FC236}">
-                <a16:creationId xmlns:a16="http://schemas.microsoft.com/office/drawing/2014/main" id="{311A3ACB-89B5-E40E-D184-798A95494549}"/>
-              </a:ext>
-            </a:extLst>
-          </p:cNvPr>
-          <p:cNvSpPr txBox="1"/>
-          <p:nvPr/>
-        </p:nvSpPr>
-        <p:spPr>
-          <a:xfrm>
-            <a:off x="3513221" y="2057400"/>
-            <a:ext cx="1672253" cy="369332"/>
-          </a:xfrm>
-          <a:prstGeom prst="rect">
-            <a:avLst/>
-          </a:prstGeom>
-          <a:noFill/>
-        </p:spPr>
-        <p:txBody>
-          <a:bodyPr wrap="none" rtlCol="0">
-            <a:spAutoFit/>
-          </a:bodyPr>
-          <a:lstStyle/>
-          <a:p>
-            <a:r>
-              <a:rPr lang="de-DE" dirty="0"/>
-              <a:t>Fertige Platine</a:t>
-            </a:r>
-          </a:p>
-        </p:txBody>
-      </p:sp>
-      <p:sp>
-        <p:nvSpPr>
-          <p:cNvPr id="3" name="PlaceHolder 3">
-            <a:extLst>
-              <a:ext uri="{FF2B5EF4-FFF2-40B4-BE49-F238E27FC236}">
-                <a16:creationId xmlns:a16="http://schemas.microsoft.com/office/drawing/2014/main" id="{82DEBE22-B664-1525-2C7A-FCEEDB595B5E}"/>
+                <a16:creationId xmlns:a16="http://schemas.microsoft.com/office/drawing/2014/main" id="{E96BEB76-7120-8552-BA05-2B4E29530E63}"/>
               </a:ext>
             </a:extLst>
           </p:cNvPr>
@@ -11825,18 +11837,18 @@
       </p:grpSpPr>
       <p:sp>
         <p:nvSpPr>
-          <p:cNvPr id="265" name="PlaceHolder 1"/>
+          <p:cNvPr id="244" name="PlaceHolder 1"/>
           <p:cNvSpPr>
             <a:spLocks noGrp="1"/>
           </p:cNvSpPr>
           <p:nvPr>
-            <p:ph/>
+            <p:ph type="title"/>
           </p:nvPr>
         </p:nvSpPr>
         <p:spPr>
           <a:xfrm>
-            <a:off x="252000" y="2565000"/>
-            <a:ext cx="8639640" cy="1367640"/>
+            <a:off x="250920" y="188640"/>
+            <a:ext cx="8639640" cy="574200"/>
           </a:xfrm>
           <a:prstGeom prst="rect">
             <a:avLst/>
@@ -11847,78 +11859,43 @@
           </a:ln>
         </p:spPr>
         <p:txBody>
-          <a:bodyPr lIns="0" numCol="1" spcCol="0" anchor="t">
+          <a:bodyPr lIns="0" tIns="0" rIns="0" bIns="0" numCol="1" spcCol="0" anchor="ctr">
             <a:noAutofit/>
           </a:bodyPr>
           <a:lstStyle/>
           <a:p>
-            <a:pPr algn="ctr">
+            <a:pPr>
               <a:lnSpc>
                 <a:spcPct val="100000"/>
               </a:lnSpc>
-              <a:spcBef>
-                <a:spcPts val="1599"/>
-              </a:spcBef>
               <a:buNone/>
-              <a:tabLst>
-                <a:tab pos="0" algn="l"/>
-              </a:tabLst>
             </a:pPr>
             <a:r>
-              <a:rPr lang="de-DE" sz="3200" b="0" strike="noStrike" spc="-1">
-                <a:solidFill>
-                  <a:srgbClr val="000000"/>
+              <a:rPr lang="de-DE" sz="2400" b="1" strike="noStrike" spc="-1">
+                <a:solidFill>
+                  <a:srgbClr val="0046A0"/>
                 </a:solidFill>
                 <a:latin typeface="Arial"/>
               </a:rPr>
-              <a:t>Vielen Dank für Ihre Aufmerksamkeit!</a:t>
+              <a:t>4.2  Low Frequency Oszillator</a:t>
             </a:r>
-            <a:endParaRPr lang="en-US" sz="3200" b="0" strike="noStrike" spc="-1">
+            <a:endParaRPr lang="en-US" sz="2400" b="0" strike="noStrike" spc="-1">
               <a:solidFill>
                 <a:srgbClr val="000000"/>
               </a:solidFill>
               <a:latin typeface="Arial"/>
             </a:endParaRPr>
           </a:p>
-          <a:p>
-            <a:pPr algn="ctr">
-              <a:lnSpc>
-                <a:spcPct val="100000"/>
-              </a:lnSpc>
-              <a:spcBef>
-                <a:spcPts val="1599"/>
-              </a:spcBef>
-              <a:buNone/>
-              <a:tabLst>
-                <a:tab pos="0" algn="l"/>
-              </a:tabLst>
-            </a:pPr>
-            <a:r>
-              <a:rPr lang="de-DE" sz="3200" b="0" strike="noStrike" spc="-1">
-                <a:solidFill>
-                  <a:srgbClr val="000000"/>
-                </a:solidFill>
-                <a:latin typeface="Arial"/>
-              </a:rPr>
-              <a:t>Bestehen noch Fragen ?</a:t>
-            </a:r>
-            <a:endParaRPr lang="en-US" sz="3200" b="0" strike="noStrike" spc="-1">
-              <a:solidFill>
-                <a:srgbClr val="000000"/>
-              </a:solidFill>
-              <a:latin typeface="Arial"/>
-            </a:endParaRPr>
-          </a:p>
-        </p:txBody>
-      </p:sp>
-      <p:sp>
-        <p:nvSpPr>
-          <p:cNvPr id="266" name="PlaceHolder 2"/>
+        </p:txBody>
+      </p:sp>
+      <p:sp>
+        <p:nvSpPr>
+          <p:cNvPr id="245" name="PlaceHolder 2"/>
           <p:cNvSpPr>
             <a:spLocks noGrp="1"/>
           </p:cNvSpPr>
           <p:nvPr>
-            <p:ph type="ftr" idx="26"/>
+            <p:ph type="ftr" idx="16"/>
           </p:nvPr>
         </p:nvSpPr>
         <p:spPr>
@@ -11996,12 +11973,12 @@
       </p:sp>
       <p:sp>
         <p:nvSpPr>
-          <p:cNvPr id="267" name="PlaceHolder 3"/>
+          <p:cNvPr id="246" name="PlaceHolder 3"/>
           <p:cNvSpPr>
             <a:spLocks noGrp="1"/>
           </p:cNvSpPr>
           <p:nvPr>
-            <p:ph type="sldNum" idx="27"/>
+            <p:ph type="sldNum" idx="17"/>
           </p:nvPr>
         </p:nvSpPr>
         <p:spPr>
@@ -12051,7 +12028,7 @@
               </a:rPr>
               <a:t>Seite </a:t>
             </a:r>
-            <a:fld id="{4B11037F-1466-4AAC-9E66-5759C372E5EB}" type="slidenum">
+            <a:fld id="{71BFB0C5-C5F1-4390-B270-4094115838A4}" type="slidenum">
               <a:rPr lang="de-DE" sz="1000" b="0" strike="noStrike" spc="-1">
                 <a:solidFill>
                   <a:srgbClr val="000000"/>
@@ -12068,10 +12045,45 @@
       </p:sp>
       <p:sp>
         <p:nvSpPr>
-          <p:cNvPr id="2" name="PlaceHolder 3">
+          <p:cNvPr id="2" name="Textfeld 1">
             <a:extLst>
               <a:ext uri="{FF2B5EF4-FFF2-40B4-BE49-F238E27FC236}">
-                <a16:creationId xmlns:a16="http://schemas.microsoft.com/office/drawing/2014/main" id="{0C886D1D-28AD-C933-2388-9562852B7215}"/>
+                <a16:creationId xmlns:a16="http://schemas.microsoft.com/office/drawing/2014/main" id="{311A3ACB-89B5-E40E-D184-798A95494549}"/>
+              </a:ext>
+            </a:extLst>
+          </p:cNvPr>
+          <p:cNvSpPr txBox="1"/>
+          <p:nvPr/>
+        </p:nvSpPr>
+        <p:spPr>
+          <a:xfrm>
+            <a:off x="3513221" y="2057400"/>
+            <a:ext cx="1672253" cy="369332"/>
+          </a:xfrm>
+          <a:prstGeom prst="rect">
+            <a:avLst/>
+          </a:prstGeom>
+          <a:noFill/>
+        </p:spPr>
+        <p:txBody>
+          <a:bodyPr wrap="none" rtlCol="0">
+            <a:spAutoFit/>
+          </a:bodyPr>
+          <a:lstStyle/>
+          <a:p>
+            <a:r>
+              <a:rPr lang="de-DE" dirty="0"/>
+              <a:t>Fertige Platine</a:t>
+            </a:r>
+          </a:p>
+        </p:txBody>
+      </p:sp>
+      <p:sp>
+        <p:nvSpPr>
+          <p:cNvPr id="3" name="PlaceHolder 3">
+            <a:extLst>
+              <a:ext uri="{FF2B5EF4-FFF2-40B4-BE49-F238E27FC236}">
+                <a16:creationId xmlns:a16="http://schemas.microsoft.com/office/drawing/2014/main" id="{82DEBE22-B664-1525-2C7A-FCEEDB595B5E}"/>
               </a:ext>
             </a:extLst>
           </p:cNvPr>
@@ -12234,7 +12246,7 @@
       </p:grpSpPr>
       <p:sp>
         <p:nvSpPr>
-          <p:cNvPr id="268" name="PlaceHolder 1"/>
+          <p:cNvPr id="244" name="PlaceHolder 1"/>
           <p:cNvSpPr>
             <a:spLocks noGrp="1"/>
           </p:cNvSpPr>
@@ -12274,7 +12286,7 @@
                 </a:solidFill>
                 <a:latin typeface="Arial"/>
               </a:rPr>
-              <a:t>Quellen</a:t>
+              <a:t>4.2  Low Frequency Oszillator</a:t>
             </a:r>
             <a:endParaRPr lang="en-US" sz="2400" b="0" strike="noStrike" spc="-1">
               <a:solidFill>
@@ -12287,200 +12299,12 @@
       </p:sp>
       <p:sp>
         <p:nvSpPr>
-          <p:cNvPr id="269" name="PlaceHolder 2"/>
+          <p:cNvPr id="245" name="PlaceHolder 2"/>
           <p:cNvSpPr>
             <a:spLocks noGrp="1"/>
           </p:cNvSpPr>
           <p:nvPr>
-            <p:ph/>
-          </p:nvPr>
-        </p:nvSpPr>
-        <p:spPr>
-          <a:xfrm>
-            <a:off x="252000" y="1012680"/>
-            <a:ext cx="8639640" cy="5151960"/>
-          </a:xfrm>
-          <a:prstGeom prst="rect">
-            <a:avLst/>
-          </a:prstGeom>
-          <a:noFill/>
-          <a:ln w="9360">
-            <a:noFill/>
-          </a:ln>
-        </p:spPr>
-        <p:txBody>
-          <a:bodyPr lIns="0" numCol="1" spcCol="0" anchor="t">
-            <a:noAutofit/>
-          </a:bodyPr>
-          <a:lstStyle/>
-          <a:p>
-            <a:pPr>
-              <a:lnSpc>
-                <a:spcPct val="100000"/>
-              </a:lnSpc>
-              <a:spcBef>
-                <a:spcPts val="700"/>
-              </a:spcBef>
-              <a:buNone/>
-              <a:tabLst>
-                <a:tab pos="0" algn="l"/>
-              </a:tabLst>
-            </a:pPr>
-            <a:r>
-              <a:rPr lang="de-DE" sz="1400" b="0" strike="noStrike" spc="-1" dirty="0">
-                <a:solidFill>
-                  <a:srgbClr val="000000"/>
-                </a:solidFill>
-                <a:latin typeface="Arial"/>
-              </a:rPr>
-              <a:t>[</a:t>
-            </a:r>
-            <a:r>
-              <a:rPr lang="de-DE" sz="1400" spc="-1" dirty="0">
-                <a:solidFill>
-                  <a:srgbClr val="000000"/>
-                </a:solidFill>
-                <a:latin typeface="Arial"/>
-              </a:rPr>
-              <a:t>1</a:t>
-            </a:r>
-            <a:r>
-              <a:rPr lang="de-DE" sz="1400" b="0" strike="noStrike" spc="-1" dirty="0">
-                <a:solidFill>
-                  <a:srgbClr val="000000"/>
-                </a:solidFill>
-                <a:latin typeface="Arial"/>
-              </a:rPr>
-              <a:t>] </a:t>
-            </a:r>
-            <a:r>
-              <a:rPr lang="de-DE" sz="1400" b="0" u="sng" strike="noStrike" spc="-1" dirty="0">
-                <a:solidFill>
-                  <a:srgbClr val="0046A0"/>
-                </a:solidFill>
-                <a:uFillTx/>
-                <a:latin typeface="Arial"/>
-                <a:hlinkClick r:id="rId3"/>
-              </a:rPr>
-              <a:t>https://www.ericasynths.lv/shop/diy-kits-1/mki-x-esedu-diy-system</a:t>
-            </a:r>
-            <a:endParaRPr lang="en-US" sz="1400" b="0" strike="noStrike" spc="-1" dirty="0">
-              <a:solidFill>
-                <a:srgbClr val="000000"/>
-              </a:solidFill>
-              <a:latin typeface="Arial"/>
-            </a:endParaRPr>
-          </a:p>
-          <a:p>
-            <a:pPr>
-              <a:lnSpc>
-                <a:spcPct val="100000"/>
-              </a:lnSpc>
-              <a:spcBef>
-                <a:spcPts val="700"/>
-              </a:spcBef>
-              <a:buNone/>
-              <a:tabLst>
-                <a:tab pos="0" algn="l"/>
-              </a:tabLst>
-            </a:pPr>
-            <a:r>
-              <a:rPr lang="de-DE" sz="1400" b="0" strike="noStrike" spc="-1" dirty="0">
-                <a:solidFill>
-                  <a:srgbClr val="000000"/>
-                </a:solidFill>
-                <a:latin typeface="Arial"/>
-              </a:rPr>
-              <a:t>[2] </a:t>
-            </a:r>
-            <a:r>
-              <a:rPr lang="de-DE" sz="1400" b="0" u="sng" strike="noStrike" spc="-1" dirty="0">
-                <a:solidFill>
-                  <a:srgbClr val="0046A0"/>
-                </a:solidFill>
-                <a:uFillTx/>
-                <a:latin typeface="Arial"/>
-                <a:hlinkClick r:id="rId4"/>
-              </a:rPr>
-              <a:t>https://www.ericasynths.lv/shop/diy-kits-1/edu-diy-vco/</a:t>
-            </a:r>
-            <a:endParaRPr lang="en-US" sz="1400" b="0" strike="noStrike" spc="-1" dirty="0">
-              <a:solidFill>
-                <a:srgbClr val="000000"/>
-              </a:solidFill>
-              <a:latin typeface="Arial"/>
-            </a:endParaRPr>
-          </a:p>
-          <a:p>
-            <a:pPr>
-              <a:lnSpc>
-                <a:spcPct val="100000"/>
-              </a:lnSpc>
-              <a:spcBef>
-                <a:spcPts val="700"/>
-              </a:spcBef>
-              <a:buNone/>
-              <a:tabLst>
-                <a:tab pos="0" algn="l"/>
-              </a:tabLst>
-            </a:pPr>
-            <a:r>
-              <a:rPr lang="de-DE" sz="1400" b="0" strike="noStrike" spc="-1" dirty="0">
-                <a:solidFill>
-                  <a:srgbClr val="000000"/>
-                </a:solidFill>
-                <a:latin typeface="Arial"/>
-              </a:rPr>
-              <a:t>[3] </a:t>
-            </a:r>
-            <a:r>
-              <a:rPr lang="de-DE" sz="1400" b="0" u="sng" strike="noStrike" spc="-1" dirty="0">
-                <a:solidFill>
-                  <a:srgbClr val="0046A0"/>
-                </a:solidFill>
-                <a:uFillTx/>
-                <a:latin typeface="Arial"/>
-                <a:hlinkClick r:id="rId5"/>
-              </a:rPr>
-              <a:t>https://www.ericasynths.lv/shop/diy-kits-1/edu-diy-mixer/</a:t>
-            </a:r>
-            <a:endParaRPr lang="en-US" sz="1400" b="0" strike="noStrike" spc="-1" dirty="0">
-              <a:solidFill>
-                <a:srgbClr val="000000"/>
-              </a:solidFill>
-              <a:latin typeface="Arial"/>
-            </a:endParaRPr>
-          </a:p>
-          <a:p>
-            <a:pPr>
-              <a:lnSpc>
-                <a:spcPct val="100000"/>
-              </a:lnSpc>
-              <a:spcBef>
-                <a:spcPts val="700"/>
-              </a:spcBef>
-              <a:buNone/>
-              <a:tabLst>
-                <a:tab pos="0" algn="l"/>
-              </a:tabLst>
-            </a:pPr>
-            <a:endParaRPr lang="en-US" sz="1400" b="0" strike="noStrike" spc="-1" dirty="0">
-              <a:solidFill>
-                <a:srgbClr val="000000"/>
-              </a:solidFill>
-              <a:latin typeface="Arial"/>
-            </a:endParaRPr>
-          </a:p>
-        </p:txBody>
-      </p:sp>
-      <p:sp>
-        <p:nvSpPr>
-          <p:cNvPr id="270" name="PlaceHolder 3"/>
-          <p:cNvSpPr>
-            <a:spLocks noGrp="1"/>
-          </p:cNvSpPr>
-          <p:nvPr>
-            <p:ph type="ftr" idx="28"/>
+            <p:ph type="ftr" idx="16"/>
           </p:nvPr>
         </p:nvSpPr>
         <p:spPr>
@@ -12558,12 +12382,12 @@
       </p:sp>
       <p:sp>
         <p:nvSpPr>
-          <p:cNvPr id="271" name="PlaceHolder 4"/>
+          <p:cNvPr id="246" name="PlaceHolder 3"/>
           <p:cNvSpPr>
             <a:spLocks noGrp="1"/>
           </p:cNvSpPr>
           <p:nvPr>
-            <p:ph type="sldNum" idx="29"/>
+            <p:ph type="sldNum" idx="17"/>
           </p:nvPr>
         </p:nvSpPr>
         <p:spPr>
@@ -12613,7 +12437,7 @@
               </a:rPr>
               <a:t>Seite </a:t>
             </a:r>
-            <a:fld id="{F33C900E-0990-4A54-8565-724B73AAD5E9}" type="slidenum">
+            <a:fld id="{71BFB0C5-C5F1-4390-B270-4094115838A4}" type="slidenum">
               <a:rPr lang="de-DE" sz="1000" b="0" strike="noStrike" spc="-1">
                 <a:solidFill>
                   <a:srgbClr val="000000"/>
@@ -12630,10 +12454,52 @@
       </p:sp>
       <p:sp>
         <p:nvSpPr>
-          <p:cNvPr id="2" name="PlaceHolder 3">
+          <p:cNvPr id="2" name="Textfeld 1">
             <a:extLst>
               <a:ext uri="{FF2B5EF4-FFF2-40B4-BE49-F238E27FC236}">
-                <a16:creationId xmlns:a16="http://schemas.microsoft.com/office/drawing/2014/main" id="{C9E2EC94-1A63-F643-E930-965FF8BAD973}"/>
+                <a16:creationId xmlns:a16="http://schemas.microsoft.com/office/drawing/2014/main" id="{311A3ACB-89B5-E40E-D184-798A95494549}"/>
+              </a:ext>
+            </a:extLst>
+          </p:cNvPr>
+          <p:cNvSpPr txBox="1"/>
+          <p:nvPr/>
+        </p:nvSpPr>
+        <p:spPr>
+          <a:xfrm>
+            <a:off x="3006259" y="2157412"/>
+            <a:ext cx="3128962" cy="523220"/>
+          </a:xfrm>
+          <a:prstGeom prst="rect">
+            <a:avLst/>
+          </a:prstGeom>
+          <a:noFill/>
+        </p:spPr>
+        <p:txBody>
+          <a:bodyPr wrap="square" rtlCol="0">
+            <a:spAutoFit/>
+          </a:bodyPr>
+          <a:lstStyle/>
+          <a:p>
+            <a:r>
+              <a:rPr lang="de-DE" sz="2800" dirty="0"/>
+              <a:t>Live Vorführung </a:t>
+            </a:r>
+            <a:r>
+              <a:rPr lang="de-DE" sz="2800" dirty="0">
+                <a:sym typeface="Wingdings" pitchFamily="2" charset="2"/>
+              </a:rPr>
+              <a:t></a:t>
+            </a:r>
+            <a:endParaRPr lang="de-DE" sz="2800" dirty="0"/>
+          </a:p>
+        </p:txBody>
+      </p:sp>
+      <p:sp>
+        <p:nvSpPr>
+          <p:cNvPr id="3" name="PlaceHolder 3">
+            <a:extLst>
+              <a:ext uri="{FF2B5EF4-FFF2-40B4-BE49-F238E27FC236}">
+                <a16:creationId xmlns:a16="http://schemas.microsoft.com/office/drawing/2014/main" id="{82DEBE22-B664-1525-2C7A-FCEEDB595B5E}"/>
               </a:ext>
             </a:extLst>
           </p:cNvPr>
@@ -12770,6 +12636,11 @@
         </p:txBody>
       </p:sp>
     </p:spTree>
+    <p:extLst>
+      <p:ext uri="{BB962C8B-B14F-4D97-AF65-F5344CB8AC3E}">
+        <p14:creationId xmlns:p14="http://schemas.microsoft.com/office/powerpoint/2010/main" val="3714945423"/>
+      </p:ext>
+    </p:extLst>
   </p:cSld>
   <p:clrMapOvr>
     <a:masterClrMapping/>
@@ -12796,7 +12667,416 @@
       </p:grpSpPr>
       <p:sp>
         <p:nvSpPr>
-          <p:cNvPr id="272" name="PlaceHolder 1"/>
+          <p:cNvPr id="265" name="PlaceHolder 1"/>
+          <p:cNvSpPr>
+            <a:spLocks noGrp="1"/>
+          </p:cNvSpPr>
+          <p:nvPr>
+            <p:ph/>
+          </p:nvPr>
+        </p:nvSpPr>
+        <p:spPr>
+          <a:xfrm>
+            <a:off x="252000" y="2565000"/>
+            <a:ext cx="8639640" cy="1367640"/>
+          </a:xfrm>
+          <a:prstGeom prst="rect">
+            <a:avLst/>
+          </a:prstGeom>
+          <a:noFill/>
+          <a:ln w="9360">
+            <a:noFill/>
+          </a:ln>
+        </p:spPr>
+        <p:txBody>
+          <a:bodyPr lIns="0" numCol="1" spcCol="0" anchor="t">
+            <a:noAutofit/>
+          </a:bodyPr>
+          <a:lstStyle/>
+          <a:p>
+            <a:pPr algn="ctr">
+              <a:lnSpc>
+                <a:spcPct val="100000"/>
+              </a:lnSpc>
+              <a:spcBef>
+                <a:spcPts val="1599"/>
+              </a:spcBef>
+              <a:buNone/>
+              <a:tabLst>
+                <a:tab pos="0" algn="l"/>
+              </a:tabLst>
+            </a:pPr>
+            <a:r>
+              <a:rPr lang="de-DE" sz="3200" b="0" strike="noStrike" spc="-1">
+                <a:solidFill>
+                  <a:srgbClr val="000000"/>
+                </a:solidFill>
+                <a:latin typeface="Arial"/>
+              </a:rPr>
+              <a:t>Vielen Dank für Ihre Aufmerksamkeit!</a:t>
+            </a:r>
+            <a:endParaRPr lang="en-US" sz="3200" b="0" strike="noStrike" spc="-1">
+              <a:solidFill>
+                <a:srgbClr val="000000"/>
+              </a:solidFill>
+              <a:latin typeface="Arial"/>
+            </a:endParaRPr>
+          </a:p>
+          <a:p>
+            <a:pPr algn="ctr">
+              <a:lnSpc>
+                <a:spcPct val="100000"/>
+              </a:lnSpc>
+              <a:spcBef>
+                <a:spcPts val="1599"/>
+              </a:spcBef>
+              <a:buNone/>
+              <a:tabLst>
+                <a:tab pos="0" algn="l"/>
+              </a:tabLst>
+            </a:pPr>
+            <a:r>
+              <a:rPr lang="de-DE" sz="3200" b="0" strike="noStrike" spc="-1">
+                <a:solidFill>
+                  <a:srgbClr val="000000"/>
+                </a:solidFill>
+                <a:latin typeface="Arial"/>
+              </a:rPr>
+              <a:t>Bestehen noch Fragen ?</a:t>
+            </a:r>
+            <a:endParaRPr lang="en-US" sz="3200" b="0" strike="noStrike" spc="-1">
+              <a:solidFill>
+                <a:srgbClr val="000000"/>
+              </a:solidFill>
+              <a:latin typeface="Arial"/>
+            </a:endParaRPr>
+          </a:p>
+        </p:txBody>
+      </p:sp>
+      <p:sp>
+        <p:nvSpPr>
+          <p:cNvPr id="266" name="PlaceHolder 2"/>
+          <p:cNvSpPr>
+            <a:spLocks noGrp="1"/>
+          </p:cNvSpPr>
+          <p:nvPr>
+            <p:ph type="ftr" idx="26"/>
+          </p:nvPr>
+        </p:nvSpPr>
+        <p:spPr>
+          <a:xfrm>
+            <a:off x="252000" y="6381720"/>
+            <a:ext cx="7178400" cy="360000"/>
+          </a:xfrm>
+          <a:prstGeom prst="rect">
+            <a:avLst/>
+          </a:prstGeom>
+          <a:noFill/>
+          <a:ln w="9360">
+            <a:noFill/>
+          </a:ln>
+        </p:spPr>
+        <p:txBody>
+          <a:bodyPr lIns="0" tIns="0" rIns="0" bIns="0" numCol="1" spcCol="0" anchor="t">
+            <a:noAutofit/>
+          </a:bodyPr>
+          <a:lstStyle>
+            <a:lvl1pPr>
+              <a:lnSpc>
+                <a:spcPct val="100000"/>
+              </a:lnSpc>
+              <a:buNone/>
+              <a:defRPr lang="de-DE" sz="1000" b="0" strike="noStrike" spc="-1">
+                <a:solidFill>
+                  <a:srgbClr val="000000"/>
+                </a:solidFill>
+                <a:latin typeface="Arial"/>
+              </a:defRPr>
+            </a:lvl1pPr>
+          </a:lstStyle>
+          <a:p>
+            <a:pPr>
+              <a:lnSpc>
+                <a:spcPct val="100000"/>
+              </a:lnSpc>
+              <a:buNone/>
+            </a:pPr>
+            <a:r>
+              <a:rPr lang="de-DE" sz="1000" b="0" strike="noStrike" spc="-1">
+                <a:solidFill>
+                  <a:srgbClr val="000000"/>
+                </a:solidFill>
+                <a:latin typeface="Arial"/>
+              </a:rPr>
+              <a:t>Technische Hochschule Nürnberg Georg Simon Ohm</a:t>
+            </a:r>
+            <a:endParaRPr lang="de-DE" sz="1000" b="0" strike="noStrike" spc="-1">
+              <a:latin typeface="Times New Roman"/>
+            </a:endParaRPr>
+          </a:p>
+          <a:p>
+            <a:pPr>
+              <a:lnSpc>
+                <a:spcPct val="100000"/>
+              </a:lnSpc>
+              <a:buNone/>
+            </a:pPr>
+            <a:r>
+              <a:rPr lang="de-DE" sz="1000" b="0" strike="noStrike" spc="-1">
+                <a:solidFill>
+                  <a:srgbClr val="0046A0"/>
+                </a:solidFill>
+                <a:latin typeface="Arial"/>
+              </a:rPr>
+              <a:t>www.th-nuernberg.de</a:t>
+            </a:r>
+            <a:endParaRPr lang="de-DE" sz="1000" b="0" strike="noStrike" spc="-1">
+              <a:latin typeface="Times New Roman"/>
+            </a:endParaRPr>
+          </a:p>
+        </p:txBody>
+      </p:sp>
+      <p:sp>
+        <p:nvSpPr>
+          <p:cNvPr id="267" name="PlaceHolder 3"/>
+          <p:cNvSpPr>
+            <a:spLocks noGrp="1"/>
+          </p:cNvSpPr>
+          <p:nvPr>
+            <p:ph type="sldNum" idx="27"/>
+          </p:nvPr>
+        </p:nvSpPr>
+        <p:spPr>
+          <a:xfrm>
+            <a:off x="8174160" y="6381720"/>
+            <a:ext cx="718920" cy="178920"/>
+          </a:xfrm>
+          <a:prstGeom prst="rect">
+            <a:avLst/>
+          </a:prstGeom>
+          <a:noFill/>
+          <a:ln w="9360">
+            <a:noFill/>
+          </a:ln>
+        </p:spPr>
+        <p:txBody>
+          <a:bodyPr lIns="0" tIns="0" rIns="0" bIns="0" numCol="1" spcCol="0" anchor="t">
+            <a:noAutofit/>
+          </a:bodyPr>
+          <a:lstStyle>
+            <a:lvl1pPr algn="r">
+              <a:lnSpc>
+                <a:spcPct val="100000"/>
+              </a:lnSpc>
+              <a:buNone/>
+              <a:defRPr lang="de-DE" sz="1000" b="0" strike="noStrike" spc="-1">
+                <a:solidFill>
+                  <a:srgbClr val="000000"/>
+                </a:solidFill>
+                <a:latin typeface="Arial"/>
+              </a:defRPr>
+            </a:lvl1pPr>
+          </a:lstStyle>
+          <a:p>
+            <a:pPr algn="r">
+              <a:lnSpc>
+                <a:spcPct val="100000"/>
+              </a:lnSpc>
+              <a:buNone/>
+            </a:pPr>
+            <a:r>
+              <a:rPr lang="de-DE" sz="1000" b="0" strike="noStrike" spc="-1">
+                <a:solidFill>
+                  <a:srgbClr val="000000"/>
+                </a:solidFill>
+                <a:latin typeface="Arial"/>
+              </a:rPr>
+              <a:t>Seite </a:t>
+            </a:r>
+            <a:fld id="{4B11037F-1466-4AAC-9E66-5759C372E5EB}" type="slidenum">
+              <a:rPr lang="de-DE" sz="1000" b="0" strike="noStrike" spc="-1">
+                <a:solidFill>
+                  <a:srgbClr val="000000"/>
+                </a:solidFill>
+                <a:latin typeface="Arial"/>
+              </a:rPr>
+              <a:t>14</a:t>
+            </a:fld>
+            <a:endParaRPr lang="de-DE" sz="1000" b="0" strike="noStrike" spc="-1">
+              <a:latin typeface="Times New Roman"/>
+            </a:endParaRPr>
+          </a:p>
+        </p:txBody>
+      </p:sp>
+      <p:sp>
+        <p:nvSpPr>
+          <p:cNvPr id="2" name="PlaceHolder 3">
+            <a:extLst>
+              <a:ext uri="{FF2B5EF4-FFF2-40B4-BE49-F238E27FC236}">
+                <a16:creationId xmlns:a16="http://schemas.microsoft.com/office/drawing/2014/main" id="{0C886D1D-28AD-C933-2388-9562852B7215}"/>
+              </a:ext>
+            </a:extLst>
+          </p:cNvPr>
+          <p:cNvSpPr txBox="1">
+            <a:spLocks/>
+          </p:cNvSpPr>
+          <p:nvPr/>
+        </p:nvSpPr>
+        <p:spPr>
+          <a:xfrm>
+            <a:off x="3534033" y="6381720"/>
+            <a:ext cx="3220249" cy="360000"/>
+          </a:xfrm>
+          <a:prstGeom prst="rect">
+            <a:avLst/>
+          </a:prstGeom>
+          <a:noFill/>
+          <a:ln w="9360">
+            <a:noFill/>
+          </a:ln>
+        </p:spPr>
+        <p:txBody>
+          <a:bodyPr lIns="0" tIns="0" rIns="0" bIns="0" numCol="1" spcCol="0" anchor="t">
+            <a:noAutofit/>
+          </a:bodyPr>
+          <a:lstStyle>
+            <a:defPPr>
+              <a:defRPr lang="de-DE"/>
+            </a:defPPr>
+            <a:lvl1pPr marL="0" algn="l" defTabSz="914400" rtl="0" eaLnBrk="1" latinLnBrk="0" hangingPunct="1">
+              <a:lnSpc>
+                <a:spcPct val="100000"/>
+              </a:lnSpc>
+              <a:buNone/>
+              <a:defRPr lang="de-DE" sz="1000" b="0" strike="noStrike" kern="1200" spc="-1">
+                <a:solidFill>
+                  <a:srgbClr val="000000"/>
+                </a:solidFill>
+                <a:latin typeface="Arial"/>
+                <a:ea typeface="+mn-ea"/>
+                <a:cs typeface="+mn-cs"/>
+              </a:defRPr>
+            </a:lvl1pPr>
+            <a:lvl2pPr marL="457200" algn="l" defTabSz="914400" rtl="0" eaLnBrk="1" latinLnBrk="0" hangingPunct="1">
+              <a:defRPr sz="1800" kern="1200">
+                <a:solidFill>
+                  <a:schemeClr val="tx1"/>
+                </a:solidFill>
+                <a:latin typeface="+mn-lt"/>
+                <a:ea typeface="+mn-ea"/>
+                <a:cs typeface="+mn-cs"/>
+              </a:defRPr>
+            </a:lvl2pPr>
+            <a:lvl3pPr marL="914400" algn="l" defTabSz="914400" rtl="0" eaLnBrk="1" latinLnBrk="0" hangingPunct="1">
+              <a:defRPr sz="1800" kern="1200">
+                <a:solidFill>
+                  <a:schemeClr val="tx1"/>
+                </a:solidFill>
+                <a:latin typeface="+mn-lt"/>
+                <a:ea typeface="+mn-ea"/>
+                <a:cs typeface="+mn-cs"/>
+              </a:defRPr>
+            </a:lvl3pPr>
+            <a:lvl4pPr marL="1371600" algn="l" defTabSz="914400" rtl="0" eaLnBrk="1" latinLnBrk="0" hangingPunct="1">
+              <a:defRPr sz="1800" kern="1200">
+                <a:solidFill>
+                  <a:schemeClr val="tx1"/>
+                </a:solidFill>
+                <a:latin typeface="+mn-lt"/>
+                <a:ea typeface="+mn-ea"/>
+                <a:cs typeface="+mn-cs"/>
+              </a:defRPr>
+            </a:lvl4pPr>
+            <a:lvl5pPr marL="1828800" algn="l" defTabSz="914400" rtl="0" eaLnBrk="1" latinLnBrk="0" hangingPunct="1">
+              <a:defRPr sz="1800" kern="1200">
+                <a:solidFill>
+                  <a:schemeClr val="tx1"/>
+                </a:solidFill>
+                <a:latin typeface="+mn-lt"/>
+                <a:ea typeface="+mn-ea"/>
+                <a:cs typeface="+mn-cs"/>
+              </a:defRPr>
+            </a:lvl5pPr>
+            <a:lvl6pPr marL="2286000" algn="l" defTabSz="914400" rtl="0" eaLnBrk="1" latinLnBrk="0" hangingPunct="1">
+              <a:defRPr sz="1800" kern="1200">
+                <a:solidFill>
+                  <a:schemeClr val="tx1"/>
+                </a:solidFill>
+                <a:latin typeface="+mn-lt"/>
+                <a:ea typeface="+mn-ea"/>
+                <a:cs typeface="+mn-cs"/>
+              </a:defRPr>
+            </a:lvl6pPr>
+            <a:lvl7pPr marL="2743200" algn="l" defTabSz="914400" rtl="0" eaLnBrk="1" latinLnBrk="0" hangingPunct="1">
+              <a:defRPr sz="1800" kern="1200">
+                <a:solidFill>
+                  <a:schemeClr val="tx1"/>
+                </a:solidFill>
+                <a:latin typeface="+mn-lt"/>
+                <a:ea typeface="+mn-ea"/>
+                <a:cs typeface="+mn-cs"/>
+              </a:defRPr>
+            </a:lvl7pPr>
+            <a:lvl8pPr marL="3200400" algn="l" defTabSz="914400" rtl="0" eaLnBrk="1" latinLnBrk="0" hangingPunct="1">
+              <a:defRPr sz="1800" kern="1200">
+                <a:solidFill>
+                  <a:schemeClr val="tx1"/>
+                </a:solidFill>
+                <a:latin typeface="+mn-lt"/>
+                <a:ea typeface="+mn-ea"/>
+                <a:cs typeface="+mn-cs"/>
+              </a:defRPr>
+            </a:lvl8pPr>
+            <a:lvl9pPr marL="3657600" algn="l" defTabSz="914400" rtl="0" eaLnBrk="1" latinLnBrk="0" hangingPunct="1">
+              <a:defRPr sz="1800" kern="1200">
+                <a:solidFill>
+                  <a:schemeClr val="tx1"/>
+                </a:solidFill>
+                <a:latin typeface="+mn-lt"/>
+                <a:ea typeface="+mn-ea"/>
+                <a:cs typeface="+mn-cs"/>
+              </a:defRPr>
+            </a:lvl9pPr>
+          </a:lstStyle>
+          <a:p>
+            <a:r>
+              <a:rPr lang="de-DE" dirty="0"/>
+              <a:t>Vortrag LPDES – Viktor Dilman, Christoph Kirschner</a:t>
+            </a:r>
+            <a:endParaRPr lang="de-DE" dirty="0">
+              <a:latin typeface="Times New Roman"/>
+            </a:endParaRPr>
+          </a:p>
+        </p:txBody>
+      </p:sp>
+    </p:spTree>
+  </p:cSld>
+  <p:clrMapOvr>
+    <a:masterClrMapping/>
+  </p:clrMapOvr>
+</p:sld>
+</file>
+
+<file path=ppt/slides/slide15.xml><?xml version="1.0" encoding="utf-8"?>
+<p:sld xmlns:a="http://schemas.openxmlformats.org/drawingml/2006/main" xmlns:r="http://schemas.openxmlformats.org/officeDocument/2006/relationships" xmlns:p="http://schemas.openxmlformats.org/presentationml/2006/main">
+  <p:cSld>
+    <p:spTree>
+      <p:nvGrpSpPr>
+        <p:cNvPr id="1" name=""/>
+        <p:cNvGrpSpPr/>
+        <p:nvPr/>
+      </p:nvGrpSpPr>
+      <p:grpSpPr>
+        <a:xfrm>
+          <a:off x="0" y="0"/>
+          <a:ext cx="0" cy="0"/>
+          <a:chOff x="0" y="0"/>
+          <a:chExt cx="0" cy="0"/>
+        </a:xfrm>
+      </p:grpSpPr>
+      <p:sp>
+        <p:nvSpPr>
+          <p:cNvPr id="268" name="PlaceHolder 1"/>
           <p:cNvSpPr>
             <a:spLocks noGrp="1"/>
           </p:cNvSpPr>
@@ -12836,9 +13116,580 @@
                 </a:solidFill>
                 <a:latin typeface="Arial"/>
               </a:rPr>
-              <a:t>X. Oszillator </a:t>
+              <a:t>Quellen</a:t>
             </a:r>
             <a:endParaRPr lang="en-US" sz="2400" b="0" strike="noStrike" spc="-1">
+              <a:solidFill>
+                <a:srgbClr val="000000"/>
+              </a:solidFill>
+              <a:latin typeface="Arial"/>
+            </a:endParaRPr>
+          </a:p>
+        </p:txBody>
+      </p:sp>
+      <p:sp>
+        <p:nvSpPr>
+          <p:cNvPr id="269" name="PlaceHolder 2"/>
+          <p:cNvSpPr>
+            <a:spLocks noGrp="1"/>
+          </p:cNvSpPr>
+          <p:nvPr>
+            <p:ph/>
+          </p:nvPr>
+        </p:nvSpPr>
+        <p:spPr>
+          <a:xfrm>
+            <a:off x="252000" y="1012680"/>
+            <a:ext cx="8639640" cy="5151960"/>
+          </a:xfrm>
+          <a:prstGeom prst="rect">
+            <a:avLst/>
+          </a:prstGeom>
+          <a:noFill/>
+          <a:ln w="9360">
+            <a:noFill/>
+          </a:ln>
+        </p:spPr>
+        <p:txBody>
+          <a:bodyPr lIns="0" numCol="1" spcCol="0" anchor="t">
+            <a:noAutofit/>
+          </a:bodyPr>
+          <a:lstStyle/>
+          <a:p>
+            <a:pPr>
+              <a:lnSpc>
+                <a:spcPct val="100000"/>
+              </a:lnSpc>
+              <a:spcBef>
+                <a:spcPts val="700"/>
+              </a:spcBef>
+              <a:buNone/>
+              <a:tabLst>
+                <a:tab pos="0" algn="l"/>
+              </a:tabLst>
+            </a:pPr>
+            <a:r>
+              <a:rPr lang="de-DE" sz="1400" b="0" strike="noStrike" spc="-1" dirty="0">
+                <a:solidFill>
+                  <a:srgbClr val="000000"/>
+                </a:solidFill>
+                <a:latin typeface="Arial"/>
+              </a:rPr>
+              <a:t>[</a:t>
+            </a:r>
+            <a:r>
+              <a:rPr lang="de-DE" sz="1400" spc="-1" dirty="0">
+                <a:solidFill>
+                  <a:srgbClr val="000000"/>
+                </a:solidFill>
+                <a:latin typeface="Arial"/>
+              </a:rPr>
+              <a:t>1</a:t>
+            </a:r>
+            <a:r>
+              <a:rPr lang="de-DE" sz="1400" b="0" strike="noStrike" spc="-1" dirty="0">
+                <a:solidFill>
+                  <a:srgbClr val="000000"/>
+                </a:solidFill>
+                <a:latin typeface="Arial"/>
+              </a:rPr>
+              <a:t>] </a:t>
+            </a:r>
+            <a:r>
+              <a:rPr lang="de-DE" sz="1400" b="0" u="sng" strike="noStrike" spc="-1" dirty="0">
+                <a:solidFill>
+                  <a:srgbClr val="0046A0"/>
+                </a:solidFill>
+                <a:uFillTx/>
+                <a:latin typeface="Arial"/>
+                <a:hlinkClick r:id="rId3"/>
+              </a:rPr>
+              <a:t>https://www.ericasynths.lv/shop/diy-kits-1/mki-x-esedu-diy-system</a:t>
+            </a:r>
+            <a:endParaRPr lang="en-US" sz="1400" b="0" strike="noStrike" spc="-1" dirty="0">
+              <a:solidFill>
+                <a:srgbClr val="000000"/>
+              </a:solidFill>
+              <a:latin typeface="Arial"/>
+            </a:endParaRPr>
+          </a:p>
+          <a:p>
+            <a:pPr>
+              <a:lnSpc>
+                <a:spcPct val="100000"/>
+              </a:lnSpc>
+              <a:spcBef>
+                <a:spcPts val="700"/>
+              </a:spcBef>
+              <a:buNone/>
+              <a:tabLst>
+                <a:tab pos="0" algn="l"/>
+              </a:tabLst>
+            </a:pPr>
+            <a:r>
+              <a:rPr lang="de-DE" sz="1400" b="0" strike="noStrike" spc="-1" dirty="0">
+                <a:solidFill>
+                  <a:srgbClr val="000000"/>
+                </a:solidFill>
+                <a:latin typeface="Arial"/>
+              </a:rPr>
+              <a:t>[2] </a:t>
+            </a:r>
+            <a:r>
+              <a:rPr lang="de-DE" sz="1400" b="0" u="sng" strike="noStrike" spc="-1" dirty="0">
+                <a:solidFill>
+                  <a:srgbClr val="0046A0"/>
+                </a:solidFill>
+                <a:uFillTx/>
+                <a:latin typeface="Arial"/>
+                <a:hlinkClick r:id="rId4"/>
+              </a:rPr>
+              <a:t>https://www.ericasynths.lv/shop/diy-kits-1/edu-diy-vco/</a:t>
+            </a:r>
+            <a:endParaRPr lang="en-US" sz="1400" b="0" strike="noStrike" spc="-1" dirty="0">
+              <a:solidFill>
+                <a:srgbClr val="000000"/>
+              </a:solidFill>
+              <a:latin typeface="Arial"/>
+            </a:endParaRPr>
+          </a:p>
+          <a:p>
+            <a:pPr>
+              <a:lnSpc>
+                <a:spcPct val="100000"/>
+              </a:lnSpc>
+              <a:spcBef>
+                <a:spcPts val="700"/>
+              </a:spcBef>
+              <a:buNone/>
+              <a:tabLst>
+                <a:tab pos="0" algn="l"/>
+              </a:tabLst>
+            </a:pPr>
+            <a:r>
+              <a:rPr lang="de-DE" sz="1400" b="0" strike="noStrike" spc="-1" dirty="0">
+                <a:solidFill>
+                  <a:srgbClr val="000000"/>
+                </a:solidFill>
+                <a:latin typeface="Arial"/>
+              </a:rPr>
+              <a:t>[3] </a:t>
+            </a:r>
+            <a:r>
+              <a:rPr lang="de-DE" sz="1400" b="0" u="sng" strike="noStrike" spc="-1" dirty="0">
+                <a:solidFill>
+                  <a:srgbClr val="0046A0"/>
+                </a:solidFill>
+                <a:uFillTx/>
+                <a:latin typeface="Arial"/>
+                <a:hlinkClick r:id="rId5"/>
+              </a:rPr>
+              <a:t>https://www.ericasynths.lv/shop/diy-kits-1/edu-diy-mixer/</a:t>
+            </a:r>
+            <a:endParaRPr lang="en-US" sz="1400" b="0" strike="noStrike" spc="-1" dirty="0">
+              <a:solidFill>
+                <a:srgbClr val="000000"/>
+              </a:solidFill>
+              <a:latin typeface="Arial"/>
+            </a:endParaRPr>
+          </a:p>
+          <a:p>
+            <a:pPr>
+              <a:lnSpc>
+                <a:spcPct val="100000"/>
+              </a:lnSpc>
+              <a:spcBef>
+                <a:spcPts val="700"/>
+              </a:spcBef>
+              <a:buNone/>
+              <a:tabLst>
+                <a:tab pos="0" algn="l"/>
+              </a:tabLst>
+            </a:pPr>
+            <a:endParaRPr lang="en-US" sz="1400" b="0" strike="noStrike" spc="-1" dirty="0">
+              <a:solidFill>
+                <a:srgbClr val="000000"/>
+              </a:solidFill>
+              <a:latin typeface="Arial"/>
+            </a:endParaRPr>
+          </a:p>
+        </p:txBody>
+      </p:sp>
+      <p:sp>
+        <p:nvSpPr>
+          <p:cNvPr id="270" name="PlaceHolder 3"/>
+          <p:cNvSpPr>
+            <a:spLocks noGrp="1"/>
+          </p:cNvSpPr>
+          <p:nvPr>
+            <p:ph type="ftr" idx="28"/>
+          </p:nvPr>
+        </p:nvSpPr>
+        <p:spPr>
+          <a:xfrm>
+            <a:off x="252000" y="6381720"/>
+            <a:ext cx="7178400" cy="360000"/>
+          </a:xfrm>
+          <a:prstGeom prst="rect">
+            <a:avLst/>
+          </a:prstGeom>
+          <a:noFill/>
+          <a:ln w="9360">
+            <a:noFill/>
+          </a:ln>
+        </p:spPr>
+        <p:txBody>
+          <a:bodyPr lIns="0" tIns="0" rIns="0" bIns="0" numCol="1" spcCol="0" anchor="t">
+            <a:noAutofit/>
+          </a:bodyPr>
+          <a:lstStyle>
+            <a:lvl1pPr>
+              <a:lnSpc>
+                <a:spcPct val="100000"/>
+              </a:lnSpc>
+              <a:buNone/>
+              <a:defRPr lang="de-DE" sz="1000" b="0" strike="noStrike" spc="-1">
+                <a:solidFill>
+                  <a:srgbClr val="000000"/>
+                </a:solidFill>
+                <a:latin typeface="Arial"/>
+              </a:defRPr>
+            </a:lvl1pPr>
+          </a:lstStyle>
+          <a:p>
+            <a:pPr>
+              <a:lnSpc>
+                <a:spcPct val="100000"/>
+              </a:lnSpc>
+              <a:buNone/>
+            </a:pPr>
+            <a:r>
+              <a:rPr lang="de-DE" sz="1000" b="0" strike="noStrike" spc="-1">
+                <a:solidFill>
+                  <a:srgbClr val="000000"/>
+                </a:solidFill>
+                <a:latin typeface="Arial"/>
+              </a:rPr>
+              <a:t>Technische Hochschule Nürnberg Georg Simon Ohm</a:t>
+            </a:r>
+            <a:endParaRPr lang="de-DE" sz="1000" b="0" strike="noStrike" spc="-1">
+              <a:latin typeface="Times New Roman"/>
+            </a:endParaRPr>
+          </a:p>
+          <a:p>
+            <a:pPr>
+              <a:lnSpc>
+                <a:spcPct val="100000"/>
+              </a:lnSpc>
+              <a:buNone/>
+            </a:pPr>
+            <a:r>
+              <a:rPr lang="de-DE" sz="1000" b="0" strike="noStrike" spc="-1">
+                <a:solidFill>
+                  <a:srgbClr val="0046A0"/>
+                </a:solidFill>
+                <a:latin typeface="Arial"/>
+              </a:rPr>
+              <a:t>www.th-nuernberg.de</a:t>
+            </a:r>
+            <a:endParaRPr lang="de-DE" sz="1000" b="0" strike="noStrike" spc="-1">
+              <a:latin typeface="Times New Roman"/>
+            </a:endParaRPr>
+          </a:p>
+        </p:txBody>
+      </p:sp>
+      <p:sp>
+        <p:nvSpPr>
+          <p:cNvPr id="271" name="PlaceHolder 4"/>
+          <p:cNvSpPr>
+            <a:spLocks noGrp="1"/>
+          </p:cNvSpPr>
+          <p:nvPr>
+            <p:ph type="sldNum" idx="29"/>
+          </p:nvPr>
+        </p:nvSpPr>
+        <p:spPr>
+          <a:xfrm>
+            <a:off x="8174160" y="6381720"/>
+            <a:ext cx="718920" cy="178920"/>
+          </a:xfrm>
+          <a:prstGeom prst="rect">
+            <a:avLst/>
+          </a:prstGeom>
+          <a:noFill/>
+          <a:ln w="9360">
+            <a:noFill/>
+          </a:ln>
+        </p:spPr>
+        <p:txBody>
+          <a:bodyPr lIns="0" tIns="0" rIns="0" bIns="0" numCol="1" spcCol="0" anchor="t">
+            <a:noAutofit/>
+          </a:bodyPr>
+          <a:lstStyle>
+            <a:lvl1pPr algn="r">
+              <a:lnSpc>
+                <a:spcPct val="100000"/>
+              </a:lnSpc>
+              <a:buNone/>
+              <a:defRPr lang="de-DE" sz="1000" b="0" strike="noStrike" spc="-1">
+                <a:solidFill>
+                  <a:srgbClr val="000000"/>
+                </a:solidFill>
+                <a:latin typeface="Arial"/>
+              </a:defRPr>
+            </a:lvl1pPr>
+          </a:lstStyle>
+          <a:p>
+            <a:pPr algn="r">
+              <a:lnSpc>
+                <a:spcPct val="100000"/>
+              </a:lnSpc>
+              <a:buNone/>
+            </a:pPr>
+            <a:r>
+              <a:rPr lang="de-DE" sz="1000" b="0" strike="noStrike" spc="-1">
+                <a:solidFill>
+                  <a:srgbClr val="000000"/>
+                </a:solidFill>
+                <a:latin typeface="Arial"/>
+              </a:rPr>
+              <a:t>Seite </a:t>
+            </a:r>
+            <a:fld id="{F33C900E-0990-4A54-8565-724B73AAD5E9}" type="slidenum">
+              <a:rPr lang="de-DE" sz="1000" b="0" strike="noStrike" spc="-1">
+                <a:solidFill>
+                  <a:srgbClr val="000000"/>
+                </a:solidFill>
+                <a:latin typeface="Arial"/>
+              </a:rPr>
+              <a:t>15</a:t>
+            </a:fld>
+            <a:endParaRPr lang="de-DE" sz="1000" b="0" strike="noStrike" spc="-1">
+              <a:latin typeface="Times New Roman"/>
+            </a:endParaRPr>
+          </a:p>
+        </p:txBody>
+      </p:sp>
+      <p:sp>
+        <p:nvSpPr>
+          <p:cNvPr id="2" name="PlaceHolder 3">
+            <a:extLst>
+              <a:ext uri="{FF2B5EF4-FFF2-40B4-BE49-F238E27FC236}">
+                <a16:creationId xmlns:a16="http://schemas.microsoft.com/office/drawing/2014/main" id="{C9E2EC94-1A63-F643-E930-965FF8BAD973}"/>
+              </a:ext>
+            </a:extLst>
+          </p:cNvPr>
+          <p:cNvSpPr txBox="1">
+            <a:spLocks/>
+          </p:cNvSpPr>
+          <p:nvPr/>
+        </p:nvSpPr>
+        <p:spPr>
+          <a:xfrm>
+            <a:off x="3534033" y="6381720"/>
+            <a:ext cx="3220249" cy="360000"/>
+          </a:xfrm>
+          <a:prstGeom prst="rect">
+            <a:avLst/>
+          </a:prstGeom>
+          <a:noFill/>
+          <a:ln w="9360">
+            <a:noFill/>
+          </a:ln>
+        </p:spPr>
+        <p:txBody>
+          <a:bodyPr lIns="0" tIns="0" rIns="0" bIns="0" numCol="1" spcCol="0" anchor="t">
+            <a:noAutofit/>
+          </a:bodyPr>
+          <a:lstStyle>
+            <a:defPPr>
+              <a:defRPr lang="de-DE"/>
+            </a:defPPr>
+            <a:lvl1pPr marL="0" algn="l" defTabSz="914400" rtl="0" eaLnBrk="1" latinLnBrk="0" hangingPunct="1">
+              <a:lnSpc>
+                <a:spcPct val="100000"/>
+              </a:lnSpc>
+              <a:buNone/>
+              <a:defRPr lang="de-DE" sz="1000" b="0" strike="noStrike" kern="1200" spc="-1">
+                <a:solidFill>
+                  <a:srgbClr val="000000"/>
+                </a:solidFill>
+                <a:latin typeface="Arial"/>
+                <a:ea typeface="+mn-ea"/>
+                <a:cs typeface="+mn-cs"/>
+              </a:defRPr>
+            </a:lvl1pPr>
+            <a:lvl2pPr marL="457200" algn="l" defTabSz="914400" rtl="0" eaLnBrk="1" latinLnBrk="0" hangingPunct="1">
+              <a:defRPr sz="1800" kern="1200">
+                <a:solidFill>
+                  <a:schemeClr val="tx1"/>
+                </a:solidFill>
+                <a:latin typeface="+mn-lt"/>
+                <a:ea typeface="+mn-ea"/>
+                <a:cs typeface="+mn-cs"/>
+              </a:defRPr>
+            </a:lvl2pPr>
+            <a:lvl3pPr marL="914400" algn="l" defTabSz="914400" rtl="0" eaLnBrk="1" latinLnBrk="0" hangingPunct="1">
+              <a:defRPr sz="1800" kern="1200">
+                <a:solidFill>
+                  <a:schemeClr val="tx1"/>
+                </a:solidFill>
+                <a:latin typeface="+mn-lt"/>
+                <a:ea typeface="+mn-ea"/>
+                <a:cs typeface="+mn-cs"/>
+              </a:defRPr>
+            </a:lvl3pPr>
+            <a:lvl4pPr marL="1371600" algn="l" defTabSz="914400" rtl="0" eaLnBrk="1" latinLnBrk="0" hangingPunct="1">
+              <a:defRPr sz="1800" kern="1200">
+                <a:solidFill>
+                  <a:schemeClr val="tx1"/>
+                </a:solidFill>
+                <a:latin typeface="+mn-lt"/>
+                <a:ea typeface="+mn-ea"/>
+                <a:cs typeface="+mn-cs"/>
+              </a:defRPr>
+            </a:lvl4pPr>
+            <a:lvl5pPr marL="1828800" algn="l" defTabSz="914400" rtl="0" eaLnBrk="1" latinLnBrk="0" hangingPunct="1">
+              <a:defRPr sz="1800" kern="1200">
+                <a:solidFill>
+                  <a:schemeClr val="tx1"/>
+                </a:solidFill>
+                <a:latin typeface="+mn-lt"/>
+                <a:ea typeface="+mn-ea"/>
+                <a:cs typeface="+mn-cs"/>
+              </a:defRPr>
+            </a:lvl5pPr>
+            <a:lvl6pPr marL="2286000" algn="l" defTabSz="914400" rtl="0" eaLnBrk="1" latinLnBrk="0" hangingPunct="1">
+              <a:defRPr sz="1800" kern="1200">
+                <a:solidFill>
+                  <a:schemeClr val="tx1"/>
+                </a:solidFill>
+                <a:latin typeface="+mn-lt"/>
+                <a:ea typeface="+mn-ea"/>
+                <a:cs typeface="+mn-cs"/>
+              </a:defRPr>
+            </a:lvl6pPr>
+            <a:lvl7pPr marL="2743200" algn="l" defTabSz="914400" rtl="0" eaLnBrk="1" latinLnBrk="0" hangingPunct="1">
+              <a:defRPr sz="1800" kern="1200">
+                <a:solidFill>
+                  <a:schemeClr val="tx1"/>
+                </a:solidFill>
+                <a:latin typeface="+mn-lt"/>
+                <a:ea typeface="+mn-ea"/>
+                <a:cs typeface="+mn-cs"/>
+              </a:defRPr>
+            </a:lvl7pPr>
+            <a:lvl8pPr marL="3200400" algn="l" defTabSz="914400" rtl="0" eaLnBrk="1" latinLnBrk="0" hangingPunct="1">
+              <a:defRPr sz="1800" kern="1200">
+                <a:solidFill>
+                  <a:schemeClr val="tx1"/>
+                </a:solidFill>
+                <a:latin typeface="+mn-lt"/>
+                <a:ea typeface="+mn-ea"/>
+                <a:cs typeface="+mn-cs"/>
+              </a:defRPr>
+            </a:lvl8pPr>
+            <a:lvl9pPr marL="3657600" algn="l" defTabSz="914400" rtl="0" eaLnBrk="1" latinLnBrk="0" hangingPunct="1">
+              <a:defRPr sz="1800" kern="1200">
+                <a:solidFill>
+                  <a:schemeClr val="tx1"/>
+                </a:solidFill>
+                <a:latin typeface="+mn-lt"/>
+                <a:ea typeface="+mn-ea"/>
+                <a:cs typeface="+mn-cs"/>
+              </a:defRPr>
+            </a:lvl9pPr>
+          </a:lstStyle>
+          <a:p>
+            <a:r>
+              <a:rPr lang="de-DE" dirty="0"/>
+              <a:t>Vortrag LPDES – Viktor Dilman, Christoph Kirschner</a:t>
+            </a:r>
+            <a:endParaRPr lang="de-DE" dirty="0">
+              <a:latin typeface="Times New Roman"/>
+            </a:endParaRPr>
+          </a:p>
+        </p:txBody>
+      </p:sp>
+    </p:spTree>
+  </p:cSld>
+  <p:clrMapOvr>
+    <a:masterClrMapping/>
+  </p:clrMapOvr>
+</p:sld>
+</file>
+
+<file path=ppt/slides/slide16.xml><?xml version="1.0" encoding="utf-8"?>
+<p:sld xmlns:a="http://schemas.openxmlformats.org/drawingml/2006/main" xmlns:r="http://schemas.openxmlformats.org/officeDocument/2006/relationships" xmlns:p="http://schemas.openxmlformats.org/presentationml/2006/main" show="0">
+  <p:cSld>
+    <p:spTree>
+      <p:nvGrpSpPr>
+        <p:cNvPr id="1" name=""/>
+        <p:cNvGrpSpPr/>
+        <p:nvPr/>
+      </p:nvGrpSpPr>
+      <p:grpSpPr>
+        <a:xfrm>
+          <a:off x="0" y="0"/>
+          <a:ext cx="0" cy="0"/>
+          <a:chOff x="0" y="0"/>
+          <a:chExt cx="0" cy="0"/>
+        </a:xfrm>
+      </p:grpSpPr>
+      <p:sp>
+        <p:nvSpPr>
+          <p:cNvPr id="272" name="PlaceHolder 1"/>
+          <p:cNvSpPr>
+            <a:spLocks noGrp="1"/>
+          </p:cNvSpPr>
+          <p:nvPr>
+            <p:ph type="title"/>
+          </p:nvPr>
+        </p:nvSpPr>
+        <p:spPr>
+          <a:xfrm>
+            <a:off x="250920" y="188640"/>
+            <a:ext cx="8639640" cy="574200"/>
+          </a:xfrm>
+          <a:prstGeom prst="rect">
+            <a:avLst/>
+          </a:prstGeom>
+          <a:noFill/>
+          <a:ln w="9360">
+            <a:noFill/>
+          </a:ln>
+        </p:spPr>
+        <p:txBody>
+          <a:bodyPr lIns="0" tIns="0" rIns="0" bIns="0" numCol="1" spcCol="0" anchor="ctr">
+            <a:noAutofit/>
+          </a:bodyPr>
+          <a:lstStyle/>
+          <a:p>
+            <a:pPr>
+              <a:lnSpc>
+                <a:spcPct val="100000"/>
+              </a:lnSpc>
+              <a:buNone/>
+            </a:pPr>
+            <a:r>
+              <a:rPr lang="de-DE" sz="2400" b="1" strike="noStrike" spc="-1" dirty="0">
+                <a:solidFill>
+                  <a:srgbClr val="0046A0"/>
+                </a:solidFill>
+                <a:latin typeface="Arial"/>
+              </a:rPr>
+              <a:t>X. Oszillator (</a:t>
+            </a:r>
+            <a:r>
+              <a:rPr lang="de-DE" sz="2400" b="1" spc="-1" dirty="0">
+                <a:solidFill>
+                  <a:srgbClr val="0046A0"/>
+                </a:solidFill>
+                <a:latin typeface="Arial"/>
+              </a:rPr>
+              <a:t>Sägezahn)</a:t>
+            </a:r>
+            <a:endParaRPr lang="en-US" sz="2400" b="0" strike="noStrike" spc="-1" dirty="0">
               <a:solidFill>
                 <a:srgbClr val="000000"/>
               </a:solidFill>
@@ -13017,7 +13868,7 @@
                 </a:solidFill>
                 <a:latin typeface="Arial"/>
               </a:rPr>
-              <a:t>14</a:t>
+              <a:t>16</a:t>
             </a:fld>
             <a:endParaRPr lang="de-DE" sz="1000" b="0" strike="noStrike" spc="-1">
               <a:latin typeface="Times New Roman"/>
@@ -13376,14 +14227,83 @@
                 </a:solidFill>
                 <a:latin typeface="Arial"/>
               </a:rPr>
-              <a:t>Oszillatorschaltung</a:t>
+              <a:t>Low </a:t>
             </a:r>
-            <a:endParaRPr lang="en-US" sz="1800" b="0" strike="noStrike" spc="-1" dirty="0">
+            <a:r>
+              <a:rPr lang="de-DE" sz="1800" b="0" strike="noStrike" spc="-1" dirty="0" err="1">
+                <a:solidFill>
+                  <a:srgbClr val="000000"/>
+                </a:solidFill>
+                <a:latin typeface="Arial"/>
+              </a:rPr>
+              <a:t>Frequency</a:t>
+            </a:r>
+            <a:r>
+              <a:rPr lang="de-DE" sz="1800" b="0" strike="noStrike" spc="-1" dirty="0">
+                <a:solidFill>
+                  <a:srgbClr val="000000"/>
+                </a:solidFill>
+                <a:latin typeface="Arial"/>
+              </a:rPr>
+              <a:t> </a:t>
+            </a:r>
+            <a:r>
+              <a:rPr lang="de-DE" sz="1800" b="0" strike="noStrike" spc="-1" dirty="0" err="1">
+                <a:solidFill>
+                  <a:srgbClr val="000000"/>
+                </a:solidFill>
+                <a:latin typeface="Arial"/>
+              </a:rPr>
+              <a:t>Oscillator</a:t>
+            </a:r>
+            <a:endParaRPr lang="de-DE" sz="1800" b="0" strike="noStrike" spc="-1" dirty="0">
               <a:solidFill>
                 <a:srgbClr val="000000"/>
               </a:solidFill>
               <a:latin typeface="Arial"/>
             </a:endParaRPr>
+          </a:p>
+          <a:p>
+            <a:pPr marL="343080" indent="-343080">
+              <a:lnSpc>
+                <a:spcPct val="200000"/>
+              </a:lnSpc>
+              <a:spcBef>
+                <a:spcPts val="901"/>
+              </a:spcBef>
+              <a:buClr>
+                <a:srgbClr val="0046A0"/>
+              </a:buClr>
+              <a:buFont typeface="Monotype Sorts" charset="2"/>
+              <a:buAutoNum type="arabicPeriod"/>
+            </a:pPr>
+            <a:r>
+              <a:rPr lang="de-DE" sz="1800" spc="-1" dirty="0">
+                <a:solidFill>
+                  <a:srgbClr val="000000"/>
+                </a:solidFill>
+                <a:latin typeface="Arial"/>
+              </a:rPr>
+              <a:t>Rapid-</a:t>
+            </a:r>
+            <a:r>
+              <a:rPr lang="de-DE" sz="1800" spc="-1" dirty="0" err="1">
+                <a:solidFill>
+                  <a:srgbClr val="000000"/>
+                </a:solidFill>
+                <a:latin typeface="Arial"/>
+              </a:rPr>
+              <a:t>Prototyping</a:t>
+            </a:r>
+            <a:r>
+              <a:rPr lang="de-DE" sz="1800" spc="-1" dirty="0">
+                <a:solidFill>
+                  <a:srgbClr val="000000"/>
+                </a:solidFill>
+                <a:latin typeface="Arial"/>
+              </a:rPr>
+              <a:t> in Fusion 360</a:t>
+            </a:r>
           </a:p>
           <a:p>
             <a:pPr marL="343080" indent="-343080">
@@ -13406,7 +14326,17 @@
                 </a:solidFill>
                 <a:latin typeface="Arial"/>
               </a:rPr>
-              <a:t>Vorgehen bis zur fertigen Leiterplatte</a:t>
+              <a:t>Live-Vorführung </a:t>
+            </a:r>
+            <a:r>
+              <a:rPr lang="de-DE" sz="1800" b="0" strike="noStrike" spc="-1" dirty="0">
+                <a:solidFill>
+                  <a:srgbClr val="000000"/>
+                </a:solidFill>
+                <a:latin typeface="Arial"/>
+                <a:sym typeface="Wingdings" pitchFamily="2" charset="2"/>
+              </a:rPr>
+              <a:t></a:t>
             </a:r>
             <a:endParaRPr lang="en-US" sz="1800" b="0" strike="noStrike" spc="-1" dirty="0">
               <a:solidFill>
@@ -14478,7 +15408,7 @@
                 </a:solidFill>
                 <a:latin typeface="Arial"/>
               </a:rPr>
-              <a:t>2. Produktarchitektur: Synthesizer</a:t>
+              <a:t>2. Module in der elektr. Tonerzeugung</a:t>
             </a:r>
             <a:endParaRPr lang="en-US" sz="2400" b="0" strike="noStrike" spc="-1" dirty="0">
               <a:solidFill>
@@ -18904,7 +19834,7 @@
                 </a:solidFill>
                 <a:latin typeface="Arial"/>
               </a:rPr>
-              <a:t>2. Exemplarischer Aufbau: Synthesizer</a:t>
+              <a:t>2. Module in der elektr. Tonerzeugung</a:t>
             </a:r>
             <a:endParaRPr lang="en-US" sz="2400" b="0" strike="noStrike" spc="-1" dirty="0">
               <a:solidFill>
@@ -19128,7 +20058,7 @@
             <a:fontRef idx="minor"/>
           </p:style>
           <p:txBody>
-            <a:bodyPr wrap="square" lIns="72000" tIns="45000" rIns="90000" bIns="45000" anchor="ctr" anchorCtr="0">
+            <a:bodyPr wrap="square" lIns="72000" tIns="45000" rIns="90000" bIns="45000" anchor="t" anchorCtr="0">
               <a:noAutofit/>
             </a:bodyPr>
             <a:lstStyle/>
@@ -19398,7 +20328,7 @@
             <a:fontRef idx="minor"/>
           </p:style>
           <p:txBody>
-            <a:bodyPr wrap="square" lIns="72000" tIns="45000" rIns="90000" bIns="45000" anchor="ctr" anchorCtr="0">
+            <a:bodyPr wrap="square" lIns="72000" tIns="45000" rIns="90000" bIns="45000" anchor="t" anchorCtr="0">
               <a:noAutofit/>
             </a:bodyPr>
             <a:lstStyle/>
@@ -19527,7 +20457,7 @@
             <a:fontRef idx="minor"/>
           </p:style>
           <p:txBody>
-            <a:bodyPr wrap="square" lIns="72000" tIns="45000" rIns="90000" bIns="45000" anchor="ctr" anchorCtr="0">
+            <a:bodyPr wrap="square" lIns="72000" tIns="45000" rIns="90000" bIns="45000" anchor="t" anchorCtr="0">
               <a:noAutofit/>
             </a:bodyPr>
             <a:lstStyle/>
@@ -19656,7 +20586,7 @@
             <a:fontRef idx="minor"/>
           </p:style>
           <p:txBody>
-            <a:bodyPr wrap="square" lIns="72000" tIns="45000" rIns="90000" bIns="45000" anchor="ctr" anchorCtr="0">
+            <a:bodyPr wrap="square" lIns="72000" tIns="45000" rIns="90000" bIns="45000" anchor="t" anchorCtr="0">
               <a:noAutofit/>
             </a:bodyPr>
             <a:lstStyle/>
@@ -19917,7 +20847,7 @@
             <a:fontRef idx="minor"/>
           </p:style>
           <p:txBody>
-            <a:bodyPr wrap="square" lIns="72000" tIns="45000" rIns="90000" bIns="45000" anchor="ctr" anchorCtr="0">
+            <a:bodyPr wrap="square" lIns="72000" tIns="45000" rIns="90000" bIns="45000" anchor="t" anchorCtr="0">
               <a:noAutofit/>
             </a:bodyPr>
             <a:lstStyle/>
@@ -20504,6 +21434,1709 @@
           </p:style>
         </p:cxnSp>
       </p:grpSp>
+      <p:sp>
+        <p:nvSpPr>
+          <p:cNvPr id="3" name="Textfeld 2">
+            <a:extLst>
+              <a:ext uri="{FF2B5EF4-FFF2-40B4-BE49-F238E27FC236}">
+                <a16:creationId xmlns:a16="http://schemas.microsoft.com/office/drawing/2014/main" id="{2401537F-99F2-D7EE-708C-A354699E149E}"/>
+              </a:ext>
+            </a:extLst>
+          </p:cNvPr>
+          <p:cNvSpPr txBox="1"/>
+          <p:nvPr/>
+        </p:nvSpPr>
+        <p:spPr>
+          <a:xfrm>
+            <a:off x="387143" y="1724427"/>
+            <a:ext cx="2621295" cy="369332"/>
+          </a:xfrm>
+          <a:prstGeom prst="rect">
+            <a:avLst/>
+          </a:prstGeom>
+          <a:noFill/>
+        </p:spPr>
+        <p:txBody>
+          <a:bodyPr wrap="none" rtlCol="0">
+            <a:spAutoFit/>
+          </a:bodyPr>
+          <a:lstStyle/>
+          <a:p>
+            <a:r>
+              <a:rPr lang="de-DE" dirty="0"/>
+              <a:t>Exemplarischer Aufbau:</a:t>
+            </a:r>
+          </a:p>
+        </p:txBody>
+      </p:sp>
+      <p:pic>
+        <p:nvPicPr>
+          <p:cNvPr id="12" name="Grafik 11">
+            <a:extLst>
+              <a:ext uri="{FF2B5EF4-FFF2-40B4-BE49-F238E27FC236}">
+                <a16:creationId xmlns:a16="http://schemas.microsoft.com/office/drawing/2014/main" id="{6DB17ED8-6522-3D2B-4BA5-14114E10D667}"/>
+              </a:ext>
+            </a:extLst>
+          </p:cNvPr>
+          <p:cNvPicPr>
+            <a:picLocks noChangeAspect="1"/>
+          </p:cNvPicPr>
+          <p:nvPr/>
+        </p:nvPicPr>
+        <p:blipFill>
+          <a:blip r:embed="rId4">
+            <a:extLst>
+              <a:ext uri="{28A0092B-C50C-407E-A947-70E740481C1C}">
+                <a14:useLocalDpi xmlns:a14="http://schemas.microsoft.com/office/drawing/2010/main" val="0"/>
+              </a:ext>
+            </a:extLst>
+          </a:blip>
+          <a:stretch>
+            <a:fillRect/>
+          </a:stretch>
+        </p:blipFill>
+        <p:spPr>
+          <a:xfrm>
+            <a:off x="4028244" y="3205877"/>
+            <a:ext cx="435644" cy="248270"/>
+          </a:xfrm>
+          <a:prstGeom prst="rect">
+            <a:avLst/>
+          </a:prstGeom>
+        </p:spPr>
+      </p:pic>
+      <p:pic>
+        <p:nvPicPr>
+          <p:cNvPr id="24" name="Grafik 23">
+            <a:extLst>
+              <a:ext uri="{FF2B5EF4-FFF2-40B4-BE49-F238E27FC236}">
+                <a16:creationId xmlns:a16="http://schemas.microsoft.com/office/drawing/2014/main" id="{02542F4B-01D2-B4DE-A0F8-94300200E633}"/>
+              </a:ext>
+            </a:extLst>
+          </p:cNvPr>
+          <p:cNvPicPr>
+            <a:picLocks noChangeAspect="1"/>
+          </p:cNvPicPr>
+          <p:nvPr/>
+        </p:nvPicPr>
+        <p:blipFill>
+          <a:blip r:embed="rId5">
+            <a:extLst>
+              <a:ext uri="{28A0092B-C50C-407E-A947-70E740481C1C}">
+                <a14:useLocalDpi xmlns:a14="http://schemas.microsoft.com/office/drawing/2010/main" val="0"/>
+              </a:ext>
+            </a:extLst>
+          </a:blip>
+          <a:stretch>
+            <a:fillRect/>
+          </a:stretch>
+        </p:blipFill>
+        <p:spPr>
+          <a:xfrm>
+            <a:off x="5567987" y="3180730"/>
+            <a:ext cx="435643" cy="248270"/>
+          </a:xfrm>
+          <a:prstGeom prst="rect">
+            <a:avLst/>
+          </a:prstGeom>
+        </p:spPr>
+      </p:pic>
+      <p:grpSp>
+        <p:nvGrpSpPr>
+          <p:cNvPr id="54" name="Gruppieren 53">
+            <a:extLst>
+              <a:ext uri="{FF2B5EF4-FFF2-40B4-BE49-F238E27FC236}">
+                <a16:creationId xmlns:a16="http://schemas.microsoft.com/office/drawing/2014/main" id="{04EB9B11-98E6-5FA3-B0AC-75E4B53FA1C9}"/>
+              </a:ext>
+            </a:extLst>
+          </p:cNvPr>
+          <p:cNvGrpSpPr/>
+          <p:nvPr/>
+        </p:nvGrpSpPr>
+        <p:grpSpPr>
+          <a:xfrm>
+            <a:off x="2301323" y="3199524"/>
+            <a:ext cx="361507" cy="210682"/>
+            <a:chOff x="3666737" y="2345491"/>
+            <a:chExt cx="532920" cy="275401"/>
+          </a:xfrm>
+        </p:grpSpPr>
+        <p:cxnSp>
+          <p:nvCxnSpPr>
+            <p:cNvPr id="34" name="Gerade Verbindung 33">
+              <a:extLst>
+                <a:ext uri="{FF2B5EF4-FFF2-40B4-BE49-F238E27FC236}">
+                  <a16:creationId xmlns:a16="http://schemas.microsoft.com/office/drawing/2014/main" id="{E96A5F6E-41B9-CF44-131D-F204D70E6DB9}"/>
+                </a:ext>
+              </a:extLst>
+            </p:cNvPr>
+            <p:cNvCxnSpPr/>
+            <p:nvPr/>
+          </p:nvCxnSpPr>
+          <p:spPr>
+            <a:xfrm>
+              <a:off x="3666737" y="2347154"/>
+              <a:ext cx="0" cy="273738"/>
+            </a:xfrm>
+            <a:prstGeom prst="line">
+              <a:avLst/>
+            </a:prstGeom>
+            <a:ln>
+              <a:solidFill>
+                <a:srgbClr val="E63B3A"/>
+              </a:solidFill>
+            </a:ln>
+          </p:spPr>
+          <p:style>
+            <a:lnRef idx="1">
+              <a:schemeClr val="accent1"/>
+            </a:lnRef>
+            <a:fillRef idx="0">
+              <a:schemeClr val="accent1"/>
+            </a:fillRef>
+            <a:effectRef idx="0">
+              <a:schemeClr val="accent1"/>
+            </a:effectRef>
+            <a:fontRef idx="minor">
+              <a:schemeClr val="tx1"/>
+            </a:fontRef>
+          </p:style>
+        </p:cxnSp>
+        <p:cxnSp>
+          <p:nvCxnSpPr>
+            <p:cNvPr id="35" name="Gerade Verbindung 34">
+              <a:extLst>
+                <a:ext uri="{FF2B5EF4-FFF2-40B4-BE49-F238E27FC236}">
+                  <a16:creationId xmlns:a16="http://schemas.microsoft.com/office/drawing/2014/main" id="{68D3FD1F-C919-3E7B-316E-CBE6A59795B1}"/>
+                </a:ext>
+              </a:extLst>
+            </p:cNvPr>
+            <p:cNvCxnSpPr>
+              <a:cxnSpLocks/>
+            </p:cNvCxnSpPr>
+            <p:nvPr/>
+          </p:nvCxnSpPr>
+          <p:spPr>
+            <a:xfrm>
+              <a:off x="3666737" y="2347154"/>
+              <a:ext cx="171413" cy="273738"/>
+            </a:xfrm>
+            <a:prstGeom prst="line">
+              <a:avLst/>
+            </a:prstGeom>
+            <a:ln>
+              <a:solidFill>
+                <a:srgbClr val="E63B3A"/>
+              </a:solidFill>
+            </a:ln>
+          </p:spPr>
+          <p:style>
+            <a:lnRef idx="1">
+              <a:schemeClr val="accent1"/>
+            </a:lnRef>
+            <a:fillRef idx="0">
+              <a:schemeClr val="accent1"/>
+            </a:fillRef>
+            <a:effectRef idx="0">
+              <a:schemeClr val="accent1"/>
+            </a:effectRef>
+            <a:fontRef idx="minor">
+              <a:schemeClr val="tx1"/>
+            </a:fontRef>
+          </p:style>
+        </p:cxnSp>
+        <p:cxnSp>
+          <p:nvCxnSpPr>
+            <p:cNvPr id="39" name="Gerade Verbindung 38">
+              <a:extLst>
+                <a:ext uri="{FF2B5EF4-FFF2-40B4-BE49-F238E27FC236}">
+                  <a16:creationId xmlns:a16="http://schemas.microsoft.com/office/drawing/2014/main" id="{19EA0717-055A-4E04-9B0D-93AEA849CEA6}"/>
+                </a:ext>
+              </a:extLst>
+            </p:cNvPr>
+            <p:cNvCxnSpPr>
+              <a:cxnSpLocks/>
+            </p:cNvCxnSpPr>
+            <p:nvPr/>
+          </p:nvCxnSpPr>
+          <p:spPr>
+            <a:xfrm>
+              <a:off x="3838192" y="2345491"/>
+              <a:ext cx="0" cy="273738"/>
+            </a:xfrm>
+            <a:prstGeom prst="line">
+              <a:avLst/>
+            </a:prstGeom>
+            <a:ln>
+              <a:solidFill>
+                <a:srgbClr val="E63B3A"/>
+              </a:solidFill>
+            </a:ln>
+          </p:spPr>
+          <p:style>
+            <a:lnRef idx="1">
+              <a:schemeClr val="accent1"/>
+            </a:lnRef>
+            <a:fillRef idx="0">
+              <a:schemeClr val="accent1"/>
+            </a:fillRef>
+            <a:effectRef idx="0">
+              <a:schemeClr val="accent1"/>
+            </a:effectRef>
+            <a:fontRef idx="minor">
+              <a:schemeClr val="tx1"/>
+            </a:fontRef>
+          </p:style>
+        </p:cxnSp>
+        <p:cxnSp>
+          <p:nvCxnSpPr>
+            <p:cNvPr id="40" name="Gerade Verbindung 39">
+              <a:extLst>
+                <a:ext uri="{FF2B5EF4-FFF2-40B4-BE49-F238E27FC236}">
+                  <a16:creationId xmlns:a16="http://schemas.microsoft.com/office/drawing/2014/main" id="{D0DBCC50-8294-B459-B3E8-05083DD1926B}"/>
+                </a:ext>
+              </a:extLst>
+            </p:cNvPr>
+            <p:cNvCxnSpPr>
+              <a:cxnSpLocks/>
+            </p:cNvCxnSpPr>
+            <p:nvPr/>
+          </p:nvCxnSpPr>
+          <p:spPr>
+            <a:xfrm>
+              <a:off x="3838150" y="2345491"/>
+              <a:ext cx="182759" cy="275401"/>
+            </a:xfrm>
+            <a:prstGeom prst="line">
+              <a:avLst/>
+            </a:prstGeom>
+            <a:ln>
+              <a:solidFill>
+                <a:srgbClr val="E63B3A"/>
+              </a:solidFill>
+            </a:ln>
+          </p:spPr>
+          <p:style>
+            <a:lnRef idx="1">
+              <a:schemeClr val="accent1"/>
+            </a:lnRef>
+            <a:fillRef idx="0">
+              <a:schemeClr val="accent1"/>
+            </a:fillRef>
+            <a:effectRef idx="0">
+              <a:schemeClr val="accent1"/>
+            </a:effectRef>
+            <a:fontRef idx="minor">
+              <a:schemeClr val="tx1"/>
+            </a:fontRef>
+          </p:style>
+        </p:cxnSp>
+        <p:cxnSp>
+          <p:nvCxnSpPr>
+            <p:cNvPr id="45" name="Gerade Verbindung 44">
+              <a:extLst>
+                <a:ext uri="{FF2B5EF4-FFF2-40B4-BE49-F238E27FC236}">
+                  <a16:creationId xmlns:a16="http://schemas.microsoft.com/office/drawing/2014/main" id="{050B7611-D9FA-9C28-1E41-16F486549E93}"/>
+                </a:ext>
+              </a:extLst>
+            </p:cNvPr>
+            <p:cNvCxnSpPr>
+              <a:cxnSpLocks/>
+            </p:cNvCxnSpPr>
+            <p:nvPr/>
+          </p:nvCxnSpPr>
+          <p:spPr>
+            <a:xfrm>
+              <a:off x="4020909" y="2345491"/>
+              <a:ext cx="0" cy="273738"/>
+            </a:xfrm>
+            <a:prstGeom prst="line">
+              <a:avLst/>
+            </a:prstGeom>
+            <a:ln>
+              <a:solidFill>
+                <a:srgbClr val="E63B3A"/>
+              </a:solidFill>
+            </a:ln>
+          </p:spPr>
+          <p:style>
+            <a:lnRef idx="1">
+              <a:schemeClr val="accent1"/>
+            </a:lnRef>
+            <a:fillRef idx="0">
+              <a:schemeClr val="accent1"/>
+            </a:fillRef>
+            <a:effectRef idx="0">
+              <a:schemeClr val="accent1"/>
+            </a:effectRef>
+            <a:fontRef idx="minor">
+              <a:schemeClr val="tx1"/>
+            </a:fontRef>
+          </p:style>
+        </p:cxnSp>
+        <p:cxnSp>
+          <p:nvCxnSpPr>
+            <p:cNvPr id="46" name="Gerade Verbindung 45">
+              <a:extLst>
+                <a:ext uri="{FF2B5EF4-FFF2-40B4-BE49-F238E27FC236}">
+                  <a16:creationId xmlns:a16="http://schemas.microsoft.com/office/drawing/2014/main" id="{5BC443D1-98B5-D5FC-9578-1C2985CFA32B}"/>
+                </a:ext>
+              </a:extLst>
+            </p:cNvPr>
+            <p:cNvCxnSpPr>
+              <a:cxnSpLocks/>
+            </p:cNvCxnSpPr>
+            <p:nvPr/>
+          </p:nvCxnSpPr>
+          <p:spPr>
+            <a:xfrm>
+              <a:off x="4020909" y="2345491"/>
+              <a:ext cx="178748" cy="273738"/>
+            </a:xfrm>
+            <a:prstGeom prst="line">
+              <a:avLst/>
+            </a:prstGeom>
+            <a:ln>
+              <a:solidFill>
+                <a:srgbClr val="E63B3A"/>
+              </a:solidFill>
+            </a:ln>
+          </p:spPr>
+          <p:style>
+            <a:lnRef idx="1">
+              <a:schemeClr val="accent1"/>
+            </a:lnRef>
+            <a:fillRef idx="0">
+              <a:schemeClr val="accent1"/>
+            </a:fillRef>
+            <a:effectRef idx="0">
+              <a:schemeClr val="accent1"/>
+            </a:effectRef>
+            <a:fontRef idx="minor">
+              <a:schemeClr val="tx1"/>
+            </a:fontRef>
+          </p:style>
+        </p:cxnSp>
+      </p:grpSp>
+      <p:grpSp>
+        <p:nvGrpSpPr>
+          <p:cNvPr id="146" name="Gruppieren 145">
+            <a:extLst>
+              <a:ext uri="{FF2B5EF4-FFF2-40B4-BE49-F238E27FC236}">
+                <a16:creationId xmlns:a16="http://schemas.microsoft.com/office/drawing/2014/main" id="{4462062F-6505-969E-AF5E-345FFBFE184A}"/>
+              </a:ext>
+            </a:extLst>
+          </p:cNvPr>
+          <p:cNvGrpSpPr/>
+          <p:nvPr/>
+        </p:nvGrpSpPr>
+        <p:grpSpPr>
+          <a:xfrm>
+            <a:off x="2767781" y="3218657"/>
+            <a:ext cx="382439" cy="184700"/>
+            <a:chOff x="3447562" y="2180492"/>
+            <a:chExt cx="972031" cy="257908"/>
+          </a:xfrm>
+        </p:grpSpPr>
+        <p:cxnSp>
+          <p:nvCxnSpPr>
+            <p:cNvPr id="58" name="Gerade Verbindung 57">
+              <a:extLst>
+                <a:ext uri="{FF2B5EF4-FFF2-40B4-BE49-F238E27FC236}">
+                  <a16:creationId xmlns:a16="http://schemas.microsoft.com/office/drawing/2014/main" id="{60AB3A95-8CC1-2A64-7158-D5E5BF1D7F8B}"/>
+                </a:ext>
+              </a:extLst>
+            </p:cNvPr>
+            <p:cNvCxnSpPr/>
+            <p:nvPr/>
+          </p:nvCxnSpPr>
+          <p:spPr>
+            <a:xfrm>
+              <a:off x="3450737" y="2180492"/>
+              <a:ext cx="0" cy="257908"/>
+            </a:xfrm>
+            <a:prstGeom prst="line">
+              <a:avLst/>
+            </a:prstGeom>
+            <a:ln>
+              <a:solidFill>
+                <a:srgbClr val="E63B3A"/>
+              </a:solidFill>
+            </a:ln>
+          </p:spPr>
+          <p:style>
+            <a:lnRef idx="1">
+              <a:schemeClr val="accent1"/>
+            </a:lnRef>
+            <a:fillRef idx="0">
+              <a:schemeClr val="accent1"/>
+            </a:fillRef>
+            <a:effectRef idx="0">
+              <a:schemeClr val="accent1"/>
+            </a:effectRef>
+            <a:fontRef idx="minor">
+              <a:schemeClr val="tx1"/>
+            </a:fontRef>
+          </p:style>
+        </p:cxnSp>
+        <p:cxnSp>
+          <p:nvCxnSpPr>
+            <p:cNvPr id="60" name="Gerade Verbindung 59">
+              <a:extLst>
+                <a:ext uri="{FF2B5EF4-FFF2-40B4-BE49-F238E27FC236}">
+                  <a16:creationId xmlns:a16="http://schemas.microsoft.com/office/drawing/2014/main" id="{6C5A2329-4820-F791-2658-602F6FECDFCB}"/>
+                </a:ext>
+              </a:extLst>
+            </p:cNvPr>
+            <p:cNvCxnSpPr>
+              <a:cxnSpLocks/>
+            </p:cNvCxnSpPr>
+            <p:nvPr/>
+          </p:nvCxnSpPr>
+          <p:spPr>
+            <a:xfrm>
+              <a:off x="3447562" y="2180492"/>
+              <a:ext cx="245941" cy="0"/>
+            </a:xfrm>
+            <a:prstGeom prst="line">
+              <a:avLst/>
+            </a:prstGeom>
+            <a:ln>
+              <a:solidFill>
+                <a:srgbClr val="E63B3A"/>
+              </a:solidFill>
+            </a:ln>
+          </p:spPr>
+          <p:style>
+            <a:lnRef idx="1">
+              <a:schemeClr val="accent1"/>
+            </a:lnRef>
+            <a:fillRef idx="0">
+              <a:schemeClr val="accent1"/>
+            </a:fillRef>
+            <a:effectRef idx="0">
+              <a:schemeClr val="accent1"/>
+            </a:effectRef>
+            <a:fontRef idx="minor">
+              <a:schemeClr val="tx1"/>
+            </a:fontRef>
+          </p:style>
+        </p:cxnSp>
+        <p:cxnSp>
+          <p:nvCxnSpPr>
+            <p:cNvPr id="128" name="Gerade Verbindung 127">
+              <a:extLst>
+                <a:ext uri="{FF2B5EF4-FFF2-40B4-BE49-F238E27FC236}">
+                  <a16:creationId xmlns:a16="http://schemas.microsoft.com/office/drawing/2014/main" id="{8DF35B3C-E691-99E1-A4BD-9A5713205278}"/>
+                </a:ext>
+              </a:extLst>
+            </p:cNvPr>
+            <p:cNvCxnSpPr/>
+            <p:nvPr/>
+          </p:nvCxnSpPr>
+          <p:spPr>
+            <a:xfrm>
+              <a:off x="3693503" y="2180492"/>
+              <a:ext cx="0" cy="257908"/>
+            </a:xfrm>
+            <a:prstGeom prst="line">
+              <a:avLst/>
+            </a:prstGeom>
+            <a:ln>
+              <a:solidFill>
+                <a:srgbClr val="E63B3A"/>
+              </a:solidFill>
+            </a:ln>
+          </p:spPr>
+          <p:style>
+            <a:lnRef idx="1">
+              <a:schemeClr val="accent1"/>
+            </a:lnRef>
+            <a:fillRef idx="0">
+              <a:schemeClr val="accent1"/>
+            </a:fillRef>
+            <a:effectRef idx="0">
+              <a:schemeClr val="accent1"/>
+            </a:effectRef>
+            <a:fontRef idx="minor">
+              <a:schemeClr val="tx1"/>
+            </a:fontRef>
+          </p:style>
+        </p:cxnSp>
+        <p:cxnSp>
+          <p:nvCxnSpPr>
+            <p:cNvPr id="132" name="Gerade Verbindung 131">
+              <a:extLst>
+                <a:ext uri="{FF2B5EF4-FFF2-40B4-BE49-F238E27FC236}">
+                  <a16:creationId xmlns:a16="http://schemas.microsoft.com/office/drawing/2014/main" id="{A1BF08B7-1912-CB59-E3FF-113661B84BB6}"/>
+                </a:ext>
+              </a:extLst>
+            </p:cNvPr>
+            <p:cNvCxnSpPr/>
+            <p:nvPr/>
+          </p:nvCxnSpPr>
+          <p:spPr>
+            <a:xfrm>
+              <a:off x="3690328" y="2438400"/>
+              <a:ext cx="249359" cy="0"/>
+            </a:xfrm>
+            <a:prstGeom prst="line">
+              <a:avLst/>
+            </a:prstGeom>
+            <a:ln>
+              <a:solidFill>
+                <a:srgbClr val="E63B3A"/>
+              </a:solidFill>
+            </a:ln>
+          </p:spPr>
+          <p:style>
+            <a:lnRef idx="1">
+              <a:schemeClr val="accent1"/>
+            </a:lnRef>
+            <a:fillRef idx="0">
+              <a:schemeClr val="accent1"/>
+            </a:fillRef>
+            <a:effectRef idx="0">
+              <a:schemeClr val="accent1"/>
+            </a:effectRef>
+            <a:fontRef idx="minor">
+              <a:schemeClr val="tx1"/>
+            </a:fontRef>
+          </p:style>
+        </p:cxnSp>
+        <p:cxnSp>
+          <p:nvCxnSpPr>
+            <p:cNvPr id="134" name="Gerade Verbindung 133">
+              <a:extLst>
+                <a:ext uri="{FF2B5EF4-FFF2-40B4-BE49-F238E27FC236}">
+                  <a16:creationId xmlns:a16="http://schemas.microsoft.com/office/drawing/2014/main" id="{B67945A6-8633-F2E1-5B66-C7A88A784D8D}"/>
+                </a:ext>
+              </a:extLst>
+            </p:cNvPr>
+            <p:cNvCxnSpPr/>
+            <p:nvPr/>
+          </p:nvCxnSpPr>
+          <p:spPr>
+            <a:xfrm flipV="1">
+              <a:off x="3934802" y="2192215"/>
+              <a:ext cx="0" cy="246185"/>
+            </a:xfrm>
+            <a:prstGeom prst="line">
+              <a:avLst/>
+            </a:prstGeom>
+            <a:ln>
+              <a:solidFill>
+                <a:srgbClr val="E63B3A"/>
+              </a:solidFill>
+            </a:ln>
+          </p:spPr>
+          <p:style>
+            <a:lnRef idx="1">
+              <a:schemeClr val="accent1"/>
+            </a:lnRef>
+            <a:fillRef idx="0">
+              <a:schemeClr val="accent1"/>
+            </a:fillRef>
+            <a:effectRef idx="0">
+              <a:schemeClr val="accent1"/>
+            </a:effectRef>
+            <a:fontRef idx="minor">
+              <a:schemeClr val="tx1"/>
+            </a:fontRef>
+          </p:style>
+        </p:cxnSp>
+        <p:cxnSp>
+          <p:nvCxnSpPr>
+            <p:cNvPr id="141" name="Gerade Verbindung 140">
+              <a:extLst>
+                <a:ext uri="{FF2B5EF4-FFF2-40B4-BE49-F238E27FC236}">
+                  <a16:creationId xmlns:a16="http://schemas.microsoft.com/office/drawing/2014/main" id="{94BF0682-814D-FF57-DD60-368731ECD3D8}"/>
+                </a:ext>
+              </a:extLst>
+            </p:cNvPr>
+            <p:cNvCxnSpPr/>
+            <p:nvPr/>
+          </p:nvCxnSpPr>
+          <p:spPr>
+            <a:xfrm>
+              <a:off x="3930643" y="2180492"/>
+              <a:ext cx="0" cy="257908"/>
+            </a:xfrm>
+            <a:prstGeom prst="line">
+              <a:avLst/>
+            </a:prstGeom>
+            <a:ln>
+              <a:solidFill>
+                <a:srgbClr val="E63B3A"/>
+              </a:solidFill>
+            </a:ln>
+          </p:spPr>
+          <p:style>
+            <a:lnRef idx="1">
+              <a:schemeClr val="accent1"/>
+            </a:lnRef>
+            <a:fillRef idx="0">
+              <a:schemeClr val="accent1"/>
+            </a:fillRef>
+            <a:effectRef idx="0">
+              <a:schemeClr val="accent1"/>
+            </a:effectRef>
+            <a:fontRef idx="minor">
+              <a:schemeClr val="tx1"/>
+            </a:fontRef>
+          </p:style>
+        </p:cxnSp>
+        <p:cxnSp>
+          <p:nvCxnSpPr>
+            <p:cNvPr id="142" name="Gerade Verbindung 141">
+              <a:extLst>
+                <a:ext uri="{FF2B5EF4-FFF2-40B4-BE49-F238E27FC236}">
+                  <a16:creationId xmlns:a16="http://schemas.microsoft.com/office/drawing/2014/main" id="{A708E193-D0AE-700A-F0FC-9F1826B7ADA9}"/>
+                </a:ext>
+              </a:extLst>
+            </p:cNvPr>
+            <p:cNvCxnSpPr>
+              <a:cxnSpLocks/>
+            </p:cNvCxnSpPr>
+            <p:nvPr/>
+          </p:nvCxnSpPr>
+          <p:spPr>
+            <a:xfrm>
+              <a:off x="3927468" y="2180492"/>
+              <a:ext cx="245941" cy="0"/>
+            </a:xfrm>
+            <a:prstGeom prst="line">
+              <a:avLst/>
+            </a:prstGeom>
+            <a:ln>
+              <a:solidFill>
+                <a:srgbClr val="E63B3A"/>
+              </a:solidFill>
+            </a:ln>
+          </p:spPr>
+          <p:style>
+            <a:lnRef idx="1">
+              <a:schemeClr val="accent1"/>
+            </a:lnRef>
+            <a:fillRef idx="0">
+              <a:schemeClr val="accent1"/>
+            </a:fillRef>
+            <a:effectRef idx="0">
+              <a:schemeClr val="accent1"/>
+            </a:effectRef>
+            <a:fontRef idx="minor">
+              <a:schemeClr val="tx1"/>
+            </a:fontRef>
+          </p:style>
+        </p:cxnSp>
+        <p:cxnSp>
+          <p:nvCxnSpPr>
+            <p:cNvPr id="143" name="Gerade Verbindung 142">
+              <a:extLst>
+                <a:ext uri="{FF2B5EF4-FFF2-40B4-BE49-F238E27FC236}">
+                  <a16:creationId xmlns:a16="http://schemas.microsoft.com/office/drawing/2014/main" id="{2D94A669-26CA-6191-7BD0-DDED7085D376}"/>
+                </a:ext>
+              </a:extLst>
+            </p:cNvPr>
+            <p:cNvCxnSpPr/>
+            <p:nvPr/>
+          </p:nvCxnSpPr>
+          <p:spPr>
+            <a:xfrm>
+              <a:off x="4173409" y="2180492"/>
+              <a:ext cx="0" cy="257908"/>
+            </a:xfrm>
+            <a:prstGeom prst="line">
+              <a:avLst/>
+            </a:prstGeom>
+            <a:ln>
+              <a:solidFill>
+                <a:srgbClr val="E63B3A"/>
+              </a:solidFill>
+            </a:ln>
+          </p:spPr>
+          <p:style>
+            <a:lnRef idx="1">
+              <a:schemeClr val="accent1"/>
+            </a:lnRef>
+            <a:fillRef idx="0">
+              <a:schemeClr val="accent1"/>
+            </a:fillRef>
+            <a:effectRef idx="0">
+              <a:schemeClr val="accent1"/>
+            </a:effectRef>
+            <a:fontRef idx="minor">
+              <a:schemeClr val="tx1"/>
+            </a:fontRef>
+          </p:style>
+        </p:cxnSp>
+        <p:cxnSp>
+          <p:nvCxnSpPr>
+            <p:cNvPr id="144" name="Gerade Verbindung 143">
+              <a:extLst>
+                <a:ext uri="{FF2B5EF4-FFF2-40B4-BE49-F238E27FC236}">
+                  <a16:creationId xmlns:a16="http://schemas.microsoft.com/office/drawing/2014/main" id="{6D2F9711-6E1C-565E-F307-A7135D68E5C0}"/>
+                </a:ext>
+              </a:extLst>
+            </p:cNvPr>
+            <p:cNvCxnSpPr/>
+            <p:nvPr/>
+          </p:nvCxnSpPr>
+          <p:spPr>
+            <a:xfrm>
+              <a:off x="4170234" y="2438400"/>
+              <a:ext cx="249359" cy="0"/>
+            </a:xfrm>
+            <a:prstGeom prst="line">
+              <a:avLst/>
+            </a:prstGeom>
+            <a:ln>
+              <a:solidFill>
+                <a:srgbClr val="E63B3A"/>
+              </a:solidFill>
+            </a:ln>
+          </p:spPr>
+          <p:style>
+            <a:lnRef idx="1">
+              <a:schemeClr val="accent1"/>
+            </a:lnRef>
+            <a:fillRef idx="0">
+              <a:schemeClr val="accent1"/>
+            </a:fillRef>
+            <a:effectRef idx="0">
+              <a:schemeClr val="accent1"/>
+            </a:effectRef>
+            <a:fontRef idx="minor">
+              <a:schemeClr val="tx1"/>
+            </a:fontRef>
+          </p:style>
+        </p:cxnSp>
+      </p:grpSp>
+      <p:grpSp>
+        <p:nvGrpSpPr>
+          <p:cNvPr id="176" name="Gruppieren 175">
+            <a:extLst>
+              <a:ext uri="{FF2B5EF4-FFF2-40B4-BE49-F238E27FC236}">
+                <a16:creationId xmlns:a16="http://schemas.microsoft.com/office/drawing/2014/main" id="{2DC13E35-BA69-91D7-B48F-F3A4F0F6CE95}"/>
+              </a:ext>
+            </a:extLst>
+          </p:cNvPr>
+          <p:cNvGrpSpPr/>
+          <p:nvPr/>
+        </p:nvGrpSpPr>
+        <p:grpSpPr>
+          <a:xfrm>
+            <a:off x="735165" y="3218656"/>
+            <a:ext cx="668900" cy="222712"/>
+            <a:chOff x="2927331" y="1835276"/>
+            <a:chExt cx="1721827" cy="793624"/>
+          </a:xfrm>
+        </p:grpSpPr>
+        <p:cxnSp>
+          <p:nvCxnSpPr>
+            <p:cNvPr id="148" name="Gerade Verbindung 147">
+              <a:extLst>
+                <a:ext uri="{FF2B5EF4-FFF2-40B4-BE49-F238E27FC236}">
+                  <a16:creationId xmlns:a16="http://schemas.microsoft.com/office/drawing/2014/main" id="{BA7C1AAD-738D-5AE5-E90D-3D5659671359}"/>
+                </a:ext>
+              </a:extLst>
+            </p:cNvPr>
+            <p:cNvCxnSpPr/>
+            <p:nvPr/>
+          </p:nvCxnSpPr>
+          <p:spPr>
+            <a:xfrm>
+              <a:off x="3142927" y="2344983"/>
+              <a:ext cx="0" cy="254365"/>
+            </a:xfrm>
+            <a:prstGeom prst="line">
+              <a:avLst/>
+            </a:prstGeom>
+            <a:ln>
+              <a:solidFill>
+                <a:srgbClr val="E63B3A"/>
+              </a:solidFill>
+            </a:ln>
+          </p:spPr>
+          <p:style>
+            <a:lnRef idx="1">
+              <a:schemeClr val="accent1"/>
+            </a:lnRef>
+            <a:fillRef idx="0">
+              <a:schemeClr val="accent1"/>
+            </a:fillRef>
+            <a:effectRef idx="0">
+              <a:schemeClr val="accent1"/>
+            </a:effectRef>
+            <a:fontRef idx="minor">
+              <a:schemeClr val="tx1"/>
+            </a:fontRef>
+          </p:style>
+        </p:cxnSp>
+        <p:cxnSp>
+          <p:nvCxnSpPr>
+            <p:cNvPr id="149" name="Gerade Verbindung 148">
+              <a:extLst>
+                <a:ext uri="{FF2B5EF4-FFF2-40B4-BE49-F238E27FC236}">
+                  <a16:creationId xmlns:a16="http://schemas.microsoft.com/office/drawing/2014/main" id="{A809290F-D905-AC84-2C88-1AC9556042C8}"/>
+                </a:ext>
+              </a:extLst>
+            </p:cNvPr>
+            <p:cNvCxnSpPr>
+              <a:cxnSpLocks/>
+            </p:cNvCxnSpPr>
+            <p:nvPr/>
+          </p:nvCxnSpPr>
+          <p:spPr>
+            <a:xfrm>
+              <a:off x="3140139" y="2344983"/>
+              <a:ext cx="215983" cy="0"/>
+            </a:xfrm>
+            <a:prstGeom prst="line">
+              <a:avLst/>
+            </a:prstGeom>
+            <a:ln>
+              <a:solidFill>
+                <a:srgbClr val="E63B3A"/>
+              </a:solidFill>
+            </a:ln>
+          </p:spPr>
+          <p:style>
+            <a:lnRef idx="1">
+              <a:schemeClr val="accent1"/>
+            </a:lnRef>
+            <a:fillRef idx="0">
+              <a:schemeClr val="accent1"/>
+            </a:fillRef>
+            <a:effectRef idx="0">
+              <a:schemeClr val="accent1"/>
+            </a:effectRef>
+            <a:fontRef idx="minor">
+              <a:schemeClr val="tx1"/>
+            </a:fontRef>
+          </p:style>
+        </p:cxnSp>
+        <p:cxnSp>
+          <p:nvCxnSpPr>
+            <p:cNvPr id="151" name="Gerade Verbindung 150">
+              <a:extLst>
+                <a:ext uri="{FF2B5EF4-FFF2-40B4-BE49-F238E27FC236}">
+                  <a16:creationId xmlns:a16="http://schemas.microsoft.com/office/drawing/2014/main" id="{16BDCC9E-3A50-3987-3447-4C65BF117500}"/>
+                </a:ext>
+              </a:extLst>
+            </p:cNvPr>
+            <p:cNvCxnSpPr/>
+            <p:nvPr/>
+          </p:nvCxnSpPr>
+          <p:spPr>
+            <a:xfrm>
+              <a:off x="3352218" y="2089641"/>
+              <a:ext cx="218985" cy="0"/>
+            </a:xfrm>
+            <a:prstGeom prst="line">
+              <a:avLst/>
+            </a:prstGeom>
+            <a:ln>
+              <a:solidFill>
+                <a:srgbClr val="E63B3A"/>
+              </a:solidFill>
+            </a:ln>
+          </p:spPr>
+          <p:style>
+            <a:lnRef idx="1">
+              <a:schemeClr val="accent1"/>
+            </a:lnRef>
+            <a:fillRef idx="0">
+              <a:schemeClr val="accent1"/>
+            </a:fillRef>
+            <a:effectRef idx="0">
+              <a:schemeClr val="accent1"/>
+            </a:effectRef>
+            <a:fontRef idx="minor">
+              <a:schemeClr val="tx1"/>
+            </a:fontRef>
+          </p:style>
+        </p:cxnSp>
+        <p:cxnSp>
+          <p:nvCxnSpPr>
+            <p:cNvPr id="157" name="Gerade Verbindung 156">
+              <a:extLst>
+                <a:ext uri="{FF2B5EF4-FFF2-40B4-BE49-F238E27FC236}">
+                  <a16:creationId xmlns:a16="http://schemas.microsoft.com/office/drawing/2014/main" id="{DC0590F8-5085-B1CC-8769-663F44F29171}"/>
+                </a:ext>
+              </a:extLst>
+            </p:cNvPr>
+            <p:cNvCxnSpPr/>
+            <p:nvPr/>
+          </p:nvCxnSpPr>
+          <p:spPr>
+            <a:xfrm>
+              <a:off x="3356509" y="2090618"/>
+              <a:ext cx="0" cy="254365"/>
+            </a:xfrm>
+            <a:prstGeom prst="line">
+              <a:avLst/>
+            </a:prstGeom>
+            <a:ln>
+              <a:solidFill>
+                <a:srgbClr val="E63B3A"/>
+              </a:solidFill>
+            </a:ln>
+          </p:spPr>
+          <p:style>
+            <a:lnRef idx="1">
+              <a:schemeClr val="accent1"/>
+            </a:lnRef>
+            <a:fillRef idx="0">
+              <a:schemeClr val="accent1"/>
+            </a:fillRef>
+            <a:effectRef idx="0">
+              <a:schemeClr val="accent1"/>
+            </a:effectRef>
+            <a:fontRef idx="minor">
+              <a:schemeClr val="tx1"/>
+            </a:fontRef>
+          </p:style>
+        </p:cxnSp>
+        <p:cxnSp>
+          <p:nvCxnSpPr>
+            <p:cNvPr id="160" name="Gerade Verbindung 159">
+              <a:extLst>
+                <a:ext uri="{FF2B5EF4-FFF2-40B4-BE49-F238E27FC236}">
+                  <a16:creationId xmlns:a16="http://schemas.microsoft.com/office/drawing/2014/main" id="{2F07559B-04EE-E7B8-61EC-EA4A1389EF9B}"/>
+                </a:ext>
+              </a:extLst>
+            </p:cNvPr>
+            <p:cNvCxnSpPr/>
+            <p:nvPr/>
+          </p:nvCxnSpPr>
+          <p:spPr>
+            <a:xfrm>
+              <a:off x="3571737" y="1835276"/>
+              <a:ext cx="0" cy="254365"/>
+            </a:xfrm>
+            <a:prstGeom prst="line">
+              <a:avLst/>
+            </a:prstGeom>
+            <a:ln>
+              <a:solidFill>
+                <a:srgbClr val="E63B3A"/>
+              </a:solidFill>
+            </a:ln>
+          </p:spPr>
+          <p:style>
+            <a:lnRef idx="1">
+              <a:schemeClr val="accent1"/>
+            </a:lnRef>
+            <a:fillRef idx="0">
+              <a:schemeClr val="accent1"/>
+            </a:fillRef>
+            <a:effectRef idx="0">
+              <a:schemeClr val="accent1"/>
+            </a:effectRef>
+            <a:fontRef idx="minor">
+              <a:schemeClr val="tx1"/>
+            </a:fontRef>
+          </p:style>
+        </p:cxnSp>
+        <p:cxnSp>
+          <p:nvCxnSpPr>
+            <p:cNvPr id="161" name="Gerade Verbindung 160">
+              <a:extLst>
+                <a:ext uri="{FF2B5EF4-FFF2-40B4-BE49-F238E27FC236}">
+                  <a16:creationId xmlns:a16="http://schemas.microsoft.com/office/drawing/2014/main" id="{FC7F82D7-1C0A-7F71-AF5A-41ED41BEE312}"/>
+                </a:ext>
+              </a:extLst>
+            </p:cNvPr>
+            <p:cNvCxnSpPr/>
+            <p:nvPr/>
+          </p:nvCxnSpPr>
+          <p:spPr>
+            <a:xfrm>
+              <a:off x="3571203" y="1835276"/>
+              <a:ext cx="218985" cy="0"/>
+            </a:xfrm>
+            <a:prstGeom prst="line">
+              <a:avLst/>
+            </a:prstGeom>
+            <a:ln>
+              <a:solidFill>
+                <a:srgbClr val="E63B3A"/>
+              </a:solidFill>
+            </a:ln>
+          </p:spPr>
+          <p:style>
+            <a:lnRef idx="1">
+              <a:schemeClr val="accent1"/>
+            </a:lnRef>
+            <a:fillRef idx="0">
+              <a:schemeClr val="accent1"/>
+            </a:fillRef>
+            <a:effectRef idx="0">
+              <a:schemeClr val="accent1"/>
+            </a:effectRef>
+            <a:fontRef idx="minor">
+              <a:schemeClr val="tx1"/>
+            </a:fontRef>
+          </p:style>
+        </p:cxnSp>
+        <p:cxnSp>
+          <p:nvCxnSpPr>
+            <p:cNvPr id="162" name="Gerade Verbindung 161">
+              <a:extLst>
+                <a:ext uri="{FF2B5EF4-FFF2-40B4-BE49-F238E27FC236}">
+                  <a16:creationId xmlns:a16="http://schemas.microsoft.com/office/drawing/2014/main" id="{2D861B17-2E74-3363-8F29-A366EA6DAFA5}"/>
+                </a:ext>
+              </a:extLst>
+            </p:cNvPr>
+            <p:cNvCxnSpPr>
+              <a:cxnSpLocks/>
+            </p:cNvCxnSpPr>
+            <p:nvPr/>
+          </p:nvCxnSpPr>
+          <p:spPr>
+            <a:xfrm>
+              <a:off x="3790188" y="1835276"/>
+              <a:ext cx="0" cy="793624"/>
+            </a:xfrm>
+            <a:prstGeom prst="line">
+              <a:avLst/>
+            </a:prstGeom>
+            <a:ln>
+              <a:solidFill>
+                <a:srgbClr val="E63B3A"/>
+              </a:solidFill>
+            </a:ln>
+          </p:spPr>
+          <p:style>
+            <a:lnRef idx="1">
+              <a:schemeClr val="accent1"/>
+            </a:lnRef>
+            <a:fillRef idx="0">
+              <a:schemeClr val="accent1"/>
+            </a:fillRef>
+            <a:effectRef idx="0">
+              <a:schemeClr val="accent1"/>
+            </a:effectRef>
+            <a:fontRef idx="minor">
+              <a:schemeClr val="tx1"/>
+            </a:fontRef>
+          </p:style>
+        </p:cxnSp>
+        <p:cxnSp>
+          <p:nvCxnSpPr>
+            <p:cNvPr id="164" name="Gerade Verbindung 163">
+              <a:extLst>
+                <a:ext uri="{FF2B5EF4-FFF2-40B4-BE49-F238E27FC236}">
+                  <a16:creationId xmlns:a16="http://schemas.microsoft.com/office/drawing/2014/main" id="{F7CE827A-0F97-36F2-015A-51155D9C8659}"/>
+                </a:ext>
+              </a:extLst>
+            </p:cNvPr>
+            <p:cNvCxnSpPr>
+              <a:cxnSpLocks/>
+            </p:cNvCxnSpPr>
+            <p:nvPr/>
+          </p:nvCxnSpPr>
+          <p:spPr>
+            <a:xfrm>
+              <a:off x="3790188" y="2618033"/>
+              <a:ext cx="215983" cy="0"/>
+            </a:xfrm>
+            <a:prstGeom prst="line">
+              <a:avLst/>
+            </a:prstGeom>
+            <a:ln>
+              <a:solidFill>
+                <a:srgbClr val="E63B3A"/>
+              </a:solidFill>
+            </a:ln>
+          </p:spPr>
+          <p:style>
+            <a:lnRef idx="1">
+              <a:schemeClr val="accent1"/>
+            </a:lnRef>
+            <a:fillRef idx="0">
+              <a:schemeClr val="accent1"/>
+            </a:fillRef>
+            <a:effectRef idx="0">
+              <a:schemeClr val="accent1"/>
+            </a:effectRef>
+            <a:fontRef idx="minor">
+              <a:schemeClr val="tx1"/>
+            </a:fontRef>
+          </p:style>
+        </p:cxnSp>
+        <p:cxnSp>
+          <p:nvCxnSpPr>
+            <p:cNvPr id="166" name="Gerade Verbindung 165">
+              <a:extLst>
+                <a:ext uri="{FF2B5EF4-FFF2-40B4-BE49-F238E27FC236}">
+                  <a16:creationId xmlns:a16="http://schemas.microsoft.com/office/drawing/2014/main" id="{027F7DF2-7AE8-575D-B446-C410A0964D98}"/>
+                </a:ext>
+              </a:extLst>
+            </p:cNvPr>
+            <p:cNvCxnSpPr/>
+            <p:nvPr/>
+          </p:nvCxnSpPr>
+          <p:spPr>
+            <a:xfrm>
+              <a:off x="4001897" y="2370691"/>
+              <a:ext cx="0" cy="254365"/>
+            </a:xfrm>
+            <a:prstGeom prst="line">
+              <a:avLst/>
+            </a:prstGeom>
+            <a:ln>
+              <a:solidFill>
+                <a:srgbClr val="E63B3A"/>
+              </a:solidFill>
+            </a:ln>
+          </p:spPr>
+          <p:style>
+            <a:lnRef idx="1">
+              <a:schemeClr val="accent1"/>
+            </a:lnRef>
+            <a:fillRef idx="0">
+              <a:schemeClr val="accent1"/>
+            </a:fillRef>
+            <a:effectRef idx="0">
+              <a:schemeClr val="accent1"/>
+            </a:effectRef>
+            <a:fontRef idx="minor">
+              <a:schemeClr val="tx1"/>
+            </a:fontRef>
+          </p:style>
+        </p:cxnSp>
+        <p:cxnSp>
+          <p:nvCxnSpPr>
+            <p:cNvPr id="167" name="Gerade Verbindung 166">
+              <a:extLst>
+                <a:ext uri="{FF2B5EF4-FFF2-40B4-BE49-F238E27FC236}">
+                  <a16:creationId xmlns:a16="http://schemas.microsoft.com/office/drawing/2014/main" id="{C0780D01-1BDF-96B0-35E4-8FA4FE82BD96}"/>
+                </a:ext>
+              </a:extLst>
+            </p:cNvPr>
+            <p:cNvCxnSpPr>
+              <a:cxnSpLocks/>
+            </p:cNvCxnSpPr>
+            <p:nvPr/>
+          </p:nvCxnSpPr>
+          <p:spPr>
+            <a:xfrm>
+              <a:off x="3999109" y="2370691"/>
+              <a:ext cx="215983" cy="0"/>
+            </a:xfrm>
+            <a:prstGeom prst="line">
+              <a:avLst/>
+            </a:prstGeom>
+            <a:ln>
+              <a:solidFill>
+                <a:srgbClr val="E63B3A"/>
+              </a:solidFill>
+            </a:ln>
+          </p:spPr>
+          <p:style>
+            <a:lnRef idx="1">
+              <a:schemeClr val="accent1"/>
+            </a:lnRef>
+            <a:fillRef idx="0">
+              <a:schemeClr val="accent1"/>
+            </a:fillRef>
+            <a:effectRef idx="0">
+              <a:schemeClr val="accent1"/>
+            </a:effectRef>
+            <a:fontRef idx="minor">
+              <a:schemeClr val="tx1"/>
+            </a:fontRef>
+          </p:style>
+        </p:cxnSp>
+        <p:cxnSp>
+          <p:nvCxnSpPr>
+            <p:cNvPr id="168" name="Gerade Verbindung 167">
+              <a:extLst>
+                <a:ext uri="{FF2B5EF4-FFF2-40B4-BE49-F238E27FC236}">
+                  <a16:creationId xmlns:a16="http://schemas.microsoft.com/office/drawing/2014/main" id="{C7B5B63F-F0F0-FCA1-6487-CF8B0FEE4BCB}"/>
+                </a:ext>
+              </a:extLst>
+            </p:cNvPr>
+            <p:cNvCxnSpPr/>
+            <p:nvPr/>
+          </p:nvCxnSpPr>
+          <p:spPr>
+            <a:xfrm>
+              <a:off x="4211188" y="2115349"/>
+              <a:ext cx="218985" cy="0"/>
+            </a:xfrm>
+            <a:prstGeom prst="line">
+              <a:avLst/>
+            </a:prstGeom>
+            <a:ln>
+              <a:solidFill>
+                <a:srgbClr val="E63B3A"/>
+              </a:solidFill>
+            </a:ln>
+          </p:spPr>
+          <p:style>
+            <a:lnRef idx="1">
+              <a:schemeClr val="accent1"/>
+            </a:lnRef>
+            <a:fillRef idx="0">
+              <a:schemeClr val="accent1"/>
+            </a:fillRef>
+            <a:effectRef idx="0">
+              <a:schemeClr val="accent1"/>
+            </a:effectRef>
+            <a:fontRef idx="minor">
+              <a:schemeClr val="tx1"/>
+            </a:fontRef>
+          </p:style>
+        </p:cxnSp>
+        <p:cxnSp>
+          <p:nvCxnSpPr>
+            <p:cNvPr id="172" name="Gerade Verbindung 171">
+              <a:extLst>
+                <a:ext uri="{FF2B5EF4-FFF2-40B4-BE49-F238E27FC236}">
+                  <a16:creationId xmlns:a16="http://schemas.microsoft.com/office/drawing/2014/main" id="{320DBEF7-E9C2-2CDF-3034-34D50ABBA096}"/>
+                </a:ext>
+              </a:extLst>
+            </p:cNvPr>
+            <p:cNvCxnSpPr/>
+            <p:nvPr/>
+          </p:nvCxnSpPr>
+          <p:spPr>
+            <a:xfrm>
+              <a:off x="4215479" y="2116326"/>
+              <a:ext cx="0" cy="254365"/>
+            </a:xfrm>
+            <a:prstGeom prst="line">
+              <a:avLst/>
+            </a:prstGeom>
+            <a:ln>
+              <a:solidFill>
+                <a:srgbClr val="E63B3A"/>
+              </a:solidFill>
+            </a:ln>
+          </p:spPr>
+          <p:style>
+            <a:lnRef idx="1">
+              <a:schemeClr val="accent1"/>
+            </a:lnRef>
+            <a:fillRef idx="0">
+              <a:schemeClr val="accent1"/>
+            </a:fillRef>
+            <a:effectRef idx="0">
+              <a:schemeClr val="accent1"/>
+            </a:effectRef>
+            <a:fontRef idx="minor">
+              <a:schemeClr val="tx1"/>
+            </a:fontRef>
+          </p:style>
+        </p:cxnSp>
+        <p:cxnSp>
+          <p:nvCxnSpPr>
+            <p:cNvPr id="173" name="Gerade Verbindung 172">
+              <a:extLst>
+                <a:ext uri="{FF2B5EF4-FFF2-40B4-BE49-F238E27FC236}">
+                  <a16:creationId xmlns:a16="http://schemas.microsoft.com/office/drawing/2014/main" id="{1DAE80D8-8F6C-4997-2B8F-4950E0884E9D}"/>
+                </a:ext>
+              </a:extLst>
+            </p:cNvPr>
+            <p:cNvCxnSpPr/>
+            <p:nvPr/>
+          </p:nvCxnSpPr>
+          <p:spPr>
+            <a:xfrm>
+              <a:off x="4430707" y="1860984"/>
+              <a:ext cx="0" cy="254365"/>
+            </a:xfrm>
+            <a:prstGeom prst="line">
+              <a:avLst/>
+            </a:prstGeom>
+            <a:ln>
+              <a:solidFill>
+                <a:srgbClr val="E63B3A"/>
+              </a:solidFill>
+            </a:ln>
+          </p:spPr>
+          <p:style>
+            <a:lnRef idx="1">
+              <a:schemeClr val="accent1"/>
+            </a:lnRef>
+            <a:fillRef idx="0">
+              <a:schemeClr val="accent1"/>
+            </a:fillRef>
+            <a:effectRef idx="0">
+              <a:schemeClr val="accent1"/>
+            </a:effectRef>
+            <a:fontRef idx="minor">
+              <a:schemeClr val="tx1"/>
+            </a:fontRef>
+          </p:style>
+        </p:cxnSp>
+        <p:cxnSp>
+          <p:nvCxnSpPr>
+            <p:cNvPr id="174" name="Gerade Verbindung 173">
+              <a:extLst>
+                <a:ext uri="{FF2B5EF4-FFF2-40B4-BE49-F238E27FC236}">
+                  <a16:creationId xmlns:a16="http://schemas.microsoft.com/office/drawing/2014/main" id="{EC50A5A7-CBF9-FCE1-6C23-AF9A973B61D9}"/>
+                </a:ext>
+              </a:extLst>
+            </p:cNvPr>
+            <p:cNvCxnSpPr/>
+            <p:nvPr/>
+          </p:nvCxnSpPr>
+          <p:spPr>
+            <a:xfrm>
+              <a:off x="4430173" y="1860984"/>
+              <a:ext cx="218985" cy="0"/>
+            </a:xfrm>
+            <a:prstGeom prst="line">
+              <a:avLst/>
+            </a:prstGeom>
+            <a:ln>
+              <a:solidFill>
+                <a:srgbClr val="E63B3A"/>
+              </a:solidFill>
+            </a:ln>
+          </p:spPr>
+          <p:style>
+            <a:lnRef idx="1">
+              <a:schemeClr val="accent1"/>
+            </a:lnRef>
+            <a:fillRef idx="0">
+              <a:schemeClr val="accent1"/>
+            </a:fillRef>
+            <a:effectRef idx="0">
+              <a:schemeClr val="accent1"/>
+            </a:effectRef>
+            <a:fontRef idx="minor">
+              <a:schemeClr val="tx1"/>
+            </a:fontRef>
+          </p:style>
+        </p:cxnSp>
+        <p:cxnSp>
+          <p:nvCxnSpPr>
+            <p:cNvPr id="175" name="Gerade Verbindung 174">
+              <a:extLst>
+                <a:ext uri="{FF2B5EF4-FFF2-40B4-BE49-F238E27FC236}">
+                  <a16:creationId xmlns:a16="http://schemas.microsoft.com/office/drawing/2014/main" id="{0A43E9EA-F26F-69C5-E989-A03995956736}"/>
+                </a:ext>
+              </a:extLst>
+            </p:cNvPr>
+            <p:cNvCxnSpPr>
+              <a:cxnSpLocks/>
+            </p:cNvCxnSpPr>
+            <p:nvPr/>
+          </p:nvCxnSpPr>
+          <p:spPr>
+            <a:xfrm>
+              <a:off x="2927331" y="2591656"/>
+              <a:ext cx="215983" cy="0"/>
+            </a:xfrm>
+            <a:prstGeom prst="line">
+              <a:avLst/>
+            </a:prstGeom>
+            <a:ln>
+              <a:solidFill>
+                <a:srgbClr val="E63B3A"/>
+              </a:solidFill>
+            </a:ln>
+          </p:spPr>
+          <p:style>
+            <a:lnRef idx="1">
+              <a:schemeClr val="accent1"/>
+            </a:lnRef>
+            <a:fillRef idx="0">
+              <a:schemeClr val="accent1"/>
+            </a:fillRef>
+            <a:effectRef idx="0">
+              <a:schemeClr val="accent1"/>
+            </a:effectRef>
+            <a:fontRef idx="minor">
+              <a:schemeClr val="tx1"/>
+            </a:fontRef>
+          </p:style>
+        </p:cxnSp>
+      </p:grpSp>
+      <p:grpSp>
+        <p:nvGrpSpPr>
+          <p:cNvPr id="214" name="Gruppieren 213">
+            <a:extLst>
+              <a:ext uri="{FF2B5EF4-FFF2-40B4-BE49-F238E27FC236}">
+                <a16:creationId xmlns:a16="http://schemas.microsoft.com/office/drawing/2014/main" id="{B358D928-E212-7463-68AC-EE170CEDCFD3}"/>
+              </a:ext>
+            </a:extLst>
+          </p:cNvPr>
+          <p:cNvGrpSpPr/>
+          <p:nvPr/>
+        </p:nvGrpSpPr>
+        <p:grpSpPr>
+          <a:xfrm>
+            <a:off x="4703958" y="4559531"/>
+            <a:ext cx="589927" cy="226491"/>
+            <a:chOff x="2016868" y="4824310"/>
+            <a:chExt cx="1245371" cy="226491"/>
+          </a:xfrm>
+        </p:grpSpPr>
+        <p:cxnSp>
+          <p:nvCxnSpPr>
+            <p:cNvPr id="196" name="Gerade Verbindung 195">
+              <a:extLst>
+                <a:ext uri="{FF2B5EF4-FFF2-40B4-BE49-F238E27FC236}">
+                  <a16:creationId xmlns:a16="http://schemas.microsoft.com/office/drawing/2014/main" id="{5B04DA48-D66D-EBCB-DF97-90E319051213}"/>
+                </a:ext>
+              </a:extLst>
+            </p:cNvPr>
+            <p:cNvCxnSpPr>
+              <a:cxnSpLocks/>
+            </p:cNvCxnSpPr>
+            <p:nvPr/>
+          </p:nvCxnSpPr>
+          <p:spPr>
+            <a:xfrm flipH="1">
+              <a:off x="2016868" y="4841391"/>
+              <a:ext cx="188075" cy="209409"/>
+            </a:xfrm>
+            <a:prstGeom prst="line">
+              <a:avLst/>
+            </a:prstGeom>
+            <a:ln>
+              <a:solidFill>
+                <a:srgbClr val="E63B3A"/>
+              </a:solidFill>
+            </a:ln>
+          </p:spPr>
+          <p:style>
+            <a:lnRef idx="1">
+              <a:schemeClr val="accent1"/>
+            </a:lnRef>
+            <a:fillRef idx="0">
+              <a:schemeClr val="accent1"/>
+            </a:fillRef>
+            <a:effectRef idx="0">
+              <a:schemeClr val="accent1"/>
+            </a:effectRef>
+            <a:fontRef idx="minor">
+              <a:schemeClr val="tx1"/>
+            </a:fontRef>
+          </p:style>
+        </p:cxnSp>
+        <p:cxnSp>
+          <p:nvCxnSpPr>
+            <p:cNvPr id="197" name="Gerade Verbindung 196">
+              <a:extLst>
+                <a:ext uri="{FF2B5EF4-FFF2-40B4-BE49-F238E27FC236}">
+                  <a16:creationId xmlns:a16="http://schemas.microsoft.com/office/drawing/2014/main" id="{022A4571-1820-686D-8387-FB1BC1A64812}"/>
+                </a:ext>
+              </a:extLst>
+            </p:cNvPr>
+            <p:cNvCxnSpPr>
+              <a:cxnSpLocks/>
+            </p:cNvCxnSpPr>
+            <p:nvPr/>
+          </p:nvCxnSpPr>
+          <p:spPr>
+            <a:xfrm>
+              <a:off x="2204943" y="4841391"/>
+              <a:ext cx="227537" cy="209410"/>
+            </a:xfrm>
+            <a:prstGeom prst="line">
+              <a:avLst/>
+            </a:prstGeom>
+            <a:ln>
+              <a:solidFill>
+                <a:srgbClr val="E63B3A"/>
+              </a:solidFill>
+            </a:ln>
+          </p:spPr>
+          <p:style>
+            <a:lnRef idx="1">
+              <a:schemeClr val="accent1"/>
+            </a:lnRef>
+            <a:fillRef idx="0">
+              <a:schemeClr val="accent1"/>
+            </a:fillRef>
+            <a:effectRef idx="0">
+              <a:schemeClr val="accent1"/>
+            </a:effectRef>
+            <a:fontRef idx="minor">
+              <a:schemeClr val="tx1"/>
+            </a:fontRef>
+          </p:style>
+        </p:cxnSp>
+        <p:cxnSp>
+          <p:nvCxnSpPr>
+            <p:cNvPr id="208" name="Gerade Verbindung 207">
+              <a:extLst>
+                <a:ext uri="{FF2B5EF4-FFF2-40B4-BE49-F238E27FC236}">
+                  <a16:creationId xmlns:a16="http://schemas.microsoft.com/office/drawing/2014/main" id="{2330533E-AECA-6191-D403-A131D05AC4BA}"/>
+                </a:ext>
+              </a:extLst>
+            </p:cNvPr>
+            <p:cNvCxnSpPr>
+              <a:cxnSpLocks/>
+            </p:cNvCxnSpPr>
+            <p:nvPr/>
+          </p:nvCxnSpPr>
+          <p:spPr>
+            <a:xfrm flipH="1">
+              <a:off x="2432480" y="4831687"/>
+              <a:ext cx="188075" cy="209409"/>
+            </a:xfrm>
+            <a:prstGeom prst="line">
+              <a:avLst/>
+            </a:prstGeom>
+            <a:ln>
+              <a:solidFill>
+                <a:srgbClr val="E63B3A"/>
+              </a:solidFill>
+            </a:ln>
+          </p:spPr>
+          <p:style>
+            <a:lnRef idx="1">
+              <a:schemeClr val="accent1"/>
+            </a:lnRef>
+            <a:fillRef idx="0">
+              <a:schemeClr val="accent1"/>
+            </a:fillRef>
+            <a:effectRef idx="0">
+              <a:schemeClr val="accent1"/>
+            </a:effectRef>
+            <a:fontRef idx="minor">
+              <a:schemeClr val="tx1"/>
+            </a:fontRef>
+          </p:style>
+        </p:cxnSp>
+        <p:cxnSp>
+          <p:nvCxnSpPr>
+            <p:cNvPr id="209" name="Gerade Verbindung 208">
+              <a:extLst>
+                <a:ext uri="{FF2B5EF4-FFF2-40B4-BE49-F238E27FC236}">
+                  <a16:creationId xmlns:a16="http://schemas.microsoft.com/office/drawing/2014/main" id="{F0703267-FC0B-1C0F-5EA2-372AB16A5AF3}"/>
+                </a:ext>
+              </a:extLst>
+            </p:cNvPr>
+            <p:cNvCxnSpPr>
+              <a:cxnSpLocks/>
+            </p:cNvCxnSpPr>
+            <p:nvPr/>
+          </p:nvCxnSpPr>
+          <p:spPr>
+            <a:xfrm>
+              <a:off x="2620555" y="4831687"/>
+              <a:ext cx="227537" cy="209410"/>
+            </a:xfrm>
+            <a:prstGeom prst="line">
+              <a:avLst/>
+            </a:prstGeom>
+            <a:ln>
+              <a:solidFill>
+                <a:srgbClr val="E63B3A"/>
+              </a:solidFill>
+            </a:ln>
+          </p:spPr>
+          <p:style>
+            <a:lnRef idx="1">
+              <a:schemeClr val="accent1"/>
+            </a:lnRef>
+            <a:fillRef idx="0">
+              <a:schemeClr val="accent1"/>
+            </a:fillRef>
+            <a:effectRef idx="0">
+              <a:schemeClr val="accent1"/>
+            </a:effectRef>
+            <a:fontRef idx="minor">
+              <a:schemeClr val="tx1"/>
+            </a:fontRef>
+          </p:style>
+        </p:cxnSp>
+        <p:cxnSp>
+          <p:nvCxnSpPr>
+            <p:cNvPr id="210" name="Gerade Verbindung 209">
+              <a:extLst>
+                <a:ext uri="{FF2B5EF4-FFF2-40B4-BE49-F238E27FC236}">
+                  <a16:creationId xmlns:a16="http://schemas.microsoft.com/office/drawing/2014/main" id="{DB128AB1-8B0D-DFBA-67FA-4F8DB91B75C7}"/>
+                </a:ext>
+              </a:extLst>
+            </p:cNvPr>
+            <p:cNvCxnSpPr>
+              <a:cxnSpLocks/>
+            </p:cNvCxnSpPr>
+            <p:nvPr/>
+          </p:nvCxnSpPr>
+          <p:spPr>
+            <a:xfrm flipH="1">
+              <a:off x="2846627" y="4824310"/>
+              <a:ext cx="188075" cy="209409"/>
+            </a:xfrm>
+            <a:prstGeom prst="line">
+              <a:avLst/>
+            </a:prstGeom>
+            <a:ln>
+              <a:solidFill>
+                <a:srgbClr val="E63B3A"/>
+              </a:solidFill>
+            </a:ln>
+          </p:spPr>
+          <p:style>
+            <a:lnRef idx="1">
+              <a:schemeClr val="accent1"/>
+            </a:lnRef>
+            <a:fillRef idx="0">
+              <a:schemeClr val="accent1"/>
+            </a:fillRef>
+            <a:effectRef idx="0">
+              <a:schemeClr val="accent1"/>
+            </a:effectRef>
+            <a:fontRef idx="minor">
+              <a:schemeClr val="tx1"/>
+            </a:fontRef>
+          </p:style>
+        </p:cxnSp>
+        <p:cxnSp>
+          <p:nvCxnSpPr>
+            <p:cNvPr id="211" name="Gerade Verbindung 210">
+              <a:extLst>
+                <a:ext uri="{FF2B5EF4-FFF2-40B4-BE49-F238E27FC236}">
+                  <a16:creationId xmlns:a16="http://schemas.microsoft.com/office/drawing/2014/main" id="{7916A495-F16F-735E-F6F5-AADB4C12ADDE}"/>
+                </a:ext>
+              </a:extLst>
+            </p:cNvPr>
+            <p:cNvCxnSpPr>
+              <a:cxnSpLocks/>
+            </p:cNvCxnSpPr>
+            <p:nvPr/>
+          </p:nvCxnSpPr>
+          <p:spPr>
+            <a:xfrm>
+              <a:off x="3034702" y="4824310"/>
+              <a:ext cx="227537" cy="209410"/>
+            </a:xfrm>
+            <a:prstGeom prst="line">
+              <a:avLst/>
+            </a:prstGeom>
+            <a:ln>
+              <a:solidFill>
+                <a:srgbClr val="E63B3A"/>
+              </a:solidFill>
+            </a:ln>
+          </p:spPr>
+          <p:style>
+            <a:lnRef idx="1">
+              <a:schemeClr val="accent1"/>
+            </a:lnRef>
+            <a:fillRef idx="0">
+              <a:schemeClr val="accent1"/>
+            </a:fillRef>
+            <a:effectRef idx="0">
+              <a:schemeClr val="accent1"/>
+            </a:effectRef>
+            <a:fontRef idx="minor">
+              <a:schemeClr val="tx1"/>
+            </a:fontRef>
+          </p:style>
+        </p:cxnSp>
+      </p:grpSp>
     </p:spTree>
     <p:extLst>
       <p:ext uri="{BB962C8B-B14F-4D97-AF65-F5344CB8AC3E}">
@@ -20570,15 +23203,42 @@
               <a:buNone/>
             </a:pPr>
             <a:r>
-              <a:rPr lang="de-DE" sz="2400" b="1" strike="noStrike" spc="-1">
+              <a:rPr lang="de-DE" sz="2400" b="1" spc="-1" dirty="0">
                 <a:solidFill>
                   <a:srgbClr val="0046A0"/>
                 </a:solidFill>
                 <a:latin typeface="Arial"/>
               </a:rPr>
-              <a:t>4.1  Low Frequency Oszillator</a:t>
+              <a:t>3</a:t>
             </a:r>
-            <a:endParaRPr lang="en-US" sz="2400" b="0" strike="noStrike" spc="-1">
+            <a:r>
+              <a:rPr lang="de-DE" sz="2400" b="1" strike="noStrike" spc="-1" dirty="0">
+                <a:solidFill>
+                  <a:srgbClr val="0046A0"/>
+                </a:solidFill>
+                <a:latin typeface="Arial"/>
+              </a:rPr>
+              <a:t>.1  Low </a:t>
+            </a:r>
+            <a:r>
+              <a:rPr lang="de-DE" sz="2400" b="1" strike="noStrike" spc="-1" dirty="0" err="1">
+                <a:solidFill>
+                  <a:srgbClr val="0046A0"/>
+                </a:solidFill>
+                <a:latin typeface="Arial"/>
+              </a:rPr>
+              <a:t>Frequency</a:t>
+            </a:r>
+            <a:r>
+              <a:rPr lang="de-DE" sz="2400" b="1" strike="noStrike" spc="-1" dirty="0">
+                <a:solidFill>
+                  <a:srgbClr val="0046A0"/>
+                </a:solidFill>
+                <a:latin typeface="Arial"/>
+              </a:rPr>
+              <a:t> Oszillator </a:t>
+            </a:r>
+            <a:endParaRPr lang="en-US" sz="2400" b="0" strike="noStrike" spc="-1" dirty="0">
               <a:solidFill>
                 <a:srgbClr val="000000"/>
               </a:solidFill>
@@ -20967,15 +23627,42 @@
               <a:buNone/>
             </a:pPr>
             <a:r>
-              <a:rPr lang="de-DE" sz="2400" b="1" strike="noStrike" spc="-1">
+              <a:rPr lang="de-DE" sz="2400" b="1" spc="-1" dirty="0">
                 <a:solidFill>
                   <a:srgbClr val="0046A0"/>
                 </a:solidFill>
                 <a:latin typeface="Arial"/>
               </a:rPr>
-              <a:t>4.1  Low Frequency Oszillator</a:t>
+              <a:t>3</a:t>
             </a:r>
-            <a:endParaRPr lang="en-US" sz="2400" b="0" strike="noStrike" spc="-1">
+            <a:r>
+              <a:rPr lang="de-DE" sz="2400" b="1" strike="noStrike" spc="-1" dirty="0">
+                <a:solidFill>
+                  <a:srgbClr val="0046A0"/>
+                </a:solidFill>
+                <a:latin typeface="Arial"/>
+              </a:rPr>
+              <a:t>.1  Low </a:t>
+            </a:r>
+            <a:r>
+              <a:rPr lang="de-DE" sz="2400" b="1" strike="noStrike" spc="-1" dirty="0" err="1">
+                <a:solidFill>
+                  <a:srgbClr val="0046A0"/>
+                </a:solidFill>
+                <a:latin typeface="Arial"/>
+              </a:rPr>
+              <a:t>Frequency</a:t>
+            </a:r>
+            <a:r>
+              <a:rPr lang="de-DE" sz="2400" b="1" strike="noStrike" spc="-1" dirty="0">
+                <a:solidFill>
+                  <a:srgbClr val="0046A0"/>
+                </a:solidFill>
+                <a:latin typeface="Arial"/>
+              </a:rPr>
+              <a:t> Oszillator</a:t>
+            </a:r>
+            <a:endParaRPr lang="en-US" sz="2400" b="0" strike="noStrike" spc="-1" dirty="0">
               <a:solidFill>
                 <a:srgbClr val="000000"/>
               </a:solidFill>
@@ -21977,45 +24664,10 @@
       </p:sp>
       <p:sp>
         <p:nvSpPr>
-          <p:cNvPr id="2" name="Textfeld 1">
+          <p:cNvPr id="2" name="PlaceHolder 3">
             <a:extLst>
               <a:ext uri="{FF2B5EF4-FFF2-40B4-BE49-F238E27FC236}">
-                <a16:creationId xmlns:a16="http://schemas.microsoft.com/office/drawing/2014/main" id="{C6AAF646-EACA-FCD0-3CEA-3ED4434A7CC8}"/>
-              </a:ext>
-            </a:extLst>
-          </p:cNvPr>
-          <p:cNvSpPr txBox="1"/>
-          <p:nvPr/>
-        </p:nvSpPr>
-        <p:spPr>
-          <a:xfrm>
-            <a:off x="2805193" y="2572719"/>
-            <a:ext cx="3159839" cy="369332"/>
-          </a:xfrm>
-          <a:prstGeom prst="rect">
-            <a:avLst/>
-          </a:prstGeom>
-          <a:noFill/>
-        </p:spPr>
-        <p:txBody>
-          <a:bodyPr wrap="none" rtlCol="0">
-            <a:spAutoFit/>
-          </a:bodyPr>
-          <a:lstStyle/>
-          <a:p>
-            <a:r>
-              <a:rPr lang="de-DE" dirty="0"/>
-              <a:t>Frontplatten design in Fusion</a:t>
-            </a:r>
-          </a:p>
-        </p:txBody>
-      </p:sp>
-      <p:sp>
-        <p:nvSpPr>
-          <p:cNvPr id="3" name="PlaceHolder 3">
-            <a:extLst>
-              <a:ext uri="{FF2B5EF4-FFF2-40B4-BE49-F238E27FC236}">
-                <a16:creationId xmlns:a16="http://schemas.microsoft.com/office/drawing/2014/main" id="{BA5AF1FA-5195-B4A8-776F-E464CF74B12F}"/>
+                <a16:creationId xmlns:a16="http://schemas.microsoft.com/office/drawing/2014/main" id="{A0F15FFA-1505-2B5B-D6E4-5C0B2BC5F5E4}"/>
               </a:ext>
             </a:extLst>
           </p:cNvPr>
@@ -22151,10 +24803,61 @@
           </a:p>
         </p:txBody>
       </p:sp>
+      <p:sp>
+        <p:nvSpPr>
+          <p:cNvPr id="3" name="Textfeld 2">
+            <a:extLst>
+              <a:ext uri="{FF2B5EF4-FFF2-40B4-BE49-F238E27FC236}">
+                <a16:creationId xmlns:a16="http://schemas.microsoft.com/office/drawing/2014/main" id="{91DC1B49-A025-9991-654F-DEE1305B7BA1}"/>
+              </a:ext>
+            </a:extLst>
+          </p:cNvPr>
+          <p:cNvSpPr txBox="1"/>
+          <p:nvPr/>
+        </p:nvSpPr>
+        <p:spPr>
+          <a:xfrm>
+            <a:off x="1936012" y="3059668"/>
+            <a:ext cx="5269456" cy="369332"/>
+          </a:xfrm>
+          <a:prstGeom prst="rect">
+            <a:avLst/>
+          </a:prstGeom>
+          <a:noFill/>
+        </p:spPr>
+        <p:txBody>
+          <a:bodyPr wrap="none" rtlCol="0">
+            <a:spAutoFit/>
+          </a:bodyPr>
+          <a:lstStyle/>
+          <a:p>
+            <a:r>
+              <a:rPr lang="de-DE" dirty="0"/>
+              <a:t>https://</a:t>
+            </a:r>
+            <a:r>
+              <a:rPr lang="de-DE" dirty="0" err="1"/>
+              <a:t>www.youtube.com</a:t>
+            </a:r>
+            <a:r>
+              <a:rPr lang="de-DE" dirty="0"/>
+              <a:t>/</a:t>
+            </a:r>
+            <a:r>
+              <a:rPr lang="de-DE" dirty="0" err="1"/>
+              <a:t>watch?v</a:t>
+            </a:r>
+            <a:r>
+              <a:rPr lang="de-DE" dirty="0"/>
+              <a:t>=MNw2Ce_t8-g</a:t>
+            </a:r>
+          </a:p>
+        </p:txBody>
+      </p:sp>
     </p:spTree>
     <p:extLst>
       <p:ext uri="{BB962C8B-B14F-4D97-AF65-F5344CB8AC3E}">
-        <p14:creationId xmlns:p14="http://schemas.microsoft.com/office/powerpoint/2010/main" val="958541465"/>
+        <p14:creationId xmlns:p14="http://schemas.microsoft.com/office/powerpoint/2010/main" val="1482162702"/>
       </p:ext>
     </p:extLst>
   </p:cSld>

--- a/Vortrag/Leiterplatte_als_Musikinstrument_Kirschner_Dilman.pptx
+++ b/Vortrag/Leiterplatte_als_Musikinstrument_Kirschner_Dilman.pptx
@@ -24,6 +24,9 @@
     <p:sldId id="267" r:id="rId17"/>
     <p:sldId id="268" r:id="rId18"/>
     <p:sldId id="269" r:id="rId19"/>
+    <p:sldId id="270" r:id="rId20"/>
+    <p:sldId id="271" r:id="rId21"/>
+    <p:sldId id="272" r:id="rId22"/>
   </p:sldIdLst>
   <p:sldSz cx="9144000" cy="6858000"/>
   <p:notesSz cx="6723063" cy="9852025"/>
@@ -125,25 +128,7 @@
               <a:rPr b="0" lang="de-DE" sz="2000" spc="-1" strike="noStrike">
                 <a:latin typeface="Arial"/>
               </a:rPr>
-              <a:t>Click to </a:t>
-            </a:r>
-            <a:r>
-              <a:rPr b="0" lang="de-DE" sz="2000" spc="-1" strike="noStrike">
-                <a:latin typeface="Arial"/>
-              </a:rPr>
-              <a:t>edit the </a:t>
-            </a:r>
-            <a:r>
-              <a:rPr b="0" lang="de-DE" sz="2000" spc="-1" strike="noStrike">
-                <a:latin typeface="Arial"/>
-              </a:rPr>
-              <a:t>notes </a:t>
-            </a:r>
-            <a:r>
-              <a:rPr b="0" lang="de-DE" sz="2000" spc="-1" strike="noStrike">
-                <a:latin typeface="Arial"/>
-              </a:rPr>
-              <a:t>format</a:t>
+              <a:t>Click to edit the notes format</a:t>
             </a:r>
             <a:endParaRPr b="0" lang="de-DE" sz="2000" spc="-1" strike="noStrike">
               <a:latin typeface="Arial"/>
@@ -328,7 +313,7 @@
             <a:pPr algn="r">
               <a:buNone/>
             </a:pPr>
-            <a:fld id="{27289B14-6B24-48BD-AC2C-993FC0FBC294}" type="slidenum">
+            <a:fld id="{48BEB3EB-AD50-4541-A645-5C4D87E42FD6}" type="slidenum">
               <a:rPr b="0" lang="de-DE" sz="1400" spc="-1" strike="noStrike">
                 <a:latin typeface="Times New Roman"/>
               </a:rPr>
@@ -365,7 +350,7 @@
       </p:grpSpPr>
       <p:sp>
         <p:nvSpPr>
-          <p:cNvPr id="329" name="PlaceHolder 1"/>
+          <p:cNvPr id="345" name="PlaceHolder 1"/>
           <p:cNvSpPr>
             <a:spLocks noGrp="1"/>
           </p:cNvSpPr>
@@ -388,7 +373,7 @@
       </p:sp>
       <p:sp>
         <p:nvSpPr>
-          <p:cNvPr id="330" name="PlaceHolder 2"/>
+          <p:cNvPr id="346" name="PlaceHolder 2"/>
           <p:cNvSpPr>
             <a:spLocks noGrp="1"/>
           </p:cNvSpPr>
@@ -422,7 +407,7 @@
       </p:sp>
       <p:sp>
         <p:nvSpPr>
-          <p:cNvPr id="331" name="PlaceHolder 3"/>
+          <p:cNvPr id="347" name="PlaceHolder 3"/>
           <p:cNvSpPr>
             <a:spLocks noGrp="1"/>
           </p:cNvSpPr>
@@ -462,17 +447,7 @@
                 <a:latin typeface="Arial"/>
                 <a:ea typeface="+mn-ea"/>
               </a:rPr>
-              <a:t>Technische Hochschule </a:t>
-            </a:r>
-            <a:r>
-              <a:rPr b="0" lang="en-US" sz="900" spc="-1" strike="noStrike">
-                <a:solidFill>
-                  <a:srgbClr val="000000"/>
-                </a:solidFill>
-                <a:latin typeface="Arial"/>
-                <a:ea typeface="+mn-ea"/>
-              </a:rPr>
-              <a:t>Nürnberg Georg Simon Ohm</a:t>
+              <a:t>Technische Hochschule Nürnberg Georg Simon Ohm</a:t>
             </a:r>
             <a:endParaRPr b="0" lang="de-DE" sz="900" spc="-1" strike="noStrike">
               <a:latin typeface="Times New Roman"/>
@@ -482,12 +457,12 @@
       </p:sp>
       <p:sp>
         <p:nvSpPr>
-          <p:cNvPr id="332" name="PlaceHolder 4"/>
-          <p:cNvSpPr>
-            <a:spLocks noGrp="1"/>
-          </p:cNvSpPr>
-          <p:nvPr>
-            <p:ph type="sldNum" idx="34"/>
+          <p:cNvPr id="348" name="PlaceHolder 4"/>
+          <p:cNvSpPr>
+            <a:spLocks noGrp="1"/>
+          </p:cNvSpPr>
+          <p:nvPr>
+            <p:ph type="sldNum" idx="40"/>
           </p:nvPr>
         </p:nvSpPr>
         <p:spPr>
@@ -539,7 +514,7 @@
               </a:rPr>
               <a:t>Folie </a:t>
             </a:r>
-            <a:fld id="{407D46E1-6DFC-4256-958A-A45A840C83F8}" type="slidenum">
+            <a:fld id="{437FE3C9-F87C-4BFB-8893-A8C43CDD1B73}" type="slidenum">
               <a:rPr b="0" lang="en-US" sz="800" spc="-1" strike="noStrike">
                 <a:solidFill>
                   <a:srgbClr val="000000"/>
@@ -579,7 +554,7 @@
       </p:grpSpPr>
       <p:sp>
         <p:nvSpPr>
-          <p:cNvPr id="349" name="PlaceHolder 1"/>
+          <p:cNvPr id="365" name="PlaceHolder 1"/>
           <p:cNvSpPr>
             <a:spLocks noGrp="1"/>
           </p:cNvSpPr>
@@ -602,7 +577,7 @@
       </p:sp>
       <p:sp>
         <p:nvSpPr>
-          <p:cNvPr id="350" name="PlaceHolder 2"/>
+          <p:cNvPr id="366" name="PlaceHolder 2"/>
           <p:cNvSpPr>
             <a:spLocks noGrp="1"/>
           </p:cNvSpPr>
@@ -636,7 +611,7 @@
       </p:sp>
       <p:sp>
         <p:nvSpPr>
-          <p:cNvPr id="351" name="PlaceHolder 3"/>
+          <p:cNvPr id="367" name="PlaceHolder 3"/>
           <p:cNvSpPr>
             <a:spLocks noGrp="1"/>
           </p:cNvSpPr>
@@ -686,12 +661,12 @@
       </p:sp>
       <p:sp>
         <p:nvSpPr>
-          <p:cNvPr id="352" name="PlaceHolder 4"/>
-          <p:cNvSpPr>
-            <a:spLocks noGrp="1"/>
-          </p:cNvSpPr>
-          <p:nvPr>
-            <p:ph type="sldNum" idx="39"/>
+          <p:cNvPr id="368" name="PlaceHolder 4"/>
+          <p:cNvSpPr>
+            <a:spLocks noGrp="1"/>
+          </p:cNvSpPr>
+          <p:nvPr>
+            <p:ph type="sldNum" idx="45"/>
           </p:nvPr>
         </p:nvSpPr>
         <p:spPr>
@@ -743,7 +718,7 @@
               </a:rPr>
               <a:t>Folie </a:t>
             </a:r>
-            <a:fld id="{30CECAC7-3139-4069-9DEA-2FCB9C462A04}" type="slidenum">
+            <a:fld id="{40E89FC3-B80A-4743-B399-B50AFD20AE18}" type="slidenum">
               <a:rPr b="0" lang="en-US" sz="1400" spc="-1" strike="noStrike">
                 <a:solidFill>
                   <a:srgbClr val="000000"/>
@@ -783,7 +758,7 @@
       </p:grpSpPr>
       <p:sp>
         <p:nvSpPr>
-          <p:cNvPr id="353" name="PlaceHolder 1"/>
+          <p:cNvPr id="369" name="PlaceHolder 1"/>
           <p:cNvSpPr>
             <a:spLocks noGrp="1"/>
           </p:cNvSpPr>
@@ -806,7 +781,7 @@
       </p:sp>
       <p:sp>
         <p:nvSpPr>
-          <p:cNvPr id="354" name="PlaceHolder 2"/>
+          <p:cNvPr id="370" name="PlaceHolder 2"/>
           <p:cNvSpPr>
             <a:spLocks noGrp="1"/>
           </p:cNvSpPr>
@@ -840,7 +815,7 @@
       </p:sp>
       <p:sp>
         <p:nvSpPr>
-          <p:cNvPr id="355" name="PlaceHolder 3"/>
+          <p:cNvPr id="371" name="PlaceHolder 3"/>
           <p:cNvSpPr>
             <a:spLocks noGrp="1"/>
           </p:cNvSpPr>
@@ -890,12 +865,12 @@
       </p:sp>
       <p:sp>
         <p:nvSpPr>
-          <p:cNvPr id="356" name="PlaceHolder 4"/>
-          <p:cNvSpPr>
-            <a:spLocks noGrp="1"/>
-          </p:cNvSpPr>
-          <p:nvPr>
-            <p:ph type="sldNum" idx="40"/>
+          <p:cNvPr id="372" name="PlaceHolder 4"/>
+          <p:cNvSpPr>
+            <a:spLocks noGrp="1"/>
+          </p:cNvSpPr>
+          <p:nvPr>
+            <p:ph type="sldNum" idx="46"/>
           </p:nvPr>
         </p:nvSpPr>
         <p:spPr>
@@ -947,7 +922,7 @@
               </a:rPr>
               <a:t>Folie </a:t>
             </a:r>
-            <a:fld id="{4834CE61-BCED-44DA-9AB6-A8617203A5FE}" type="slidenum">
+            <a:fld id="{B8112762-9E56-423F-BCA7-F5E881CCB10C}" type="slidenum">
               <a:rPr b="0" lang="en-US" sz="1400" spc="-1" strike="noStrike">
                 <a:solidFill>
                   <a:srgbClr val="000000"/>
@@ -987,7 +962,7 @@
       </p:grpSpPr>
       <p:sp>
         <p:nvSpPr>
-          <p:cNvPr id="333" name="PlaceHolder 1"/>
+          <p:cNvPr id="349" name="PlaceHolder 1"/>
           <p:cNvSpPr>
             <a:spLocks noGrp="1"/>
           </p:cNvSpPr>
@@ -1010,7 +985,7 @@
       </p:sp>
       <p:sp>
         <p:nvSpPr>
-          <p:cNvPr id="334" name="PlaceHolder 2"/>
+          <p:cNvPr id="350" name="PlaceHolder 2"/>
           <p:cNvSpPr>
             <a:spLocks noGrp="1"/>
           </p:cNvSpPr>
@@ -1044,7 +1019,7 @@
       </p:sp>
       <p:sp>
         <p:nvSpPr>
-          <p:cNvPr id="335" name="PlaceHolder 3"/>
+          <p:cNvPr id="351" name="PlaceHolder 3"/>
           <p:cNvSpPr>
             <a:spLocks noGrp="1"/>
           </p:cNvSpPr>
@@ -1084,27 +1059,7 @@
                 <a:latin typeface="Arial"/>
                 <a:ea typeface="+mn-ea"/>
               </a:rPr>
-              <a:t>Technische Hochschule </a:t>
-            </a:r>
-            <a:r>
-              <a:rPr b="0" lang="en-US" sz="900" spc="-1" strike="noStrike">
-                <a:solidFill>
-                  <a:srgbClr val="000000"/>
-                </a:solidFill>
-                <a:latin typeface="Arial"/>
-                <a:ea typeface="+mn-ea"/>
-              </a:rPr>
-              <a:t>Nürnberg Georg Simon </a:t>
-            </a:r>
-            <a:r>
-              <a:rPr b="0" lang="en-US" sz="900" spc="-1" strike="noStrike">
-                <a:solidFill>
-                  <a:srgbClr val="000000"/>
-                </a:solidFill>
-                <a:latin typeface="Arial"/>
-                <a:ea typeface="+mn-ea"/>
-              </a:rPr>
-              <a:t>Ohm</a:t>
+              <a:t>Technische Hochschule Nürnberg Georg Simon Ohm</a:t>
             </a:r>
             <a:endParaRPr b="0" lang="de-DE" sz="900" spc="-1" strike="noStrike">
               <a:latin typeface="Times New Roman"/>
@@ -1114,12 +1069,12 @@
       </p:sp>
       <p:sp>
         <p:nvSpPr>
-          <p:cNvPr id="336" name="PlaceHolder 4"/>
-          <p:cNvSpPr>
-            <a:spLocks noGrp="1"/>
-          </p:cNvSpPr>
-          <p:nvPr>
-            <p:ph type="sldNum" idx="35"/>
+          <p:cNvPr id="352" name="PlaceHolder 4"/>
+          <p:cNvSpPr>
+            <a:spLocks noGrp="1"/>
+          </p:cNvSpPr>
+          <p:nvPr>
+            <p:ph type="sldNum" idx="41"/>
           </p:nvPr>
         </p:nvSpPr>
         <p:spPr>
@@ -1171,7 +1126,7 @@
               </a:rPr>
               <a:t>Folie </a:t>
             </a:r>
-            <a:fld id="{682E285C-DA85-4034-88A0-53AA3E7E4709}" type="slidenum">
+            <a:fld id="{1EB7C4CB-4667-4913-AB7B-2DB58853FB89}" type="slidenum">
               <a:rPr b="0" lang="en-US" sz="1400" spc="-1" strike="noStrike">
                 <a:solidFill>
                   <a:srgbClr val="000000"/>
@@ -1211,7 +1166,7 @@
       </p:grpSpPr>
       <p:sp>
         <p:nvSpPr>
-          <p:cNvPr id="337" name="PlaceHolder 1"/>
+          <p:cNvPr id="353" name="PlaceHolder 1"/>
           <p:cNvSpPr>
             <a:spLocks noGrp="1"/>
           </p:cNvSpPr>
@@ -1234,7 +1189,7 @@
       </p:sp>
       <p:sp>
         <p:nvSpPr>
-          <p:cNvPr id="338" name="PlaceHolder 2"/>
+          <p:cNvPr id="354" name="PlaceHolder 2"/>
           <p:cNvSpPr>
             <a:spLocks noGrp="1"/>
           </p:cNvSpPr>
@@ -1268,7 +1223,7 @@
       </p:sp>
       <p:sp>
         <p:nvSpPr>
-          <p:cNvPr id="339" name="PlaceHolder 3"/>
+          <p:cNvPr id="355" name="PlaceHolder 3"/>
           <p:cNvSpPr>
             <a:spLocks noGrp="1"/>
           </p:cNvSpPr>
@@ -1318,12 +1273,12 @@
       </p:sp>
       <p:sp>
         <p:nvSpPr>
-          <p:cNvPr id="340" name="PlaceHolder 4"/>
-          <p:cNvSpPr>
-            <a:spLocks noGrp="1"/>
-          </p:cNvSpPr>
-          <p:nvPr>
-            <p:ph type="sldNum" idx="36"/>
+          <p:cNvPr id="356" name="PlaceHolder 4"/>
+          <p:cNvSpPr>
+            <a:spLocks noGrp="1"/>
+          </p:cNvSpPr>
+          <p:nvPr>
+            <p:ph type="sldNum" idx="42"/>
           </p:nvPr>
         </p:nvSpPr>
         <p:spPr>
@@ -1375,7 +1330,7 @@
               </a:rPr>
               <a:t>Folie </a:t>
             </a:r>
-            <a:fld id="{B383A797-812D-46D0-9F6D-77A0289D3DB2}" type="slidenum">
+            <a:fld id="{DA3B6CB0-E1F1-46ED-B34C-6F90D15B2BC0}" type="slidenum">
               <a:rPr b="0" lang="en-US" sz="1400" spc="-1" strike="noStrike">
                 <a:solidFill>
                   <a:srgbClr val="000000"/>
@@ -1415,7 +1370,7 @@
       </p:grpSpPr>
       <p:sp>
         <p:nvSpPr>
-          <p:cNvPr id="341" name="PlaceHolder 1"/>
+          <p:cNvPr id="357" name="PlaceHolder 1"/>
           <p:cNvSpPr>
             <a:spLocks noGrp="1"/>
           </p:cNvSpPr>
@@ -1438,7 +1393,7 @@
       </p:sp>
       <p:sp>
         <p:nvSpPr>
-          <p:cNvPr id="342" name="PlaceHolder 2"/>
+          <p:cNvPr id="358" name="PlaceHolder 2"/>
           <p:cNvSpPr>
             <a:spLocks noGrp="1"/>
           </p:cNvSpPr>
@@ -1472,7 +1427,7 @@
       </p:sp>
       <p:sp>
         <p:nvSpPr>
-          <p:cNvPr id="343" name="PlaceHolder 3"/>
+          <p:cNvPr id="359" name="PlaceHolder 3"/>
           <p:cNvSpPr>
             <a:spLocks noGrp="1"/>
           </p:cNvSpPr>
@@ -1522,12 +1477,12 @@
       </p:sp>
       <p:sp>
         <p:nvSpPr>
-          <p:cNvPr id="344" name="PlaceHolder 4"/>
-          <p:cNvSpPr>
-            <a:spLocks noGrp="1"/>
-          </p:cNvSpPr>
-          <p:nvPr>
-            <p:ph type="sldNum" idx="37"/>
+          <p:cNvPr id="360" name="PlaceHolder 4"/>
+          <p:cNvSpPr>
+            <a:spLocks noGrp="1"/>
+          </p:cNvSpPr>
+          <p:nvPr>
+            <p:ph type="sldNum" idx="43"/>
           </p:nvPr>
         </p:nvSpPr>
         <p:spPr>
@@ -1579,7 +1534,7 @@
               </a:rPr>
               <a:t>Folie </a:t>
             </a:r>
-            <a:fld id="{C4DA6387-BB9D-41D8-BFCE-73A28EE5A885}" type="slidenum">
+            <a:fld id="{4ED6B6E4-7021-4788-B9C4-E110322D5D51}" type="slidenum">
               <a:rPr b="0" lang="en-US" sz="1400" spc="-1" strike="noStrike">
                 <a:solidFill>
                   <a:srgbClr val="000000"/>
@@ -1619,7 +1574,7 @@
       </p:grpSpPr>
       <p:sp>
         <p:nvSpPr>
-          <p:cNvPr id="345" name="PlaceHolder 1"/>
+          <p:cNvPr id="361" name="PlaceHolder 1"/>
           <p:cNvSpPr>
             <a:spLocks noGrp="1"/>
           </p:cNvSpPr>
@@ -1642,7 +1597,7 @@
       </p:sp>
       <p:sp>
         <p:nvSpPr>
-          <p:cNvPr id="346" name="PlaceHolder 2"/>
+          <p:cNvPr id="362" name="PlaceHolder 2"/>
           <p:cNvSpPr>
             <a:spLocks noGrp="1"/>
           </p:cNvSpPr>
@@ -1676,7 +1631,7 @@
       </p:sp>
       <p:sp>
         <p:nvSpPr>
-          <p:cNvPr id="347" name="PlaceHolder 3"/>
+          <p:cNvPr id="363" name="PlaceHolder 3"/>
           <p:cNvSpPr>
             <a:spLocks noGrp="1"/>
           </p:cNvSpPr>
@@ -1726,12 +1681,12 @@
       </p:sp>
       <p:sp>
         <p:nvSpPr>
-          <p:cNvPr id="348" name="PlaceHolder 4"/>
-          <p:cNvSpPr>
-            <a:spLocks noGrp="1"/>
-          </p:cNvSpPr>
-          <p:nvPr>
-            <p:ph type="sldNum" idx="38"/>
+          <p:cNvPr id="364" name="PlaceHolder 4"/>
+          <p:cNvSpPr>
+            <a:spLocks noGrp="1"/>
+          </p:cNvSpPr>
+          <p:nvPr>
+            <p:ph type="sldNum" idx="44"/>
           </p:nvPr>
         </p:nvSpPr>
         <p:spPr>
@@ -1783,7 +1738,7 @@
               </a:rPr>
               <a:t>Folie </a:t>
             </a:r>
-            <a:fld id="{732EC11D-D441-4AD7-81B0-0227D0691FEE}" type="slidenum">
+            <a:fld id="{5E427D4A-4563-4068-AD5A-7C0D00A01B27}" type="slidenum">
               <a:rPr b="0" lang="en-US" sz="1400" spc="-1" strike="noStrike">
                 <a:solidFill>
                   <a:srgbClr val="000000"/>
@@ -2606,7 +2561,7 @@
         <p:txBody>
           <a:bodyPr/>
           <a:p>
-            <a:fld id="{AD028DA6-D042-4C14-97CD-ABA0E66CD210}" type="slidenum">
+            <a:fld id="{E3FB81F7-7301-420C-8FD2-5E91598B8115}" type="slidenum">
               <a:t>&lt;#&gt;</a:t>
             </a:fld>
           </a:p>
@@ -2742,7 +2697,7 @@
         <p:txBody>
           <a:bodyPr/>
           <a:p>
-            <a:fld id="{FE21ECBD-BA91-4DAB-A9D8-7BED5431B9AE}" type="slidenum">
+            <a:fld id="{ECE95DB5-9C4E-4A39-A9A1-20CE751CAA77}" type="slidenum">
               <a:t>&lt;#&gt;</a:t>
             </a:fld>
           </a:p>
@@ -2887,7 +2842,7 @@
         <p:txBody>
           <a:bodyPr/>
           <a:p>
-            <a:fld id="{1EA7CF2D-8862-4C76-9B48-30BE94B04DEF}" type="slidenum">
+            <a:fld id="{691EEF36-1FC2-4891-9427-3DDC85CE9990}" type="slidenum">
               <a:t>&lt;#&gt;</a:t>
             </a:fld>
           </a:p>
@@ -3078,7 +3033,7 @@
         <p:txBody>
           <a:bodyPr/>
           <a:p>
-            <a:fld id="{0C4FE83C-B9F5-4E32-A907-248ED514988E}" type="slidenum">
+            <a:fld id="{E3969976-C986-457E-B000-A4291977CF95}" type="slidenum">
               <a:t>&lt;#&gt;</a:t>
             </a:fld>
           </a:p>
@@ -3177,7 +3132,7 @@
         <p:txBody>
           <a:bodyPr/>
           <a:p>
-            <a:fld id="{A4E3C574-7270-4A71-BA58-1D6C3622817A}" type="slidenum">
+            <a:fld id="{8A7E2C27-41CE-484C-A999-6FC5310987F1}" type="slidenum">
               <a:t>&lt;#&gt;</a:t>
             </a:fld>
           </a:p>
@@ -3276,7 +3231,7 @@
         <p:txBody>
           <a:bodyPr/>
           <a:p>
-            <a:fld id="{A40DFD77-84FA-4035-8429-5A2C61556C28}" type="slidenum">
+            <a:fld id="{82A7AB12-A7FE-4130-B38B-22591DCD4918}" type="slidenum">
               <a:t>&lt;#&gt;</a:t>
             </a:fld>
           </a:p>
@@ -3513,7 +3468,7 @@
         <p:txBody>
           <a:bodyPr/>
           <a:p>
-            <a:fld id="{597EB9FE-3BC1-48E2-A31E-996A0EE9B353}" type="slidenum">
+            <a:fld id="{8FCCAD61-A628-4BE8-BF75-5D2E4AD5BF68}" type="slidenum">
               <a:t>&lt;#&gt;</a:t>
             </a:fld>
           </a:p>
@@ -3846,7 +3801,7 @@
         <p:txBody>
           <a:bodyPr/>
           <a:p>
-            <a:fld id="{7643F997-0C6A-42C1-BEBF-0A5234E99E32}" type="slidenum">
+            <a:fld id="{F0D7B4C4-744B-49E3-AC10-208A53587412}" type="slidenum">
               <a:t>&lt;#&gt;</a:t>
             </a:fld>
           </a:p>
@@ -4083,7 +4038,7 @@
         <p:txBody>
           <a:bodyPr/>
           <a:p>
-            <a:fld id="{C9AD3283-1DD3-4D85-8862-ECE1FF6426C8}" type="slidenum">
+            <a:fld id="{A6C6970D-3E00-41AC-BB7C-890B395CF992}" type="slidenum">
               <a:t>&lt;#&gt;</a:t>
             </a:fld>
           </a:p>
@@ -4274,7 +4229,7 @@
         <p:txBody>
           <a:bodyPr/>
           <a:p>
-            <a:fld id="{FBE60DA8-8280-4B15-9E70-87EB07E01F91}" type="slidenum">
+            <a:fld id="{EC2BB902-2FBE-4D5A-A444-FD79BE2E8AFC}" type="slidenum">
               <a:t>&lt;#&gt;</a:t>
             </a:fld>
           </a:p>
@@ -4557,7 +4512,7 @@
         <p:txBody>
           <a:bodyPr/>
           <a:p>
-            <a:fld id="{3FC30C1B-AF5D-48D0-A7DF-1DA7B4243D61}" type="slidenum">
+            <a:fld id="{E0750957-867F-4406-AE5A-2CB01D501CD8}" type="slidenum">
               <a:t>&lt;#&gt;</a:t>
             </a:fld>
           </a:p>
@@ -4932,7 +4887,7 @@
         <p:txBody>
           <a:bodyPr/>
           <a:p>
-            <a:fld id="{E4B48554-E130-4236-9F59-FC1C9329A480}" type="slidenum">
+            <a:fld id="{B4234F88-F821-4084-9D29-E6CB000C6A5F}" type="slidenum">
               <a:t>&lt;#&gt;</a:t>
             </a:fld>
           </a:p>
@@ -4994,7 +4949,7 @@
         <p:txBody>
           <a:bodyPr/>
           <a:p>
-            <a:fld id="{09C2A181-F73A-4BEA-A5BA-E785C421AEC8}" type="slidenum">
+            <a:fld id="{176F7664-4BF6-4B6B-94D6-E176C3F2AAD8}" type="slidenum">
               <a:t>&lt;#&gt;</a:t>
             </a:fld>
           </a:p>
@@ -5130,7 +5085,7 @@
         <p:txBody>
           <a:bodyPr/>
           <a:p>
-            <a:fld id="{F611F7F2-F6D1-4121-A20E-3A3638290DCA}" type="slidenum">
+            <a:fld id="{3FC443D6-EB1D-4F3F-B9CF-83DAF61E7E57}" type="slidenum">
               <a:t>&lt;#&gt;</a:t>
             </a:fld>
           </a:p>
@@ -5275,7 +5230,7 @@
         <p:txBody>
           <a:bodyPr/>
           <a:p>
-            <a:fld id="{789D2E33-8966-4FE8-86FE-1E8EAAAF3623}" type="slidenum">
+            <a:fld id="{5D6C3BAD-817C-4D7D-82EE-A132E52B659A}" type="slidenum">
               <a:t>&lt;#&gt;</a:t>
             </a:fld>
           </a:p>
@@ -5466,7 +5421,7 @@
         <p:txBody>
           <a:bodyPr/>
           <a:p>
-            <a:fld id="{E164D6EC-8294-43A4-9B54-39AF394E7E28}" type="slidenum">
+            <a:fld id="{FA542E1A-6896-423B-9231-9AD39EC57CE2}" type="slidenum">
               <a:t>&lt;#&gt;</a:t>
             </a:fld>
           </a:p>
@@ -5565,7 +5520,7 @@
         <p:txBody>
           <a:bodyPr/>
           <a:p>
-            <a:fld id="{001CCED9-61A2-4A31-8200-3CCE17FA8296}" type="slidenum">
+            <a:fld id="{BB62E4DB-2CC5-4AB6-B667-D49CBF48B60F}" type="slidenum">
               <a:t>&lt;#&gt;</a:t>
             </a:fld>
           </a:p>
@@ -5769,7 +5724,7 @@
         <p:txBody>
           <a:bodyPr/>
           <a:p>
-            <a:fld id="{59D3A292-26E6-4F81-AE9F-E615A155FB6A}" type="slidenum">
+            <a:fld id="{C186B1C6-F446-4AE2-B9E5-82713220A2C4}" type="slidenum">
               <a:t>&lt;#&gt;</a:t>
             </a:fld>
           </a:p>
@@ -6006,7 +5961,7 @@
         <p:txBody>
           <a:bodyPr/>
           <a:p>
-            <a:fld id="{C9328591-7FCE-4EF6-981C-FE37E7D40574}" type="slidenum">
+            <a:fld id="{A3A250D2-70C7-4019-8C98-EB4C144533FB}" type="slidenum">
               <a:t>&lt;#&gt;</a:t>
             </a:fld>
           </a:p>
@@ -6243,7 +6198,7 @@
         <p:txBody>
           <a:bodyPr/>
           <a:p>
-            <a:fld id="{7A979F72-5A35-4CD7-904A-2568C8FF4BB8}" type="slidenum">
+            <a:fld id="{86CA7A26-DA40-4B7D-BD61-A6862FC649E6}" type="slidenum">
               <a:t>&lt;#&gt;</a:t>
             </a:fld>
           </a:p>
@@ -6480,7 +6435,7 @@
         <p:txBody>
           <a:bodyPr/>
           <a:p>
-            <a:fld id="{E6AE6B49-1B65-410A-8FB7-9EC786B76BB7}" type="slidenum">
+            <a:fld id="{E32BD727-A70D-40EB-8E09-CA55F9E651FC}" type="slidenum">
               <a:t>&lt;#&gt;</a:t>
             </a:fld>
           </a:p>
@@ -6671,7 +6626,7 @@
         <p:txBody>
           <a:bodyPr/>
           <a:p>
-            <a:fld id="{6FBBD1B3-AB76-4A2A-8F5F-4A1E0FE619C3}" type="slidenum">
+            <a:fld id="{98AD821C-9D66-44BA-8DBC-F19C46189E0D}" type="slidenum">
               <a:t>&lt;#&gt;</a:t>
             </a:fld>
           </a:p>
@@ -6954,7 +6909,7 @@
         <p:txBody>
           <a:bodyPr/>
           <a:p>
-            <a:fld id="{6780D8F7-DC26-43EF-AB61-010DF4DDB4F3}" type="slidenum">
+            <a:fld id="{62FED1DC-EFBC-422A-9911-3BCFDCB234D0}" type="slidenum">
               <a:t>&lt;#&gt;</a:t>
             </a:fld>
           </a:p>
@@ -7329,7 +7284,7 @@
         <p:txBody>
           <a:bodyPr/>
           <a:p>
-            <a:fld id="{E14671DF-623B-4335-B65F-38F823B03381}" type="slidenum">
+            <a:fld id="{AD78B4E7-2B7D-4C28-880B-D0C7171A308B}" type="slidenum">
               <a:t>&lt;#&gt;</a:t>
             </a:fld>
           </a:p>
@@ -8571,7 +8526,70 @@
                 </a:solidFill>
                 <a:latin typeface="Arial"/>
               </a:rPr>
-              <a:t>Click to edit the title text format</a:t>
+              <a:t>Click </a:t>
+            </a:r>
+            <a:r>
+              <a:rPr b="0" lang="de-DE" sz="4400" spc="-1" strike="noStrike">
+                <a:solidFill>
+                  <a:srgbClr val="000000"/>
+                </a:solidFill>
+                <a:latin typeface="Arial"/>
+              </a:rPr>
+              <a:t>to </a:t>
+            </a:r>
+            <a:r>
+              <a:rPr b="0" lang="de-DE" sz="4400" spc="-1" strike="noStrike">
+                <a:solidFill>
+                  <a:srgbClr val="000000"/>
+                </a:solidFill>
+                <a:latin typeface="Arial"/>
+              </a:rPr>
+              <a:t>edit </a:t>
+            </a:r>
+            <a:r>
+              <a:rPr b="0" lang="de-DE" sz="4400" spc="-1" strike="noStrike">
+                <a:solidFill>
+                  <a:srgbClr val="000000"/>
+                </a:solidFill>
+                <a:latin typeface="Arial"/>
+              </a:rPr>
+              <a:t>the </a:t>
+            </a:r>
+            <a:r>
+              <a:rPr b="0" lang="de-DE" sz="4400" spc="-1" strike="noStrike">
+                <a:solidFill>
+                  <a:srgbClr val="000000"/>
+                </a:solidFill>
+                <a:latin typeface="Arial"/>
+              </a:rPr>
+              <a:t>title </a:t>
+            </a:r>
+            <a:r>
+              <a:rPr b="0" lang="de-DE" sz="4400" spc="-1" strike="noStrike">
+                <a:solidFill>
+                  <a:srgbClr val="000000"/>
+                </a:solidFill>
+                <a:latin typeface="Arial"/>
+              </a:rPr>
+              <a:t>text </a:t>
+            </a:r>
+            <a:r>
+              <a:rPr b="0" lang="de-DE" sz="4400" spc="-1" strike="noStrike">
+                <a:solidFill>
+                  <a:srgbClr val="000000"/>
+                </a:solidFill>
+                <a:latin typeface="Arial"/>
+              </a:rPr>
+              <a:t>forma</a:t>
+            </a:r>
+            <a:r>
+              <a:rPr b="0" lang="de-DE" sz="4400" spc="-1" strike="noStrike">
+                <a:solidFill>
+                  <a:srgbClr val="000000"/>
+                </a:solidFill>
+                <a:latin typeface="Arial"/>
+              </a:rPr>
+              <a:t>t</a:t>
             </a:r>
             <a:endParaRPr b="0" lang="de-DE" sz="4400" spc="-1" strike="noStrike">
               <a:solidFill>
@@ -9167,7 +9185,7 @@
               </a:lnSpc>
               <a:buNone/>
             </a:pPr>
-            <a:fld id="{FA441875-37AB-4A43-9BDB-D6469B760141}" type="slidenum">
+            <a:fld id="{80BD0855-AAD7-4362-A1CE-732F24329BC8}" type="slidenum">
               <a:rPr b="0" lang="de-DE" sz="1000" spc="-1" strike="noStrike">
                 <a:solidFill>
                   <a:srgbClr val="000000"/>
@@ -9814,7 +9832,7 @@
               </a:lnSpc>
               <a:buNone/>
             </a:pPr>
-            <a:fld id="{D46949BE-88A6-4E00-A3DF-6B7FBBAE5ECF}" type="slidenum">
+            <a:fld id="{8BF2C7E2-4037-469B-B794-C24DA7C473F0}" type="slidenum">
               <a:rPr b="0" lang="de-DE" sz="1000" spc="-1" strike="noStrike">
                 <a:solidFill>
                   <a:srgbClr val="000000"/>
@@ -9865,43 +9883,7 @@
                 </a:solidFill>
                 <a:latin typeface="Arial"/>
               </a:rPr>
-              <a:t>Click to </a:t>
-            </a:r>
-            <a:r>
-              <a:rPr b="0" lang="de-DE" sz="1800" spc="-1" strike="noStrike">
-                <a:solidFill>
-                  <a:srgbClr val="000000"/>
-                </a:solidFill>
-                <a:latin typeface="Arial"/>
-              </a:rPr>
-              <a:t>edit the </a:t>
-            </a:r>
-            <a:r>
-              <a:rPr b="0" lang="de-DE" sz="1800" spc="-1" strike="noStrike">
-                <a:solidFill>
-                  <a:srgbClr val="000000"/>
-                </a:solidFill>
-                <a:latin typeface="Arial"/>
-              </a:rPr>
-              <a:t>title </a:t>
-            </a:r>
-            <a:r>
-              <a:rPr b="0" lang="de-DE" sz="1800" spc="-1" strike="noStrike">
-                <a:solidFill>
-                  <a:srgbClr val="000000"/>
-                </a:solidFill>
-                <a:latin typeface="Arial"/>
-              </a:rPr>
-              <a:t>text </a:t>
-            </a:r>
-            <a:r>
-              <a:rPr b="0" lang="de-DE" sz="1800" spc="-1" strike="noStrike">
-                <a:solidFill>
-                  <a:srgbClr val="000000"/>
-                </a:solidFill>
-                <a:latin typeface="Arial"/>
-              </a:rPr>
-              <a:t>format</a:t>
+              <a:t>Click to edit the title text format</a:t>
             </a:r>
             <a:endParaRPr b="0" lang="de-DE" sz="1800" spc="-1" strike="noStrike">
               <a:solidFill>
@@ -10237,27 +10219,7 @@
                 <a:latin typeface="ArialMT"/>
                 <a:ea typeface="DejaVu Sans"/>
               </a:rPr>
-              <a:t>Die Leiterplatte </a:t>
-            </a:r>
-            <a:r>
-              <a:rPr b="1" lang="de-DE" sz="2400" spc="-1" strike="noStrike">
-                <a:solidFill>
-                  <a:srgbClr val="0046a0"/>
-                </a:solidFill>
-                <a:latin typeface="ArialMT"/>
-                <a:ea typeface="DejaVu Sans"/>
-              </a:rPr>
-              <a:t>als </a:t>
-            </a:r>
-            <a:r>
-              <a:rPr b="1" lang="de-DE" sz="2400" spc="-1" strike="noStrike">
-                <a:solidFill>
-                  <a:srgbClr val="0046a0"/>
-                </a:solidFill>
-                <a:latin typeface="ArialMT"/>
-                <a:ea typeface="DejaVu Sans"/>
-              </a:rPr>
-              <a:t>Musikinstrument</a:t>
+              <a:t>Die Leiterplatte als Musikinstrument</a:t>
             </a:r>
             <a:endParaRPr b="0" lang="de-DE" sz="2400" spc="-1" strike="noStrike">
               <a:solidFill>
@@ -10597,27 +10559,7 @@
                 <a:latin typeface="Arial"/>
                 <a:ea typeface="DejaVu Sans"/>
               </a:rPr>
-              <a:t>Technische Hochschule </a:t>
-            </a:r>
-            <a:r>
-              <a:rPr b="0" lang="de-DE" sz="1000" spc="-1" strike="noStrike">
-                <a:solidFill>
-                  <a:srgbClr val="000000"/>
-                </a:solidFill>
-                <a:latin typeface="Arial"/>
-                <a:ea typeface="DejaVu Sans"/>
-              </a:rPr>
-              <a:t>Nürnberg Georg Simon </a:t>
-            </a:r>
-            <a:r>
-              <a:rPr b="0" lang="de-DE" sz="1000" spc="-1" strike="noStrike">
-                <a:solidFill>
-                  <a:srgbClr val="000000"/>
-                </a:solidFill>
-                <a:latin typeface="Arial"/>
-                <a:ea typeface="DejaVu Sans"/>
-              </a:rPr>
-              <a:t>Ohm</a:t>
+              <a:t>Technische Hochschule Nürnberg Georg Simon Ohm</a:t>
             </a:r>
             <a:endParaRPr b="0" lang="de-DE" sz="1000" spc="-1" strike="noStrike">
               <a:latin typeface="Times New Roman"/>
@@ -10705,7 +10647,7 @@
               </a:rPr>
               <a:t>Seite </a:t>
             </a:r>
-            <a:fld id="{00944178-625E-4FAC-A5EB-4AB5EFF56A61}" type="slidenum">
+            <a:fld id="{9B7C8DA5-E7CF-4153-9767-FED8F1294205}" type="slidenum">
               <a:rPr b="0" lang="de-DE" sz="1000" spc="-1" strike="noStrike">
                 <a:solidFill>
                   <a:srgbClr val="000000"/>
@@ -11239,7 +11181,7 @@
               </a:rPr>
               <a:t>Seite </a:t>
             </a:r>
-            <a:fld id="{497F27BD-B031-4B19-A9B5-C1866AD8AB34}" type="slidenum">
+            <a:fld id="{68EEF6AB-BC0F-4F34-91DC-DAEE2162A2C3}" type="slidenum">
               <a:rPr b="0" lang="de-DE" sz="1000" spc="-1" strike="noStrike">
                 <a:solidFill>
                   <a:srgbClr val="000000"/>
@@ -11666,7 +11608,7 @@
               </a:rPr>
               <a:t>Seite </a:t>
             </a:r>
-            <a:fld id="{BCE9E599-3725-49AD-87AC-B3B890F856AC}" type="slidenum">
+            <a:fld id="{E6230263-E0F8-4038-8CBA-A0F91B41C840}" type="slidenum">
               <a:rPr b="0" lang="de-DE" sz="1000" spc="-1" strike="noStrike">
                 <a:solidFill>
                   <a:srgbClr val="000000"/>
@@ -12090,7 +12032,7 @@
                 <a:latin typeface="Arial"/>
                 <a:ea typeface="DejaVu Sans"/>
               </a:rPr>
-              <a:t>Technische </a:t>
+              <a:t>Technische Hochschule </a:t>
             </a:r>
             <a:r>
               <a:rPr b="0" lang="de-DE" sz="1000" spc="-1" strike="noStrike">
@@ -12100,7 +12042,7 @@
                 <a:latin typeface="Arial"/>
                 <a:ea typeface="DejaVu Sans"/>
               </a:rPr>
-              <a:t>Hochschule </a:t>
+              <a:t>Nürnberg Georg Simon </a:t>
             </a:r>
             <a:r>
               <a:rPr b="0" lang="de-DE" sz="1000" spc="-1" strike="noStrike">
@@ -12110,17 +12052,7 @@
                 <a:latin typeface="Arial"/>
                 <a:ea typeface="DejaVu Sans"/>
               </a:rPr>
-              <a:t>Nürnberg Georg </a:t>
-            </a:r>
-            <a:r>
-              <a:rPr b="0" lang="de-DE" sz="1000" spc="-1" strike="noStrike">
-                <a:solidFill>
-                  <a:srgbClr val="000000"/>
-                </a:solidFill>
-                <a:latin typeface="Arial"/>
-                <a:ea typeface="DejaVu Sans"/>
-              </a:rPr>
-              <a:t>Simon Ohm</a:t>
+              <a:t>Ohm</a:t>
             </a:r>
             <a:endParaRPr b="0" lang="de-DE" sz="1000" spc="-1" strike="noStrike">
               <a:latin typeface="Times New Roman"/>
@@ -12208,7 +12140,7 @@
               </a:rPr>
               <a:t>Seite </a:t>
             </a:r>
-            <a:fld id="{36C30177-F2FA-4D6D-AF1B-25F09DE1534E}" type="slidenum">
+            <a:fld id="{CA8943FF-8B5F-4DF9-8658-94146E26AF3D}" type="slidenum">
               <a:rPr b="0" lang="de-DE" sz="1000" spc="-1" strike="noStrike">
                 <a:solidFill>
                   <a:srgbClr val="000000"/>
@@ -12348,17 +12280,7 @@
                 <a:latin typeface="Arial"/>
                 <a:ea typeface="DejaVu Sans"/>
               </a:rPr>
-              <a:t>X. </a:t>
-            </a:r>
-            <a:r>
-              <a:rPr b="1" lang="de-DE" sz="2400" spc="-1" strike="noStrike">
-                <a:solidFill>
-                  <a:srgbClr val="0046a0"/>
-                </a:solidFill>
-                <a:latin typeface="Arial"/>
-                <a:ea typeface="DejaVu Sans"/>
-              </a:rPr>
-              <a:t>Oszillator </a:t>
+              <a:t>Anhang: Oszillator </a:t>
             </a:r>
             <a:endParaRPr b="0" lang="de-DE" sz="2400" spc="-1" strike="noStrike">
               <a:solidFill>
@@ -12537,7 +12459,7 @@
               </a:rPr>
               <a:t>Seite </a:t>
             </a:r>
-            <a:fld id="{BD8D5C73-9CD5-4E3C-80FA-5E435FD99DC7}" type="slidenum">
+            <a:fld id="{9A7BBE8C-AC20-4F82-A704-4FA11F4319F3}" type="slidenum">
               <a:rPr b="0" lang="de-DE" sz="1000" spc="-1" strike="noStrike">
                 <a:solidFill>
                   <a:srgbClr val="000000"/>
@@ -12628,6 +12550,1108 @@
           </a:p>
         </p:txBody>
       </p:sp>
+    </p:spTree>
+  </p:cSld>
+  <mc:AlternateContent>
+    <mc:Choice Requires="p14">
+      <p:transition spd="slow" p14:dur="2000"/>
+    </mc:Choice>
+    <mc:Fallback>
+      <p:transition spd="slow"/>
+    </mc:Fallback>
+  </mc:AlternateContent>
+</p:sld>
+</file>
+
+<file path=ppt/slides/slide15.xml><?xml version="1.0" encoding="utf-8"?>
+<p:sld xmlns:a="http://schemas.openxmlformats.org/drawingml/2006/main" xmlns:p="http://schemas.openxmlformats.org/presentationml/2006/main" xmlns:r="http://schemas.openxmlformats.org/officeDocument/2006/relationships" xmlns:p14="http://schemas.microsoft.com/office/powerpoint/2010/main" xmlns:p15="http://schemas.microsoft.com/office/powerpoint/2012/main" xmlns:mc="http://schemas.openxmlformats.org/markup-compatibility/2006">
+  <p:cSld>
+    <p:spTree>
+      <p:nvGrpSpPr>
+        <p:cNvPr id="1" name=""/>
+        <p:cNvGrpSpPr/>
+        <p:nvPr/>
+      </p:nvGrpSpPr>
+      <p:grpSpPr>
+        <a:xfrm>
+          <a:off x="0" y="0"/>
+          <a:ext cx="0" cy="0"/>
+          <a:chOff x="0" y="0"/>
+          <a:chExt cx="0" cy="0"/>
+        </a:xfrm>
+      </p:grpSpPr>
+      <p:sp>
+        <p:nvSpPr>
+          <p:cNvPr id="329" name="PlaceHolder 1"/>
+          <p:cNvSpPr>
+            <a:spLocks noGrp="1"/>
+          </p:cNvSpPr>
+          <p:nvPr>
+            <p:ph type="title"/>
+          </p:nvPr>
+        </p:nvSpPr>
+        <p:spPr>
+          <a:xfrm>
+            <a:off x="250920" y="188640"/>
+            <a:ext cx="8639280" cy="573840"/>
+          </a:xfrm>
+          <a:prstGeom prst="rect">
+            <a:avLst/>
+          </a:prstGeom>
+          <a:noFill/>
+          <a:ln w="9360">
+            <a:noFill/>
+          </a:ln>
+        </p:spPr>
+        <p:txBody>
+          <a:bodyPr numCol="1" spcCol="0" lIns="0" rIns="0" tIns="0" bIns="0" anchor="ctr">
+            <a:noAutofit/>
+          </a:bodyPr>
+          <a:p>
+            <a:pPr>
+              <a:lnSpc>
+                <a:spcPct val="100000"/>
+              </a:lnSpc>
+              <a:buNone/>
+            </a:pPr>
+            <a:r>
+              <a:rPr b="1" lang="de-DE" sz="2400" spc="-1" strike="noStrike">
+                <a:solidFill>
+                  <a:srgbClr val="0046a0"/>
+                </a:solidFill>
+                <a:latin typeface="Arial"/>
+                <a:ea typeface="DejaVu Sans"/>
+              </a:rPr>
+              <a:t>Anhang: VCO </a:t>
+            </a:r>
+            <a:endParaRPr b="0" lang="de-DE" sz="2400" spc="-1" strike="noStrike">
+              <a:solidFill>
+                <a:srgbClr val="000000"/>
+              </a:solidFill>
+              <a:latin typeface="Arial"/>
+            </a:endParaRPr>
+          </a:p>
+        </p:txBody>
+      </p:sp>
+      <p:sp>
+        <p:nvSpPr>
+          <p:cNvPr id="330" name="PlaceHolder 2"/>
+          <p:cNvSpPr>
+            <a:spLocks noGrp="1"/>
+          </p:cNvSpPr>
+          <p:nvPr>
+            <p:ph type="ftr" idx="34"/>
+          </p:nvPr>
+        </p:nvSpPr>
+        <p:spPr>
+          <a:xfrm>
+            <a:off x="252000" y="6381720"/>
+            <a:ext cx="7178040" cy="359640"/>
+          </a:xfrm>
+          <a:prstGeom prst="rect">
+            <a:avLst/>
+          </a:prstGeom>
+          <a:noFill/>
+          <a:ln w="9360">
+            <a:noFill/>
+          </a:ln>
+        </p:spPr>
+        <p:txBody>
+          <a:bodyPr numCol="1" spcCol="0" lIns="0" rIns="0" tIns="0" bIns="0" anchor="t">
+            <a:noAutofit/>
+          </a:bodyPr>
+          <a:lstStyle>
+            <a:lvl1pPr>
+              <a:lnSpc>
+                <a:spcPct val="100000"/>
+              </a:lnSpc>
+              <a:buNone/>
+              <a:defRPr b="0" lang="de-DE" sz="1000" spc="-1" strike="noStrike">
+                <a:solidFill>
+                  <a:srgbClr val="000000"/>
+                </a:solidFill>
+                <a:latin typeface="Arial"/>
+                <a:ea typeface="DejaVu Sans"/>
+              </a:defRPr>
+            </a:lvl1pPr>
+          </a:lstStyle>
+          <a:p>
+            <a:pPr>
+              <a:lnSpc>
+                <a:spcPct val="100000"/>
+              </a:lnSpc>
+              <a:buNone/>
+            </a:pPr>
+            <a:r>
+              <a:rPr b="0" lang="de-DE" sz="1000" spc="-1" strike="noStrike">
+                <a:solidFill>
+                  <a:srgbClr val="000000"/>
+                </a:solidFill>
+                <a:latin typeface="Arial"/>
+                <a:ea typeface="DejaVu Sans"/>
+              </a:rPr>
+              <a:t>Technische Hochschule </a:t>
+            </a:r>
+            <a:r>
+              <a:rPr b="0" lang="de-DE" sz="1000" spc="-1" strike="noStrike">
+                <a:solidFill>
+                  <a:srgbClr val="000000"/>
+                </a:solidFill>
+                <a:latin typeface="Arial"/>
+                <a:ea typeface="DejaVu Sans"/>
+              </a:rPr>
+              <a:t>Nürnberg Georg Simon </a:t>
+            </a:r>
+            <a:r>
+              <a:rPr b="0" lang="de-DE" sz="1000" spc="-1" strike="noStrike">
+                <a:solidFill>
+                  <a:srgbClr val="000000"/>
+                </a:solidFill>
+                <a:latin typeface="Arial"/>
+                <a:ea typeface="DejaVu Sans"/>
+              </a:rPr>
+              <a:t>Ohm</a:t>
+            </a:r>
+            <a:endParaRPr b="0" lang="de-DE" sz="1000" spc="-1" strike="noStrike">
+              <a:latin typeface="Times New Roman"/>
+            </a:endParaRPr>
+          </a:p>
+          <a:p>
+            <a:pPr>
+              <a:lnSpc>
+                <a:spcPct val="100000"/>
+              </a:lnSpc>
+              <a:buNone/>
+            </a:pPr>
+            <a:r>
+              <a:rPr b="0" lang="de-DE" sz="1000" spc="-1" strike="noStrike">
+                <a:solidFill>
+                  <a:srgbClr val="0046a0"/>
+                </a:solidFill>
+                <a:latin typeface="Arial"/>
+                <a:ea typeface="DejaVu Sans"/>
+              </a:rPr>
+              <a:t>www.th-nuernberg.de</a:t>
+            </a:r>
+            <a:endParaRPr b="0" lang="de-DE" sz="1000" spc="-1" strike="noStrike">
+              <a:latin typeface="Times New Roman"/>
+            </a:endParaRPr>
+          </a:p>
+        </p:txBody>
+      </p:sp>
+      <p:sp>
+        <p:nvSpPr>
+          <p:cNvPr id="331" name="PlaceHolder 3"/>
+          <p:cNvSpPr>
+            <a:spLocks noGrp="1"/>
+          </p:cNvSpPr>
+          <p:nvPr>
+            <p:ph type="sldNum" idx="35"/>
+          </p:nvPr>
+        </p:nvSpPr>
+        <p:spPr>
+          <a:xfrm>
+            <a:off x="8174160" y="6381720"/>
+            <a:ext cx="718560" cy="178560"/>
+          </a:xfrm>
+          <a:prstGeom prst="rect">
+            <a:avLst/>
+          </a:prstGeom>
+          <a:noFill/>
+          <a:ln w="9360">
+            <a:noFill/>
+          </a:ln>
+        </p:spPr>
+        <p:txBody>
+          <a:bodyPr numCol="1" spcCol="0" lIns="0" rIns="0" tIns="0" bIns="0" anchor="t">
+            <a:noAutofit/>
+          </a:bodyPr>
+          <a:lstStyle>
+            <a:lvl1pPr algn="r">
+              <a:lnSpc>
+                <a:spcPct val="100000"/>
+              </a:lnSpc>
+              <a:buNone/>
+              <a:defRPr b="0" lang="de-DE" sz="1000" spc="-1" strike="noStrike">
+                <a:solidFill>
+                  <a:srgbClr val="000000"/>
+                </a:solidFill>
+                <a:latin typeface="Arial"/>
+                <a:ea typeface="DejaVu Sans"/>
+              </a:defRPr>
+            </a:lvl1pPr>
+          </a:lstStyle>
+          <a:p>
+            <a:pPr algn="r">
+              <a:lnSpc>
+                <a:spcPct val="100000"/>
+              </a:lnSpc>
+              <a:buNone/>
+            </a:pPr>
+            <a:r>
+              <a:rPr b="0" lang="de-DE" sz="1000" spc="-1" strike="noStrike">
+                <a:solidFill>
+                  <a:srgbClr val="000000"/>
+                </a:solidFill>
+                <a:latin typeface="Arial"/>
+                <a:ea typeface="DejaVu Sans"/>
+              </a:rPr>
+              <a:t>Seite </a:t>
+            </a:r>
+            <a:fld id="{50A3CE81-7F0E-4E36-9762-8FA7173902B2}" type="slidenum">
+              <a:rPr b="0" lang="de-DE" sz="1000" spc="-1" strike="noStrike">
+                <a:solidFill>
+                  <a:srgbClr val="000000"/>
+                </a:solidFill>
+                <a:latin typeface="Arial"/>
+                <a:ea typeface="DejaVu Sans"/>
+              </a:rPr>
+              <a:t>&lt;number&gt;</a:t>
+            </a:fld>
+            <a:endParaRPr b="0" lang="de-DE" sz="1000" spc="-1" strike="noStrike">
+              <a:latin typeface="Times New Roman"/>
+            </a:endParaRPr>
+          </a:p>
+        </p:txBody>
+      </p:sp>
+      <p:sp>
+        <p:nvSpPr>
+          <p:cNvPr id="332" name="PlaceHolder 12"/>
+          <p:cNvSpPr/>
+          <p:nvPr/>
+        </p:nvSpPr>
+        <p:spPr>
+          <a:xfrm>
+            <a:off x="3534120" y="6381720"/>
+            <a:ext cx="3219840" cy="359640"/>
+          </a:xfrm>
+          <a:prstGeom prst="rect">
+            <a:avLst/>
+          </a:prstGeom>
+          <a:noFill/>
+          <a:ln w="9360">
+            <a:noFill/>
+          </a:ln>
+        </p:spPr>
+        <p:style>
+          <a:lnRef idx="0"/>
+          <a:fillRef idx="0"/>
+          <a:effectRef idx="0"/>
+          <a:fontRef idx="minor"/>
+        </p:style>
+        <p:txBody>
+          <a:bodyPr numCol="1" spcCol="0" lIns="0" rIns="0" tIns="0" bIns="0" anchor="t">
+            <a:noAutofit/>
+          </a:bodyPr>
+          <a:p>
+            <a:pPr>
+              <a:lnSpc>
+                <a:spcPct val="100000"/>
+              </a:lnSpc>
+              <a:buNone/>
+            </a:pPr>
+            <a:r>
+              <a:rPr b="0" lang="de-DE" sz="1000" spc="-1" strike="noStrike">
+                <a:solidFill>
+                  <a:srgbClr val="000000"/>
+                </a:solidFill>
+                <a:latin typeface="Arial"/>
+                <a:ea typeface="DejaVu Sans"/>
+              </a:rPr>
+              <a:t>Vortrag LPDES – Viktor </a:t>
+            </a:r>
+            <a:r>
+              <a:rPr b="0" lang="de-DE" sz="1000" spc="-1" strike="noStrike">
+                <a:solidFill>
+                  <a:srgbClr val="000000"/>
+                </a:solidFill>
+                <a:latin typeface="Arial"/>
+                <a:ea typeface="DejaVu Sans"/>
+              </a:rPr>
+              <a:t>Dilman, Christoph </a:t>
+            </a:r>
+            <a:r>
+              <a:rPr b="0" lang="de-DE" sz="1000" spc="-1" strike="noStrike">
+                <a:solidFill>
+                  <a:srgbClr val="000000"/>
+                </a:solidFill>
+                <a:latin typeface="Arial"/>
+                <a:ea typeface="DejaVu Sans"/>
+              </a:rPr>
+              <a:t>Kirschner</a:t>
+            </a:r>
+            <a:endParaRPr b="0" lang="de-DE" sz="1000" spc="-1" strike="noStrike">
+              <a:latin typeface="Arial"/>
+            </a:endParaRPr>
+          </a:p>
+        </p:txBody>
+      </p:sp>
+      <p:pic>
+        <p:nvPicPr>
+          <p:cNvPr id="333" name="" descr=""/>
+          <p:cNvPicPr/>
+          <p:nvPr/>
+        </p:nvPicPr>
+        <p:blipFill>
+          <a:blip r:embed="rId1"/>
+          <a:stretch/>
+        </p:blipFill>
+        <p:spPr>
+          <a:xfrm>
+            <a:off x="4800600" y="1143000"/>
+            <a:ext cx="3084120" cy="4626360"/>
+          </a:xfrm>
+          <a:prstGeom prst="rect">
+            <a:avLst/>
+          </a:prstGeom>
+          <a:ln w="0">
+            <a:noFill/>
+          </a:ln>
+        </p:spPr>
+      </p:pic>
+      <p:pic>
+        <p:nvPicPr>
+          <p:cNvPr id="334" name="" descr=""/>
+          <p:cNvPicPr/>
+          <p:nvPr/>
+        </p:nvPicPr>
+        <p:blipFill>
+          <a:blip r:embed="rId2"/>
+          <a:stretch/>
+        </p:blipFill>
+        <p:spPr>
+          <a:xfrm>
+            <a:off x="685800" y="1111320"/>
+            <a:ext cx="3084120" cy="4626360"/>
+          </a:xfrm>
+          <a:prstGeom prst="rect">
+            <a:avLst/>
+          </a:prstGeom>
+          <a:ln w="0">
+            <a:noFill/>
+          </a:ln>
+        </p:spPr>
+      </p:pic>
+    </p:spTree>
+  </p:cSld>
+  <mc:AlternateContent>
+    <mc:Choice Requires="p14">
+      <p:transition spd="slow" p14:dur="2000"/>
+    </mc:Choice>
+    <mc:Fallback>
+      <p:transition spd="slow"/>
+    </mc:Fallback>
+  </mc:AlternateContent>
+</p:sld>
+</file>
+
+<file path=ppt/slides/slide16.xml><?xml version="1.0" encoding="utf-8"?>
+<p:sld xmlns:a="http://schemas.openxmlformats.org/drawingml/2006/main" xmlns:p="http://schemas.openxmlformats.org/presentationml/2006/main" xmlns:r="http://schemas.openxmlformats.org/officeDocument/2006/relationships" xmlns:p14="http://schemas.microsoft.com/office/powerpoint/2010/main" xmlns:p15="http://schemas.microsoft.com/office/powerpoint/2012/main" xmlns:mc="http://schemas.openxmlformats.org/markup-compatibility/2006">
+  <p:cSld>
+    <p:spTree>
+      <p:nvGrpSpPr>
+        <p:cNvPr id="1" name=""/>
+        <p:cNvGrpSpPr/>
+        <p:nvPr/>
+      </p:nvGrpSpPr>
+      <p:grpSpPr>
+        <a:xfrm>
+          <a:off x="0" y="0"/>
+          <a:ext cx="0" cy="0"/>
+          <a:chOff x="0" y="0"/>
+          <a:chExt cx="0" cy="0"/>
+        </a:xfrm>
+      </p:grpSpPr>
+      <p:sp>
+        <p:nvSpPr>
+          <p:cNvPr id="335" name="PlaceHolder 1"/>
+          <p:cNvSpPr>
+            <a:spLocks noGrp="1"/>
+          </p:cNvSpPr>
+          <p:nvPr>
+            <p:ph type="title"/>
+          </p:nvPr>
+        </p:nvSpPr>
+        <p:spPr>
+          <a:xfrm>
+            <a:off x="250920" y="188640"/>
+            <a:ext cx="8639280" cy="573840"/>
+          </a:xfrm>
+          <a:prstGeom prst="rect">
+            <a:avLst/>
+          </a:prstGeom>
+          <a:noFill/>
+          <a:ln w="9360">
+            <a:noFill/>
+          </a:ln>
+        </p:spPr>
+        <p:txBody>
+          <a:bodyPr numCol="1" spcCol="0" lIns="0" rIns="0" tIns="0" bIns="0" anchor="ctr">
+            <a:noAutofit/>
+          </a:bodyPr>
+          <a:p>
+            <a:pPr>
+              <a:lnSpc>
+                <a:spcPct val="100000"/>
+              </a:lnSpc>
+              <a:buNone/>
+            </a:pPr>
+            <a:r>
+              <a:rPr b="1" lang="de-DE" sz="2400" spc="-1" strike="noStrike">
+                <a:solidFill>
+                  <a:srgbClr val="0046a0"/>
+                </a:solidFill>
+                <a:latin typeface="Arial"/>
+                <a:ea typeface="DejaVu Sans"/>
+              </a:rPr>
+              <a:t>Anhang: VCO </a:t>
+            </a:r>
+            <a:endParaRPr b="0" lang="de-DE" sz="2400" spc="-1" strike="noStrike">
+              <a:solidFill>
+                <a:srgbClr val="000000"/>
+              </a:solidFill>
+              <a:latin typeface="Arial"/>
+            </a:endParaRPr>
+          </a:p>
+        </p:txBody>
+      </p:sp>
+      <p:sp>
+        <p:nvSpPr>
+          <p:cNvPr id="336" name="PlaceHolder 2"/>
+          <p:cNvSpPr>
+            <a:spLocks noGrp="1"/>
+          </p:cNvSpPr>
+          <p:nvPr>
+            <p:ph type="ftr" idx="36"/>
+          </p:nvPr>
+        </p:nvSpPr>
+        <p:spPr>
+          <a:xfrm>
+            <a:off x="252000" y="6381720"/>
+            <a:ext cx="7178040" cy="359640"/>
+          </a:xfrm>
+          <a:prstGeom prst="rect">
+            <a:avLst/>
+          </a:prstGeom>
+          <a:noFill/>
+          <a:ln w="9360">
+            <a:noFill/>
+          </a:ln>
+        </p:spPr>
+        <p:txBody>
+          <a:bodyPr numCol="1" spcCol="0" lIns="0" rIns="0" tIns="0" bIns="0" anchor="t">
+            <a:noAutofit/>
+          </a:bodyPr>
+          <a:lstStyle>
+            <a:lvl1pPr>
+              <a:lnSpc>
+                <a:spcPct val="100000"/>
+              </a:lnSpc>
+              <a:buNone/>
+              <a:defRPr b="0" lang="de-DE" sz="1000" spc="-1" strike="noStrike">
+                <a:solidFill>
+                  <a:srgbClr val="000000"/>
+                </a:solidFill>
+                <a:latin typeface="Arial"/>
+                <a:ea typeface="DejaVu Sans"/>
+              </a:defRPr>
+            </a:lvl1pPr>
+          </a:lstStyle>
+          <a:p>
+            <a:pPr>
+              <a:lnSpc>
+                <a:spcPct val="100000"/>
+              </a:lnSpc>
+              <a:buNone/>
+            </a:pPr>
+            <a:r>
+              <a:rPr b="0" lang="de-DE" sz="1000" spc="-1" strike="noStrike">
+                <a:solidFill>
+                  <a:srgbClr val="000000"/>
+                </a:solidFill>
+                <a:latin typeface="Arial"/>
+                <a:ea typeface="DejaVu Sans"/>
+              </a:rPr>
+              <a:t>Technische Hochschule Nürnberg Georg Simon Ohm</a:t>
+            </a:r>
+            <a:endParaRPr b="0" lang="de-DE" sz="1000" spc="-1" strike="noStrike">
+              <a:latin typeface="Times New Roman"/>
+            </a:endParaRPr>
+          </a:p>
+          <a:p>
+            <a:pPr>
+              <a:lnSpc>
+                <a:spcPct val="100000"/>
+              </a:lnSpc>
+              <a:buNone/>
+            </a:pPr>
+            <a:r>
+              <a:rPr b="0" lang="de-DE" sz="1000" spc="-1" strike="noStrike">
+                <a:solidFill>
+                  <a:srgbClr val="0046a0"/>
+                </a:solidFill>
+                <a:latin typeface="Arial"/>
+                <a:ea typeface="DejaVu Sans"/>
+              </a:rPr>
+              <a:t>www.th-nuernberg.de</a:t>
+            </a:r>
+            <a:endParaRPr b="0" lang="de-DE" sz="1000" spc="-1" strike="noStrike">
+              <a:latin typeface="Times New Roman"/>
+            </a:endParaRPr>
+          </a:p>
+        </p:txBody>
+      </p:sp>
+      <p:sp>
+        <p:nvSpPr>
+          <p:cNvPr id="337" name="PlaceHolder 3"/>
+          <p:cNvSpPr>
+            <a:spLocks noGrp="1"/>
+          </p:cNvSpPr>
+          <p:nvPr>
+            <p:ph type="sldNum" idx="37"/>
+          </p:nvPr>
+        </p:nvSpPr>
+        <p:spPr>
+          <a:xfrm>
+            <a:off x="8174160" y="6381720"/>
+            <a:ext cx="718560" cy="178560"/>
+          </a:xfrm>
+          <a:prstGeom prst="rect">
+            <a:avLst/>
+          </a:prstGeom>
+          <a:noFill/>
+          <a:ln w="9360">
+            <a:noFill/>
+          </a:ln>
+        </p:spPr>
+        <p:txBody>
+          <a:bodyPr numCol="1" spcCol="0" lIns="0" rIns="0" tIns="0" bIns="0" anchor="t">
+            <a:noAutofit/>
+          </a:bodyPr>
+          <a:lstStyle>
+            <a:lvl1pPr algn="r">
+              <a:lnSpc>
+                <a:spcPct val="100000"/>
+              </a:lnSpc>
+              <a:buNone/>
+              <a:defRPr b="0" lang="de-DE" sz="1000" spc="-1" strike="noStrike">
+                <a:solidFill>
+                  <a:srgbClr val="000000"/>
+                </a:solidFill>
+                <a:latin typeface="Arial"/>
+                <a:ea typeface="DejaVu Sans"/>
+              </a:defRPr>
+            </a:lvl1pPr>
+          </a:lstStyle>
+          <a:p>
+            <a:pPr algn="r">
+              <a:lnSpc>
+                <a:spcPct val="100000"/>
+              </a:lnSpc>
+              <a:buNone/>
+            </a:pPr>
+            <a:r>
+              <a:rPr b="0" lang="de-DE" sz="1000" spc="-1" strike="noStrike">
+                <a:solidFill>
+                  <a:srgbClr val="000000"/>
+                </a:solidFill>
+                <a:latin typeface="Arial"/>
+                <a:ea typeface="DejaVu Sans"/>
+              </a:rPr>
+              <a:t>Seite </a:t>
+            </a:r>
+            <a:fld id="{D52B09D5-0ECD-4574-85ED-F8E472591605}" type="slidenum">
+              <a:rPr b="0" lang="de-DE" sz="1000" spc="-1" strike="noStrike">
+                <a:solidFill>
+                  <a:srgbClr val="000000"/>
+                </a:solidFill>
+                <a:latin typeface="Arial"/>
+                <a:ea typeface="DejaVu Sans"/>
+              </a:rPr>
+              <a:t>&lt;number&gt;</a:t>
+            </a:fld>
+            <a:endParaRPr b="0" lang="de-DE" sz="1000" spc="-1" strike="noStrike">
+              <a:latin typeface="Times New Roman"/>
+            </a:endParaRPr>
+          </a:p>
+        </p:txBody>
+      </p:sp>
+      <p:sp>
+        <p:nvSpPr>
+          <p:cNvPr id="338" name="PlaceHolder 16"/>
+          <p:cNvSpPr/>
+          <p:nvPr/>
+        </p:nvSpPr>
+        <p:spPr>
+          <a:xfrm>
+            <a:off x="3534120" y="6381720"/>
+            <a:ext cx="3219840" cy="359640"/>
+          </a:xfrm>
+          <a:prstGeom prst="rect">
+            <a:avLst/>
+          </a:prstGeom>
+          <a:noFill/>
+          <a:ln w="9360">
+            <a:noFill/>
+          </a:ln>
+        </p:spPr>
+        <p:style>
+          <a:lnRef idx="0"/>
+          <a:fillRef idx="0"/>
+          <a:effectRef idx="0"/>
+          <a:fontRef idx="minor"/>
+        </p:style>
+        <p:txBody>
+          <a:bodyPr numCol="1" spcCol="0" lIns="0" rIns="0" tIns="0" bIns="0" anchor="t">
+            <a:noAutofit/>
+          </a:bodyPr>
+          <a:p>
+            <a:pPr>
+              <a:lnSpc>
+                <a:spcPct val="100000"/>
+              </a:lnSpc>
+              <a:buNone/>
+            </a:pPr>
+            <a:r>
+              <a:rPr b="0" lang="de-DE" sz="1000" spc="-1" strike="noStrike">
+                <a:solidFill>
+                  <a:srgbClr val="000000"/>
+                </a:solidFill>
+                <a:latin typeface="Arial"/>
+                <a:ea typeface="DejaVu Sans"/>
+              </a:rPr>
+              <a:t>Vortrag LPDES – Viktor </a:t>
+            </a:r>
+            <a:r>
+              <a:rPr b="0" lang="de-DE" sz="1000" spc="-1" strike="noStrike">
+                <a:solidFill>
+                  <a:srgbClr val="000000"/>
+                </a:solidFill>
+                <a:latin typeface="Arial"/>
+                <a:ea typeface="DejaVu Sans"/>
+              </a:rPr>
+              <a:t>Dilman, Christoph </a:t>
+            </a:r>
+            <a:r>
+              <a:rPr b="0" lang="de-DE" sz="1000" spc="-1" strike="noStrike">
+                <a:solidFill>
+                  <a:srgbClr val="000000"/>
+                </a:solidFill>
+                <a:latin typeface="Arial"/>
+                <a:ea typeface="DejaVu Sans"/>
+              </a:rPr>
+              <a:t>Kirschner</a:t>
+            </a:r>
+            <a:endParaRPr b="0" lang="de-DE" sz="1000" spc="-1" strike="noStrike">
+              <a:latin typeface="Arial"/>
+            </a:endParaRPr>
+          </a:p>
+        </p:txBody>
+      </p:sp>
+      <p:pic>
+        <p:nvPicPr>
+          <p:cNvPr id="339" name="" descr=""/>
+          <p:cNvPicPr/>
+          <p:nvPr/>
+        </p:nvPicPr>
+        <p:blipFill>
+          <a:blip r:embed="rId1"/>
+          <a:srcRect l="2011" t="3214" r="2987" b="3886"/>
+          <a:stretch/>
+        </p:blipFill>
+        <p:spPr>
+          <a:xfrm>
+            <a:off x="1177560" y="1001160"/>
+            <a:ext cx="6805080" cy="5043600"/>
+          </a:xfrm>
+          <a:prstGeom prst="rect">
+            <a:avLst/>
+          </a:prstGeom>
+          <a:ln w="0">
+            <a:noFill/>
+          </a:ln>
+        </p:spPr>
+      </p:pic>
+    </p:spTree>
+  </p:cSld>
+  <mc:AlternateContent>
+    <mc:Choice Requires="p14">
+      <p:transition spd="slow" p14:dur="2000"/>
+    </mc:Choice>
+    <mc:Fallback>
+      <p:transition spd="slow"/>
+    </mc:Fallback>
+  </mc:AlternateContent>
+</p:sld>
+</file>
+
+<file path=ppt/slides/slide17.xml><?xml version="1.0" encoding="utf-8"?>
+<p:sld xmlns:a="http://schemas.openxmlformats.org/drawingml/2006/main" xmlns:p="http://schemas.openxmlformats.org/presentationml/2006/main" xmlns:r="http://schemas.openxmlformats.org/officeDocument/2006/relationships" xmlns:p14="http://schemas.microsoft.com/office/powerpoint/2010/main" xmlns:p15="http://schemas.microsoft.com/office/powerpoint/2012/main" xmlns:mc="http://schemas.openxmlformats.org/markup-compatibility/2006">
+  <p:cSld>
+    <p:spTree>
+      <p:nvGrpSpPr>
+        <p:cNvPr id="1" name=""/>
+        <p:cNvGrpSpPr/>
+        <p:nvPr/>
+      </p:nvGrpSpPr>
+      <p:grpSpPr>
+        <a:xfrm>
+          <a:off x="0" y="0"/>
+          <a:ext cx="0" cy="0"/>
+          <a:chOff x="0" y="0"/>
+          <a:chExt cx="0" cy="0"/>
+        </a:xfrm>
+      </p:grpSpPr>
+      <p:sp>
+        <p:nvSpPr>
+          <p:cNvPr id="340" name="PlaceHolder 1"/>
+          <p:cNvSpPr>
+            <a:spLocks noGrp="1"/>
+          </p:cNvSpPr>
+          <p:nvPr>
+            <p:ph type="title"/>
+          </p:nvPr>
+        </p:nvSpPr>
+        <p:spPr>
+          <a:xfrm>
+            <a:off x="250920" y="188640"/>
+            <a:ext cx="8639280" cy="573840"/>
+          </a:xfrm>
+          <a:prstGeom prst="rect">
+            <a:avLst/>
+          </a:prstGeom>
+          <a:noFill/>
+          <a:ln w="9360">
+            <a:noFill/>
+          </a:ln>
+        </p:spPr>
+        <p:txBody>
+          <a:bodyPr numCol="1" spcCol="0" lIns="0" rIns="0" tIns="0" bIns="0" anchor="ctr">
+            <a:noAutofit/>
+          </a:bodyPr>
+          <a:p>
+            <a:pPr>
+              <a:lnSpc>
+                <a:spcPct val="100000"/>
+              </a:lnSpc>
+              <a:buNone/>
+            </a:pPr>
+            <a:r>
+              <a:rPr b="1" lang="de-DE" sz="2400" spc="-1" strike="noStrike">
+                <a:solidFill>
+                  <a:srgbClr val="0046a0"/>
+                </a:solidFill>
+                <a:latin typeface="Arial"/>
+                <a:ea typeface="DejaVu Sans"/>
+              </a:rPr>
+              <a:t>Anhang: SEQ </a:t>
+            </a:r>
+            <a:endParaRPr b="0" lang="de-DE" sz="2400" spc="-1" strike="noStrike">
+              <a:solidFill>
+                <a:srgbClr val="000000"/>
+              </a:solidFill>
+              <a:latin typeface="Arial"/>
+            </a:endParaRPr>
+          </a:p>
+        </p:txBody>
+      </p:sp>
+      <p:sp>
+        <p:nvSpPr>
+          <p:cNvPr id="341" name="PlaceHolder 2"/>
+          <p:cNvSpPr>
+            <a:spLocks noGrp="1"/>
+          </p:cNvSpPr>
+          <p:nvPr>
+            <p:ph type="ftr" idx="38"/>
+          </p:nvPr>
+        </p:nvSpPr>
+        <p:spPr>
+          <a:xfrm>
+            <a:off x="252000" y="6381720"/>
+            <a:ext cx="7178040" cy="359640"/>
+          </a:xfrm>
+          <a:prstGeom prst="rect">
+            <a:avLst/>
+          </a:prstGeom>
+          <a:noFill/>
+          <a:ln w="9360">
+            <a:noFill/>
+          </a:ln>
+        </p:spPr>
+        <p:txBody>
+          <a:bodyPr numCol="1" spcCol="0" lIns="0" rIns="0" tIns="0" bIns="0" anchor="t">
+            <a:noAutofit/>
+          </a:bodyPr>
+          <a:lstStyle>
+            <a:lvl1pPr>
+              <a:lnSpc>
+                <a:spcPct val="100000"/>
+              </a:lnSpc>
+              <a:buNone/>
+              <a:defRPr b="0" lang="de-DE" sz="1000" spc="-1" strike="noStrike">
+                <a:solidFill>
+                  <a:srgbClr val="000000"/>
+                </a:solidFill>
+                <a:latin typeface="Arial"/>
+                <a:ea typeface="DejaVu Sans"/>
+              </a:defRPr>
+            </a:lvl1pPr>
+          </a:lstStyle>
+          <a:p>
+            <a:pPr>
+              <a:lnSpc>
+                <a:spcPct val="100000"/>
+              </a:lnSpc>
+              <a:buNone/>
+            </a:pPr>
+            <a:r>
+              <a:rPr b="0" lang="de-DE" sz="1000" spc="-1" strike="noStrike">
+                <a:solidFill>
+                  <a:srgbClr val="000000"/>
+                </a:solidFill>
+                <a:latin typeface="Arial"/>
+                <a:ea typeface="DejaVu Sans"/>
+              </a:rPr>
+              <a:t>Technische Hochschule </a:t>
+            </a:r>
+            <a:r>
+              <a:rPr b="0" lang="de-DE" sz="1000" spc="-1" strike="noStrike">
+                <a:solidFill>
+                  <a:srgbClr val="000000"/>
+                </a:solidFill>
+                <a:latin typeface="Arial"/>
+                <a:ea typeface="DejaVu Sans"/>
+              </a:rPr>
+              <a:t>Nürnberg Georg Simon </a:t>
+            </a:r>
+            <a:r>
+              <a:rPr b="0" lang="de-DE" sz="1000" spc="-1" strike="noStrike">
+                <a:solidFill>
+                  <a:srgbClr val="000000"/>
+                </a:solidFill>
+                <a:latin typeface="Arial"/>
+                <a:ea typeface="DejaVu Sans"/>
+              </a:rPr>
+              <a:t>Ohm</a:t>
+            </a:r>
+            <a:endParaRPr b="0" lang="de-DE" sz="1000" spc="-1" strike="noStrike">
+              <a:latin typeface="Times New Roman"/>
+            </a:endParaRPr>
+          </a:p>
+          <a:p>
+            <a:pPr>
+              <a:lnSpc>
+                <a:spcPct val="100000"/>
+              </a:lnSpc>
+              <a:buNone/>
+            </a:pPr>
+            <a:r>
+              <a:rPr b="0" lang="de-DE" sz="1000" spc="-1" strike="noStrike">
+                <a:solidFill>
+                  <a:srgbClr val="0046a0"/>
+                </a:solidFill>
+                <a:latin typeface="Arial"/>
+                <a:ea typeface="DejaVu Sans"/>
+              </a:rPr>
+              <a:t>www.th-nuernberg.de</a:t>
+            </a:r>
+            <a:endParaRPr b="0" lang="de-DE" sz="1000" spc="-1" strike="noStrike">
+              <a:latin typeface="Times New Roman"/>
+            </a:endParaRPr>
+          </a:p>
+        </p:txBody>
+      </p:sp>
+      <p:sp>
+        <p:nvSpPr>
+          <p:cNvPr id="342" name="PlaceHolder 3"/>
+          <p:cNvSpPr>
+            <a:spLocks noGrp="1"/>
+          </p:cNvSpPr>
+          <p:nvPr>
+            <p:ph type="sldNum" idx="39"/>
+          </p:nvPr>
+        </p:nvSpPr>
+        <p:spPr>
+          <a:xfrm>
+            <a:off x="8174160" y="6381720"/>
+            <a:ext cx="718560" cy="178560"/>
+          </a:xfrm>
+          <a:prstGeom prst="rect">
+            <a:avLst/>
+          </a:prstGeom>
+          <a:noFill/>
+          <a:ln w="9360">
+            <a:noFill/>
+          </a:ln>
+        </p:spPr>
+        <p:txBody>
+          <a:bodyPr numCol="1" spcCol="0" lIns="0" rIns="0" tIns="0" bIns="0" anchor="t">
+            <a:noAutofit/>
+          </a:bodyPr>
+          <a:lstStyle>
+            <a:lvl1pPr algn="r">
+              <a:lnSpc>
+                <a:spcPct val="100000"/>
+              </a:lnSpc>
+              <a:buNone/>
+              <a:defRPr b="0" lang="de-DE" sz="1000" spc="-1" strike="noStrike">
+                <a:solidFill>
+                  <a:srgbClr val="000000"/>
+                </a:solidFill>
+                <a:latin typeface="Arial"/>
+                <a:ea typeface="DejaVu Sans"/>
+              </a:defRPr>
+            </a:lvl1pPr>
+          </a:lstStyle>
+          <a:p>
+            <a:pPr algn="r">
+              <a:lnSpc>
+                <a:spcPct val="100000"/>
+              </a:lnSpc>
+              <a:buNone/>
+            </a:pPr>
+            <a:r>
+              <a:rPr b="0" lang="de-DE" sz="1000" spc="-1" strike="noStrike">
+                <a:solidFill>
+                  <a:srgbClr val="000000"/>
+                </a:solidFill>
+                <a:latin typeface="Arial"/>
+                <a:ea typeface="DejaVu Sans"/>
+              </a:rPr>
+              <a:t>Seite </a:t>
+            </a:r>
+            <a:fld id="{135E5312-50A4-4ED7-9B00-1029EE55F194}" type="slidenum">
+              <a:rPr b="0" lang="de-DE" sz="1000" spc="-1" strike="noStrike">
+                <a:solidFill>
+                  <a:srgbClr val="000000"/>
+                </a:solidFill>
+                <a:latin typeface="Arial"/>
+                <a:ea typeface="DejaVu Sans"/>
+              </a:rPr>
+              <a:t>&lt;number&gt;</a:t>
+            </a:fld>
+            <a:endParaRPr b="0" lang="de-DE" sz="1000" spc="-1" strike="noStrike">
+              <a:latin typeface="Times New Roman"/>
+            </a:endParaRPr>
+          </a:p>
+        </p:txBody>
+      </p:sp>
+      <p:sp>
+        <p:nvSpPr>
+          <p:cNvPr id="343" name="PlaceHolder 20"/>
+          <p:cNvSpPr/>
+          <p:nvPr/>
+        </p:nvSpPr>
+        <p:spPr>
+          <a:xfrm>
+            <a:off x="3534120" y="6381720"/>
+            <a:ext cx="3219840" cy="359640"/>
+          </a:xfrm>
+          <a:prstGeom prst="rect">
+            <a:avLst/>
+          </a:prstGeom>
+          <a:noFill/>
+          <a:ln w="9360">
+            <a:noFill/>
+          </a:ln>
+        </p:spPr>
+        <p:style>
+          <a:lnRef idx="0"/>
+          <a:fillRef idx="0"/>
+          <a:effectRef idx="0"/>
+          <a:fontRef idx="minor"/>
+        </p:style>
+        <p:txBody>
+          <a:bodyPr numCol="1" spcCol="0" lIns="0" rIns="0" tIns="0" bIns="0" anchor="t">
+            <a:noAutofit/>
+          </a:bodyPr>
+          <a:p>
+            <a:pPr>
+              <a:lnSpc>
+                <a:spcPct val="100000"/>
+              </a:lnSpc>
+              <a:buNone/>
+            </a:pPr>
+            <a:r>
+              <a:rPr b="0" lang="de-DE" sz="1000" spc="-1" strike="noStrike">
+                <a:solidFill>
+                  <a:srgbClr val="000000"/>
+                </a:solidFill>
+                <a:latin typeface="Arial"/>
+                <a:ea typeface="DejaVu Sans"/>
+              </a:rPr>
+              <a:t>Vortrag </a:t>
+            </a:r>
+            <a:r>
+              <a:rPr b="0" lang="de-DE" sz="1000" spc="-1" strike="noStrike">
+                <a:solidFill>
+                  <a:srgbClr val="000000"/>
+                </a:solidFill>
+                <a:latin typeface="Arial"/>
+                <a:ea typeface="DejaVu Sans"/>
+              </a:rPr>
+              <a:t>LPDES – </a:t>
+            </a:r>
+            <a:r>
+              <a:rPr b="0" lang="de-DE" sz="1000" spc="-1" strike="noStrike">
+                <a:solidFill>
+                  <a:srgbClr val="000000"/>
+                </a:solidFill>
+                <a:latin typeface="Arial"/>
+                <a:ea typeface="DejaVu Sans"/>
+              </a:rPr>
+              <a:t>Viktor Dilman, </a:t>
+            </a:r>
+            <a:r>
+              <a:rPr b="0" lang="de-DE" sz="1000" spc="-1" strike="noStrike">
+                <a:solidFill>
+                  <a:srgbClr val="000000"/>
+                </a:solidFill>
+                <a:latin typeface="Arial"/>
+                <a:ea typeface="DejaVu Sans"/>
+              </a:rPr>
+              <a:t>Christoph </a:t>
+            </a:r>
+            <a:r>
+              <a:rPr b="0" lang="de-DE" sz="1000" spc="-1" strike="noStrike">
+                <a:solidFill>
+                  <a:srgbClr val="000000"/>
+                </a:solidFill>
+                <a:latin typeface="Arial"/>
+                <a:ea typeface="DejaVu Sans"/>
+              </a:rPr>
+              <a:t>Kirschner</a:t>
+            </a:r>
+            <a:endParaRPr b="0" lang="de-DE" sz="1000" spc="-1" strike="noStrike">
+              <a:latin typeface="Arial"/>
+            </a:endParaRPr>
+          </a:p>
+        </p:txBody>
+      </p:sp>
+      <p:pic>
+        <p:nvPicPr>
+          <p:cNvPr id="344" name="" descr=""/>
+          <p:cNvPicPr/>
+          <p:nvPr/>
+        </p:nvPicPr>
+        <p:blipFill>
+          <a:blip r:embed="rId1"/>
+          <a:srcRect l="66" t="156" r="66" b="75"/>
+          <a:stretch/>
+        </p:blipFill>
+        <p:spPr>
+          <a:xfrm>
+            <a:off x="914400" y="1097280"/>
+            <a:ext cx="7314840" cy="4965840"/>
+          </a:xfrm>
+          <a:prstGeom prst="rect">
+            <a:avLst/>
+          </a:prstGeom>
+          <a:ln w="0">
+            <a:noFill/>
+          </a:ln>
+        </p:spPr>
+      </p:pic>
     </p:spTree>
   </p:cSld>
   <mc:AlternateContent>
@@ -12791,7 +13815,7 @@
                 <a:latin typeface="Arial"/>
                 <a:ea typeface="DejaVu Sans"/>
               </a:rPr>
-              <a:t>Module in der elektronischen Tonerzeugung</a:t>
+              <a:t>Architektur eines Synthesizer</a:t>
             </a:r>
             <a:endParaRPr b="0" lang="de-DE" sz="1800" spc="-1" strike="noStrike">
               <a:solidFill>
@@ -12822,7 +13846,7 @@
                 <a:latin typeface="Arial"/>
                 <a:ea typeface="DejaVu Sans"/>
               </a:rPr>
-              <a:t>Oszillatorschaltung</a:t>
+              <a:t>Exemplarischer Aufbau</a:t>
             </a:r>
             <a:endParaRPr b="0" lang="de-DE" sz="1800" spc="-1" strike="noStrike">
               <a:solidFill>
@@ -12853,7 +13877,7 @@
                 <a:latin typeface="Arial"/>
                 <a:ea typeface="DejaVu Sans"/>
               </a:rPr>
-              <a:t>Vorgehen bis zur fertigen Leiterplatte</a:t>
+              <a:t>Low Frequency Oscillator</a:t>
             </a:r>
             <a:endParaRPr b="0" lang="de-DE" sz="1800" spc="-1" strike="noStrike">
               <a:solidFill>
@@ -12863,18 +13887,29 @@
             </a:endParaRPr>
           </a:p>
           <a:p>
-            <a:pPr marL="228600" indent="-228600">
-              <a:lnSpc>
-                <a:spcPct val="100000"/>
+            <a:pPr marL="343080" indent="-343080">
+              <a:lnSpc>
+                <a:spcPct val="200000"/>
               </a:lnSpc>
               <a:spcBef>
                 <a:spcPts val="901"/>
               </a:spcBef>
-              <a:buNone/>
-              <a:tabLst>
-                <a:tab algn="l" pos="0"/>
-              </a:tabLst>
-            </a:pPr>
+              <a:buClr>
+                <a:srgbClr val="0046a0"/>
+              </a:buClr>
+              <a:buFont typeface="Monotype Sorts" charset="2"/>
+              <a:buAutoNum type="arabicPeriod"/>
+            </a:pPr>
+            <a:r>
+              <a:rPr b="0" lang="de-DE" sz="1800" spc="-1" strike="noStrike">
+                <a:solidFill>
+                  <a:srgbClr val="000000"/>
+                </a:solidFill>
+                <a:latin typeface="Arial"/>
+                <a:ea typeface="DejaVu Sans"/>
+              </a:rPr>
+              <a:t>Rapid-Prototyping mit Fusion 360</a:t>
+            </a:r>
             <a:endParaRPr b="0" lang="de-DE" sz="1800" spc="-1" strike="noStrike">
               <a:solidFill>
                 <a:srgbClr val="000000"/>
@@ -12882,6 +13917,26 @@
               <a:latin typeface="Arial"/>
             </a:endParaRPr>
           </a:p>
+          <a:p>
+            <a:pPr marL="228600" indent="-228600">
+              <a:lnSpc>
+                <a:spcPct val="100000"/>
+              </a:lnSpc>
+              <a:spcBef>
+                <a:spcPts val="901"/>
+              </a:spcBef>
+              <a:buNone/>
+              <a:tabLst>
+                <a:tab algn="l" pos="0"/>
+              </a:tabLst>
+            </a:pPr>
+            <a:endParaRPr b="0" lang="de-DE" sz="1800" spc="-1" strike="noStrike">
+              <a:solidFill>
+                <a:srgbClr val="000000"/>
+              </a:solidFill>
+              <a:latin typeface="Arial"/>
+            </a:endParaRPr>
+          </a:p>
         </p:txBody>
       </p:sp>
       <p:sp>
@@ -12961,7 +14016,7 @@
                 <a:latin typeface="Arial"/>
                 <a:ea typeface="DejaVu Sans"/>
               </a:rPr>
-              <a:t>Nürnberg </a:t>
+              <a:t>Nürnberg Georg </a:t>
             </a:r>
             <a:r>
               <a:rPr b="0" lang="de-DE" sz="1000" spc="-1" strike="noStrike">
@@ -12971,17 +14026,7 @@
                 <a:latin typeface="Arial"/>
                 <a:ea typeface="DejaVu Sans"/>
               </a:rPr>
-              <a:t>Georg Simon </a:t>
-            </a:r>
-            <a:r>
-              <a:rPr b="0" lang="de-DE" sz="1000" spc="-1" strike="noStrike">
-                <a:solidFill>
-                  <a:srgbClr val="000000"/>
-                </a:solidFill>
-                <a:latin typeface="Arial"/>
-                <a:ea typeface="DejaVu Sans"/>
-              </a:rPr>
-              <a:t>Ohm</a:t>
+              <a:t>Simon Ohm</a:t>
             </a:r>
             <a:endParaRPr b="0" lang="de-DE" sz="1000" spc="-1" strike="noStrike">
               <a:latin typeface="Times New Roman"/>
@@ -13002,17 +14047,7 @@
                 <a:latin typeface="Arial"/>
                 <a:ea typeface="DejaVu Sans"/>
               </a:rPr>
-              <a:t>www.th-</a:t>
-            </a:r>
-            <a:r>
-              <a:rPr b="0" lang="de-DE" sz="1000" spc="-1" strike="noStrike">
-                <a:solidFill>
-                  <a:srgbClr val="0046a0"/>
-                </a:solidFill>
-                <a:latin typeface="Arial"/>
-                <a:ea typeface="DejaVu Sans"/>
-              </a:rPr>
-              <a:t>nuernberg.de</a:t>
+              <a:t>www.th-nuernberg.de</a:t>
             </a:r>
             <a:endParaRPr b="0" lang="de-DE" sz="1000" spc="-1" strike="noStrike">
               <a:latin typeface="Times New Roman"/>
@@ -13079,7 +14114,7 @@
               </a:rPr>
               <a:t>Seite </a:t>
             </a:r>
-            <a:fld id="{F4FF9C8D-EB51-4D68-908C-5312964B5A87}" type="slidenum">
+            <a:fld id="{D3003494-0476-4839-BC0F-969C256A7DA0}" type="slidenum">
               <a:rPr b="0" lang="de-DE" sz="1000" spc="-1" strike="noStrike">
                 <a:solidFill>
                   <a:srgbClr val="000000"/>
@@ -13219,37 +14254,7 @@
                 <a:latin typeface="Arial"/>
                 <a:ea typeface="DejaVu Sans"/>
               </a:rPr>
-              <a:t>1. </a:t>
-            </a:r>
-            <a:r>
-              <a:rPr b="1" lang="de-DE" sz="2400" spc="-1" strike="noStrike">
-                <a:solidFill>
-                  <a:srgbClr val="0046a0"/>
-                </a:solidFill>
-                <a:latin typeface="Arial"/>
-                <a:ea typeface="DejaVu Sans"/>
-              </a:rPr>
-              <a:t>Projekt</a:t>
-            </a:r>
-            <a:r>
-              <a:rPr b="1" lang="de-DE" sz="2400" spc="-1" strike="noStrike">
-                <a:solidFill>
-                  <a:srgbClr val="0046a0"/>
-                </a:solidFill>
-                <a:latin typeface="Arial"/>
-                <a:ea typeface="DejaVu Sans"/>
-              </a:rPr>
-              <a:t>vorstell</a:t>
-            </a:r>
-            <a:r>
-              <a:rPr b="1" lang="de-DE" sz="2400" spc="-1" strike="noStrike">
-                <a:solidFill>
-                  <a:srgbClr val="0046a0"/>
-                </a:solidFill>
-                <a:latin typeface="Arial"/>
-                <a:ea typeface="DejaVu Sans"/>
-              </a:rPr>
-              <a:t>ung</a:t>
+              <a:t>1. Projektvorstellung</a:t>
             </a:r>
             <a:endParaRPr b="0" lang="de-DE" sz="2400" spc="-1" strike="noStrike">
               <a:solidFill>
@@ -13439,47 +14444,7 @@
                 <a:latin typeface="Arial"/>
                 <a:ea typeface="DejaVu Sans"/>
               </a:rPr>
-              <a:t>Technische </a:t>
-            </a:r>
-            <a:r>
-              <a:rPr b="0" lang="de-DE" sz="1000" spc="-1" strike="noStrike">
-                <a:solidFill>
-                  <a:srgbClr val="000000"/>
-                </a:solidFill>
-                <a:latin typeface="Arial"/>
-                <a:ea typeface="DejaVu Sans"/>
-              </a:rPr>
-              <a:t>Hochschule </a:t>
-            </a:r>
-            <a:r>
-              <a:rPr b="0" lang="de-DE" sz="1000" spc="-1" strike="noStrike">
-                <a:solidFill>
-                  <a:srgbClr val="000000"/>
-                </a:solidFill>
-                <a:latin typeface="Arial"/>
-                <a:ea typeface="DejaVu Sans"/>
-              </a:rPr>
-              <a:t>Nürnberg </a:t>
-            </a:r>
-            <a:r>
-              <a:rPr b="0" lang="de-DE" sz="1000" spc="-1" strike="noStrike">
-                <a:solidFill>
-                  <a:srgbClr val="000000"/>
-                </a:solidFill>
-                <a:latin typeface="Arial"/>
-                <a:ea typeface="DejaVu Sans"/>
-              </a:rPr>
-              <a:t>Georg </a:t>
-            </a:r>
-            <a:r>
-              <a:rPr b="0" lang="de-DE" sz="1000" spc="-1" strike="noStrike">
-                <a:solidFill>
-                  <a:srgbClr val="000000"/>
-                </a:solidFill>
-                <a:latin typeface="Arial"/>
-                <a:ea typeface="DejaVu Sans"/>
-              </a:rPr>
-              <a:t>Simon Ohm</a:t>
+              <a:t>Technische Hochschule Nürnberg Georg Simon Ohm</a:t>
             </a:r>
             <a:endParaRPr b="0" lang="de-DE" sz="1000" spc="-1" strike="noStrike">
               <a:latin typeface="Times New Roman"/>
@@ -13500,27 +14465,7 @@
                 <a:latin typeface="Arial"/>
                 <a:ea typeface="DejaVu Sans"/>
               </a:rPr>
-              <a:t>www.th-</a:t>
-            </a:r>
-            <a:r>
-              <a:rPr b="0" lang="de-DE" sz="1000" spc="-1" strike="noStrike">
-                <a:solidFill>
-                  <a:srgbClr val="0046a0"/>
-                </a:solidFill>
-                <a:latin typeface="Arial"/>
-                <a:ea typeface="DejaVu Sans"/>
-              </a:rPr>
-              <a:t>nuernberg.d</a:t>
-            </a:r>
-            <a:r>
-              <a:rPr b="0" lang="de-DE" sz="1000" spc="-1" strike="noStrike">
-                <a:solidFill>
-                  <a:srgbClr val="0046a0"/>
-                </a:solidFill>
-                <a:latin typeface="Arial"/>
-                <a:ea typeface="DejaVu Sans"/>
-              </a:rPr>
-              <a:t>e</a:t>
+              <a:t>www.th-nuernberg.de</a:t>
             </a:r>
             <a:endParaRPr b="0" lang="de-DE" sz="1000" spc="-1" strike="noStrike">
               <a:latin typeface="Times New Roman"/>
@@ -13587,7 +14532,7 @@
               </a:rPr>
               <a:t>Seite </a:t>
             </a:r>
-            <a:fld id="{2B1DECBD-0CDA-470D-B33A-E87BCBB896AD}" type="slidenum">
+            <a:fld id="{C91E9CE3-E8FD-4026-AA20-2D31E6D06BEA}" type="slidenum">
               <a:rPr b="0" lang="de-DE" sz="1000" spc="-1" strike="noStrike">
                 <a:solidFill>
                   <a:srgbClr val="000000"/>
@@ -13905,7 +14850,7 @@
                 <a:latin typeface="Arial"/>
                 <a:ea typeface="DejaVu Sans"/>
               </a:rPr>
-              <a:t>2. Produktarchitektur: Synthesizer</a:t>
+              <a:t>2. Architektur eines Synthesizer</a:t>
             </a:r>
             <a:endParaRPr b="0" lang="de-DE" sz="2400" spc="-1" strike="noStrike">
               <a:solidFill>
@@ -14061,7 +15006,7 @@
               </a:rPr>
               <a:t>Seite </a:t>
             </a:r>
-            <a:fld id="{1FFC871B-6EEB-4B77-826E-838F0E83CE16}" type="slidenum">
+            <a:fld id="{9AE4F6F6-5D40-4E0F-B803-5D542F004B33}" type="slidenum">
               <a:rPr b="0" lang="de-DE" sz="1000" spc="-1" strike="noStrike">
                 <a:solidFill>
                   <a:srgbClr val="000000"/>
@@ -17888,57 +18833,7 @@
                 <a:latin typeface="Arial"/>
                 <a:ea typeface="DejaVu Sans"/>
               </a:rPr>
-              <a:t>2. </a:t>
-            </a:r>
-            <a:r>
-              <a:rPr b="1" lang="de-DE" sz="2400" spc="-1" strike="noStrike">
-                <a:solidFill>
-                  <a:srgbClr val="0046a0"/>
-                </a:solidFill>
-                <a:latin typeface="Arial"/>
-                <a:ea typeface="DejaVu Sans"/>
-              </a:rPr>
-              <a:t>Exemplar</a:t>
-            </a:r>
-            <a:r>
-              <a:rPr b="1" lang="de-DE" sz="2400" spc="-1" strike="noStrike">
-                <a:solidFill>
-                  <a:srgbClr val="0046a0"/>
-                </a:solidFill>
-                <a:latin typeface="Arial"/>
-                <a:ea typeface="DejaVu Sans"/>
-              </a:rPr>
-              <a:t>ischer </a:t>
-            </a:r>
-            <a:r>
-              <a:rPr b="1" lang="de-DE" sz="2400" spc="-1" strike="noStrike">
-                <a:solidFill>
-                  <a:srgbClr val="0046a0"/>
-                </a:solidFill>
-                <a:latin typeface="Arial"/>
-                <a:ea typeface="DejaVu Sans"/>
-              </a:rPr>
-              <a:t>Aufbau: </a:t>
-            </a:r>
-            <a:r>
-              <a:rPr b="1" lang="de-DE" sz="2400" spc="-1" strike="noStrike">
-                <a:solidFill>
-                  <a:srgbClr val="0046a0"/>
-                </a:solidFill>
-                <a:latin typeface="Arial"/>
-                <a:ea typeface="DejaVu Sans"/>
-              </a:rPr>
-              <a:t>Synthesi</a:t>
-            </a:r>
-            <a:r>
-              <a:rPr b="1" lang="de-DE" sz="2400" spc="-1" strike="noStrike">
-                <a:solidFill>
-                  <a:srgbClr val="0046a0"/>
-                </a:solidFill>
-                <a:latin typeface="Arial"/>
-                <a:ea typeface="DejaVu Sans"/>
-              </a:rPr>
-              <a:t>zer</a:t>
+              <a:t>3. Exemplarischer Aufbau</a:t>
             </a:r>
             <a:endParaRPr b="0" lang="de-DE" sz="2400" spc="-1" strike="noStrike">
               <a:solidFill>
@@ -18006,47 +18901,7 @@
                 <a:latin typeface="Arial"/>
                 <a:ea typeface="DejaVu Sans"/>
               </a:rPr>
-              <a:t>Technische </a:t>
-            </a:r>
-            <a:r>
-              <a:rPr b="0" lang="de-DE" sz="1000" spc="-1" strike="noStrike">
-                <a:solidFill>
-                  <a:srgbClr val="000000"/>
-                </a:solidFill>
-                <a:latin typeface="Arial"/>
-                <a:ea typeface="DejaVu Sans"/>
-              </a:rPr>
-              <a:t>Hochschule </a:t>
-            </a:r>
-            <a:r>
-              <a:rPr b="0" lang="de-DE" sz="1000" spc="-1" strike="noStrike">
-                <a:solidFill>
-                  <a:srgbClr val="000000"/>
-                </a:solidFill>
-                <a:latin typeface="Arial"/>
-                <a:ea typeface="DejaVu Sans"/>
-              </a:rPr>
-              <a:t>Nürnberg </a:t>
-            </a:r>
-            <a:r>
-              <a:rPr b="0" lang="de-DE" sz="1000" spc="-1" strike="noStrike">
-                <a:solidFill>
-                  <a:srgbClr val="000000"/>
-                </a:solidFill>
-                <a:latin typeface="Arial"/>
-                <a:ea typeface="DejaVu Sans"/>
-              </a:rPr>
-              <a:t>Georg </a:t>
-            </a:r>
-            <a:r>
-              <a:rPr b="0" lang="de-DE" sz="1000" spc="-1" strike="noStrike">
-                <a:solidFill>
-                  <a:srgbClr val="000000"/>
-                </a:solidFill>
-                <a:latin typeface="Arial"/>
-                <a:ea typeface="DejaVu Sans"/>
-              </a:rPr>
-              <a:t>Simon Ohm</a:t>
+              <a:t>Technische Hochschule Nürnberg Georg Simon Ohm</a:t>
             </a:r>
             <a:endParaRPr b="0" lang="de-DE" sz="1000" spc="-1" strike="noStrike">
               <a:latin typeface="Times New Roman"/>
@@ -18067,27 +18922,7 @@
                 <a:latin typeface="Arial"/>
                 <a:ea typeface="DejaVu Sans"/>
               </a:rPr>
-              <a:t>www.th-</a:t>
-            </a:r>
-            <a:r>
-              <a:rPr b="0" lang="de-DE" sz="1000" spc="-1" strike="noStrike">
-                <a:solidFill>
-                  <a:srgbClr val="0046a0"/>
-                </a:solidFill>
-                <a:latin typeface="Arial"/>
-                <a:ea typeface="DejaVu Sans"/>
-              </a:rPr>
-              <a:t>nuernberg.d</a:t>
-            </a:r>
-            <a:r>
-              <a:rPr b="0" lang="de-DE" sz="1000" spc="-1" strike="noStrike">
-                <a:solidFill>
-                  <a:srgbClr val="0046a0"/>
-                </a:solidFill>
-                <a:latin typeface="Arial"/>
-                <a:ea typeface="DejaVu Sans"/>
-              </a:rPr>
-              <a:t>e</a:t>
+              <a:t>www.th-nuernberg.de</a:t>
             </a:r>
             <a:endParaRPr b="0" lang="de-DE" sz="1000" spc="-1" strike="noStrike">
               <a:latin typeface="Times New Roman"/>
@@ -18154,7 +18989,7 @@
               </a:rPr>
               <a:t>Seite </a:t>
             </a:r>
-            <a:fld id="{DAF14CBE-F1DB-4B00-A12A-1D3EF5DE7441}" type="slidenum">
+            <a:fld id="{129E6CA6-CC10-4579-9B6B-EA31453D6FE0}" type="slidenum">
               <a:rPr b="0" lang="de-DE" sz="1000" spc="-1" strike="noStrike">
                 <a:solidFill>
                   <a:srgbClr val="000000"/>
@@ -19390,7 +20225,37 @@
                 <a:latin typeface="Arial"/>
                 <a:ea typeface="DejaVu Sans"/>
               </a:rPr>
-              <a:t>4.1  Low Frequency Oszillator</a:t>
+              <a:t>4.1  Low </a:t>
+            </a:r>
+            <a:r>
+              <a:rPr b="1" lang="de-DE" sz="2400" spc="-1" strike="noStrike">
+                <a:solidFill>
+                  <a:srgbClr val="0046a0"/>
+                </a:solidFill>
+                <a:latin typeface="Arial"/>
+                <a:ea typeface="DejaVu Sans"/>
+              </a:rPr>
+              <a:t>Frequenc</a:t>
+            </a:r>
+            <a:r>
+              <a:rPr b="1" lang="de-DE" sz="2400" spc="-1" strike="noStrike">
+                <a:solidFill>
+                  <a:srgbClr val="0046a0"/>
+                </a:solidFill>
+                <a:latin typeface="Arial"/>
+                <a:ea typeface="DejaVu Sans"/>
+              </a:rPr>
+              <a:t>y </a:t>
+            </a:r>
+            <a:r>
+              <a:rPr b="1" lang="de-DE" sz="2400" spc="-1" strike="noStrike">
+                <a:solidFill>
+                  <a:srgbClr val="0046a0"/>
+                </a:solidFill>
+                <a:latin typeface="Arial"/>
+                <a:ea typeface="DejaVu Sans"/>
+              </a:rPr>
+              <a:t>Oszillator</a:t>
             </a:r>
             <a:endParaRPr b="0" lang="de-DE" sz="2400" spc="-1" strike="noStrike">
               <a:solidFill>
@@ -19546,7 +20411,7 @@
               </a:rPr>
               <a:t>Seite </a:t>
             </a:r>
-            <a:fld id="{36A7D673-3D86-45D6-89F0-157A5651C95D}" type="slidenum">
+            <a:fld id="{16B9817B-97F4-450B-BC08-91B2F3A4EDD5}" type="slidenum">
               <a:rPr b="0" lang="de-DE" sz="1000" spc="-1" strike="noStrike">
                 <a:solidFill>
                   <a:srgbClr val="000000"/>
@@ -19917,7 +20782,7 @@
               </a:rPr>
               <a:t>Seite </a:t>
             </a:r>
-            <a:fld id="{A8551906-2478-405E-B952-B5A7DA63C40F}" type="slidenum">
+            <a:fld id="{14C659B8-C2DD-448B-A67D-1FFCEB6A58E4}" type="slidenum">
               <a:rPr b="0" lang="de-DE" sz="1000" spc="-1" strike="noStrike">
                 <a:solidFill>
                   <a:srgbClr val="000000"/>
@@ -20259,77 +21124,7 @@
                 <a:latin typeface="Arial"/>
                 <a:ea typeface="DejaVu Sans"/>
               </a:rPr>
-              <a:t>3.1  </a:t>
-            </a:r>
-            <a:r>
-              <a:rPr b="1" lang="de-DE" sz="2400" spc="-1" strike="noStrike">
-                <a:solidFill>
-                  <a:srgbClr val="0046a0"/>
-                </a:solidFill>
-                <a:latin typeface="Arial"/>
-                <a:ea typeface="DejaVu Sans"/>
-              </a:rPr>
-              <a:t>Rapi</a:t>
-            </a:r>
-            <a:r>
-              <a:rPr b="1" lang="de-DE" sz="2400" spc="-1" strike="noStrike">
-                <a:solidFill>
-                  <a:srgbClr val="0046a0"/>
-                </a:solidFill>
-                <a:latin typeface="Arial"/>
-                <a:ea typeface="DejaVu Sans"/>
-              </a:rPr>
-              <a:t>d-</a:t>
-            </a:r>
-            <a:r>
-              <a:rPr b="1" lang="de-DE" sz="2400" spc="-1" strike="noStrike">
-                <a:solidFill>
-                  <a:srgbClr val="0046a0"/>
-                </a:solidFill>
-                <a:latin typeface="Arial"/>
-                <a:ea typeface="DejaVu Sans"/>
-              </a:rPr>
-              <a:t>Proto</a:t>
-            </a:r>
-            <a:r>
-              <a:rPr b="1" lang="de-DE" sz="2400" spc="-1" strike="noStrike">
-                <a:solidFill>
-                  <a:srgbClr val="0046a0"/>
-                </a:solidFill>
-                <a:latin typeface="Arial"/>
-                <a:ea typeface="DejaVu Sans"/>
-              </a:rPr>
-              <a:t>typin</a:t>
-            </a:r>
-            <a:r>
-              <a:rPr b="1" lang="de-DE" sz="2400" spc="-1" strike="noStrike">
-                <a:solidFill>
-                  <a:srgbClr val="0046a0"/>
-                </a:solidFill>
-                <a:latin typeface="Arial"/>
-                <a:ea typeface="DejaVu Sans"/>
-              </a:rPr>
-              <a:t>g mit </a:t>
-            </a:r>
-            <a:r>
-              <a:rPr b="1" lang="de-DE" sz="2400" spc="-1" strike="noStrike">
-                <a:solidFill>
-                  <a:srgbClr val="0046a0"/>
-                </a:solidFill>
-                <a:latin typeface="Arial"/>
-                <a:ea typeface="DejaVu Sans"/>
-              </a:rPr>
-              <a:t>Fusio</a:t>
-            </a:r>
-            <a:r>
-              <a:rPr b="1" lang="de-DE" sz="2400" spc="-1" strike="noStrike">
-                <a:solidFill>
-                  <a:srgbClr val="0046a0"/>
-                </a:solidFill>
-                <a:latin typeface="Arial"/>
-                <a:ea typeface="DejaVu Sans"/>
-              </a:rPr>
-              <a:t>n360</a:t>
+              <a:t>3.1  Rapid-Prototyping mit Fusion360</a:t>
             </a:r>
             <a:endParaRPr b="0" lang="de-DE" sz="2400" spc="-1" strike="noStrike">
               <a:solidFill>
@@ -20485,7 +21280,7 @@
               </a:rPr>
               <a:t>Seite </a:t>
             </a:r>
-            <a:fld id="{425DC7BF-AE30-4255-96D4-1E494E5AFA62}" type="slidenum">
+            <a:fld id="{13931197-8366-4FD0-87A8-51AA15BC465E}" type="slidenum">
               <a:rPr b="0" lang="de-DE" sz="1000" spc="-1" strike="noStrike">
                 <a:solidFill>
                   <a:srgbClr val="000000"/>
@@ -21136,7 +21931,7 @@
               </a:rPr>
               <a:t>Seite </a:t>
             </a:r>
-            <a:fld id="{9941CF68-9E6B-4595-B659-6AB1275858B1}" type="slidenum">
+            <a:fld id="{CD0A30C2-FBC1-4BC1-86F8-F08FAF706342}" type="slidenum">
               <a:rPr b="0" lang="de-DE" sz="1000" spc="-1" strike="noStrike">
                 <a:solidFill>
                   <a:srgbClr val="000000"/>

--- a/Vortrag/Leiterplatte_als_Musikinstrument_Kirschner_Dilman.pptx
+++ b/Vortrag/Leiterplatte_als_Musikinstrument_Kirschner_Dilman.pptx
@@ -7,7 +7,7 @@
     <p:sldMasterId id="2147483674" r:id="rId3"/>
   </p:sldMasterIdLst>
   <p:notesMasterIdLst>
-    <p:notesMasterId r:id="rId22"/>
+    <p:notesMasterId r:id="rId21"/>
   </p:notesMasterIdLst>
   <p:sldIdLst>
     <p:sldId id="256" r:id="rId4"/>
@@ -23,11 +23,10 @@
     <p:sldId id="266" r:id="rId14"/>
     <p:sldId id="267" r:id="rId15"/>
     <p:sldId id="268" r:id="rId16"/>
-    <p:sldId id="270" r:id="rId17"/>
-    <p:sldId id="273" r:id="rId18"/>
-    <p:sldId id="271" r:id="rId19"/>
-    <p:sldId id="269" r:id="rId20"/>
-    <p:sldId id="272" r:id="rId21"/>
+    <p:sldId id="271" r:id="rId17"/>
+    <p:sldId id="269" r:id="rId18"/>
+    <p:sldId id="273" r:id="rId19"/>
+    <p:sldId id="272" r:id="rId20"/>
   </p:sldIdLst>
   <p:sldSz cx="9144000" cy="6858000" type="screen4x3"/>
   <p:notesSz cx="6723063" cy="9852025"/>
@@ -1965,6 +1964,102 @@
         </p:txBody>
       </p:sp>
     </p:spTree>
+  </p:cSld>
+  <p:clrMapOvr>
+    <a:masterClrMapping/>
+  </p:clrMapOvr>
+</p:notes>
+</file>
+
+<file path=ppt/notesSlides/notesSlide8.xml><?xml version="1.0" encoding="utf-8"?>
+<p:notes xmlns:a="http://schemas.openxmlformats.org/drawingml/2006/main" xmlns:r="http://schemas.openxmlformats.org/officeDocument/2006/relationships" xmlns:p="http://schemas.openxmlformats.org/presentationml/2006/main">
+  <p:cSld>
+    <p:spTree>
+      <p:nvGrpSpPr>
+        <p:cNvPr id="1" name=""/>
+        <p:cNvGrpSpPr/>
+        <p:nvPr/>
+      </p:nvGrpSpPr>
+      <p:grpSpPr>
+        <a:xfrm>
+          <a:off x="0" y="0"/>
+          <a:ext cx="0" cy="0"/>
+          <a:chOff x="0" y="0"/>
+          <a:chExt cx="0" cy="0"/>
+        </a:xfrm>
+      </p:grpSpPr>
+      <p:sp>
+        <p:nvSpPr>
+          <p:cNvPr id="2" name="Folienbildplatzhalter 1"/>
+          <p:cNvSpPr>
+            <a:spLocks noGrp="1" noRot="1" noChangeAspect="1"/>
+          </p:cNvSpPr>
+          <p:nvPr>
+            <p:ph type="sldImg"/>
+          </p:nvPr>
+        </p:nvSpPr>
+        <p:spPr>
+          <a:xfrm>
+            <a:off x="1108075" y="812800"/>
+            <a:ext cx="5343525" cy="4008438"/>
+          </a:xfrm>
+        </p:spPr>
+      </p:sp>
+      <p:sp>
+        <p:nvSpPr>
+          <p:cNvPr id="3" name="Notizenplatzhalter 2"/>
+          <p:cNvSpPr>
+            <a:spLocks noGrp="1"/>
+          </p:cNvSpPr>
+          <p:nvPr>
+            <p:ph type="body" idx="1"/>
+          </p:nvPr>
+        </p:nvSpPr>
+        <p:spPr/>
+        <p:txBody>
+          <a:bodyPr/>
+          <a:lstStyle/>
+          <a:p>
+            <a:endParaRPr lang="de-DE" dirty="0"/>
+          </a:p>
+        </p:txBody>
+      </p:sp>
+      <p:sp>
+        <p:nvSpPr>
+          <p:cNvPr id="4" name="Foliennummernplatzhalter 3"/>
+          <p:cNvSpPr>
+            <a:spLocks noGrp="1"/>
+          </p:cNvSpPr>
+          <p:nvPr>
+            <p:ph type="sldNum" idx="7"/>
+          </p:nvPr>
+        </p:nvSpPr>
+        <p:spPr/>
+        <p:txBody>
+          <a:bodyPr/>
+          <a:lstStyle/>
+          <a:p>
+            <a:pPr algn="r">
+              <a:buNone/>
+            </a:pPr>
+            <a:fld id="{48BEB3EB-AD50-4541-A645-5C4D87E42FD6}" type="slidenum">
+              <a:rPr lang="de-DE" sz="1400" b="0" strike="noStrike" spc="-1" smtClean="0">
+                <a:latin typeface="Times New Roman"/>
+              </a:rPr>
+              <a:t>16</a:t>
+            </a:fld>
+            <a:endParaRPr lang="de-DE" sz="1400" b="0" strike="noStrike" spc="-1">
+              <a:latin typeface="Times New Roman"/>
+            </a:endParaRPr>
+          </a:p>
+        </p:txBody>
+      </p:sp>
+    </p:spTree>
+    <p:extLst>
+      <p:ext uri="{BB962C8B-B14F-4D97-AF65-F5344CB8AC3E}">
+        <p14:creationId xmlns:p14="http://schemas.microsoft.com/office/powerpoint/2010/main" val="2324018995"/>
+      </p:ext>
+    </p:extLst>
   </p:cSld>
   <p:clrMapOvr>
     <a:masterClrMapping/>
@@ -13495,7 +13590,7 @@
       </p:grpSpPr>
       <p:sp>
         <p:nvSpPr>
-          <p:cNvPr id="329" name="PlaceHolder 1"/>
+          <p:cNvPr id="335" name="PlaceHolder 1"/>
           <p:cNvSpPr>
             <a:spLocks noGrp="1"/>
           </p:cNvSpPr>
@@ -13549,12 +13644,12 @@
       </p:sp>
       <p:sp>
         <p:nvSpPr>
-          <p:cNvPr id="330" name="PlaceHolder 2"/>
+          <p:cNvPr id="336" name="PlaceHolder 2"/>
           <p:cNvSpPr>
             <a:spLocks noGrp="1"/>
           </p:cNvSpPr>
           <p:nvPr>
-            <p:ph type="ftr" idx="34"/>
+            <p:ph type="ftr" idx="36"/>
           </p:nvPr>
         </p:nvSpPr>
         <p:spPr>
@@ -13635,12 +13730,12 @@
       </p:sp>
       <p:sp>
         <p:nvSpPr>
-          <p:cNvPr id="331" name="PlaceHolder 3"/>
+          <p:cNvPr id="337" name="PlaceHolder 3"/>
           <p:cNvSpPr>
             <a:spLocks noGrp="1"/>
           </p:cNvSpPr>
           <p:nvPr>
-            <p:ph type="sldNum" idx="35"/>
+            <p:ph type="sldNum" idx="37"/>
           </p:nvPr>
         </p:nvSpPr>
         <p:spPr>
@@ -13692,7 +13787,7 @@
               </a:rPr>
               <a:t>Seite </a:t>
             </a:r>
-            <a:fld id="{50A3CE81-7F0E-4E36-9762-8FA7173902B2}" type="slidenum">
+            <a:fld id="{D52B09D5-0ECD-4574-85ED-F8E472591605}" type="slidenum">
               <a:rPr lang="de-DE" sz="1000" b="0" strike="noStrike" spc="-1">
                 <a:solidFill>
                   <a:srgbClr val="000000"/>
@@ -13710,7 +13805,7 @@
       </p:sp>
       <p:sp>
         <p:nvSpPr>
-          <p:cNvPr id="332" name="PlaceHolder 12"/>
+          <p:cNvPr id="338" name="PlaceHolder 16"/>
           <p:cNvSpPr/>
           <p:nvPr/>
         </p:nvSpPr>
@@ -13769,18 +13864,19 @@
       </p:sp>
       <p:pic>
         <p:nvPicPr>
-          <p:cNvPr id="333" name="Grafik 332"/>
+          <p:cNvPr id="339" name="Grafik 338"/>
           <p:cNvPicPr/>
           <p:nvPr/>
         </p:nvPicPr>
         <p:blipFill>
           <a:blip r:embed="rId2"/>
+          <a:srcRect l="2011" t="3214" r="2987" b="3886"/>
           <a:stretch/>
         </p:blipFill>
         <p:spPr>
           <a:xfrm>
-            <a:off x="4800600" y="1143000"/>
-            <a:ext cx="3084120" cy="4626360"/>
+            <a:off x="1177560" y="1001160"/>
+            <a:ext cx="6805080" cy="5043600"/>
           </a:xfrm>
           <a:prstGeom prst="rect">
             <a:avLst/>
@@ -13790,29 +13886,111 @@
           </a:ln>
         </p:spPr>
       </p:pic>
-      <p:pic>
-        <p:nvPicPr>
-          <p:cNvPr id="334" name="Grafik 333"/>
-          <p:cNvPicPr/>
+      <p:sp>
+        <p:nvSpPr>
+          <p:cNvPr id="2" name="Textfeld 2">
+            <a:extLst>
+              <a:ext uri="{FF2B5EF4-FFF2-40B4-BE49-F238E27FC236}">
+                <a16:creationId xmlns:a16="http://schemas.microsoft.com/office/drawing/2014/main" id="{D2FE42D1-94CB-E35B-5BC4-71768E2CA760}"/>
+              </a:ext>
+            </a:extLst>
+          </p:cNvPr>
+          <p:cNvSpPr/>
           <p:nvPr/>
-        </p:nvPicPr>
-        <p:blipFill>
-          <a:blip r:embed="rId3"/>
-          <a:stretch/>
-        </p:blipFill>
-        <p:spPr>
-          <a:xfrm>
-            <a:off x="685800" y="1111320"/>
-            <a:ext cx="3084120" cy="4626360"/>
-          </a:xfrm>
-          <a:prstGeom prst="rect">
-            <a:avLst/>
-          </a:prstGeom>
+        </p:nvSpPr>
+        <p:spPr>
+          <a:xfrm>
+            <a:off x="1177560" y="5953084"/>
+            <a:ext cx="5486400" cy="260156"/>
+          </a:xfrm>
+          <a:prstGeom prst="rect">
+            <a:avLst/>
+          </a:prstGeom>
+          <a:noFill/>
           <a:ln w="0">
             <a:noFill/>
           </a:ln>
         </p:spPr>
-      </p:pic>
+        <p:style>
+          <a:lnRef idx="0">
+            <a:scrgbClr r="0" g="0" b="0"/>
+          </a:lnRef>
+          <a:fillRef idx="0">
+            <a:scrgbClr r="0" g="0" b="0"/>
+          </a:fillRef>
+          <a:effectRef idx="0">
+            <a:scrgbClr r="0" g="0" b="0"/>
+          </a:effectRef>
+          <a:fontRef idx="minor"/>
+        </p:style>
+        <p:txBody>
+          <a:bodyPr lIns="90000" tIns="45000" rIns="90000" bIns="45000" anchor="t">
+            <a:spAutoFit/>
+          </a:bodyPr>
+          <a:lstStyle/>
+          <a:p>
+            <a:pPr>
+              <a:lnSpc>
+                <a:spcPct val="100000"/>
+              </a:lnSpc>
+              <a:buNone/>
+            </a:pPr>
+            <a:r>
+              <a:rPr lang="de-DE" sz="1100" b="0" i="1" strike="noStrike" spc="-1" dirty="0">
+                <a:solidFill>
+                  <a:srgbClr val="000000"/>
+                </a:solidFill>
+                <a:latin typeface="Arial"/>
+                <a:ea typeface="DejaVu Sans"/>
+              </a:rPr>
+              <a:t>Abb.1</a:t>
+            </a:r>
+            <a:r>
+              <a:rPr lang="de-DE" sz="1100" i="1" spc="-1" dirty="0">
+                <a:solidFill>
+                  <a:srgbClr val="000000"/>
+                </a:solidFill>
+                <a:latin typeface="Arial"/>
+                <a:ea typeface="DejaVu Sans"/>
+              </a:rPr>
+              <a:t>2</a:t>
+            </a:r>
+            <a:r>
+              <a:rPr lang="de-DE" sz="1100" b="0" i="1" strike="noStrike" spc="-1" dirty="0">
+                <a:solidFill>
+                  <a:srgbClr val="000000"/>
+                </a:solidFill>
+                <a:latin typeface="Arial"/>
+                <a:ea typeface="DejaVu Sans"/>
+              </a:rPr>
+              <a:t>.: Schaltplan des </a:t>
+            </a:r>
+            <a:r>
+              <a:rPr lang="de-DE" sz="1100" i="1" spc="-1" dirty="0">
+                <a:solidFill>
+                  <a:srgbClr val="000000"/>
+                </a:solidFill>
+                <a:latin typeface="Arial"/>
+                <a:ea typeface="DejaVu Sans"/>
+              </a:rPr>
+              <a:t>VC</a:t>
+            </a:r>
+            <a:r>
+              <a:rPr lang="de-DE" sz="1100" b="0" i="1" strike="noStrike" spc="-1" dirty="0">
+                <a:solidFill>
+                  <a:srgbClr val="000000"/>
+                </a:solidFill>
+                <a:latin typeface="Arial"/>
+                <a:ea typeface="DejaVu Sans"/>
+              </a:rPr>
+              <a:t>O aus Fusion 360   </a:t>
+            </a:r>
+            <a:endParaRPr lang="de-DE" sz="1100" b="0" strike="noStrike" spc="-1" dirty="0">
+              <a:latin typeface="Arial"/>
+            </a:endParaRPr>
+          </a:p>
+        </p:txBody>
+      </p:sp>
     </p:spTree>
   </p:cSld>
   <p:clrMapOvr>
@@ -13840,7 +14018,7 @@
       </p:grpSpPr>
       <p:sp>
         <p:nvSpPr>
-          <p:cNvPr id="329" name="PlaceHolder 1"/>
+          <p:cNvPr id="323" name="PlaceHolder 1"/>
           <p:cNvSpPr>
             <a:spLocks noGrp="1"/>
           </p:cNvSpPr>
@@ -13881,7 +14059,7 @@
                 <a:latin typeface="Arial"/>
                 <a:ea typeface="DejaVu Sans"/>
               </a:rPr>
-              <a:t>Anhang: VCO </a:t>
+              <a:t>Anhang: Oszillator </a:t>
             </a:r>
             <a:endParaRPr lang="de-DE" sz="2400" b="0" strike="noStrike" spc="-1">
               <a:solidFill>
@@ -13892,14 +14070,37 @@
           </a:p>
         </p:txBody>
       </p:sp>
-      <p:sp>
-        <p:nvSpPr>
-          <p:cNvPr id="330" name="PlaceHolder 2"/>
+      <p:pic>
+        <p:nvPicPr>
+          <p:cNvPr id="324" name="Inhaltsplatzhalter 3"/>
+          <p:cNvPicPr/>
+          <p:nvPr/>
+        </p:nvPicPr>
+        <p:blipFill>
+          <a:blip r:embed="rId2"/>
+          <a:stretch/>
+        </p:blipFill>
+        <p:spPr>
+          <a:xfrm>
+            <a:off x="4631400" y="1787760"/>
+            <a:ext cx="4268880" cy="2678400"/>
+          </a:xfrm>
+          <a:prstGeom prst="rect">
+            <a:avLst/>
+          </a:prstGeom>
+          <a:ln w="9525">
+            <a:noFill/>
+          </a:ln>
+        </p:spPr>
+      </p:pic>
+      <p:sp>
+        <p:nvSpPr>
+          <p:cNvPr id="325" name="PlaceHolder 2"/>
           <p:cNvSpPr>
             <a:spLocks noGrp="1"/>
           </p:cNvSpPr>
           <p:nvPr>
-            <p:ph type="ftr" idx="34"/>
+            <p:ph type="ftr" idx="32"/>
           </p:nvPr>
         </p:nvSpPr>
         <p:spPr>
@@ -13980,12 +14181,12 @@
       </p:sp>
       <p:sp>
         <p:nvSpPr>
-          <p:cNvPr id="331" name="PlaceHolder 3"/>
+          <p:cNvPr id="326" name="PlaceHolder 3"/>
           <p:cNvSpPr>
             <a:spLocks noGrp="1"/>
           </p:cNvSpPr>
           <p:nvPr>
-            <p:ph type="sldNum" idx="35"/>
+            <p:ph type="sldNum" idx="33"/>
           </p:nvPr>
         </p:nvSpPr>
         <p:spPr>
@@ -14037,7 +14238,7 @@
               </a:rPr>
               <a:t>Seite </a:t>
             </a:r>
-            <a:fld id="{50A3CE81-7F0E-4E36-9762-8FA7173902B2}" type="slidenum">
+            <a:fld id="{9A7BBE8C-AC20-4F82-A704-4FA11F4319F3}" type="slidenum">
               <a:rPr lang="de-DE" sz="1000" b="0" strike="noStrike" spc="-1">
                 <a:solidFill>
                   <a:srgbClr val="000000"/>
@@ -14053,9 +14254,32 @@
           </a:p>
         </p:txBody>
       </p:sp>
-      <p:sp>
-        <p:nvSpPr>
-          <p:cNvPr id="332" name="PlaceHolder 12"/>
+      <p:pic>
+        <p:nvPicPr>
+          <p:cNvPr id="327" name="Grafik 2"/>
+          <p:cNvPicPr/>
+          <p:nvPr/>
+        </p:nvPicPr>
+        <p:blipFill>
+          <a:blip r:embed="rId3"/>
+          <a:stretch/>
+        </p:blipFill>
+        <p:spPr>
+          <a:xfrm>
+            <a:off x="611640" y="1571400"/>
+            <a:ext cx="4250160" cy="3111120"/>
+          </a:xfrm>
+          <a:prstGeom prst="rect">
+            <a:avLst/>
+          </a:prstGeom>
+          <a:ln w="0">
+            <a:noFill/>
+          </a:ln>
+        </p:spPr>
+      </p:pic>
+      <p:sp>
+        <p:nvSpPr>
+          <p:cNvPr id="328" name="PlaceHolder 3"/>
           <p:cNvSpPr/>
           <p:nvPr/>
         </p:nvSpPr>
@@ -14112,84 +14336,177 @@
           </a:p>
         </p:txBody>
       </p:sp>
-      <p:pic>
-        <p:nvPicPr>
-          <p:cNvPr id="3" name="Grafik 2" descr="Ein Bild, das Text, Elektronik, Schaltkreis enthält.&#10;&#10;Automatisch generierte Beschreibung">
+      <p:sp>
+        <p:nvSpPr>
+          <p:cNvPr id="2" name="Textfeld 2">
             <a:extLst>
               <a:ext uri="{FF2B5EF4-FFF2-40B4-BE49-F238E27FC236}">
-                <a16:creationId xmlns:a16="http://schemas.microsoft.com/office/drawing/2014/main" id="{65206C7F-09F6-CB1A-10E8-CCE26B1FA08D}"/>
+                <a16:creationId xmlns:a16="http://schemas.microsoft.com/office/drawing/2014/main" id="{38827BC0-028D-7666-9838-7E3232CF72F3}"/>
               </a:ext>
             </a:extLst>
           </p:cNvPr>
-          <p:cNvPicPr>
-            <a:picLocks noChangeAspect="1"/>
-          </p:cNvPicPr>
+          <p:cNvSpPr/>
           <p:nvPr/>
-        </p:nvPicPr>
-        <p:blipFill>
-          <a:blip r:embed="rId2">
-            <a:extLst>
-              <a:ext uri="{28A0092B-C50C-407E-A947-70E740481C1C}">
-                <a14:useLocalDpi xmlns:a14="http://schemas.microsoft.com/office/drawing/2010/main" val="0"/>
-              </a:ext>
-            </a:extLst>
-          </a:blip>
-          <a:stretch>
-            <a:fillRect/>
-          </a:stretch>
-        </p:blipFill>
-        <p:spPr>
-          <a:xfrm>
-            <a:off x="1063023" y="1142999"/>
-            <a:ext cx="3010622" cy="4626361"/>
-          </a:xfrm>
-          <a:prstGeom prst="rect">
-            <a:avLst/>
-          </a:prstGeom>
-        </p:spPr>
-      </p:pic>
-      <p:pic>
-        <p:nvPicPr>
-          <p:cNvPr id="5" name="Grafik 4" descr="Ein Bild, das Text, Elektronik, Schaltkreis enthält.&#10;&#10;Automatisch generierte Beschreibung">
+        </p:nvSpPr>
+        <p:spPr>
+          <a:xfrm>
+            <a:off x="611640" y="4768802"/>
+            <a:ext cx="4250160" cy="260156"/>
+          </a:xfrm>
+          <a:prstGeom prst="rect">
+            <a:avLst/>
+          </a:prstGeom>
+          <a:noFill/>
+          <a:ln w="0">
+            <a:noFill/>
+          </a:ln>
+        </p:spPr>
+        <p:style>
+          <a:lnRef idx="0">
+            <a:scrgbClr r="0" g="0" b="0"/>
+          </a:lnRef>
+          <a:fillRef idx="0">
+            <a:scrgbClr r="0" g="0" b="0"/>
+          </a:fillRef>
+          <a:effectRef idx="0">
+            <a:scrgbClr r="0" g="0" b="0"/>
+          </a:effectRef>
+          <a:fontRef idx="minor"/>
+        </p:style>
+        <p:txBody>
+          <a:bodyPr wrap="square" lIns="90000" tIns="45000" rIns="90000" bIns="45000" anchor="t">
+            <a:spAutoFit/>
+          </a:bodyPr>
+          <a:lstStyle/>
+          <a:p>
+            <a:pPr>
+              <a:lnSpc>
+                <a:spcPct val="100000"/>
+              </a:lnSpc>
+              <a:buNone/>
+            </a:pPr>
+            <a:r>
+              <a:rPr lang="de-DE" sz="1100" b="0" i="1" strike="noStrike" spc="-1" dirty="0">
+                <a:solidFill>
+                  <a:srgbClr val="000000"/>
+                </a:solidFill>
+                <a:latin typeface="Arial"/>
+                <a:ea typeface="DejaVu Sans"/>
+              </a:rPr>
+              <a:t>Abb.1</a:t>
+            </a:r>
+            <a:r>
+              <a:rPr lang="de-DE" sz="1100" i="1" spc="-1" dirty="0">
+                <a:solidFill>
+                  <a:srgbClr val="000000"/>
+                </a:solidFill>
+                <a:latin typeface="Arial"/>
+                <a:ea typeface="DejaVu Sans"/>
+              </a:rPr>
+              <a:t>2</a:t>
+            </a:r>
+            <a:r>
+              <a:rPr lang="de-DE" sz="1100" b="0" i="1" strike="noStrike" spc="-1" dirty="0">
+                <a:solidFill>
+                  <a:srgbClr val="000000"/>
+                </a:solidFill>
+                <a:latin typeface="Arial"/>
+                <a:ea typeface="DejaVu Sans"/>
+              </a:rPr>
+              <a:t>.: Oszillatorschaltung </a:t>
+            </a:r>
+            <a:endParaRPr lang="de-DE" sz="1100" b="0" strike="noStrike" spc="-1" dirty="0">
+              <a:latin typeface="Arial"/>
+            </a:endParaRPr>
+          </a:p>
+        </p:txBody>
+      </p:sp>
+      <p:sp>
+        <p:nvSpPr>
+          <p:cNvPr id="3" name="Textfeld 2">
             <a:extLst>
               <a:ext uri="{FF2B5EF4-FFF2-40B4-BE49-F238E27FC236}">
-                <a16:creationId xmlns:a16="http://schemas.microsoft.com/office/drawing/2014/main" id="{B1F676E5-78DB-E815-8D36-D39408DC03F1}"/>
+                <a16:creationId xmlns:a16="http://schemas.microsoft.com/office/drawing/2014/main" id="{46B9E615-9E25-D9B7-BBC3-849730F18361}"/>
               </a:ext>
             </a:extLst>
           </p:cNvPr>
-          <p:cNvPicPr>
-            <a:picLocks noChangeAspect="1"/>
-          </p:cNvPicPr>
+          <p:cNvSpPr/>
           <p:nvPr/>
-        </p:nvPicPr>
-        <p:blipFill>
-          <a:blip r:embed="rId3">
-            <a:extLst>
-              <a:ext uri="{28A0092B-C50C-407E-A947-70E740481C1C}">
-                <a14:useLocalDpi xmlns:a14="http://schemas.microsoft.com/office/drawing/2010/main" val="0"/>
-              </a:ext>
-            </a:extLst>
-          </a:blip>
-          <a:stretch>
-            <a:fillRect/>
-          </a:stretch>
-        </p:blipFill>
-        <p:spPr>
-          <a:xfrm>
-            <a:off x="4722697" y="1143000"/>
-            <a:ext cx="3010622" cy="4626361"/>
-          </a:xfrm>
-          <a:prstGeom prst="rect">
-            <a:avLst/>
-          </a:prstGeom>
-        </p:spPr>
-      </p:pic>
+        </p:nvSpPr>
+        <p:spPr>
+          <a:xfrm>
+            <a:off x="4893840" y="4768802"/>
+            <a:ext cx="4250160" cy="260156"/>
+          </a:xfrm>
+          <a:prstGeom prst="rect">
+            <a:avLst/>
+          </a:prstGeom>
+          <a:noFill/>
+          <a:ln w="0">
+            <a:noFill/>
+          </a:ln>
+        </p:spPr>
+        <p:style>
+          <a:lnRef idx="0">
+            <a:scrgbClr r="0" g="0" b="0"/>
+          </a:lnRef>
+          <a:fillRef idx="0">
+            <a:scrgbClr r="0" g="0" b="0"/>
+          </a:fillRef>
+          <a:effectRef idx="0">
+            <a:scrgbClr r="0" g="0" b="0"/>
+          </a:effectRef>
+          <a:fontRef idx="minor"/>
+        </p:style>
+        <p:txBody>
+          <a:bodyPr wrap="square" lIns="90000" tIns="45000" rIns="90000" bIns="45000" anchor="t">
+            <a:spAutoFit/>
+          </a:bodyPr>
+          <a:lstStyle/>
+          <a:p>
+            <a:pPr>
+              <a:lnSpc>
+                <a:spcPct val="100000"/>
+              </a:lnSpc>
+              <a:buNone/>
+            </a:pPr>
+            <a:r>
+              <a:rPr lang="de-DE" sz="1100" b="0" i="1" strike="noStrike" spc="-1" dirty="0">
+                <a:solidFill>
+                  <a:srgbClr val="000000"/>
+                </a:solidFill>
+                <a:latin typeface="Arial"/>
+                <a:ea typeface="DejaVu Sans"/>
+              </a:rPr>
+              <a:t>Abb.13.: Simulation der Oszillatorschaltung in </a:t>
+            </a:r>
+            <a:r>
+              <a:rPr lang="de-DE" sz="1100" b="0" i="1" strike="noStrike" spc="-1" dirty="0" err="1">
+                <a:solidFill>
+                  <a:srgbClr val="000000"/>
+                </a:solidFill>
+                <a:latin typeface="Arial"/>
+                <a:ea typeface="DejaVu Sans"/>
+              </a:rPr>
+              <a:t>LTSpice</a:t>
+            </a:r>
+            <a:r>
+              <a:rPr lang="de-DE" sz="1100" b="0" i="1" strike="noStrike" spc="-1" dirty="0">
+                <a:solidFill>
+                  <a:srgbClr val="000000"/>
+                </a:solidFill>
+                <a:latin typeface="Arial"/>
+                <a:ea typeface="DejaVu Sans"/>
+              </a:rPr>
+              <a:t> </a:t>
+            </a:r>
+            <a:endParaRPr lang="de-DE" sz="1100" b="0" strike="noStrike" spc="-1" dirty="0">
+              <a:latin typeface="Arial"/>
+            </a:endParaRPr>
+          </a:p>
+        </p:txBody>
+      </p:sp>
     </p:spTree>
-    <p:extLst>
-      <p:ext uri="{BB962C8B-B14F-4D97-AF65-F5344CB8AC3E}">
-        <p14:creationId xmlns:p14="http://schemas.microsoft.com/office/powerpoint/2010/main" val="135405022"/>
-      </p:ext>
-    </p:extLst>
   </p:cSld>
   <p:clrMapOvr>
     <a:masterClrMapping/>
@@ -14216,7 +14533,7 @@
       </p:grpSpPr>
       <p:sp>
         <p:nvSpPr>
-          <p:cNvPr id="335" name="PlaceHolder 1"/>
+          <p:cNvPr id="329" name="PlaceHolder 1"/>
           <p:cNvSpPr>
             <a:spLocks noGrp="1"/>
           </p:cNvSpPr>
@@ -14270,12 +14587,12 @@
       </p:sp>
       <p:sp>
         <p:nvSpPr>
-          <p:cNvPr id="336" name="PlaceHolder 2"/>
+          <p:cNvPr id="330" name="PlaceHolder 2"/>
           <p:cNvSpPr>
             <a:spLocks noGrp="1"/>
           </p:cNvSpPr>
           <p:nvPr>
-            <p:ph type="ftr" idx="36"/>
+            <p:ph type="ftr" idx="34"/>
           </p:nvPr>
         </p:nvSpPr>
         <p:spPr>
@@ -14356,12 +14673,12 @@
       </p:sp>
       <p:sp>
         <p:nvSpPr>
-          <p:cNvPr id="337" name="PlaceHolder 3"/>
+          <p:cNvPr id="331" name="PlaceHolder 3"/>
           <p:cNvSpPr>
             <a:spLocks noGrp="1"/>
           </p:cNvSpPr>
           <p:nvPr>
-            <p:ph type="sldNum" idx="37"/>
+            <p:ph type="sldNum" idx="35"/>
           </p:nvPr>
         </p:nvSpPr>
         <p:spPr>
@@ -14413,7 +14730,7 @@
               </a:rPr>
               <a:t>Seite </a:t>
             </a:r>
-            <a:fld id="{D52B09D5-0ECD-4574-85ED-F8E472591605}" type="slidenum">
+            <a:fld id="{50A3CE81-7F0E-4E36-9762-8FA7173902B2}" type="slidenum">
               <a:rPr lang="de-DE" sz="1000" b="0" strike="noStrike" spc="-1">
                 <a:solidFill>
                   <a:srgbClr val="000000"/>
@@ -14431,7 +14748,7 @@
       </p:sp>
       <p:sp>
         <p:nvSpPr>
-          <p:cNvPr id="338" name="PlaceHolder 16"/>
+          <p:cNvPr id="332" name="PlaceHolder 12"/>
           <p:cNvSpPr/>
           <p:nvPr/>
         </p:nvSpPr>
@@ -14490,29 +14807,232 @@
       </p:sp>
       <p:pic>
         <p:nvPicPr>
-          <p:cNvPr id="339" name="Grafik 338"/>
-          <p:cNvPicPr/>
+          <p:cNvPr id="3" name="Grafik 2" descr="Ein Bild, das Text, Elektronik, Schaltkreis enthält.&#10;&#10;Automatisch generierte Beschreibung">
+            <a:extLst>
+              <a:ext uri="{FF2B5EF4-FFF2-40B4-BE49-F238E27FC236}">
+                <a16:creationId xmlns:a16="http://schemas.microsoft.com/office/drawing/2014/main" id="{65206C7F-09F6-CB1A-10E8-CCE26B1FA08D}"/>
+              </a:ext>
+            </a:extLst>
+          </p:cNvPr>
+          <p:cNvPicPr>
+            <a:picLocks noChangeAspect="1"/>
+          </p:cNvPicPr>
           <p:nvPr/>
         </p:nvPicPr>
         <p:blipFill>
-          <a:blip r:embed="rId2"/>
-          <a:srcRect l="2011" t="3214" r="2987" b="3886"/>
-          <a:stretch/>
+          <a:blip r:embed="rId3">
+            <a:extLst>
+              <a:ext uri="{28A0092B-C50C-407E-A947-70E740481C1C}">
+                <a14:useLocalDpi xmlns:a14="http://schemas.microsoft.com/office/drawing/2010/main" val="0"/>
+              </a:ext>
+            </a:extLst>
+          </a:blip>
+          <a:stretch>
+            <a:fillRect/>
+          </a:stretch>
         </p:blipFill>
         <p:spPr>
           <a:xfrm>
-            <a:off x="1177560" y="1001160"/>
-            <a:ext cx="6805080" cy="5043600"/>
-          </a:xfrm>
-          <a:prstGeom prst="rect">
-            <a:avLst/>
-          </a:prstGeom>
+            <a:off x="1063023" y="1142999"/>
+            <a:ext cx="3010622" cy="4626361"/>
+          </a:xfrm>
+          <a:prstGeom prst="rect">
+            <a:avLst/>
+          </a:prstGeom>
+        </p:spPr>
+      </p:pic>
+      <p:pic>
+        <p:nvPicPr>
+          <p:cNvPr id="7" name="Grafik 6" descr="Ein Bild, das Text, Elektronik, Schaltkreis enthält.&#10;&#10;Automatisch generierte Beschreibung">
+            <a:extLst>
+              <a:ext uri="{FF2B5EF4-FFF2-40B4-BE49-F238E27FC236}">
+                <a16:creationId xmlns:a16="http://schemas.microsoft.com/office/drawing/2014/main" id="{D41613E5-19C6-EF17-CA3D-A21291EE6CB9}"/>
+              </a:ext>
+            </a:extLst>
+          </p:cNvPr>
+          <p:cNvPicPr>
+            <a:picLocks noChangeAspect="1"/>
+          </p:cNvPicPr>
+          <p:nvPr/>
+        </p:nvPicPr>
+        <p:blipFill>
+          <a:blip r:embed="rId4">
+            <a:extLst>
+              <a:ext uri="{28A0092B-C50C-407E-A947-70E740481C1C}">
+                <a14:useLocalDpi xmlns:a14="http://schemas.microsoft.com/office/drawing/2010/main" val="0"/>
+              </a:ext>
+            </a:extLst>
+          </a:blip>
+          <a:stretch>
+            <a:fillRect/>
+          </a:stretch>
+        </p:blipFill>
+        <p:spPr>
+          <a:xfrm>
+            <a:off x="4813879" y="1142998"/>
+            <a:ext cx="3181298" cy="4626362"/>
+          </a:xfrm>
+          <a:prstGeom prst="rect">
+            <a:avLst/>
+          </a:prstGeom>
+        </p:spPr>
+      </p:pic>
+      <p:sp>
+        <p:nvSpPr>
+          <p:cNvPr id="8" name="Textfeld 23">
+            <a:extLst>
+              <a:ext uri="{FF2B5EF4-FFF2-40B4-BE49-F238E27FC236}">
+                <a16:creationId xmlns:a16="http://schemas.microsoft.com/office/drawing/2014/main" id="{35AE0E87-2E47-95C9-0290-0374193B178C}"/>
+              </a:ext>
+            </a:extLst>
+          </p:cNvPr>
+          <p:cNvSpPr/>
+          <p:nvPr/>
+        </p:nvSpPr>
+        <p:spPr>
+          <a:xfrm>
+            <a:off x="1063023" y="5815384"/>
+            <a:ext cx="2661484" cy="260156"/>
+          </a:xfrm>
+          <a:prstGeom prst="rect">
+            <a:avLst/>
+          </a:prstGeom>
+          <a:noFill/>
           <a:ln w="0">
             <a:noFill/>
           </a:ln>
         </p:spPr>
-      </p:pic>
+        <p:style>
+          <a:lnRef idx="0">
+            <a:scrgbClr r="0" g="0" b="0"/>
+          </a:lnRef>
+          <a:fillRef idx="0">
+            <a:scrgbClr r="0" g="0" b="0"/>
+          </a:fillRef>
+          <a:effectRef idx="0">
+            <a:scrgbClr r="0" g="0" b="0"/>
+          </a:effectRef>
+          <a:fontRef idx="minor"/>
+        </p:style>
+        <p:txBody>
+          <a:bodyPr wrap="square" lIns="90000" tIns="45000" rIns="90000" bIns="45000" anchor="t">
+            <a:spAutoFit/>
+          </a:bodyPr>
+          <a:lstStyle/>
+          <a:p>
+            <a:pPr>
+              <a:lnSpc>
+                <a:spcPct val="100000"/>
+              </a:lnSpc>
+              <a:buNone/>
+            </a:pPr>
+            <a:r>
+              <a:rPr lang="de-DE" sz="1100" b="0" i="1" strike="noStrike" spc="-1" dirty="0">
+                <a:solidFill>
+                  <a:srgbClr val="000000"/>
+                </a:solidFill>
+                <a:latin typeface="Arial"/>
+                <a:ea typeface="DejaVu Sans"/>
+              </a:rPr>
+              <a:t>Abb. 14: Layout des VCO in Fusion 360 </a:t>
+            </a:r>
+            <a:endParaRPr lang="de-DE" sz="1100" b="0" strike="noStrike" spc="-1" dirty="0">
+              <a:latin typeface="Arial"/>
+            </a:endParaRPr>
+          </a:p>
+        </p:txBody>
+      </p:sp>
+      <p:sp>
+        <p:nvSpPr>
+          <p:cNvPr id="9" name="Textfeld 8">
+            <a:extLst>
+              <a:ext uri="{FF2B5EF4-FFF2-40B4-BE49-F238E27FC236}">
+                <a16:creationId xmlns:a16="http://schemas.microsoft.com/office/drawing/2014/main" id="{4EAB33BD-726E-EF7B-A34E-03ABEBB8B3D7}"/>
+              </a:ext>
+            </a:extLst>
+          </p:cNvPr>
+          <p:cNvSpPr/>
+          <p:nvPr/>
+        </p:nvSpPr>
+        <p:spPr>
+          <a:xfrm>
+            <a:off x="4794777" y="5815384"/>
+            <a:ext cx="3200400" cy="260156"/>
+          </a:xfrm>
+          <a:prstGeom prst="rect">
+            <a:avLst/>
+          </a:prstGeom>
+          <a:noFill/>
+          <a:ln w="0">
+            <a:noFill/>
+          </a:ln>
+        </p:spPr>
+        <p:style>
+          <a:lnRef idx="0">
+            <a:scrgbClr r="0" g="0" b="0"/>
+          </a:lnRef>
+          <a:fillRef idx="0">
+            <a:scrgbClr r="0" g="0" b="0"/>
+          </a:fillRef>
+          <a:effectRef idx="0">
+            <a:scrgbClr r="0" g="0" b="0"/>
+          </a:effectRef>
+          <a:fontRef idx="minor"/>
+        </p:style>
+        <p:txBody>
+          <a:bodyPr lIns="90000" tIns="45000" rIns="90000" bIns="45000" anchor="t">
+            <a:spAutoFit/>
+          </a:bodyPr>
+          <a:lstStyle/>
+          <a:p>
+            <a:pPr>
+              <a:lnSpc>
+                <a:spcPct val="100000"/>
+              </a:lnSpc>
+              <a:buNone/>
+            </a:pPr>
+            <a:r>
+              <a:rPr lang="de-DE" sz="1100" b="0" i="1" strike="noStrike" spc="-1" dirty="0">
+                <a:solidFill>
+                  <a:srgbClr val="000000"/>
+                </a:solidFill>
+                <a:latin typeface="Arial"/>
+                <a:ea typeface="DejaVu Sans"/>
+              </a:rPr>
+              <a:t>Abb. 15: Rendering der </a:t>
+            </a:r>
+            <a:r>
+              <a:rPr lang="de-DE" sz="1100" i="1" spc="-1" dirty="0">
+                <a:solidFill>
+                  <a:srgbClr val="000000"/>
+                </a:solidFill>
+                <a:latin typeface="Arial"/>
+                <a:ea typeface="DejaVu Sans"/>
+              </a:rPr>
+              <a:t>VC</a:t>
+            </a:r>
+            <a:r>
+              <a:rPr lang="de-DE" sz="1100" b="0" i="1" strike="noStrike" spc="-1" dirty="0">
+                <a:solidFill>
+                  <a:srgbClr val="000000"/>
+                </a:solidFill>
+                <a:latin typeface="Arial"/>
+                <a:ea typeface="DejaVu Sans"/>
+              </a:rPr>
+              <a:t>O-Platine (AISLER)   </a:t>
+            </a:r>
+            <a:endParaRPr lang="de-DE" sz="1100" b="0" strike="noStrike" spc="-1" dirty="0">
+              <a:latin typeface="Arial"/>
+            </a:endParaRPr>
+          </a:p>
+        </p:txBody>
+      </p:sp>
     </p:spTree>
+    <p:extLst>
+      <p:ext uri="{BB962C8B-B14F-4D97-AF65-F5344CB8AC3E}">
+        <p14:creationId xmlns:p14="http://schemas.microsoft.com/office/powerpoint/2010/main" val="135405022"/>
+      </p:ext>
+    </p:extLst>
   </p:cSld>
   <p:clrMapOvr>
     <a:masterClrMapping/>
@@ -14539,351 +15059,6 @@
       </p:grpSpPr>
       <p:sp>
         <p:nvSpPr>
-          <p:cNvPr id="323" name="PlaceHolder 1"/>
-          <p:cNvSpPr>
-            <a:spLocks noGrp="1"/>
-          </p:cNvSpPr>
-          <p:nvPr>
-            <p:ph type="title"/>
-          </p:nvPr>
-        </p:nvSpPr>
-        <p:spPr>
-          <a:xfrm>
-            <a:off x="250920" y="188640"/>
-            <a:ext cx="8639280" cy="573840"/>
-          </a:xfrm>
-          <a:prstGeom prst="rect">
-            <a:avLst/>
-          </a:prstGeom>
-          <a:noFill/>
-          <a:ln w="9360">
-            <a:noFill/>
-          </a:ln>
-        </p:spPr>
-        <p:txBody>
-          <a:bodyPr lIns="0" tIns="0" rIns="0" bIns="0" numCol="1" spcCol="0" anchor="ctr">
-            <a:noAutofit/>
-          </a:bodyPr>
-          <a:lstStyle/>
-          <a:p>
-            <a:pPr>
-              <a:lnSpc>
-                <a:spcPct val="100000"/>
-              </a:lnSpc>
-              <a:buNone/>
-            </a:pPr>
-            <a:r>
-              <a:rPr lang="de-DE" sz="2400" b="1" strike="noStrike" spc="-1">
-                <a:solidFill>
-                  <a:srgbClr val="0046A0"/>
-                </a:solidFill>
-                <a:latin typeface="Arial"/>
-                <a:ea typeface="DejaVu Sans"/>
-              </a:rPr>
-              <a:t>Anhang: Oszillator </a:t>
-            </a:r>
-            <a:endParaRPr lang="de-DE" sz="2400" b="0" strike="noStrike" spc="-1">
-              <a:solidFill>
-                <a:srgbClr val="000000"/>
-              </a:solidFill>
-              <a:latin typeface="Arial"/>
-            </a:endParaRPr>
-          </a:p>
-        </p:txBody>
-      </p:sp>
-      <p:pic>
-        <p:nvPicPr>
-          <p:cNvPr id="324" name="Inhaltsplatzhalter 3"/>
-          <p:cNvPicPr/>
-          <p:nvPr/>
-        </p:nvPicPr>
-        <p:blipFill>
-          <a:blip r:embed="rId2"/>
-          <a:stretch/>
-        </p:blipFill>
-        <p:spPr>
-          <a:xfrm>
-            <a:off x="4631400" y="1787760"/>
-            <a:ext cx="4268880" cy="2678400"/>
-          </a:xfrm>
-          <a:prstGeom prst="rect">
-            <a:avLst/>
-          </a:prstGeom>
-          <a:ln w="9525">
-            <a:noFill/>
-          </a:ln>
-        </p:spPr>
-      </p:pic>
-      <p:sp>
-        <p:nvSpPr>
-          <p:cNvPr id="325" name="PlaceHolder 2"/>
-          <p:cNvSpPr>
-            <a:spLocks noGrp="1"/>
-          </p:cNvSpPr>
-          <p:nvPr>
-            <p:ph type="ftr" idx="32"/>
-          </p:nvPr>
-        </p:nvSpPr>
-        <p:spPr>
-          <a:xfrm>
-            <a:off x="252000" y="6381720"/>
-            <a:ext cx="7178040" cy="359640"/>
-          </a:xfrm>
-          <a:prstGeom prst="rect">
-            <a:avLst/>
-          </a:prstGeom>
-          <a:noFill/>
-          <a:ln w="9360">
-            <a:noFill/>
-          </a:ln>
-        </p:spPr>
-        <p:txBody>
-          <a:bodyPr lIns="0" tIns="0" rIns="0" bIns="0" numCol="1" spcCol="0" anchor="t">
-            <a:noAutofit/>
-          </a:bodyPr>
-          <a:lstStyle>
-            <a:lvl1pPr>
-              <a:lnSpc>
-                <a:spcPct val="100000"/>
-              </a:lnSpc>
-              <a:buNone/>
-              <a:defRPr lang="de-DE" sz="1000" b="0" strike="noStrike" spc="-1">
-                <a:solidFill>
-                  <a:srgbClr val="000000"/>
-                </a:solidFill>
-                <a:latin typeface="Arial"/>
-                <a:ea typeface="DejaVu Sans"/>
-              </a:defRPr>
-            </a:lvl1pPr>
-          </a:lstStyle>
-          <a:p>
-            <a:pPr>
-              <a:lnSpc>
-                <a:spcPct val="100000"/>
-              </a:lnSpc>
-              <a:buNone/>
-            </a:pPr>
-            <a:r>
-              <a:rPr lang="de-DE" sz="1000" b="0" strike="noStrike" spc="-1">
-                <a:solidFill>
-                  <a:srgbClr val="000000"/>
-                </a:solidFill>
-                <a:latin typeface="Arial"/>
-                <a:ea typeface="DejaVu Sans"/>
-              </a:rPr>
-              <a:t>Technische Hochschule Nürnberg Georg Simon Ohm</a:t>
-            </a:r>
-            <a:endParaRPr lang="de-DE" sz="1000" b="0" strike="noStrike" spc="-1">
-              <a:latin typeface="Times New Roman"/>
-            </a:endParaRPr>
-          </a:p>
-          <a:p>
-            <a:pPr>
-              <a:lnSpc>
-                <a:spcPct val="100000"/>
-              </a:lnSpc>
-              <a:buNone/>
-            </a:pPr>
-            <a:r>
-              <a:rPr lang="de-DE" sz="1000" b="0" strike="noStrike" spc="-1">
-                <a:solidFill>
-                  <a:srgbClr val="0046A0"/>
-                </a:solidFill>
-                <a:latin typeface="Arial"/>
-                <a:ea typeface="DejaVu Sans"/>
-              </a:rPr>
-              <a:t>www.th-nuernberg.de</a:t>
-            </a:r>
-            <a:endParaRPr lang="de-DE" sz="1000" b="0" strike="noStrike" spc="-1">
-              <a:latin typeface="Times New Roman"/>
-            </a:endParaRPr>
-          </a:p>
-        </p:txBody>
-      </p:sp>
-      <p:sp>
-        <p:nvSpPr>
-          <p:cNvPr id="326" name="PlaceHolder 3"/>
-          <p:cNvSpPr>
-            <a:spLocks noGrp="1"/>
-          </p:cNvSpPr>
-          <p:nvPr>
-            <p:ph type="sldNum" idx="33"/>
-          </p:nvPr>
-        </p:nvSpPr>
-        <p:spPr>
-          <a:xfrm>
-            <a:off x="8174160" y="6381720"/>
-            <a:ext cx="718560" cy="178560"/>
-          </a:xfrm>
-          <a:prstGeom prst="rect">
-            <a:avLst/>
-          </a:prstGeom>
-          <a:noFill/>
-          <a:ln w="9360">
-            <a:noFill/>
-          </a:ln>
-        </p:spPr>
-        <p:txBody>
-          <a:bodyPr lIns="0" tIns="0" rIns="0" bIns="0" numCol="1" spcCol="0" anchor="t">
-            <a:noAutofit/>
-          </a:bodyPr>
-          <a:lstStyle>
-            <a:lvl1pPr algn="r">
-              <a:lnSpc>
-                <a:spcPct val="100000"/>
-              </a:lnSpc>
-              <a:buNone/>
-              <a:defRPr lang="de-DE" sz="1000" b="0" strike="noStrike" spc="-1">
-                <a:solidFill>
-                  <a:srgbClr val="000000"/>
-                </a:solidFill>
-                <a:latin typeface="Arial"/>
-                <a:ea typeface="DejaVu Sans"/>
-              </a:defRPr>
-            </a:lvl1pPr>
-          </a:lstStyle>
-          <a:p>
-            <a:pPr algn="r">
-              <a:lnSpc>
-                <a:spcPct val="100000"/>
-              </a:lnSpc>
-              <a:buNone/>
-            </a:pPr>
-            <a:r>
-              <a:rPr lang="de-DE" sz="1000" b="0" strike="noStrike" spc="-1">
-                <a:solidFill>
-                  <a:srgbClr val="000000"/>
-                </a:solidFill>
-                <a:latin typeface="Arial"/>
-                <a:ea typeface="DejaVu Sans"/>
-              </a:rPr>
-              <a:t>Seite </a:t>
-            </a:r>
-            <a:fld id="{9A7BBE8C-AC20-4F82-A704-4FA11F4319F3}" type="slidenum">
-              <a:rPr lang="de-DE" sz="1000" b="0" strike="noStrike" spc="-1">
-                <a:solidFill>
-                  <a:srgbClr val="000000"/>
-                </a:solidFill>
-                <a:latin typeface="Arial"/>
-                <a:ea typeface="DejaVu Sans"/>
-              </a:rPr>
-              <a:t>17</a:t>
-            </a:fld>
-            <a:endParaRPr lang="de-DE" sz="1000" b="0" strike="noStrike" spc="-1">
-              <a:latin typeface="Times New Roman"/>
-            </a:endParaRPr>
-          </a:p>
-        </p:txBody>
-      </p:sp>
-      <p:pic>
-        <p:nvPicPr>
-          <p:cNvPr id="327" name="Grafik 2"/>
-          <p:cNvPicPr/>
-          <p:nvPr/>
-        </p:nvPicPr>
-        <p:blipFill>
-          <a:blip r:embed="rId3"/>
-          <a:stretch/>
-        </p:blipFill>
-        <p:spPr>
-          <a:xfrm>
-            <a:off x="611640" y="1571400"/>
-            <a:ext cx="4250160" cy="3111120"/>
-          </a:xfrm>
-          <a:prstGeom prst="rect">
-            <a:avLst/>
-          </a:prstGeom>
-          <a:ln w="0">
-            <a:noFill/>
-          </a:ln>
-        </p:spPr>
-      </p:pic>
-      <p:sp>
-        <p:nvSpPr>
-          <p:cNvPr id="328" name="PlaceHolder 3"/>
-          <p:cNvSpPr/>
-          <p:nvPr/>
-        </p:nvSpPr>
-        <p:spPr>
-          <a:xfrm>
-            <a:off x="3534120" y="6381720"/>
-            <a:ext cx="3219840" cy="359640"/>
-          </a:xfrm>
-          <a:prstGeom prst="rect">
-            <a:avLst/>
-          </a:prstGeom>
-          <a:noFill/>
-          <a:ln w="9360">
-            <a:noFill/>
-          </a:ln>
-        </p:spPr>
-        <p:style>
-          <a:lnRef idx="0">
-            <a:scrgbClr r="0" g="0" b="0"/>
-          </a:lnRef>
-          <a:fillRef idx="0">
-            <a:scrgbClr r="0" g="0" b="0"/>
-          </a:fillRef>
-          <a:effectRef idx="0">
-            <a:scrgbClr r="0" g="0" b="0"/>
-          </a:effectRef>
-          <a:fontRef idx="minor"/>
-        </p:style>
-        <p:txBody>
-          <a:bodyPr lIns="0" tIns="0" rIns="0" bIns="0" numCol="1" spcCol="0" anchor="t">
-            <a:noAutofit/>
-          </a:bodyPr>
-          <a:lstStyle/>
-          <a:p>
-            <a:pPr>
-              <a:lnSpc>
-                <a:spcPct val="100000"/>
-              </a:lnSpc>
-              <a:buNone/>
-            </a:pPr>
-            <a:r>
-              <a:rPr lang="de-DE" sz="1000" b="0" strike="noStrike" spc="-1">
-                <a:solidFill>
-                  <a:srgbClr val="000000"/>
-                </a:solidFill>
-                <a:latin typeface="Arial"/>
-                <a:ea typeface="DejaVu Sans"/>
-              </a:rPr>
-              <a:t>Vortrag LPDES – Viktor Dilman, Christoph Kirschner</a:t>
-            </a:r>
-            <a:endParaRPr lang="de-DE" sz="1000" b="0" strike="noStrike" spc="-1">
-              <a:latin typeface="Arial"/>
-            </a:endParaRPr>
-          </a:p>
-        </p:txBody>
-      </p:sp>
-    </p:spTree>
-  </p:cSld>
-  <p:clrMapOvr>
-    <a:masterClrMapping/>
-  </p:clrMapOvr>
-</p:sld>
-</file>
-
-<file path=ppt/slides/slide18.xml><?xml version="1.0" encoding="utf-8"?>
-<p:sld xmlns:a="http://schemas.openxmlformats.org/drawingml/2006/main" xmlns:r="http://schemas.openxmlformats.org/officeDocument/2006/relationships" xmlns:p="http://schemas.openxmlformats.org/presentationml/2006/main">
-  <p:cSld>
-    <p:spTree>
-      <p:nvGrpSpPr>
-        <p:cNvPr id="1" name=""/>
-        <p:cNvGrpSpPr/>
-        <p:nvPr/>
-      </p:nvGrpSpPr>
-      <p:grpSpPr>
-        <a:xfrm>
-          <a:off x="0" y="0"/>
-          <a:ext cx="0" cy="0"/>
-          <a:chOff x="0" y="0"/>
-          <a:chExt cx="0" cy="0"/>
-        </a:xfrm>
-      </p:grpSpPr>
-      <p:sp>
-        <p:nvSpPr>
           <p:cNvPr id="340" name="PlaceHolder 1"/>
           <p:cNvSpPr>
             <a:spLocks noGrp="1"/>
@@ -15089,7 +15264,7 @@
                 <a:latin typeface="Arial"/>
                 <a:ea typeface="DejaVu Sans"/>
               </a:rPr>
-              <a:t>18</a:t>
+              <a:t>17</a:t>
             </a:fld>
             <a:endParaRPr lang="de-DE" sz="1000" b="0" strike="noStrike" spc="-1">
               <a:latin typeface="Times New Roman"/>
@@ -15180,6 +15355,91 @@
           </a:ln>
         </p:spPr>
       </p:pic>
+      <p:sp>
+        <p:nvSpPr>
+          <p:cNvPr id="2" name="Textfeld 8">
+            <a:extLst>
+              <a:ext uri="{FF2B5EF4-FFF2-40B4-BE49-F238E27FC236}">
+                <a16:creationId xmlns:a16="http://schemas.microsoft.com/office/drawing/2014/main" id="{0E560E8A-7236-5892-5D2B-A1376C86328C}"/>
+              </a:ext>
+            </a:extLst>
+          </p:cNvPr>
+          <p:cNvSpPr/>
+          <p:nvPr/>
+        </p:nvSpPr>
+        <p:spPr>
+          <a:xfrm>
+            <a:off x="1370160" y="5933042"/>
+            <a:ext cx="3547528" cy="260156"/>
+          </a:xfrm>
+          <a:prstGeom prst="rect">
+            <a:avLst/>
+          </a:prstGeom>
+          <a:noFill/>
+          <a:ln w="0">
+            <a:noFill/>
+          </a:ln>
+        </p:spPr>
+        <p:style>
+          <a:lnRef idx="0">
+            <a:scrgbClr r="0" g="0" b="0"/>
+          </a:lnRef>
+          <a:fillRef idx="0">
+            <a:scrgbClr r="0" g="0" b="0"/>
+          </a:fillRef>
+          <a:effectRef idx="0">
+            <a:scrgbClr r="0" g="0" b="0"/>
+          </a:effectRef>
+          <a:fontRef idx="minor"/>
+        </p:style>
+        <p:txBody>
+          <a:bodyPr wrap="square" lIns="90000" tIns="45000" rIns="90000" bIns="45000" anchor="t">
+            <a:spAutoFit/>
+          </a:bodyPr>
+          <a:lstStyle/>
+          <a:p>
+            <a:pPr>
+              <a:lnSpc>
+                <a:spcPct val="100000"/>
+              </a:lnSpc>
+              <a:buNone/>
+            </a:pPr>
+            <a:r>
+              <a:rPr lang="de-DE" sz="1100" b="0" i="1" strike="noStrike" spc="-1" dirty="0">
+                <a:solidFill>
+                  <a:srgbClr val="000000"/>
+                </a:solidFill>
+                <a:latin typeface="Arial"/>
+                <a:ea typeface="DejaVu Sans"/>
+              </a:rPr>
+              <a:t>Abb. 16: Schaltplan des </a:t>
+            </a:r>
+            <a:r>
+              <a:rPr lang="de-DE" sz="1100" i="1" spc="-1" dirty="0" err="1">
+                <a:solidFill>
+                  <a:srgbClr val="000000"/>
+                </a:solidFill>
+                <a:latin typeface="Arial"/>
+                <a:ea typeface="DejaVu Sans"/>
+              </a:rPr>
+              <a:t>Sequencers</a:t>
+            </a:r>
+            <a:r>
+              <a:rPr lang="de-DE" sz="1100" b="0" i="1" strike="noStrike" spc="-1" dirty="0">
+                <a:solidFill>
+                  <a:srgbClr val="000000"/>
+                </a:solidFill>
+                <a:latin typeface="Arial"/>
+                <a:ea typeface="DejaVu Sans"/>
+              </a:rPr>
+              <a:t> aus Fusion 360 </a:t>
+            </a:r>
+            <a:endParaRPr lang="de-DE" sz="1100" b="0" strike="noStrike" spc="-1" dirty="0">
+              <a:latin typeface="Arial"/>
+            </a:endParaRPr>
+          </a:p>
+        </p:txBody>
+      </p:sp>
     </p:spTree>
   </p:cSld>
   <p:clrMapOvr>
@@ -22951,7 +23211,7 @@
               <a:buNone/>
             </a:pPr>
             <a:r>
-              <a:rPr lang="de-DE" sz="1100" b="0" i="1" strike="noStrike" spc="-1">
+              <a:rPr lang="de-DE" sz="1100" b="0" i="1" strike="noStrike" spc="-1" dirty="0">
                 <a:solidFill>
                   <a:srgbClr val="000000"/>
                 </a:solidFill>
@@ -22960,7 +23220,7 @@
               </a:rPr>
               <a:t>Abb. 3: Layout des LFO in Fusion 360  </a:t>
             </a:r>
-            <a:endParaRPr lang="de-DE" sz="1100" b="0" strike="noStrike" spc="-1">
+            <a:endParaRPr lang="de-DE" sz="1100" b="0" strike="noStrike" spc="-1" dirty="0">
               <a:latin typeface="Arial"/>
             </a:endParaRPr>
           </a:p>
@@ -23010,7 +23270,7 @@
               <a:buNone/>
             </a:pPr>
             <a:r>
-              <a:rPr lang="de-DE" sz="1100" b="0" i="1" strike="noStrike" spc="-1">
+              <a:rPr lang="de-DE" sz="1100" b="0" i="1" strike="noStrike" spc="-1" dirty="0">
                 <a:solidFill>
                   <a:srgbClr val="000000"/>
                 </a:solidFill>
@@ -23019,7 +23279,7 @@
               </a:rPr>
               <a:t>Abb. 4: Rendering der LFO-Platine (AISLER)   </a:t>
             </a:r>
-            <a:endParaRPr lang="de-DE" sz="1100" b="0" strike="noStrike" spc="-1">
+            <a:endParaRPr lang="de-DE" sz="1100" b="0" strike="noStrike" spc="-1" dirty="0">
               <a:latin typeface="Arial"/>
             </a:endParaRPr>
           </a:p>

--- a/Vortrag/Leiterplatte_als_Musikinstrument_Kirschner_Dilman.pptx
+++ b/Vortrag/Leiterplatte_als_Musikinstrument_Kirschner_Dilman.pptx
@@ -1582,8 +1582,8 @@
         </p:nvSpPr>
         <p:spPr>
           <a:xfrm>
-            <a:off x="898560" y="738360"/>
-            <a:ext cx="4927320" cy="3695400"/>
+            <a:off x="898525" y="738188"/>
+            <a:ext cx="4927600" cy="3695700"/>
           </a:xfrm>
           <a:prstGeom prst="rect">
             <a:avLst/>

--- a/Vortrag/Leiterplatte_als_Musikinstrument_Kirschner_Dilman.pptx
+++ b/Vortrag/Leiterplatte_als_Musikinstrument_Kirschner_Dilman.pptx
@@ -313,7 +313,7 @@
             <a:pPr algn="r">
               <a:buNone/>
             </a:pPr>
-            <a:fld id="{48BEB3EB-AD50-4541-A645-5C4D87E42FD6}" type="slidenum">
+            <a:fld id="{AEAC528D-6A0D-4F60-BD87-70821E9B90A8}" type="slidenum">
               <a:rPr b="0" lang="de-DE" sz="1400" spc="-1" strike="noStrike">
                 <a:latin typeface="Times New Roman"/>
               </a:rPr>
@@ -514,7 +514,7 @@
               </a:rPr>
               <a:t>Folie </a:t>
             </a:r>
-            <a:fld id="{437FE3C9-F87C-4BFB-8893-A8C43CDD1B73}" type="slidenum">
+            <a:fld id="{F4360DBC-F7F9-4E9C-B2F7-E66E680176BC}" type="slidenum">
               <a:rPr b="0" lang="en-US" sz="800" spc="-1" strike="noStrike">
                 <a:solidFill>
                   <a:srgbClr val="000000"/>
@@ -718,7 +718,7 @@
               </a:rPr>
               <a:t>Folie </a:t>
             </a:r>
-            <a:fld id="{40E89FC3-B80A-4743-B399-B50AFD20AE18}" type="slidenum">
+            <a:fld id="{7E452B1B-FCE3-46C0-8A93-117E02D8B3D8}" type="slidenum">
               <a:rPr b="0" lang="en-US" sz="1400" spc="-1" strike="noStrike">
                 <a:solidFill>
                   <a:srgbClr val="000000"/>
@@ -922,7 +922,7 @@
               </a:rPr>
               <a:t>Folie </a:t>
             </a:r>
-            <a:fld id="{B8112762-9E56-423F-BCA7-F5E881CCB10C}" type="slidenum">
+            <a:fld id="{44C42C0B-6A2D-4DF5-B25E-4BE6E1A5B9DA}" type="slidenum">
               <a:rPr b="0" lang="en-US" sz="1400" spc="-1" strike="noStrike">
                 <a:solidFill>
                   <a:srgbClr val="000000"/>
@@ -1126,7 +1126,7 @@
               </a:rPr>
               <a:t>Folie </a:t>
             </a:r>
-            <a:fld id="{1EB7C4CB-4667-4913-AB7B-2DB58853FB89}" type="slidenum">
+            <a:fld id="{383A25D0-1D27-45AF-9D6F-516F9538B616}" type="slidenum">
               <a:rPr b="0" lang="en-US" sz="1400" spc="-1" strike="noStrike">
                 <a:solidFill>
                   <a:srgbClr val="000000"/>
@@ -1330,7 +1330,7 @@
               </a:rPr>
               <a:t>Folie </a:t>
             </a:r>
-            <a:fld id="{DA3B6CB0-E1F1-46ED-B34C-6F90D15B2BC0}" type="slidenum">
+            <a:fld id="{747070A3-3D0D-4B49-BEE0-784FA2ED3CD2}" type="slidenum">
               <a:rPr b="0" lang="en-US" sz="1400" spc="-1" strike="noStrike">
                 <a:solidFill>
                   <a:srgbClr val="000000"/>
@@ -1534,7 +1534,7 @@
               </a:rPr>
               <a:t>Folie </a:t>
             </a:r>
-            <a:fld id="{4ED6B6E4-7021-4788-B9C4-E110322D5D51}" type="slidenum">
+            <a:fld id="{61B67C62-1CE0-4FC1-81C4-811EB68A110E}" type="slidenum">
               <a:rPr b="0" lang="en-US" sz="1400" spc="-1" strike="noStrike">
                 <a:solidFill>
                   <a:srgbClr val="000000"/>
@@ -1738,7 +1738,7 @@
               </a:rPr>
               <a:t>Folie </a:t>
             </a:r>
-            <a:fld id="{5E427D4A-4563-4068-AD5A-7C0D00A01B27}" type="slidenum">
+            <a:fld id="{8C717E4F-D1FB-4513-A0A0-BFF1EEAC5235}" type="slidenum">
               <a:rPr b="0" lang="en-US" sz="1400" spc="-1" strike="noStrike">
                 <a:solidFill>
                   <a:srgbClr val="000000"/>
@@ -2561,7 +2561,7 @@
         <p:txBody>
           <a:bodyPr/>
           <a:p>
-            <a:fld id="{E3FB81F7-7301-420C-8FD2-5E91598B8115}" type="slidenum">
+            <a:fld id="{5331DE67-2F0F-46A6-A593-52A1DE757CC0}" type="slidenum">
               <a:t>&lt;#&gt;</a:t>
             </a:fld>
           </a:p>
@@ -2697,7 +2697,7 @@
         <p:txBody>
           <a:bodyPr/>
           <a:p>
-            <a:fld id="{ECE95DB5-9C4E-4A39-A9A1-20CE751CAA77}" type="slidenum">
+            <a:fld id="{4F647B08-85A1-4717-84DC-94724BE95725}" type="slidenum">
               <a:t>&lt;#&gt;</a:t>
             </a:fld>
           </a:p>
@@ -2842,7 +2842,7 @@
         <p:txBody>
           <a:bodyPr/>
           <a:p>
-            <a:fld id="{691EEF36-1FC2-4891-9427-3DDC85CE9990}" type="slidenum">
+            <a:fld id="{85475562-4BA2-4FA9-8073-152F6494DC81}" type="slidenum">
               <a:t>&lt;#&gt;</a:t>
             </a:fld>
           </a:p>
@@ -3033,7 +3033,7 @@
         <p:txBody>
           <a:bodyPr/>
           <a:p>
-            <a:fld id="{E3969976-C986-457E-B000-A4291977CF95}" type="slidenum">
+            <a:fld id="{3A7271FB-C5C2-404F-BB8D-4408CE487A0F}" type="slidenum">
               <a:t>&lt;#&gt;</a:t>
             </a:fld>
           </a:p>
@@ -3132,7 +3132,7 @@
         <p:txBody>
           <a:bodyPr/>
           <a:p>
-            <a:fld id="{8A7E2C27-41CE-484C-A999-6FC5310987F1}" type="slidenum">
+            <a:fld id="{53BE40E0-1C7F-46B2-8D8A-50721A9D21F4}" type="slidenum">
               <a:t>&lt;#&gt;</a:t>
             </a:fld>
           </a:p>
@@ -3231,7 +3231,7 @@
         <p:txBody>
           <a:bodyPr/>
           <a:p>
-            <a:fld id="{82A7AB12-A7FE-4130-B38B-22591DCD4918}" type="slidenum">
+            <a:fld id="{1F36B527-D88C-45A5-B879-70C4047D0591}" type="slidenum">
               <a:t>&lt;#&gt;</a:t>
             </a:fld>
           </a:p>
@@ -3468,7 +3468,7 @@
         <p:txBody>
           <a:bodyPr/>
           <a:p>
-            <a:fld id="{8FCCAD61-A628-4BE8-BF75-5D2E4AD5BF68}" type="slidenum">
+            <a:fld id="{444D959B-58C8-4F04-91CC-87852114EFBB}" type="slidenum">
               <a:t>&lt;#&gt;</a:t>
             </a:fld>
           </a:p>
@@ -3801,7 +3801,7 @@
         <p:txBody>
           <a:bodyPr/>
           <a:p>
-            <a:fld id="{F0D7B4C4-744B-49E3-AC10-208A53587412}" type="slidenum">
+            <a:fld id="{90BEEDBE-4307-41F5-919F-50A13C412DF9}" type="slidenum">
               <a:t>&lt;#&gt;</a:t>
             </a:fld>
           </a:p>
@@ -4038,7 +4038,7 @@
         <p:txBody>
           <a:bodyPr/>
           <a:p>
-            <a:fld id="{A6C6970D-3E00-41AC-BB7C-890B395CF992}" type="slidenum">
+            <a:fld id="{25F82073-7AE8-445E-8FB2-FCC817B78C6C}" type="slidenum">
               <a:t>&lt;#&gt;</a:t>
             </a:fld>
           </a:p>
@@ -4229,7 +4229,7 @@
         <p:txBody>
           <a:bodyPr/>
           <a:p>
-            <a:fld id="{EC2BB902-2FBE-4D5A-A444-FD79BE2E8AFC}" type="slidenum">
+            <a:fld id="{C4833106-BCD3-4C87-8515-E363A4494D88}" type="slidenum">
               <a:t>&lt;#&gt;</a:t>
             </a:fld>
           </a:p>
@@ -4512,7 +4512,7 @@
         <p:txBody>
           <a:bodyPr/>
           <a:p>
-            <a:fld id="{E0750957-867F-4406-AE5A-2CB01D501CD8}" type="slidenum">
+            <a:fld id="{0A56BA78-8FD4-454C-B4D5-BBEBD5984B75}" type="slidenum">
               <a:t>&lt;#&gt;</a:t>
             </a:fld>
           </a:p>
@@ -4887,7 +4887,7 @@
         <p:txBody>
           <a:bodyPr/>
           <a:p>
-            <a:fld id="{B4234F88-F821-4084-9D29-E6CB000C6A5F}" type="slidenum">
+            <a:fld id="{D30B2902-FA92-406E-ADC2-6C10F636692B}" type="slidenum">
               <a:t>&lt;#&gt;</a:t>
             </a:fld>
           </a:p>
@@ -4949,7 +4949,7 @@
         <p:txBody>
           <a:bodyPr/>
           <a:p>
-            <a:fld id="{176F7664-4BF6-4B6B-94D6-E176C3F2AAD8}" type="slidenum">
+            <a:fld id="{8071DFEF-C345-4212-A3FA-4892E0E5A629}" type="slidenum">
               <a:t>&lt;#&gt;</a:t>
             </a:fld>
           </a:p>
@@ -5085,7 +5085,7 @@
         <p:txBody>
           <a:bodyPr/>
           <a:p>
-            <a:fld id="{3FC443D6-EB1D-4F3F-B9CF-83DAF61E7E57}" type="slidenum">
+            <a:fld id="{1E7082F2-FC40-4216-99B7-9D9246C5E04E}" type="slidenum">
               <a:t>&lt;#&gt;</a:t>
             </a:fld>
           </a:p>
@@ -5230,7 +5230,7 @@
         <p:txBody>
           <a:bodyPr/>
           <a:p>
-            <a:fld id="{5D6C3BAD-817C-4D7D-82EE-A132E52B659A}" type="slidenum">
+            <a:fld id="{BEC7D303-193C-482D-B4BE-D66DADBFCDC2}" type="slidenum">
               <a:t>&lt;#&gt;</a:t>
             </a:fld>
           </a:p>
@@ -5421,7 +5421,7 @@
         <p:txBody>
           <a:bodyPr/>
           <a:p>
-            <a:fld id="{FA542E1A-6896-423B-9231-9AD39EC57CE2}" type="slidenum">
+            <a:fld id="{A81E0755-821E-4895-AE38-93085F7B321A}" type="slidenum">
               <a:t>&lt;#&gt;</a:t>
             </a:fld>
           </a:p>
@@ -5520,7 +5520,7 @@
         <p:txBody>
           <a:bodyPr/>
           <a:p>
-            <a:fld id="{BB62E4DB-2CC5-4AB6-B667-D49CBF48B60F}" type="slidenum">
+            <a:fld id="{204707C9-7D7B-4BA8-9033-5693466C835A}" type="slidenum">
               <a:t>&lt;#&gt;</a:t>
             </a:fld>
           </a:p>
@@ -5724,7 +5724,7 @@
         <p:txBody>
           <a:bodyPr/>
           <a:p>
-            <a:fld id="{C186B1C6-F446-4AE2-B9E5-82713220A2C4}" type="slidenum">
+            <a:fld id="{AB035F83-E46F-4355-AC9E-6CF9C781B64B}" type="slidenum">
               <a:t>&lt;#&gt;</a:t>
             </a:fld>
           </a:p>
@@ -5961,7 +5961,7 @@
         <p:txBody>
           <a:bodyPr/>
           <a:p>
-            <a:fld id="{A3A250D2-70C7-4019-8C98-EB4C144533FB}" type="slidenum">
+            <a:fld id="{9A5452FC-45AA-40C2-9134-BA94070EEBD9}" type="slidenum">
               <a:t>&lt;#&gt;</a:t>
             </a:fld>
           </a:p>
@@ -6198,7 +6198,7 @@
         <p:txBody>
           <a:bodyPr/>
           <a:p>
-            <a:fld id="{86CA7A26-DA40-4B7D-BD61-A6862FC649E6}" type="slidenum">
+            <a:fld id="{11CC997F-1ABE-4AE2-B0D2-0A95B778BC21}" type="slidenum">
               <a:t>&lt;#&gt;</a:t>
             </a:fld>
           </a:p>
@@ -6435,7 +6435,7 @@
         <p:txBody>
           <a:bodyPr/>
           <a:p>
-            <a:fld id="{E32BD727-A70D-40EB-8E09-CA55F9E651FC}" type="slidenum">
+            <a:fld id="{E9A344F0-E7CC-4E86-B4CF-90653ADAEC72}" type="slidenum">
               <a:t>&lt;#&gt;</a:t>
             </a:fld>
           </a:p>
@@ -6626,7 +6626,7 @@
         <p:txBody>
           <a:bodyPr/>
           <a:p>
-            <a:fld id="{98AD821C-9D66-44BA-8DBC-F19C46189E0D}" type="slidenum">
+            <a:fld id="{38897560-64FF-472B-B628-BB7F569E5DA7}" type="slidenum">
               <a:t>&lt;#&gt;</a:t>
             </a:fld>
           </a:p>
@@ -6909,7 +6909,7 @@
         <p:txBody>
           <a:bodyPr/>
           <a:p>
-            <a:fld id="{62FED1DC-EFBC-422A-9911-3BCFDCB234D0}" type="slidenum">
+            <a:fld id="{26C5B902-7DB5-4517-AF51-87CF07B1EFFF}" type="slidenum">
               <a:t>&lt;#&gt;</a:t>
             </a:fld>
           </a:p>
@@ -7284,7 +7284,7 @@
         <p:txBody>
           <a:bodyPr/>
           <a:p>
-            <a:fld id="{AD78B4E7-2B7D-4C28-880B-D0C7171A308B}" type="slidenum">
+            <a:fld id="{63DFBAD7-8E11-4346-89E4-F61A1A2052F5}" type="slidenum">
               <a:t>&lt;#&gt;</a:t>
             </a:fld>
           </a:p>
@@ -8526,70 +8526,7 @@
                 </a:solidFill>
                 <a:latin typeface="Arial"/>
               </a:rPr>
-              <a:t>Click </a:t>
-            </a:r>
-            <a:r>
-              <a:rPr b="0" lang="de-DE" sz="4400" spc="-1" strike="noStrike">
-                <a:solidFill>
-                  <a:srgbClr val="000000"/>
-                </a:solidFill>
-                <a:latin typeface="Arial"/>
-              </a:rPr>
-              <a:t>to </a:t>
-            </a:r>
-            <a:r>
-              <a:rPr b="0" lang="de-DE" sz="4400" spc="-1" strike="noStrike">
-                <a:solidFill>
-                  <a:srgbClr val="000000"/>
-                </a:solidFill>
-                <a:latin typeface="Arial"/>
-              </a:rPr>
-              <a:t>edit </a:t>
-            </a:r>
-            <a:r>
-              <a:rPr b="0" lang="de-DE" sz="4400" spc="-1" strike="noStrike">
-                <a:solidFill>
-                  <a:srgbClr val="000000"/>
-                </a:solidFill>
-                <a:latin typeface="Arial"/>
-              </a:rPr>
-              <a:t>the </a:t>
-            </a:r>
-            <a:r>
-              <a:rPr b="0" lang="de-DE" sz="4400" spc="-1" strike="noStrike">
-                <a:solidFill>
-                  <a:srgbClr val="000000"/>
-                </a:solidFill>
-                <a:latin typeface="Arial"/>
-              </a:rPr>
-              <a:t>title </a:t>
-            </a:r>
-            <a:r>
-              <a:rPr b="0" lang="de-DE" sz="4400" spc="-1" strike="noStrike">
-                <a:solidFill>
-                  <a:srgbClr val="000000"/>
-                </a:solidFill>
-                <a:latin typeface="Arial"/>
-              </a:rPr>
-              <a:t>text </a:t>
-            </a:r>
-            <a:r>
-              <a:rPr b="0" lang="de-DE" sz="4400" spc="-1" strike="noStrike">
-                <a:solidFill>
-                  <a:srgbClr val="000000"/>
-                </a:solidFill>
-                <a:latin typeface="Arial"/>
-              </a:rPr>
-              <a:t>forma</a:t>
-            </a:r>
-            <a:r>
-              <a:rPr b="0" lang="de-DE" sz="4400" spc="-1" strike="noStrike">
-                <a:solidFill>
-                  <a:srgbClr val="000000"/>
-                </a:solidFill>
-                <a:latin typeface="Arial"/>
-              </a:rPr>
-              <a:t>t</a:t>
+              <a:t>Click to edit the title text format</a:t>
             </a:r>
             <a:endParaRPr b="0" lang="de-DE" sz="4400" spc="-1" strike="noStrike">
               <a:solidFill>
@@ -9185,7 +9122,7 @@
               </a:lnSpc>
               <a:buNone/>
             </a:pPr>
-            <a:fld id="{80BD0855-AAD7-4362-A1CE-732F24329BC8}" type="slidenum">
+            <a:fld id="{AC00FD39-6AAC-4C44-8DC2-07F7BD856067}" type="slidenum">
               <a:rPr b="0" lang="de-DE" sz="1000" spc="-1" strike="noStrike">
                 <a:solidFill>
                   <a:srgbClr val="000000"/>
@@ -9832,7 +9769,7 @@
               </a:lnSpc>
               <a:buNone/>
             </a:pPr>
-            <a:fld id="{8BF2C7E2-4037-469B-B794-C24DA7C473F0}" type="slidenum">
+            <a:fld id="{56130D41-F74F-4565-A091-9FF05D659D09}" type="slidenum">
               <a:rPr b="0" lang="de-DE" sz="1000" spc="-1" strike="noStrike">
                 <a:solidFill>
                   <a:srgbClr val="000000"/>
@@ -10491,7 +10428,47 @@
                 <a:latin typeface="Arial"/>
                 <a:ea typeface="DejaVu Sans"/>
               </a:rPr>
-              <a:t>3.2  Rapid-Prototyping mit Fusion360</a:t>
+              <a:t>3.2  </a:t>
+            </a:r>
+            <a:r>
+              <a:rPr b="1" lang="de-DE" sz="2400" spc="-1" strike="noStrike">
+                <a:solidFill>
+                  <a:srgbClr val="0046a0"/>
+                </a:solidFill>
+                <a:latin typeface="Arial"/>
+                <a:ea typeface="DejaVu Sans"/>
+              </a:rPr>
+              <a:t>Rapid-</a:t>
+            </a:r>
+            <a:r>
+              <a:rPr b="1" lang="de-DE" sz="2400" spc="-1" strike="noStrike">
+                <a:solidFill>
+                  <a:srgbClr val="0046a0"/>
+                </a:solidFill>
+                <a:latin typeface="Arial"/>
+                <a:ea typeface="DejaVu Sans"/>
+              </a:rPr>
+              <a:t>Prototypi</a:t>
+            </a:r>
+            <a:r>
+              <a:rPr b="1" lang="de-DE" sz="2400" spc="-1" strike="noStrike">
+                <a:solidFill>
+                  <a:srgbClr val="0046a0"/>
+                </a:solidFill>
+                <a:latin typeface="Arial"/>
+                <a:ea typeface="DejaVu Sans"/>
+              </a:rPr>
+              <a:t>ng mit </a:t>
+            </a:r>
+            <a:r>
+              <a:rPr b="1" lang="de-DE" sz="2400" spc="-1" strike="noStrike">
+                <a:solidFill>
+                  <a:srgbClr val="0046a0"/>
+                </a:solidFill>
+                <a:latin typeface="Arial"/>
+                <a:ea typeface="DejaVu Sans"/>
+              </a:rPr>
+              <a:t>Fusion360</a:t>
             </a:r>
             <a:endParaRPr b="0" lang="de-DE" sz="2400" spc="-1" strike="noStrike">
               <a:solidFill>
@@ -10559,7 +10536,47 @@
                 <a:latin typeface="Arial"/>
                 <a:ea typeface="DejaVu Sans"/>
               </a:rPr>
-              <a:t>Technische Hochschule Nürnberg Georg Simon Ohm</a:t>
+              <a:t>Technische </a:t>
+            </a:r>
+            <a:r>
+              <a:rPr b="0" lang="de-DE" sz="1000" spc="-1" strike="noStrike">
+                <a:solidFill>
+                  <a:srgbClr val="000000"/>
+                </a:solidFill>
+                <a:latin typeface="Arial"/>
+                <a:ea typeface="DejaVu Sans"/>
+              </a:rPr>
+              <a:t>Hochschule </a:t>
+            </a:r>
+            <a:r>
+              <a:rPr b="0" lang="de-DE" sz="1000" spc="-1" strike="noStrike">
+                <a:solidFill>
+                  <a:srgbClr val="000000"/>
+                </a:solidFill>
+                <a:latin typeface="Arial"/>
+                <a:ea typeface="DejaVu Sans"/>
+              </a:rPr>
+              <a:t>Nürnberg </a:t>
+            </a:r>
+            <a:r>
+              <a:rPr b="0" lang="de-DE" sz="1000" spc="-1" strike="noStrike">
+                <a:solidFill>
+                  <a:srgbClr val="000000"/>
+                </a:solidFill>
+                <a:latin typeface="Arial"/>
+                <a:ea typeface="DejaVu Sans"/>
+              </a:rPr>
+              <a:t>Georg Simon </a:t>
+            </a:r>
+            <a:r>
+              <a:rPr b="0" lang="de-DE" sz="1000" spc="-1" strike="noStrike">
+                <a:solidFill>
+                  <a:srgbClr val="000000"/>
+                </a:solidFill>
+                <a:latin typeface="Arial"/>
+                <a:ea typeface="DejaVu Sans"/>
+              </a:rPr>
+              <a:t>Ohm</a:t>
             </a:r>
             <a:endParaRPr b="0" lang="de-DE" sz="1000" spc="-1" strike="noStrike">
               <a:latin typeface="Times New Roman"/>
@@ -10580,7 +10597,17 @@
                 <a:latin typeface="Arial"/>
                 <a:ea typeface="DejaVu Sans"/>
               </a:rPr>
-              <a:t>www.th-nuernberg.de</a:t>
+              <a:t>www.th-</a:t>
+            </a:r>
+            <a:r>
+              <a:rPr b="0" lang="de-DE" sz="1000" spc="-1" strike="noStrike">
+                <a:solidFill>
+                  <a:srgbClr val="0046a0"/>
+                </a:solidFill>
+                <a:latin typeface="Arial"/>
+                <a:ea typeface="DejaVu Sans"/>
+              </a:rPr>
+              <a:t>nuernberg.de</a:t>
             </a:r>
             <a:endParaRPr b="0" lang="de-DE" sz="1000" spc="-1" strike="noStrike">
               <a:latin typeface="Times New Roman"/>
@@ -10647,7 +10674,7 @@
               </a:rPr>
               <a:t>Seite </a:t>
             </a:r>
-            <a:fld id="{9B7C8DA5-E7CF-4153-9767-FED8F1294205}" type="slidenum">
+            <a:fld id="{64B11BF7-E626-4B07-8F9B-43CD459B30E9}" type="slidenum">
               <a:rPr b="0" lang="de-DE" sz="1000" spc="-1" strike="noStrike">
                 <a:solidFill>
                   <a:srgbClr val="000000"/>
@@ -11005,7 +11032,97 @@
                 <a:latin typeface="Arial"/>
                 <a:ea typeface="DejaVu Sans"/>
               </a:rPr>
-              <a:t>3.2  Rapid-Prototyping mit Fusion360</a:t>
+              <a:t>3.2  </a:t>
+            </a:r>
+            <a:r>
+              <a:rPr b="1" lang="de-DE" sz="2400" spc="-1" strike="noStrike">
+                <a:solidFill>
+                  <a:srgbClr val="0046a0"/>
+                </a:solidFill>
+                <a:latin typeface="Arial"/>
+                <a:ea typeface="DejaVu Sans"/>
+              </a:rPr>
+              <a:t>Rapi</a:t>
+            </a:r>
+            <a:r>
+              <a:rPr b="1" lang="de-DE" sz="2400" spc="-1" strike="noStrike">
+                <a:solidFill>
+                  <a:srgbClr val="0046a0"/>
+                </a:solidFill>
+                <a:latin typeface="Arial"/>
+                <a:ea typeface="DejaVu Sans"/>
+              </a:rPr>
+              <a:t>d-</a:t>
+            </a:r>
+            <a:r>
+              <a:rPr b="1" lang="de-DE" sz="2400" spc="-1" strike="noStrike">
+                <a:solidFill>
+                  <a:srgbClr val="0046a0"/>
+                </a:solidFill>
+                <a:latin typeface="Arial"/>
+                <a:ea typeface="DejaVu Sans"/>
+              </a:rPr>
+              <a:t>Prot</a:t>
+            </a:r>
+            <a:r>
+              <a:rPr b="1" lang="de-DE" sz="2400" spc="-1" strike="noStrike">
+                <a:solidFill>
+                  <a:srgbClr val="0046a0"/>
+                </a:solidFill>
+                <a:latin typeface="Arial"/>
+                <a:ea typeface="DejaVu Sans"/>
+              </a:rPr>
+              <a:t>otypi</a:t>
+            </a:r>
+            <a:r>
+              <a:rPr b="1" lang="de-DE" sz="2400" spc="-1" strike="noStrike">
+                <a:solidFill>
+                  <a:srgbClr val="0046a0"/>
+                </a:solidFill>
+                <a:latin typeface="Arial"/>
+                <a:ea typeface="DejaVu Sans"/>
+              </a:rPr>
+              <a:t>ng </a:t>
+            </a:r>
+            <a:r>
+              <a:rPr b="1" lang="de-DE" sz="2400" spc="-1" strike="noStrike">
+                <a:solidFill>
+                  <a:srgbClr val="0046a0"/>
+                </a:solidFill>
+                <a:latin typeface="Arial"/>
+                <a:ea typeface="DejaVu Sans"/>
+              </a:rPr>
+              <a:t>mit </a:t>
+            </a:r>
+            <a:r>
+              <a:rPr b="1" lang="de-DE" sz="2400" spc="-1" strike="noStrike">
+                <a:solidFill>
+                  <a:srgbClr val="0046a0"/>
+                </a:solidFill>
+                <a:latin typeface="Arial"/>
+                <a:ea typeface="DejaVu Sans"/>
+              </a:rPr>
+              <a:t>Fusi</a:t>
+            </a:r>
+            <a:r>
+              <a:rPr b="1" lang="de-DE" sz="2400" spc="-1" strike="noStrike">
+                <a:solidFill>
+                  <a:srgbClr val="0046a0"/>
+                </a:solidFill>
+                <a:latin typeface="Arial"/>
+                <a:ea typeface="DejaVu Sans"/>
+              </a:rPr>
+              <a:t>on36</a:t>
+            </a:r>
+            <a:r>
+              <a:rPr b="1" lang="de-DE" sz="2400" spc="-1" strike="noStrike">
+                <a:solidFill>
+                  <a:srgbClr val="0046a0"/>
+                </a:solidFill>
+                <a:latin typeface="Arial"/>
+                <a:ea typeface="DejaVu Sans"/>
+              </a:rPr>
+              <a:t>0</a:t>
             </a:r>
             <a:endParaRPr b="0" lang="de-DE" sz="2400" spc="-1" strike="noStrike">
               <a:solidFill>
@@ -11073,27 +11190,7 @@
                 <a:latin typeface="Arial"/>
                 <a:ea typeface="DejaVu Sans"/>
               </a:rPr>
-              <a:t>Technische Hochschule </a:t>
-            </a:r>
-            <a:r>
-              <a:rPr b="0" lang="de-DE" sz="1000" spc="-1" strike="noStrike">
-                <a:solidFill>
-                  <a:srgbClr val="000000"/>
-                </a:solidFill>
-                <a:latin typeface="Arial"/>
-                <a:ea typeface="DejaVu Sans"/>
-              </a:rPr>
-              <a:t>Nürnberg Georg Simon </a:t>
-            </a:r>
-            <a:r>
-              <a:rPr b="0" lang="de-DE" sz="1000" spc="-1" strike="noStrike">
-                <a:solidFill>
-                  <a:srgbClr val="000000"/>
-                </a:solidFill>
-                <a:latin typeface="Arial"/>
-                <a:ea typeface="DejaVu Sans"/>
-              </a:rPr>
-              <a:t>Ohm</a:t>
+              <a:t>Technische Hochschule Nürnberg Georg Simon Ohm</a:t>
             </a:r>
             <a:endParaRPr b="0" lang="de-DE" sz="1000" spc="-1" strike="noStrike">
               <a:latin typeface="Times New Roman"/>
@@ -11181,7 +11278,7 @@
               </a:rPr>
               <a:t>Seite </a:t>
             </a:r>
-            <a:fld id="{68EEF6AB-BC0F-4F34-91DC-DAEE2162A2C3}" type="slidenum">
+            <a:fld id="{6C4E51DF-A6CA-403B-BDFF-26A87B70FDA3}" type="slidenum">
               <a:rPr b="0" lang="de-DE" sz="1000" spc="-1" strike="noStrike">
                 <a:solidFill>
                   <a:srgbClr val="000000"/>
@@ -11608,7 +11705,7 @@
               </a:rPr>
               <a:t>Seite </a:t>
             </a:r>
-            <a:fld id="{E6230263-E0F8-4038-8CBA-A0F91B41C840}" type="slidenum">
+            <a:fld id="{D5951407-5596-4928-8029-A93900BF202A}" type="slidenum">
               <a:rPr b="0" lang="de-DE" sz="1000" spc="-1" strike="noStrike">
                 <a:solidFill>
                   <a:srgbClr val="000000"/>
@@ -12140,7 +12237,7 @@
               </a:rPr>
               <a:t>Seite </a:t>
             </a:r>
-            <a:fld id="{CA8943FF-8B5F-4DF9-8658-94146E26AF3D}" type="slidenum">
+            <a:fld id="{283DC024-9509-46DC-9CDE-15B4829BE3B1}" type="slidenum">
               <a:rPr b="0" lang="de-DE" sz="1000" spc="-1" strike="noStrike">
                 <a:solidFill>
                   <a:srgbClr val="000000"/>
@@ -12459,7 +12556,7 @@
               </a:rPr>
               <a:t>Seite </a:t>
             </a:r>
-            <a:fld id="{9A7BBE8C-AC20-4F82-A704-4FA11F4319F3}" type="slidenum">
+            <a:fld id="{9C7698CE-7670-434B-9DDE-0CC1C7122B49}" type="slidenum">
               <a:rPr b="0" lang="de-DE" sz="1000" spc="-1" strike="noStrike">
                 <a:solidFill>
                   <a:srgbClr val="000000"/>
@@ -12690,27 +12787,7 @@
                 <a:latin typeface="Arial"/>
                 <a:ea typeface="DejaVu Sans"/>
               </a:rPr>
-              <a:t>Technische Hochschule </a:t>
-            </a:r>
-            <a:r>
-              <a:rPr b="0" lang="de-DE" sz="1000" spc="-1" strike="noStrike">
-                <a:solidFill>
-                  <a:srgbClr val="000000"/>
-                </a:solidFill>
-                <a:latin typeface="Arial"/>
-                <a:ea typeface="DejaVu Sans"/>
-              </a:rPr>
-              <a:t>Nürnberg Georg Simon </a:t>
-            </a:r>
-            <a:r>
-              <a:rPr b="0" lang="de-DE" sz="1000" spc="-1" strike="noStrike">
-                <a:solidFill>
-                  <a:srgbClr val="000000"/>
-                </a:solidFill>
-                <a:latin typeface="Arial"/>
-                <a:ea typeface="DejaVu Sans"/>
-              </a:rPr>
-              <a:t>Ohm</a:t>
+              <a:t>Technische Hochschule Nürnberg Georg Simon Ohm</a:t>
             </a:r>
             <a:endParaRPr b="0" lang="de-DE" sz="1000" spc="-1" strike="noStrike">
               <a:latin typeface="Times New Roman"/>
@@ -12798,7 +12875,7 @@
               </a:rPr>
               <a:t>Seite </a:t>
             </a:r>
-            <a:fld id="{50A3CE81-7F0E-4E36-9762-8FA7173902B2}" type="slidenum">
+            <a:fld id="{4A29CE2A-60CF-4EC5-A286-75A0285D4137}" type="slidenum">
               <a:rPr b="0" lang="de-DE" sz="1000" spc="-1" strike="noStrike">
                 <a:solidFill>
                   <a:srgbClr val="000000"/>
@@ -13072,7 +13149,27 @@
                 <a:latin typeface="Arial"/>
                 <a:ea typeface="DejaVu Sans"/>
               </a:rPr>
-              <a:t>Technische Hochschule Nürnberg Georg Simon Ohm</a:t>
+              <a:t>Technische Hochschule </a:t>
+            </a:r>
+            <a:r>
+              <a:rPr b="0" lang="de-DE" sz="1000" spc="-1" strike="noStrike">
+                <a:solidFill>
+                  <a:srgbClr val="000000"/>
+                </a:solidFill>
+                <a:latin typeface="Arial"/>
+                <a:ea typeface="DejaVu Sans"/>
+              </a:rPr>
+              <a:t>Nürnberg Georg Simon </a:t>
+            </a:r>
+            <a:r>
+              <a:rPr b="0" lang="de-DE" sz="1000" spc="-1" strike="noStrike">
+                <a:solidFill>
+                  <a:srgbClr val="000000"/>
+                </a:solidFill>
+                <a:latin typeface="Arial"/>
+                <a:ea typeface="DejaVu Sans"/>
+              </a:rPr>
+              <a:t>Ohm</a:t>
             </a:r>
             <a:endParaRPr b="0" lang="de-DE" sz="1000" spc="-1" strike="noStrike">
               <a:latin typeface="Times New Roman"/>
@@ -13160,7 +13257,7 @@
               </a:rPr>
               <a:t>Seite </a:t>
             </a:r>
-            <a:fld id="{D52B09D5-0ECD-4574-85ED-F8E472591605}" type="slidenum">
+            <a:fld id="{A0CE58DA-5795-45C0-A36F-C22917101957}" type="slidenum">
               <a:rPr b="0" lang="de-DE" sz="1000" spc="-1" strike="noStrike">
                 <a:solidFill>
                   <a:srgbClr val="000000"/>
@@ -13412,27 +13509,7 @@
                 <a:latin typeface="Arial"/>
                 <a:ea typeface="DejaVu Sans"/>
               </a:rPr>
-              <a:t>Technische Hochschule </a:t>
-            </a:r>
-            <a:r>
-              <a:rPr b="0" lang="de-DE" sz="1000" spc="-1" strike="noStrike">
-                <a:solidFill>
-                  <a:srgbClr val="000000"/>
-                </a:solidFill>
-                <a:latin typeface="Arial"/>
-                <a:ea typeface="DejaVu Sans"/>
-              </a:rPr>
-              <a:t>Nürnberg Georg Simon </a:t>
-            </a:r>
-            <a:r>
-              <a:rPr b="0" lang="de-DE" sz="1000" spc="-1" strike="noStrike">
-                <a:solidFill>
-                  <a:srgbClr val="000000"/>
-                </a:solidFill>
-                <a:latin typeface="Arial"/>
-                <a:ea typeface="DejaVu Sans"/>
-              </a:rPr>
-              <a:t>Ohm</a:t>
+              <a:t>Technische Hochschule Nürnberg Georg Simon Ohm</a:t>
             </a:r>
             <a:endParaRPr b="0" lang="de-DE" sz="1000" spc="-1" strike="noStrike">
               <a:latin typeface="Times New Roman"/>
@@ -13520,7 +13597,7 @@
               </a:rPr>
               <a:t>Seite </a:t>
             </a:r>
-            <a:fld id="{135E5312-50A4-4ED7-9B00-1029EE55F194}" type="slidenum">
+            <a:fld id="{78F58E54-FDF5-43B6-940C-0A9E535AA47B}" type="slidenum">
               <a:rPr b="0" lang="de-DE" sz="1000" spc="-1" strike="noStrike">
                 <a:solidFill>
                   <a:srgbClr val="000000"/>
@@ -14114,7 +14191,7 @@
               </a:rPr>
               <a:t>Seite </a:t>
             </a:r>
-            <a:fld id="{D3003494-0476-4839-BC0F-969C256A7DA0}" type="slidenum">
+            <a:fld id="{D4DF43AA-F7D4-4D0C-A9BB-D14134569F23}" type="slidenum">
               <a:rPr b="0" lang="de-DE" sz="1000" spc="-1" strike="noStrike">
                 <a:solidFill>
                   <a:srgbClr val="000000"/>
@@ -14376,7 +14453,17 @@
                 <a:latin typeface="Arial"/>
                 <a:ea typeface="DejaVu Sans"/>
               </a:rPr>
-              <a:t>Motivation: Erweiterung des Kenntnisstands bezüglich analoger Schaltungstechnik und Leiterplattendesign </a:t>
+              <a:t>Motivation: Erweiterung des Kenntnisstands bezüglich analoger </a:t>
+            </a:r>
+            <a:r>
+              <a:rPr b="0" lang="de-DE" sz="1800" spc="-1" strike="noStrike">
+                <a:solidFill>
+                  <a:srgbClr val="000000"/>
+                </a:solidFill>
+                <a:latin typeface="Arial"/>
+                <a:ea typeface="DejaVu Sans"/>
+              </a:rPr>
+              <a:t>Schaltungstechnik und Leiterplattendesign </a:t>
             </a:r>
             <a:endParaRPr b="0" lang="de-DE" sz="1800" spc="-1" strike="noStrike">
               <a:solidFill>
@@ -14532,7 +14619,7 @@
               </a:rPr>
               <a:t>Seite </a:t>
             </a:r>
-            <a:fld id="{C91E9CE3-E8FD-4026-AA20-2D31E6D06BEA}" type="slidenum">
+            <a:fld id="{81ED119E-05A2-492E-AF19-9F93477EF2C3}" type="slidenum">
               <a:rPr b="0" lang="de-DE" sz="1000" spc="-1" strike="noStrike">
                 <a:solidFill>
                   <a:srgbClr val="000000"/>
@@ -14918,7 +15005,27 @@
                 <a:latin typeface="Arial"/>
                 <a:ea typeface="DejaVu Sans"/>
               </a:rPr>
-              <a:t>Technische Hochschule Nürnberg Georg Simon Ohm</a:t>
+              <a:t>Technische Hochschule </a:t>
+            </a:r>
+            <a:r>
+              <a:rPr b="0" lang="de-DE" sz="1000" spc="-1" strike="noStrike">
+                <a:solidFill>
+                  <a:srgbClr val="000000"/>
+                </a:solidFill>
+                <a:latin typeface="Arial"/>
+                <a:ea typeface="DejaVu Sans"/>
+              </a:rPr>
+              <a:t>Nürnberg Georg Simon </a:t>
+            </a:r>
+            <a:r>
+              <a:rPr b="0" lang="de-DE" sz="1000" spc="-1" strike="noStrike">
+                <a:solidFill>
+                  <a:srgbClr val="000000"/>
+                </a:solidFill>
+                <a:latin typeface="Arial"/>
+                <a:ea typeface="DejaVu Sans"/>
+              </a:rPr>
+              <a:t>Ohm</a:t>
             </a:r>
             <a:endParaRPr b="0" lang="de-DE" sz="1000" spc="-1" strike="noStrike">
               <a:latin typeface="Times New Roman"/>
@@ -15006,7 +15113,7 @@
               </a:rPr>
               <a:t>Seite </a:t>
             </a:r>
-            <a:fld id="{9AE4F6F6-5D40-4E0F-B803-5D542F004B33}" type="slidenum">
+            <a:fld id="{FA3FF431-A5C2-44F0-BB7E-C179AE1CACE2}" type="slidenum">
               <a:rPr b="0" lang="de-DE" sz="1000" spc="-1" strike="noStrike">
                 <a:solidFill>
                   <a:srgbClr val="000000"/>
@@ -18989,7 +19096,7 @@
               </a:rPr>
               <a:t>Seite </a:t>
             </a:r>
-            <a:fld id="{129E6CA6-CC10-4579-9B6B-EA31453D6FE0}" type="slidenum">
+            <a:fld id="{A6C008CF-F27E-4063-B4DD-6FAAB1A91A2E}" type="slidenum">
               <a:rPr b="0" lang="de-DE" sz="1000" spc="-1" strike="noStrike">
                 <a:solidFill>
                   <a:srgbClr val="000000"/>
@@ -20225,37 +20332,7 @@
                 <a:latin typeface="Arial"/>
                 <a:ea typeface="DejaVu Sans"/>
               </a:rPr>
-              <a:t>4.1  Low </a:t>
-            </a:r>
-            <a:r>
-              <a:rPr b="1" lang="de-DE" sz="2400" spc="-1" strike="noStrike">
-                <a:solidFill>
-                  <a:srgbClr val="0046a0"/>
-                </a:solidFill>
-                <a:latin typeface="Arial"/>
-                <a:ea typeface="DejaVu Sans"/>
-              </a:rPr>
-              <a:t>Frequenc</a:t>
-            </a:r>
-            <a:r>
-              <a:rPr b="1" lang="de-DE" sz="2400" spc="-1" strike="noStrike">
-                <a:solidFill>
-                  <a:srgbClr val="0046a0"/>
-                </a:solidFill>
-                <a:latin typeface="Arial"/>
-                <a:ea typeface="DejaVu Sans"/>
-              </a:rPr>
-              <a:t>y </a:t>
-            </a:r>
-            <a:r>
-              <a:rPr b="1" lang="de-DE" sz="2400" spc="-1" strike="noStrike">
-                <a:solidFill>
-                  <a:srgbClr val="0046a0"/>
-                </a:solidFill>
-                <a:latin typeface="Arial"/>
-                <a:ea typeface="DejaVu Sans"/>
-              </a:rPr>
-              <a:t>Oszillator</a:t>
+              <a:t>4.1  Low Frequency Oszillator</a:t>
             </a:r>
             <a:endParaRPr b="0" lang="de-DE" sz="2400" spc="-1" strike="noStrike">
               <a:solidFill>
@@ -20323,7 +20400,37 @@
                 <a:latin typeface="Arial"/>
                 <a:ea typeface="DejaVu Sans"/>
               </a:rPr>
-              <a:t>Technische Hochschule Nürnberg Georg Simon Ohm</a:t>
+              <a:t>Technische </a:t>
+            </a:r>
+            <a:r>
+              <a:rPr b="0" lang="de-DE" sz="1000" spc="-1" strike="noStrike">
+                <a:solidFill>
+                  <a:srgbClr val="000000"/>
+                </a:solidFill>
+                <a:latin typeface="Arial"/>
+                <a:ea typeface="DejaVu Sans"/>
+              </a:rPr>
+              <a:t>Hochschule </a:t>
+            </a:r>
+            <a:r>
+              <a:rPr b="0" lang="de-DE" sz="1000" spc="-1" strike="noStrike">
+                <a:solidFill>
+                  <a:srgbClr val="000000"/>
+                </a:solidFill>
+                <a:latin typeface="Arial"/>
+                <a:ea typeface="DejaVu Sans"/>
+              </a:rPr>
+              <a:t>Nürnberg Georg </a:t>
+            </a:r>
+            <a:r>
+              <a:rPr b="0" lang="de-DE" sz="1000" spc="-1" strike="noStrike">
+                <a:solidFill>
+                  <a:srgbClr val="000000"/>
+                </a:solidFill>
+                <a:latin typeface="Arial"/>
+                <a:ea typeface="DejaVu Sans"/>
+              </a:rPr>
+              <a:t>Simon Ohm</a:t>
             </a:r>
             <a:endParaRPr b="0" lang="de-DE" sz="1000" spc="-1" strike="noStrike">
               <a:latin typeface="Times New Roman"/>
@@ -20411,7 +20518,7 @@
               </a:rPr>
               <a:t>Seite </a:t>
             </a:r>
-            <a:fld id="{16B9817B-97F4-450B-BC08-91B2F3A4EDD5}" type="slidenum">
+            <a:fld id="{5195EEC6-0DB8-4CE8-834A-74169AF3BF08}" type="slidenum">
               <a:rPr b="0" lang="de-DE" sz="1000" spc="-1" strike="noStrike">
                 <a:solidFill>
                   <a:srgbClr val="000000"/>
@@ -20782,7 +20889,7 @@
               </a:rPr>
               <a:t>Seite </a:t>
             </a:r>
-            <a:fld id="{14C659B8-C2DD-448B-A67D-1FFCEB6A58E4}" type="slidenum">
+            <a:fld id="{EDFFD6E6-A956-44A2-80F6-7F49B8EC1118}" type="slidenum">
               <a:rPr b="0" lang="de-DE" sz="1000" spc="-1" strike="noStrike">
                 <a:solidFill>
                   <a:srgbClr val="000000"/>
@@ -21280,7 +21387,7 @@
               </a:rPr>
               <a:t>Seite </a:t>
             </a:r>
-            <a:fld id="{13931197-8366-4FD0-87A8-51AA15BC465E}" type="slidenum">
+            <a:fld id="{A14622A6-F6BA-4EC8-8A1F-87BE4907DB8D}" type="slidenum">
               <a:rPr b="0" lang="de-DE" sz="1000" spc="-1" strike="noStrike">
                 <a:solidFill>
                   <a:srgbClr val="000000"/>
@@ -21931,7 +22038,7 @@
               </a:rPr>
               <a:t>Seite </a:t>
             </a:r>
-            <a:fld id="{CD0A30C2-FBC1-4BC1-86F8-F08FAF706342}" type="slidenum">
+            <a:fld id="{6D823144-8E9D-408C-BC5B-D16916C1FA7D}" type="slidenum">
               <a:rPr b="0" lang="de-DE" sz="1000" spc="-1" strike="noStrike">
                 <a:solidFill>
                   <a:srgbClr val="000000"/>
